--- a/lec/anninbon5.pptx
+++ b/lec/anninbon5.pptx
@@ -5,10 +5,10 @@
     <p:sldMasterId id="2147483706" r:id="rId1"/>
   </p:sldMasterIdLst>
   <p:notesMasterIdLst>
-    <p:notesMasterId r:id="rId9"/>
+    <p:notesMasterId r:id="rId13"/>
   </p:notesMasterIdLst>
   <p:handoutMasterIdLst>
-    <p:handoutMasterId r:id="rId10"/>
+    <p:handoutMasterId r:id="rId14"/>
   </p:handoutMasterIdLst>
   <p:sldIdLst>
     <p:sldId id="552" r:id="rId2"/>
@@ -18,6 +18,10 @@
     <p:sldId id="556" r:id="rId6"/>
     <p:sldId id="557" r:id="rId7"/>
     <p:sldId id="558" r:id="rId8"/>
+    <p:sldId id="559" r:id="rId9"/>
+    <p:sldId id="560" r:id="rId10"/>
+    <p:sldId id="561" r:id="rId11"/>
+    <p:sldId id="562" r:id="rId12"/>
   </p:sldIdLst>
   <p:sldSz cx="9144000" cy="6858000" type="screen4x3"/>
   <p:notesSz cx="7099300" cy="10234613"/>
@@ -158,6 +162,10 @@
             <p14:sldId id="556"/>
             <p14:sldId id="557"/>
             <p14:sldId id="558"/>
+            <p14:sldId id="559"/>
+            <p14:sldId id="560"/>
+            <p14:sldId id="561"/>
+            <p14:sldId id="562"/>
           </p14:sldIdLst>
         </p14:section>
       </p14:sectionLst>
@@ -2372,7 +2380,1336 @@
 </p:sld>
 </file>
 
-<file path=ppt/slides/slide2.xml><?xml version="1.0" encoding="utf-8"?>
+<file path=ppt/slides/slide10.xml><?xml version="1.0" encoding="utf-8"?>
+<p:sld xmlns:a="http://schemas.openxmlformats.org/drawingml/2006/main" xmlns:r="http://schemas.openxmlformats.org/officeDocument/2006/relationships" xmlns:p="http://schemas.openxmlformats.org/presentationml/2006/main">
+  <p:cSld>
+    <p:spTree>
+      <p:nvGrpSpPr>
+        <p:cNvPr id="1" name=""/>
+        <p:cNvGrpSpPr/>
+        <p:nvPr/>
+      </p:nvGrpSpPr>
+      <p:grpSpPr>
+        <a:xfrm>
+          <a:off x="0" y="0"/>
+          <a:ext cx="0" cy="0"/>
+          <a:chOff x="0" y="0"/>
+          <a:chExt cx="0" cy="0"/>
+        </a:xfrm>
+      </p:grpSpPr>
+      <p:sp>
+        <p:nvSpPr>
+          <p:cNvPr id="2" name="コンテンツ プレースホルダー 1">
+            <a:extLst>
+              <a:ext uri="{FF2B5EF4-FFF2-40B4-BE49-F238E27FC236}">
+                <a16:creationId xmlns:a16="http://schemas.microsoft.com/office/drawing/2014/main" id="{077B73FA-D842-4A8D-8447-81684804E46E}"/>
+              </a:ext>
+            </a:extLst>
+          </p:cNvPr>
+          <p:cNvSpPr>
+            <a:spLocks noGrp="1"/>
+          </p:cNvSpPr>
+          <p:nvPr>
+            <p:ph idx="1"/>
+          </p:nvPr>
+        </p:nvSpPr>
+        <p:spPr/>
+        <p:txBody>
+          <a:bodyPr/>
+          <a:lstStyle/>
+          <a:p>
+            <a:r>
+              <a:rPr kumimoji="1" lang="ja-JP" altLang="en-US"/>
+              <a:t>加算</a:t>
+            </a:r>
+            <a:endParaRPr kumimoji="1" lang="en-US" altLang="ja-JP"/>
+          </a:p>
+          <a:p>
+            <a:endParaRPr lang="en-US" altLang="ja-JP"/>
+          </a:p>
+          <a:p>
+            <a:endParaRPr kumimoji="1" lang="en-US" altLang="ja-JP"/>
+          </a:p>
+          <a:p>
+            <a:endParaRPr lang="en-US" altLang="ja-JP"/>
+          </a:p>
+          <a:p>
+            <a:r>
+              <a:rPr kumimoji="1" lang="ja-JP" altLang="en-US"/>
+              <a:t>乗算</a:t>
+            </a:r>
+            <a:endParaRPr kumimoji="1" lang="en-US" altLang="ja-JP"/>
+          </a:p>
+          <a:p>
+            <a:endParaRPr lang="en-US" altLang="ja-JP"/>
+          </a:p>
+          <a:p>
+            <a:endParaRPr kumimoji="1" lang="en-US" altLang="ja-JP"/>
+          </a:p>
+          <a:p>
+            <a:endParaRPr lang="en-US" altLang="ja-JP"/>
+          </a:p>
+          <a:p>
+            <a:r>
+              <a:rPr kumimoji="1" lang="ja-JP" altLang="en-US"/>
+              <a:t>逆数</a:t>
+            </a:r>
+          </a:p>
+        </p:txBody>
+      </p:sp>
+      <p:sp>
+        <p:nvSpPr>
+          <p:cNvPr id="3" name="スライド番号プレースホルダー 2">
+            <a:extLst>
+              <a:ext uri="{FF2B5EF4-FFF2-40B4-BE49-F238E27FC236}">
+                <a16:creationId xmlns:a16="http://schemas.microsoft.com/office/drawing/2014/main" id="{10A251CB-1308-4BFD-918F-D6FE2281DA51}"/>
+              </a:ext>
+            </a:extLst>
+          </p:cNvPr>
+          <p:cNvSpPr>
+            <a:spLocks noGrp="1"/>
+          </p:cNvSpPr>
+          <p:nvPr>
+            <p:ph type="sldNum" sz="quarter" idx="12"/>
+          </p:nvPr>
+        </p:nvSpPr>
+        <p:spPr/>
+        <p:txBody>
+          <a:bodyPr/>
+          <a:lstStyle/>
+          <a:p>
+            <a:pPr>
+              <a:defRPr/>
+            </a:pPr>
+            <a:r>
+              <a:rPr lang="en-US" altLang="ja-JP"/>
+              <a:t>    </a:t>
+            </a:r>
+            <a:fld id="{B2782DEB-472A-4FE5-AC34-C17109CF5A91}" type="slidenum">
+              <a:rPr lang="en-US" altLang="ja-JP" smtClean="0"/>
+              <a:pPr>
+                <a:defRPr/>
+              </a:pPr>
+              <a:t>10</a:t>
+            </a:fld>
+            <a:r>
+              <a:rPr lang="en-US" altLang="ja-JP"/>
+              <a:t> / 24</a:t>
+            </a:r>
+          </a:p>
+        </p:txBody>
+      </p:sp>
+      <mc:AlternateContent xmlns:mc="http://schemas.openxmlformats.org/markup-compatibility/2006">
+        <mc:Choice xmlns:a14="http://schemas.microsoft.com/office/drawing/2010/main" Requires="a14">
+          <p:sp>
+            <p:nvSpPr>
+              <p:cNvPr id="4" name="タイトル 3">
+                <a:extLst>
+                  <a:ext uri="{FF2B5EF4-FFF2-40B4-BE49-F238E27FC236}">
+                    <a16:creationId xmlns:a16="http://schemas.microsoft.com/office/drawing/2014/main" id="{FDA33CDE-B678-4481-B46C-5476734548C6}"/>
+                  </a:ext>
+                </a:extLst>
+              </p:cNvPr>
+              <p:cNvSpPr>
+                <a:spLocks noGrp="1"/>
+              </p:cNvSpPr>
+              <p:nvPr>
+                <p:ph type="title"/>
+              </p:nvPr>
+            </p:nvSpPr>
+            <p:spPr/>
+            <p:txBody>
+              <a:bodyPr/>
+              <a:lstStyle/>
+              <a:p>
+                <a14:m>
+                  <m:oMath xmlns:m="http://schemas.openxmlformats.org/officeDocument/2006/math">
+                    <m:sSub>
+                      <m:sSubPr>
+                        <m:ctrlPr>
+                          <a:rPr kumimoji="1" lang="en-US" altLang="ja-JP" b="0" i="1" smtClean="0">
+                            <a:latin typeface="Cambria Math" panose="02040503050406030204" pitchFamily="18" charset="0"/>
+                          </a:rPr>
+                        </m:ctrlPr>
+                      </m:sSubPr>
+                      <m:e>
+                        <m:r>
+                          <a:rPr kumimoji="1" lang="en-US" altLang="ja-JP" b="0" i="1" smtClean="0">
+                            <a:latin typeface="Cambria Math" panose="02040503050406030204" pitchFamily="18" charset="0"/>
+                          </a:rPr>
+                          <m:t>𝔽</m:t>
+                        </m:r>
+                      </m:e>
+                      <m:sub>
+                        <m:sSup>
+                          <m:sSupPr>
+                            <m:ctrlPr>
+                              <a:rPr kumimoji="1" lang="en-US" altLang="ja-JP" b="0" i="1" smtClean="0">
+                                <a:latin typeface="Cambria Math" panose="02040503050406030204" pitchFamily="18" charset="0"/>
+                              </a:rPr>
+                            </m:ctrlPr>
+                          </m:sSupPr>
+                          <m:e>
+                            <m:r>
+                              <a:rPr kumimoji="1" lang="en-US" altLang="ja-JP" b="0" i="1" smtClean="0">
+                                <a:latin typeface="Cambria Math" panose="02040503050406030204" pitchFamily="18" charset="0"/>
+                              </a:rPr>
+                              <m:t>2</m:t>
+                            </m:r>
+                          </m:e>
+                          <m:sup>
+                            <m:r>
+                              <a:rPr kumimoji="1" lang="en-US" altLang="ja-JP" b="0" i="1" smtClean="0">
+                                <a:latin typeface="Cambria Math" panose="02040503050406030204" pitchFamily="18" charset="0"/>
+                              </a:rPr>
+                              <m:t>2</m:t>
+                            </m:r>
+                          </m:sup>
+                        </m:sSup>
+                      </m:sub>
+                    </m:sSub>
+                  </m:oMath>
+                </a14:m>
+                <a:r>
+                  <a:rPr kumimoji="1" lang="ja-JP" altLang="en-US"/>
+                  <a:t>の演算表</a:t>
+                </a:r>
+              </a:p>
+            </p:txBody>
+          </p:sp>
+        </mc:Choice>
+        <mc:Fallback>
+          <p:sp>
+            <p:nvSpPr>
+              <p:cNvPr id="4" name="タイトル 3">
+                <a:extLst>
+                  <a:ext uri="{FF2B5EF4-FFF2-40B4-BE49-F238E27FC236}">
+                    <a16:creationId xmlns:a16="http://schemas.microsoft.com/office/drawing/2014/main" id="{FDA33CDE-B678-4481-B46C-5476734548C6}"/>
+                  </a:ext>
+                </a:extLst>
+              </p:cNvPr>
+              <p:cNvSpPr>
+                <a:spLocks noGrp="1" noRot="1" noChangeAspect="1" noMove="1" noResize="1" noEditPoints="1" noAdjustHandles="1" noChangeArrowheads="1" noChangeShapeType="1" noTextEdit="1"/>
+              </p:cNvSpPr>
+              <p:nvPr>
+                <p:ph type="title"/>
+              </p:nvPr>
+            </p:nvSpPr>
+            <p:spPr>
+              <a:blipFill>
+                <a:blip r:embed="rId2"/>
+                <a:stretch>
+                  <a:fillRect t="-12360" b="-46067"/>
+                </a:stretch>
+              </a:blipFill>
+            </p:spPr>
+            <p:txBody>
+              <a:bodyPr/>
+              <a:lstStyle/>
+              <a:p>
+                <a:r>
+                  <a:rPr lang="ja-JP" altLang="en-US">
+                    <a:noFill/>
+                  </a:rPr>
+                  <a:t> </a:t>
+                </a:r>
+              </a:p>
+            </p:txBody>
+          </p:sp>
+        </mc:Fallback>
+      </mc:AlternateContent>
+      <p:graphicFrame>
+        <p:nvGraphicFramePr>
+          <p:cNvPr id="5" name="表 5">
+            <a:extLst>
+              <a:ext uri="{FF2B5EF4-FFF2-40B4-BE49-F238E27FC236}">
+                <a16:creationId xmlns:a16="http://schemas.microsoft.com/office/drawing/2014/main" id="{668C2C62-9690-4154-B547-4CC2BB0F3428}"/>
+              </a:ext>
+            </a:extLst>
+          </p:cNvPr>
+          <p:cNvGraphicFramePr>
+            <a:graphicFrameLocks noGrp="1"/>
+          </p:cNvGraphicFramePr>
+          <p:nvPr>
+            <p:extLst>
+              <p:ext uri="{D42A27DB-BD31-4B8C-83A1-F6EECF244321}">
+                <p14:modId xmlns:p14="http://schemas.microsoft.com/office/powerpoint/2010/main" val="1315216295"/>
+              </p:ext>
+            </p:extLst>
+          </p:nvPr>
+        </p:nvGraphicFramePr>
+        <p:xfrm>
+          <a:off x="1331640" y="1052736"/>
+          <a:ext cx="6096000" cy="1854200"/>
+        </p:xfrm>
+        <a:graphic>
+          <a:graphicData uri="http://schemas.openxmlformats.org/drawingml/2006/table">
+            <a:tbl>
+              <a:tblPr firstRow="1" bandRow="1">
+                <a:tableStyleId>{5C22544A-7EE6-4342-B048-85BDC9FD1C3A}</a:tableStyleId>
+              </a:tblPr>
+              <a:tblGrid>
+                <a:gridCol w="1219200">
+                  <a:extLst>
+                    <a:ext uri="{9D8B030D-6E8A-4147-A177-3AD203B41FA5}">
+                      <a16:colId xmlns:a16="http://schemas.microsoft.com/office/drawing/2014/main" val="3495913606"/>
+                    </a:ext>
+                  </a:extLst>
+                </a:gridCol>
+                <a:gridCol w="1219200">
+                  <a:extLst>
+                    <a:ext uri="{9D8B030D-6E8A-4147-A177-3AD203B41FA5}">
+                      <a16:colId xmlns:a16="http://schemas.microsoft.com/office/drawing/2014/main" val="2099736620"/>
+                    </a:ext>
+                  </a:extLst>
+                </a:gridCol>
+                <a:gridCol w="1219200">
+                  <a:extLst>
+                    <a:ext uri="{9D8B030D-6E8A-4147-A177-3AD203B41FA5}">
+                      <a16:colId xmlns:a16="http://schemas.microsoft.com/office/drawing/2014/main" val="3265969234"/>
+                    </a:ext>
+                  </a:extLst>
+                </a:gridCol>
+                <a:gridCol w="1219200">
+                  <a:extLst>
+                    <a:ext uri="{9D8B030D-6E8A-4147-A177-3AD203B41FA5}">
+                      <a16:colId xmlns:a16="http://schemas.microsoft.com/office/drawing/2014/main" val="3361155946"/>
+                    </a:ext>
+                  </a:extLst>
+                </a:gridCol>
+                <a:gridCol w="1219200">
+                  <a:extLst>
+                    <a:ext uri="{9D8B030D-6E8A-4147-A177-3AD203B41FA5}">
+                      <a16:colId xmlns:a16="http://schemas.microsoft.com/office/drawing/2014/main" val="674933392"/>
+                    </a:ext>
+                  </a:extLst>
+                </a:gridCol>
+              </a:tblGrid>
+              <a:tr h="370840">
+                <a:tc>
+                  <a:txBody>
+                    <a:bodyPr/>
+                    <a:lstStyle/>
+                    <a:p>
+                      <a:r>
+                        <a:rPr kumimoji="1" lang="en-US" altLang="ja-JP"/>
+                        <a:t>a</a:t>
+                      </a:r>
+                      <a:r>
+                        <a:rPr kumimoji="1" lang="ja-JP" altLang="en-US"/>
+                        <a:t>＼</a:t>
+                      </a:r>
+                      <a:r>
+                        <a:rPr kumimoji="1" lang="en-US" altLang="ja-JP"/>
+                        <a:t>b</a:t>
+                      </a:r>
+                      <a:endParaRPr kumimoji="1" lang="ja-JP" altLang="en-US"/>
+                    </a:p>
+                  </a:txBody>
+                  <a:tcPr/>
+                </a:tc>
+                <a:tc>
+                  <a:txBody>
+                    <a:bodyPr/>
+                    <a:lstStyle/>
+                    <a:p>
+                      <a:r>
+                        <a:rPr kumimoji="1" lang="en-US" altLang="ja-JP"/>
+                        <a:t>0</a:t>
+                      </a:r>
+                      <a:endParaRPr kumimoji="1" lang="ja-JP" altLang="en-US"/>
+                    </a:p>
+                  </a:txBody>
+                  <a:tcPr/>
+                </a:tc>
+                <a:tc>
+                  <a:txBody>
+                    <a:bodyPr/>
+                    <a:lstStyle/>
+                    <a:p>
+                      <a:r>
+                        <a:rPr kumimoji="1" lang="en-US" altLang="ja-JP"/>
+                        <a:t>1</a:t>
+                      </a:r>
+                      <a:endParaRPr kumimoji="1" lang="ja-JP" altLang="en-US"/>
+                    </a:p>
+                  </a:txBody>
+                  <a:tcPr/>
+                </a:tc>
+                <a:tc>
+                  <a:txBody>
+                    <a:bodyPr/>
+                    <a:lstStyle/>
+                    <a:p>
+                      <a:r>
+                        <a:rPr kumimoji="1" lang="en-US" altLang="ja-JP"/>
+                        <a:t>x</a:t>
+                      </a:r>
+                      <a:endParaRPr kumimoji="1" lang="ja-JP" altLang="en-US"/>
+                    </a:p>
+                  </a:txBody>
+                  <a:tcPr/>
+                </a:tc>
+                <a:tc>
+                  <a:txBody>
+                    <a:bodyPr/>
+                    <a:lstStyle/>
+                    <a:p>
+                      <a:r>
+                        <a:rPr kumimoji="1" lang="en-US" altLang="ja-JP"/>
+                        <a:t>x+1</a:t>
+                      </a:r>
+                      <a:endParaRPr kumimoji="1" lang="ja-JP" altLang="en-US"/>
+                    </a:p>
+                  </a:txBody>
+                  <a:tcPr/>
+                </a:tc>
+                <a:extLst>
+                  <a:ext uri="{0D108BD9-81ED-4DB2-BD59-A6C34878D82A}">
+                    <a16:rowId xmlns:a16="http://schemas.microsoft.com/office/drawing/2014/main" val="1913473782"/>
+                  </a:ext>
+                </a:extLst>
+              </a:tr>
+              <a:tr h="370840">
+                <a:tc>
+                  <a:txBody>
+                    <a:bodyPr/>
+                    <a:lstStyle/>
+                    <a:p>
+                      <a:r>
+                        <a:rPr lang="en-US" altLang="ja-JP"/>
+                        <a:t>0</a:t>
+                      </a:r>
+                    </a:p>
+                  </a:txBody>
+                  <a:tcPr anchor="ctr"/>
+                </a:tc>
+                <a:tc>
+                  <a:txBody>
+                    <a:bodyPr/>
+                    <a:lstStyle/>
+                    <a:p>
+                      <a:r>
+                        <a:rPr lang="en-US" altLang="ja-JP"/>
+                        <a:t>0</a:t>
+                      </a:r>
+                    </a:p>
+                  </a:txBody>
+                  <a:tcPr anchor="ctr"/>
+                </a:tc>
+                <a:tc>
+                  <a:txBody>
+                    <a:bodyPr/>
+                    <a:lstStyle/>
+                    <a:p>
+                      <a:r>
+                        <a:rPr lang="en-US" altLang="ja-JP"/>
+                        <a:t>1</a:t>
+                      </a:r>
+                    </a:p>
+                  </a:txBody>
+                  <a:tcPr anchor="ctr"/>
+                </a:tc>
+                <a:tc>
+                  <a:txBody>
+                    <a:bodyPr/>
+                    <a:lstStyle/>
+                    <a:p>
+                      <a:r>
+                        <a:rPr lang="en-US"/>
+                        <a:t>x</a:t>
+                      </a:r>
+                    </a:p>
+                  </a:txBody>
+                  <a:tcPr anchor="ctr"/>
+                </a:tc>
+                <a:tc>
+                  <a:txBody>
+                    <a:bodyPr/>
+                    <a:lstStyle/>
+                    <a:p>
+                      <a:r>
+                        <a:rPr lang="en-US"/>
+                        <a:t>x+1</a:t>
+                      </a:r>
+                    </a:p>
+                  </a:txBody>
+                  <a:tcPr anchor="ctr"/>
+                </a:tc>
+                <a:extLst>
+                  <a:ext uri="{0D108BD9-81ED-4DB2-BD59-A6C34878D82A}">
+                    <a16:rowId xmlns:a16="http://schemas.microsoft.com/office/drawing/2014/main" val="474682716"/>
+                  </a:ext>
+                </a:extLst>
+              </a:tr>
+              <a:tr h="370840">
+                <a:tc>
+                  <a:txBody>
+                    <a:bodyPr/>
+                    <a:lstStyle/>
+                    <a:p>
+                      <a:r>
+                        <a:rPr lang="en-US" altLang="ja-JP"/>
+                        <a:t>1</a:t>
+                      </a:r>
+                    </a:p>
+                  </a:txBody>
+                  <a:tcPr anchor="ctr"/>
+                </a:tc>
+                <a:tc>
+                  <a:txBody>
+                    <a:bodyPr/>
+                    <a:lstStyle/>
+                    <a:p>
+                      <a:r>
+                        <a:rPr lang="en-US" altLang="ja-JP"/>
+                        <a:t>1</a:t>
+                      </a:r>
+                    </a:p>
+                  </a:txBody>
+                  <a:tcPr anchor="ctr"/>
+                </a:tc>
+                <a:tc>
+                  <a:txBody>
+                    <a:bodyPr/>
+                    <a:lstStyle/>
+                    <a:p>
+                      <a:r>
+                        <a:rPr lang="en-US" altLang="ja-JP"/>
+                        <a:t>0</a:t>
+                      </a:r>
+                    </a:p>
+                  </a:txBody>
+                  <a:tcPr anchor="ctr"/>
+                </a:tc>
+                <a:tc>
+                  <a:txBody>
+                    <a:bodyPr/>
+                    <a:lstStyle/>
+                    <a:p>
+                      <a:r>
+                        <a:rPr lang="en-US"/>
+                        <a:t>x+1</a:t>
+                      </a:r>
+                    </a:p>
+                  </a:txBody>
+                  <a:tcPr anchor="ctr"/>
+                </a:tc>
+                <a:tc>
+                  <a:txBody>
+                    <a:bodyPr/>
+                    <a:lstStyle/>
+                    <a:p>
+                      <a:r>
+                        <a:rPr lang="en-US"/>
+                        <a:t>x</a:t>
+                      </a:r>
+                    </a:p>
+                  </a:txBody>
+                  <a:tcPr anchor="ctr"/>
+                </a:tc>
+                <a:extLst>
+                  <a:ext uri="{0D108BD9-81ED-4DB2-BD59-A6C34878D82A}">
+                    <a16:rowId xmlns:a16="http://schemas.microsoft.com/office/drawing/2014/main" val="1772740453"/>
+                  </a:ext>
+                </a:extLst>
+              </a:tr>
+              <a:tr h="370840">
+                <a:tc>
+                  <a:txBody>
+                    <a:bodyPr/>
+                    <a:lstStyle/>
+                    <a:p>
+                      <a:r>
+                        <a:rPr lang="en-US"/>
+                        <a:t>x</a:t>
+                      </a:r>
+                    </a:p>
+                  </a:txBody>
+                  <a:tcPr anchor="ctr"/>
+                </a:tc>
+                <a:tc>
+                  <a:txBody>
+                    <a:bodyPr/>
+                    <a:lstStyle/>
+                    <a:p>
+                      <a:r>
+                        <a:rPr lang="en-US"/>
+                        <a:t>x</a:t>
+                      </a:r>
+                    </a:p>
+                  </a:txBody>
+                  <a:tcPr anchor="ctr"/>
+                </a:tc>
+                <a:tc>
+                  <a:txBody>
+                    <a:bodyPr/>
+                    <a:lstStyle/>
+                    <a:p>
+                      <a:r>
+                        <a:rPr lang="en-US"/>
+                        <a:t>x+1</a:t>
+                      </a:r>
+                    </a:p>
+                  </a:txBody>
+                  <a:tcPr anchor="ctr"/>
+                </a:tc>
+                <a:tc>
+                  <a:txBody>
+                    <a:bodyPr/>
+                    <a:lstStyle/>
+                    <a:p>
+                      <a:r>
+                        <a:rPr lang="en-US" altLang="ja-JP"/>
+                        <a:t>0</a:t>
+                      </a:r>
+                    </a:p>
+                  </a:txBody>
+                  <a:tcPr anchor="ctr"/>
+                </a:tc>
+                <a:tc>
+                  <a:txBody>
+                    <a:bodyPr/>
+                    <a:lstStyle/>
+                    <a:p>
+                      <a:r>
+                        <a:rPr lang="en-US" altLang="ja-JP"/>
+                        <a:t>1</a:t>
+                      </a:r>
+                    </a:p>
+                  </a:txBody>
+                  <a:tcPr anchor="ctr"/>
+                </a:tc>
+                <a:extLst>
+                  <a:ext uri="{0D108BD9-81ED-4DB2-BD59-A6C34878D82A}">
+                    <a16:rowId xmlns:a16="http://schemas.microsoft.com/office/drawing/2014/main" val="40719622"/>
+                  </a:ext>
+                </a:extLst>
+              </a:tr>
+              <a:tr h="370840">
+                <a:tc>
+                  <a:txBody>
+                    <a:bodyPr/>
+                    <a:lstStyle/>
+                    <a:p>
+                      <a:r>
+                        <a:rPr lang="en-US"/>
+                        <a:t>x+1</a:t>
+                      </a:r>
+                    </a:p>
+                  </a:txBody>
+                  <a:tcPr anchor="ctr"/>
+                </a:tc>
+                <a:tc>
+                  <a:txBody>
+                    <a:bodyPr/>
+                    <a:lstStyle/>
+                    <a:p>
+                      <a:r>
+                        <a:rPr lang="en-US"/>
+                        <a:t>x+1</a:t>
+                      </a:r>
+                    </a:p>
+                  </a:txBody>
+                  <a:tcPr anchor="ctr"/>
+                </a:tc>
+                <a:tc>
+                  <a:txBody>
+                    <a:bodyPr/>
+                    <a:lstStyle/>
+                    <a:p>
+                      <a:r>
+                        <a:rPr lang="en-US"/>
+                        <a:t>x</a:t>
+                      </a:r>
+                    </a:p>
+                  </a:txBody>
+                  <a:tcPr anchor="ctr"/>
+                </a:tc>
+                <a:tc>
+                  <a:txBody>
+                    <a:bodyPr/>
+                    <a:lstStyle/>
+                    <a:p>
+                      <a:r>
+                        <a:rPr lang="en-US" altLang="ja-JP"/>
+                        <a:t>1</a:t>
+                      </a:r>
+                    </a:p>
+                  </a:txBody>
+                  <a:tcPr anchor="ctr"/>
+                </a:tc>
+                <a:tc>
+                  <a:txBody>
+                    <a:bodyPr/>
+                    <a:lstStyle/>
+                    <a:p>
+                      <a:r>
+                        <a:rPr lang="en-US" altLang="ja-JP"/>
+                        <a:t>0</a:t>
+                      </a:r>
+                    </a:p>
+                  </a:txBody>
+                  <a:tcPr anchor="ctr"/>
+                </a:tc>
+                <a:extLst>
+                  <a:ext uri="{0D108BD9-81ED-4DB2-BD59-A6C34878D82A}">
+                    <a16:rowId xmlns:a16="http://schemas.microsoft.com/office/drawing/2014/main" val="1696509526"/>
+                  </a:ext>
+                </a:extLst>
+              </a:tr>
+            </a:tbl>
+          </a:graphicData>
+        </a:graphic>
+      </p:graphicFrame>
+      <p:graphicFrame>
+        <p:nvGraphicFramePr>
+          <p:cNvPr id="6" name="表 5">
+            <a:extLst>
+              <a:ext uri="{FF2B5EF4-FFF2-40B4-BE49-F238E27FC236}">
+                <a16:creationId xmlns:a16="http://schemas.microsoft.com/office/drawing/2014/main" id="{32723EAC-1A98-49A7-A22F-5D1864704F35}"/>
+              </a:ext>
+            </a:extLst>
+          </p:cNvPr>
+          <p:cNvGraphicFramePr>
+            <a:graphicFrameLocks noGrp="1"/>
+          </p:cNvGraphicFramePr>
+          <p:nvPr>
+            <p:extLst>
+              <p:ext uri="{D42A27DB-BD31-4B8C-83A1-F6EECF244321}">
+                <p14:modId xmlns:p14="http://schemas.microsoft.com/office/powerpoint/2010/main" val="2994301434"/>
+              </p:ext>
+            </p:extLst>
+          </p:nvPr>
+        </p:nvGraphicFramePr>
+        <p:xfrm>
+          <a:off x="1331640" y="3375000"/>
+          <a:ext cx="6096000" cy="1854200"/>
+        </p:xfrm>
+        <a:graphic>
+          <a:graphicData uri="http://schemas.openxmlformats.org/drawingml/2006/table">
+            <a:tbl>
+              <a:tblPr firstRow="1" bandRow="1">
+                <a:tableStyleId>{5C22544A-7EE6-4342-B048-85BDC9FD1C3A}</a:tableStyleId>
+              </a:tblPr>
+              <a:tblGrid>
+                <a:gridCol w="1219200">
+                  <a:extLst>
+                    <a:ext uri="{9D8B030D-6E8A-4147-A177-3AD203B41FA5}">
+                      <a16:colId xmlns:a16="http://schemas.microsoft.com/office/drawing/2014/main" val="3495913606"/>
+                    </a:ext>
+                  </a:extLst>
+                </a:gridCol>
+                <a:gridCol w="1219200">
+                  <a:extLst>
+                    <a:ext uri="{9D8B030D-6E8A-4147-A177-3AD203B41FA5}">
+                      <a16:colId xmlns:a16="http://schemas.microsoft.com/office/drawing/2014/main" val="2099736620"/>
+                    </a:ext>
+                  </a:extLst>
+                </a:gridCol>
+                <a:gridCol w="1219200">
+                  <a:extLst>
+                    <a:ext uri="{9D8B030D-6E8A-4147-A177-3AD203B41FA5}">
+                      <a16:colId xmlns:a16="http://schemas.microsoft.com/office/drawing/2014/main" val="3265969234"/>
+                    </a:ext>
+                  </a:extLst>
+                </a:gridCol>
+                <a:gridCol w="1219200">
+                  <a:extLst>
+                    <a:ext uri="{9D8B030D-6E8A-4147-A177-3AD203B41FA5}">
+                      <a16:colId xmlns:a16="http://schemas.microsoft.com/office/drawing/2014/main" val="3361155946"/>
+                    </a:ext>
+                  </a:extLst>
+                </a:gridCol>
+                <a:gridCol w="1219200">
+                  <a:extLst>
+                    <a:ext uri="{9D8B030D-6E8A-4147-A177-3AD203B41FA5}">
+                      <a16:colId xmlns:a16="http://schemas.microsoft.com/office/drawing/2014/main" val="674933392"/>
+                    </a:ext>
+                  </a:extLst>
+                </a:gridCol>
+              </a:tblGrid>
+              <a:tr h="370840">
+                <a:tc>
+                  <a:txBody>
+                    <a:bodyPr/>
+                    <a:lstStyle/>
+                    <a:p>
+                      <a:r>
+                        <a:rPr kumimoji="1" lang="en-US" altLang="ja-JP"/>
+                        <a:t>a</a:t>
+                      </a:r>
+                      <a:r>
+                        <a:rPr kumimoji="1" lang="ja-JP" altLang="en-US"/>
+                        <a:t>＼</a:t>
+                      </a:r>
+                      <a:r>
+                        <a:rPr kumimoji="1" lang="en-US" altLang="ja-JP"/>
+                        <a:t>b</a:t>
+                      </a:r>
+                      <a:endParaRPr kumimoji="1" lang="ja-JP" altLang="en-US"/>
+                    </a:p>
+                  </a:txBody>
+                  <a:tcPr/>
+                </a:tc>
+                <a:tc>
+                  <a:txBody>
+                    <a:bodyPr/>
+                    <a:lstStyle/>
+                    <a:p>
+                      <a:r>
+                        <a:rPr kumimoji="1" lang="en-US" altLang="ja-JP"/>
+                        <a:t>0</a:t>
+                      </a:r>
+                      <a:endParaRPr kumimoji="1" lang="ja-JP" altLang="en-US"/>
+                    </a:p>
+                  </a:txBody>
+                  <a:tcPr/>
+                </a:tc>
+                <a:tc>
+                  <a:txBody>
+                    <a:bodyPr/>
+                    <a:lstStyle/>
+                    <a:p>
+                      <a:r>
+                        <a:rPr kumimoji="1" lang="en-US" altLang="ja-JP"/>
+                        <a:t>1</a:t>
+                      </a:r>
+                      <a:endParaRPr kumimoji="1" lang="ja-JP" altLang="en-US"/>
+                    </a:p>
+                  </a:txBody>
+                  <a:tcPr/>
+                </a:tc>
+                <a:tc>
+                  <a:txBody>
+                    <a:bodyPr/>
+                    <a:lstStyle/>
+                    <a:p>
+                      <a:r>
+                        <a:rPr kumimoji="1" lang="en-US" altLang="ja-JP"/>
+                        <a:t>x</a:t>
+                      </a:r>
+                      <a:endParaRPr kumimoji="1" lang="ja-JP" altLang="en-US"/>
+                    </a:p>
+                  </a:txBody>
+                  <a:tcPr/>
+                </a:tc>
+                <a:tc>
+                  <a:txBody>
+                    <a:bodyPr/>
+                    <a:lstStyle/>
+                    <a:p>
+                      <a:r>
+                        <a:rPr kumimoji="1" lang="en-US" altLang="ja-JP"/>
+                        <a:t>x+1</a:t>
+                      </a:r>
+                      <a:endParaRPr kumimoji="1" lang="ja-JP" altLang="en-US"/>
+                    </a:p>
+                  </a:txBody>
+                  <a:tcPr/>
+                </a:tc>
+                <a:extLst>
+                  <a:ext uri="{0D108BD9-81ED-4DB2-BD59-A6C34878D82A}">
+                    <a16:rowId xmlns:a16="http://schemas.microsoft.com/office/drawing/2014/main" val="1913473782"/>
+                  </a:ext>
+                </a:extLst>
+              </a:tr>
+              <a:tr h="370840">
+                <a:tc>
+                  <a:txBody>
+                    <a:bodyPr/>
+                    <a:lstStyle/>
+                    <a:p>
+                      <a:r>
+                        <a:rPr lang="en-US" altLang="ja-JP"/>
+                        <a:t>0</a:t>
+                      </a:r>
+                    </a:p>
+                  </a:txBody>
+                  <a:tcPr anchor="ctr"/>
+                </a:tc>
+                <a:tc>
+                  <a:txBody>
+                    <a:bodyPr/>
+                    <a:lstStyle/>
+                    <a:p>
+                      <a:r>
+                        <a:rPr lang="en-US" altLang="ja-JP"/>
+                        <a:t>0</a:t>
+                      </a:r>
+                    </a:p>
+                  </a:txBody>
+                  <a:tcPr anchor="ctr"/>
+                </a:tc>
+                <a:tc>
+                  <a:txBody>
+                    <a:bodyPr/>
+                    <a:lstStyle/>
+                    <a:p>
+                      <a:r>
+                        <a:rPr lang="en-US" altLang="ja-JP"/>
+                        <a:t>0</a:t>
+                      </a:r>
+                    </a:p>
+                  </a:txBody>
+                  <a:tcPr anchor="ctr"/>
+                </a:tc>
+                <a:tc>
+                  <a:txBody>
+                    <a:bodyPr/>
+                    <a:lstStyle/>
+                    <a:p>
+                      <a:r>
+                        <a:rPr lang="en-US" altLang="ja-JP"/>
+                        <a:t>0</a:t>
+                      </a:r>
+                    </a:p>
+                  </a:txBody>
+                  <a:tcPr anchor="ctr"/>
+                </a:tc>
+                <a:tc>
+                  <a:txBody>
+                    <a:bodyPr/>
+                    <a:lstStyle/>
+                    <a:p>
+                      <a:r>
+                        <a:rPr lang="en-US" altLang="ja-JP"/>
+                        <a:t>0</a:t>
+                      </a:r>
+                    </a:p>
+                  </a:txBody>
+                  <a:tcPr anchor="ctr"/>
+                </a:tc>
+                <a:extLst>
+                  <a:ext uri="{0D108BD9-81ED-4DB2-BD59-A6C34878D82A}">
+                    <a16:rowId xmlns:a16="http://schemas.microsoft.com/office/drawing/2014/main" val="474682716"/>
+                  </a:ext>
+                </a:extLst>
+              </a:tr>
+              <a:tr h="370840">
+                <a:tc>
+                  <a:txBody>
+                    <a:bodyPr/>
+                    <a:lstStyle/>
+                    <a:p>
+                      <a:r>
+                        <a:rPr lang="en-US" altLang="ja-JP"/>
+                        <a:t>1</a:t>
+                      </a:r>
+                    </a:p>
+                  </a:txBody>
+                  <a:tcPr anchor="ctr"/>
+                </a:tc>
+                <a:tc>
+                  <a:txBody>
+                    <a:bodyPr/>
+                    <a:lstStyle/>
+                    <a:p>
+                      <a:r>
+                        <a:rPr lang="en-US" altLang="ja-JP"/>
+                        <a:t>0</a:t>
+                      </a:r>
+                    </a:p>
+                  </a:txBody>
+                  <a:tcPr anchor="ctr"/>
+                </a:tc>
+                <a:tc>
+                  <a:txBody>
+                    <a:bodyPr/>
+                    <a:lstStyle/>
+                    <a:p>
+                      <a:r>
+                        <a:rPr lang="en-US" altLang="ja-JP"/>
+                        <a:t>1</a:t>
+                      </a:r>
+                    </a:p>
+                  </a:txBody>
+                  <a:tcPr anchor="ctr"/>
+                </a:tc>
+                <a:tc>
+                  <a:txBody>
+                    <a:bodyPr/>
+                    <a:lstStyle/>
+                    <a:p>
+                      <a:r>
+                        <a:rPr lang="en-US"/>
+                        <a:t>x</a:t>
+                      </a:r>
+                    </a:p>
+                  </a:txBody>
+                  <a:tcPr anchor="ctr"/>
+                </a:tc>
+                <a:tc>
+                  <a:txBody>
+                    <a:bodyPr/>
+                    <a:lstStyle/>
+                    <a:p>
+                      <a:r>
+                        <a:rPr lang="en-US"/>
+                        <a:t>x+1</a:t>
+                      </a:r>
+                    </a:p>
+                  </a:txBody>
+                  <a:tcPr anchor="ctr"/>
+                </a:tc>
+                <a:extLst>
+                  <a:ext uri="{0D108BD9-81ED-4DB2-BD59-A6C34878D82A}">
+                    <a16:rowId xmlns:a16="http://schemas.microsoft.com/office/drawing/2014/main" val="1772740453"/>
+                  </a:ext>
+                </a:extLst>
+              </a:tr>
+              <a:tr h="370840">
+                <a:tc>
+                  <a:txBody>
+                    <a:bodyPr/>
+                    <a:lstStyle/>
+                    <a:p>
+                      <a:r>
+                        <a:rPr lang="en-US"/>
+                        <a:t>x</a:t>
+                      </a:r>
+                    </a:p>
+                  </a:txBody>
+                  <a:tcPr anchor="ctr"/>
+                </a:tc>
+                <a:tc>
+                  <a:txBody>
+                    <a:bodyPr/>
+                    <a:lstStyle/>
+                    <a:p>
+                      <a:r>
+                        <a:rPr lang="en-US" altLang="ja-JP"/>
+                        <a:t>0</a:t>
+                      </a:r>
+                    </a:p>
+                  </a:txBody>
+                  <a:tcPr anchor="ctr"/>
+                </a:tc>
+                <a:tc>
+                  <a:txBody>
+                    <a:bodyPr/>
+                    <a:lstStyle/>
+                    <a:p>
+                      <a:r>
+                        <a:rPr lang="en-US"/>
+                        <a:t>x</a:t>
+                      </a:r>
+                    </a:p>
+                  </a:txBody>
+                  <a:tcPr anchor="ctr"/>
+                </a:tc>
+                <a:tc>
+                  <a:txBody>
+                    <a:bodyPr/>
+                    <a:lstStyle/>
+                    <a:p>
+                      <a:r>
+                        <a:rPr lang="en-US"/>
+                        <a:t>x+1</a:t>
+                      </a:r>
+                    </a:p>
+                  </a:txBody>
+                  <a:tcPr anchor="ctr"/>
+                </a:tc>
+                <a:tc>
+                  <a:txBody>
+                    <a:bodyPr/>
+                    <a:lstStyle/>
+                    <a:p>
+                      <a:r>
+                        <a:rPr lang="en-US" altLang="ja-JP"/>
+                        <a:t>1</a:t>
+                      </a:r>
+                    </a:p>
+                  </a:txBody>
+                  <a:tcPr anchor="ctr"/>
+                </a:tc>
+                <a:extLst>
+                  <a:ext uri="{0D108BD9-81ED-4DB2-BD59-A6C34878D82A}">
+                    <a16:rowId xmlns:a16="http://schemas.microsoft.com/office/drawing/2014/main" val="40719622"/>
+                  </a:ext>
+                </a:extLst>
+              </a:tr>
+              <a:tr h="370840">
+                <a:tc>
+                  <a:txBody>
+                    <a:bodyPr/>
+                    <a:lstStyle/>
+                    <a:p>
+                      <a:r>
+                        <a:rPr lang="en-US"/>
+                        <a:t>x+1</a:t>
+                      </a:r>
+                    </a:p>
+                  </a:txBody>
+                  <a:tcPr anchor="ctr"/>
+                </a:tc>
+                <a:tc>
+                  <a:txBody>
+                    <a:bodyPr/>
+                    <a:lstStyle/>
+                    <a:p>
+                      <a:r>
+                        <a:rPr lang="en-US" altLang="ja-JP"/>
+                        <a:t>0</a:t>
+                      </a:r>
+                    </a:p>
+                  </a:txBody>
+                  <a:tcPr anchor="ctr"/>
+                </a:tc>
+                <a:tc>
+                  <a:txBody>
+                    <a:bodyPr/>
+                    <a:lstStyle/>
+                    <a:p>
+                      <a:r>
+                        <a:rPr lang="en-US"/>
+                        <a:t>x+1</a:t>
+                      </a:r>
+                    </a:p>
+                  </a:txBody>
+                  <a:tcPr anchor="ctr"/>
+                </a:tc>
+                <a:tc>
+                  <a:txBody>
+                    <a:bodyPr/>
+                    <a:lstStyle/>
+                    <a:p>
+                      <a:r>
+                        <a:rPr lang="en-US" altLang="ja-JP"/>
+                        <a:t>1</a:t>
+                      </a:r>
+                    </a:p>
+                  </a:txBody>
+                  <a:tcPr anchor="ctr"/>
+                </a:tc>
+                <a:tc>
+                  <a:txBody>
+                    <a:bodyPr/>
+                    <a:lstStyle/>
+                    <a:p>
+                      <a:r>
+                        <a:rPr lang="en-US"/>
+                        <a:t>x</a:t>
+                      </a:r>
+                    </a:p>
+                  </a:txBody>
+                  <a:tcPr anchor="ctr"/>
+                </a:tc>
+                <a:extLst>
+                  <a:ext uri="{0D108BD9-81ED-4DB2-BD59-A6C34878D82A}">
+                    <a16:rowId xmlns:a16="http://schemas.microsoft.com/office/drawing/2014/main" val="1696509526"/>
+                  </a:ext>
+                </a:extLst>
+              </a:tr>
+            </a:tbl>
+          </a:graphicData>
+        </a:graphic>
+      </p:graphicFrame>
+      <p:graphicFrame>
+        <p:nvGraphicFramePr>
+          <p:cNvPr id="7" name="表 7">
+            <a:extLst>
+              <a:ext uri="{FF2B5EF4-FFF2-40B4-BE49-F238E27FC236}">
+                <a16:creationId xmlns:a16="http://schemas.microsoft.com/office/drawing/2014/main" id="{D4D64863-15EF-4382-B1E0-FFD5AD7F2016}"/>
+              </a:ext>
+            </a:extLst>
+          </p:cNvPr>
+          <p:cNvGraphicFramePr>
+            <a:graphicFrameLocks noGrp="1"/>
+          </p:cNvGraphicFramePr>
+          <p:nvPr>
+            <p:extLst>
+              <p:ext uri="{D42A27DB-BD31-4B8C-83A1-F6EECF244321}">
+                <p14:modId xmlns:p14="http://schemas.microsoft.com/office/powerpoint/2010/main" val="1758094937"/>
+              </p:ext>
+            </p:extLst>
+          </p:nvPr>
+        </p:nvGraphicFramePr>
+        <p:xfrm>
+          <a:off x="1337767" y="5780539"/>
+          <a:ext cx="4876800" cy="741680"/>
+        </p:xfrm>
+        <a:graphic>
+          <a:graphicData uri="http://schemas.openxmlformats.org/drawingml/2006/table">
+            <a:tbl>
+              <a:tblPr firstRow="1" bandRow="1">
+                <a:tableStyleId>{5C22544A-7EE6-4342-B048-85BDC9FD1C3A}</a:tableStyleId>
+              </a:tblPr>
+              <a:tblGrid>
+                <a:gridCol w="1219200">
+                  <a:extLst>
+                    <a:ext uri="{9D8B030D-6E8A-4147-A177-3AD203B41FA5}">
+                      <a16:colId xmlns:a16="http://schemas.microsoft.com/office/drawing/2014/main" val="1610867550"/>
+                    </a:ext>
+                  </a:extLst>
+                </a:gridCol>
+                <a:gridCol w="1219200">
+                  <a:extLst>
+                    <a:ext uri="{9D8B030D-6E8A-4147-A177-3AD203B41FA5}">
+                      <a16:colId xmlns:a16="http://schemas.microsoft.com/office/drawing/2014/main" val="1892467458"/>
+                    </a:ext>
+                  </a:extLst>
+                </a:gridCol>
+                <a:gridCol w="1219200">
+                  <a:extLst>
+                    <a:ext uri="{9D8B030D-6E8A-4147-A177-3AD203B41FA5}">
+                      <a16:colId xmlns:a16="http://schemas.microsoft.com/office/drawing/2014/main" val="1041004486"/>
+                    </a:ext>
+                  </a:extLst>
+                </a:gridCol>
+                <a:gridCol w="1219200">
+                  <a:extLst>
+                    <a:ext uri="{9D8B030D-6E8A-4147-A177-3AD203B41FA5}">
+                      <a16:colId xmlns:a16="http://schemas.microsoft.com/office/drawing/2014/main" val="2126060046"/>
+                    </a:ext>
+                  </a:extLst>
+                </a:gridCol>
+              </a:tblGrid>
+              <a:tr h="370840">
+                <a:tc>
+                  <a:txBody>
+                    <a:bodyPr/>
+                    <a:lstStyle/>
+                    <a:p>
+                      <a:r>
+                        <a:rPr kumimoji="1" lang="en-US" altLang="ja-JP"/>
+                        <a:t>a</a:t>
+                      </a:r>
+                      <a:endParaRPr kumimoji="1" lang="ja-JP" altLang="en-US"/>
+                    </a:p>
+                  </a:txBody>
+                  <a:tcPr/>
+                </a:tc>
+                <a:tc>
+                  <a:txBody>
+                    <a:bodyPr/>
+                    <a:lstStyle/>
+                    <a:p>
+                      <a:r>
+                        <a:rPr kumimoji="1" lang="en-US" altLang="ja-JP"/>
+                        <a:t>1</a:t>
+                      </a:r>
+                      <a:endParaRPr kumimoji="1" lang="ja-JP" altLang="en-US"/>
+                    </a:p>
+                  </a:txBody>
+                  <a:tcPr/>
+                </a:tc>
+                <a:tc>
+                  <a:txBody>
+                    <a:bodyPr/>
+                    <a:lstStyle/>
+                    <a:p>
+                      <a:r>
+                        <a:rPr kumimoji="1" lang="en-US" altLang="ja-JP"/>
+                        <a:t>x</a:t>
+                      </a:r>
+                      <a:endParaRPr kumimoji="1" lang="ja-JP" altLang="en-US"/>
+                    </a:p>
+                  </a:txBody>
+                  <a:tcPr/>
+                </a:tc>
+                <a:tc>
+                  <a:txBody>
+                    <a:bodyPr/>
+                    <a:lstStyle/>
+                    <a:p>
+                      <a:r>
+                        <a:rPr kumimoji="1" lang="en-US" altLang="ja-JP"/>
+                        <a:t>x+1</a:t>
+                      </a:r>
+                      <a:endParaRPr kumimoji="1" lang="ja-JP" altLang="en-US"/>
+                    </a:p>
+                  </a:txBody>
+                  <a:tcPr/>
+                </a:tc>
+                <a:extLst>
+                  <a:ext uri="{0D108BD9-81ED-4DB2-BD59-A6C34878D82A}">
+                    <a16:rowId xmlns:a16="http://schemas.microsoft.com/office/drawing/2014/main" val="2550055792"/>
+                  </a:ext>
+                </a:extLst>
+              </a:tr>
+              <a:tr h="370840">
+                <a:tc>
+                  <a:txBody>
+                    <a:bodyPr/>
+                    <a:lstStyle/>
+                    <a:p>
+                      <a:r>
+                        <a:rPr kumimoji="1" lang="en-US" altLang="ja-JP"/>
+                        <a:t>1/a</a:t>
+                      </a:r>
+                      <a:endParaRPr kumimoji="1" lang="ja-JP" altLang="en-US"/>
+                    </a:p>
+                  </a:txBody>
+                  <a:tcPr/>
+                </a:tc>
+                <a:tc>
+                  <a:txBody>
+                    <a:bodyPr/>
+                    <a:lstStyle/>
+                    <a:p>
+                      <a:r>
+                        <a:rPr kumimoji="1" lang="en-US" altLang="ja-JP"/>
+                        <a:t>1</a:t>
+                      </a:r>
+                      <a:endParaRPr kumimoji="1" lang="ja-JP" altLang="en-US"/>
+                    </a:p>
+                  </a:txBody>
+                  <a:tcPr/>
+                </a:tc>
+                <a:tc>
+                  <a:txBody>
+                    <a:bodyPr/>
+                    <a:lstStyle/>
+                    <a:p>
+                      <a:r>
+                        <a:rPr kumimoji="1" lang="en-US" altLang="ja-JP"/>
+                        <a:t>x+1</a:t>
+                      </a:r>
+                      <a:endParaRPr kumimoji="1" lang="ja-JP" altLang="en-US"/>
+                    </a:p>
+                  </a:txBody>
+                  <a:tcPr/>
+                </a:tc>
+                <a:tc>
+                  <a:txBody>
+                    <a:bodyPr/>
+                    <a:lstStyle/>
+                    <a:p>
+                      <a:r>
+                        <a:rPr kumimoji="1" lang="en-US" altLang="ja-JP"/>
+                        <a:t>x</a:t>
+                      </a:r>
+                      <a:endParaRPr kumimoji="1" lang="ja-JP" altLang="en-US"/>
+                    </a:p>
+                  </a:txBody>
+                  <a:tcPr/>
+                </a:tc>
+                <a:extLst>
+                  <a:ext uri="{0D108BD9-81ED-4DB2-BD59-A6C34878D82A}">
+                    <a16:rowId xmlns:a16="http://schemas.microsoft.com/office/drawing/2014/main" val="3622407561"/>
+                  </a:ext>
+                </a:extLst>
+              </a:tr>
+            </a:tbl>
+          </a:graphicData>
+        </a:graphic>
+      </p:graphicFrame>
+    </p:spTree>
+    <p:extLst>
+      <p:ext uri="{BB962C8B-B14F-4D97-AF65-F5344CB8AC3E}">
+        <p14:creationId xmlns:p14="http://schemas.microsoft.com/office/powerpoint/2010/main" val="1035054985"/>
+      </p:ext>
+    </p:extLst>
+  </p:cSld>
+  <p:clrMapOvr>
+    <a:masterClrMapping/>
+  </p:clrMapOvr>
+</p:sld>
+</file>
+
+<file path=ppt/slides/slide11.xml><?xml version="1.0" encoding="utf-8"?>
 <p:sld xmlns:a="http://schemas.openxmlformats.org/drawingml/2006/main" xmlns:r="http://schemas.openxmlformats.org/officeDocument/2006/relationships" xmlns:p="http://schemas.openxmlformats.org/presentationml/2006/main">
   <p:cSld>
     <p:spTree>
@@ -2391,6 +3728,1475 @@
       </p:grpSpPr>
       <mc:AlternateContent xmlns:mc="http://schemas.openxmlformats.org/markup-compatibility/2006">
         <mc:Choice xmlns:a14="http://schemas.microsoft.com/office/drawing/2010/main" Requires="a14">
+          <p:sp>
+            <p:nvSpPr>
+              <p:cNvPr id="2" name="コンテンツ プレースホルダー 1">
+                <a:extLst>
+                  <a:ext uri="{FF2B5EF4-FFF2-40B4-BE49-F238E27FC236}">
+                    <a16:creationId xmlns:a16="http://schemas.microsoft.com/office/drawing/2014/main" id="{AC1CDA6A-00FC-43AB-BD54-4684D74F470E}"/>
+                  </a:ext>
+                </a:extLst>
+              </p:cNvPr>
+              <p:cNvSpPr>
+                <a:spLocks noGrp="1"/>
+              </p:cNvSpPr>
+              <p:nvPr>
+                <p:ph idx="1"/>
+              </p:nvPr>
+            </p:nvSpPr>
+            <p:spPr/>
+            <p:txBody>
+              <a:bodyPr/>
+              <a:lstStyle/>
+              <a:p>
+                <a14:m>
+                  <m:oMath xmlns:m="http://schemas.openxmlformats.org/officeDocument/2006/math">
+                    <m:sSub>
+                      <m:sSubPr>
+                        <m:ctrlPr>
+                          <a:rPr kumimoji="1" lang="en-US" altLang="ja-JP" b="0" i="1" smtClean="0">
+                            <a:latin typeface="Cambria Math" panose="02040503050406030204" pitchFamily="18" charset="0"/>
+                          </a:rPr>
+                        </m:ctrlPr>
+                      </m:sSubPr>
+                      <m:e>
+                        <m:r>
+                          <a:rPr kumimoji="1" lang="en-US" altLang="ja-JP" b="0" i="1" smtClean="0">
+                            <a:latin typeface="Cambria Math" panose="02040503050406030204" pitchFamily="18" charset="0"/>
+                          </a:rPr>
+                          <m:t>𝔽</m:t>
+                        </m:r>
+                      </m:e>
+                      <m:sub>
+                        <m:sSup>
+                          <m:sSupPr>
+                            <m:ctrlPr>
+                              <a:rPr kumimoji="1" lang="en-US" altLang="ja-JP" b="0" i="1" smtClean="0">
+                                <a:latin typeface="Cambria Math" panose="02040503050406030204" pitchFamily="18" charset="0"/>
+                              </a:rPr>
+                            </m:ctrlPr>
+                          </m:sSupPr>
+                          <m:e>
+                            <m:r>
+                              <a:rPr kumimoji="1" lang="en-US" altLang="ja-JP" b="0" i="1" smtClean="0">
+                                <a:latin typeface="Cambria Math" panose="02040503050406030204" pitchFamily="18" charset="0"/>
+                              </a:rPr>
+                              <m:t>2</m:t>
+                            </m:r>
+                          </m:e>
+                          <m:sup>
+                            <m:r>
+                              <a:rPr kumimoji="1" lang="en-US" altLang="ja-JP" b="0" i="1" smtClean="0">
+                                <a:latin typeface="Cambria Math" panose="02040503050406030204" pitchFamily="18" charset="0"/>
+                              </a:rPr>
+                              <m:t>2</m:t>
+                            </m:r>
+                          </m:sup>
+                        </m:sSup>
+                      </m:sub>
+                    </m:sSub>
+                    <m:r>
+                      <a:rPr kumimoji="1" lang="en-US" altLang="ja-JP" b="0" i="1" smtClean="0">
+                        <a:latin typeface="Cambria Math" panose="02040503050406030204" pitchFamily="18" charset="0"/>
+                      </a:rPr>
+                      <m:t>≠{0, 1, 2,  3}</m:t>
+                    </m:r>
+                  </m:oMath>
+                </a14:m>
+                <a:endParaRPr kumimoji="1" lang="en-US" altLang="ja-JP" b="0"/>
+              </a:p>
+              <a:p>
+                <a:pPr lvl="1"/>
+                <a:r>
+                  <a:rPr kumimoji="1" lang="en-US" altLang="ja-JP"/>
+                  <a:t>4</a:t>
+                </a:r>
+                <a:r>
+                  <a:rPr kumimoji="1" lang="ja-JP" altLang="en-US"/>
+                  <a:t>で割った余りの集合は体ではない</a:t>
+                </a:r>
+                <a:r>
+                  <a:rPr lang="en-US" altLang="ja-JP"/>
+                  <a:t>(</a:t>
+                </a:r>
+                <a14:m>
+                  <m:oMath xmlns:m="http://schemas.openxmlformats.org/officeDocument/2006/math">
+                    <m:r>
+                      <a:rPr lang="en-US" altLang="ja-JP" b="0" i="1" smtClean="0">
+                        <a:latin typeface="Cambria Math" panose="02040503050406030204" pitchFamily="18" charset="0"/>
+                      </a:rPr>
+                      <m:t>2×</m:t>
+                    </m:r>
+                    <m:r>
+                      <a:rPr lang="en-US" altLang="ja-JP" b="0" i="1" smtClean="0">
+                        <a:latin typeface="Cambria Math" panose="02040503050406030204" pitchFamily="18" charset="0"/>
+                      </a:rPr>
+                      <m:t>𝑎</m:t>
+                    </m:r>
+                    <m:r>
+                      <a:rPr lang="en-US" altLang="ja-JP" b="0" i="1" smtClean="0">
+                        <a:latin typeface="Cambria Math" panose="02040503050406030204" pitchFamily="18" charset="0"/>
+                      </a:rPr>
+                      <m:t>=1</m:t>
+                    </m:r>
+                  </m:oMath>
+                </a14:m>
+                <a:r>
+                  <a:rPr lang="ja-JP" altLang="en-US"/>
+                  <a:t>となる</a:t>
+                </a:r>
+                <a14:m>
+                  <m:oMath xmlns:m="http://schemas.openxmlformats.org/officeDocument/2006/math">
+                    <m:r>
+                      <a:rPr lang="en-US" altLang="ja-JP" b="0" i="1" smtClean="0">
+                        <a:latin typeface="Cambria Math" panose="02040503050406030204" pitchFamily="18" charset="0"/>
+                      </a:rPr>
+                      <m:t>𝑎</m:t>
+                    </m:r>
+                  </m:oMath>
+                </a14:m>
+                <a:r>
+                  <a:rPr lang="ja-JP" altLang="en-US"/>
+                  <a:t>が無い</a:t>
+                </a:r>
+                <a:r>
+                  <a:rPr lang="en-US" altLang="ja-JP"/>
+                  <a:t>)</a:t>
+                </a:r>
+              </a:p>
+              <a:p>
+                <a:r>
+                  <a:rPr kumimoji="1" lang="ja-JP" altLang="en-US"/>
+                  <a:t>複素数体の乗算は</a:t>
+                </a:r>
+                <a14:m>
+                  <m:oMath xmlns:m="http://schemas.openxmlformats.org/officeDocument/2006/math">
+                    <m:sSup>
+                      <m:sSupPr>
+                        <m:ctrlPr>
+                          <a:rPr kumimoji="1" lang="en-US" altLang="ja-JP" b="0" i="1" smtClean="0">
+                            <a:latin typeface="Cambria Math" panose="02040503050406030204" pitchFamily="18" charset="0"/>
+                          </a:rPr>
+                        </m:ctrlPr>
+                      </m:sSupPr>
+                      <m:e>
+                        <m:r>
+                          <a:rPr kumimoji="1" lang="en-US" altLang="ja-JP" b="0" i="1" smtClean="0">
+                            <a:latin typeface="Cambria Math" panose="02040503050406030204" pitchFamily="18" charset="0"/>
+                          </a:rPr>
+                          <m:t>𝑥</m:t>
+                        </m:r>
+                      </m:e>
+                      <m:sup>
+                        <m:r>
+                          <a:rPr kumimoji="1" lang="en-US" altLang="ja-JP" b="0" i="1" smtClean="0">
+                            <a:latin typeface="Cambria Math" panose="02040503050406030204" pitchFamily="18" charset="0"/>
+                          </a:rPr>
+                          <m:t>2</m:t>
+                        </m:r>
+                      </m:sup>
+                    </m:sSup>
+                  </m:oMath>
+                </a14:m>
+                <a:r>
+                  <a:rPr kumimoji="1" lang="ja-JP" altLang="en-US"/>
+                  <a:t>を</a:t>
+                </a:r>
+                <a:r>
+                  <a:rPr kumimoji="1" lang="en-US" altLang="ja-JP"/>
+                  <a:t>-1</a:t>
+                </a:r>
+                <a:r>
+                  <a:rPr kumimoji="1" lang="ja-JP" altLang="en-US"/>
+                  <a:t>に置き換える規則を適用</a:t>
+                </a:r>
+                <a:endParaRPr kumimoji="1" lang="en-US" altLang="ja-JP"/>
+              </a:p>
+              <a:p>
+                <a:pPr lvl="1"/>
+                <a14:m>
+                  <m:oMath xmlns:m="http://schemas.openxmlformats.org/officeDocument/2006/math">
+                    <m:d>
+                      <m:dPr>
+                        <m:ctrlPr>
+                          <a:rPr kumimoji="1" lang="en-US" altLang="ja-JP" b="0" i="1" smtClean="0">
+                            <a:latin typeface="Cambria Math" panose="02040503050406030204" pitchFamily="18" charset="0"/>
+                          </a:rPr>
+                        </m:ctrlPr>
+                      </m:dPr>
+                      <m:e>
+                        <m:r>
+                          <a:rPr kumimoji="1" lang="en-US" altLang="ja-JP" b="0" i="1" smtClean="0">
+                            <a:latin typeface="Cambria Math" panose="02040503050406030204" pitchFamily="18" charset="0"/>
+                          </a:rPr>
+                          <m:t>𝑎</m:t>
+                        </m:r>
+                        <m:r>
+                          <a:rPr kumimoji="1" lang="en-US" altLang="ja-JP" b="0" i="1" smtClean="0">
+                            <a:latin typeface="Cambria Math" panose="02040503050406030204" pitchFamily="18" charset="0"/>
+                          </a:rPr>
+                          <m:t>+</m:t>
+                        </m:r>
+                        <m:r>
+                          <a:rPr kumimoji="1" lang="en-US" altLang="ja-JP" b="0" i="1" smtClean="0">
+                            <a:latin typeface="Cambria Math" panose="02040503050406030204" pitchFamily="18" charset="0"/>
+                          </a:rPr>
+                          <m:t>𝑏𝑥</m:t>
+                        </m:r>
+                      </m:e>
+                    </m:d>
+                    <m:d>
+                      <m:dPr>
+                        <m:ctrlPr>
+                          <a:rPr kumimoji="1" lang="en-US" altLang="ja-JP" b="0" i="1" smtClean="0">
+                            <a:latin typeface="Cambria Math" panose="02040503050406030204" pitchFamily="18" charset="0"/>
+                          </a:rPr>
+                        </m:ctrlPr>
+                      </m:dPr>
+                      <m:e>
+                        <m:r>
+                          <a:rPr kumimoji="1" lang="en-US" altLang="ja-JP" b="0" i="1" smtClean="0">
+                            <a:latin typeface="Cambria Math" panose="02040503050406030204" pitchFamily="18" charset="0"/>
+                          </a:rPr>
+                          <m:t>𝑐</m:t>
+                        </m:r>
+                        <m:r>
+                          <a:rPr kumimoji="1" lang="en-US" altLang="ja-JP" b="0" i="1" smtClean="0">
+                            <a:latin typeface="Cambria Math" panose="02040503050406030204" pitchFamily="18" charset="0"/>
+                          </a:rPr>
+                          <m:t>+</m:t>
+                        </m:r>
+                        <m:r>
+                          <a:rPr kumimoji="1" lang="en-US" altLang="ja-JP" b="0" i="1" smtClean="0">
+                            <a:latin typeface="Cambria Math" panose="02040503050406030204" pitchFamily="18" charset="0"/>
+                          </a:rPr>
+                          <m:t>𝑑𝑥</m:t>
+                        </m:r>
+                      </m:e>
+                    </m:d>
+                    <m:r>
+                      <a:rPr kumimoji="1" lang="en-US" altLang="ja-JP" b="0" i="1" smtClean="0">
+                        <a:latin typeface="Cambria Math" panose="02040503050406030204" pitchFamily="18" charset="0"/>
+                      </a:rPr>
+                      <m:t>=</m:t>
+                    </m:r>
+                    <m:d>
+                      <m:dPr>
+                        <m:ctrlPr>
+                          <a:rPr kumimoji="1" lang="en-US" altLang="ja-JP" b="0" i="1" smtClean="0">
+                            <a:latin typeface="Cambria Math" panose="02040503050406030204" pitchFamily="18" charset="0"/>
+                          </a:rPr>
+                        </m:ctrlPr>
+                      </m:dPr>
+                      <m:e>
+                        <m:r>
+                          <a:rPr kumimoji="1" lang="en-US" altLang="ja-JP" b="0" i="1" smtClean="0">
+                            <a:latin typeface="Cambria Math" panose="02040503050406030204" pitchFamily="18" charset="0"/>
+                          </a:rPr>
+                          <m:t>𝑎𝑐</m:t>
+                        </m:r>
+                        <m:r>
+                          <a:rPr kumimoji="1" lang="en-US" altLang="ja-JP" b="0" i="1" smtClean="0">
+                            <a:latin typeface="Cambria Math" panose="02040503050406030204" pitchFamily="18" charset="0"/>
+                          </a:rPr>
+                          <m:t>+</m:t>
+                        </m:r>
+                        <m:r>
+                          <a:rPr kumimoji="1" lang="en-US" altLang="ja-JP" b="0" i="1" smtClean="0">
+                            <a:latin typeface="Cambria Math" panose="02040503050406030204" pitchFamily="18" charset="0"/>
+                          </a:rPr>
+                          <m:t>𝑏𝑑</m:t>
+                        </m:r>
+                        <m:sSup>
+                          <m:sSupPr>
+                            <m:ctrlPr>
+                              <a:rPr kumimoji="1" lang="en-US" altLang="ja-JP" b="0" i="1" smtClean="0">
+                                <a:latin typeface="Cambria Math" panose="02040503050406030204" pitchFamily="18" charset="0"/>
+                              </a:rPr>
+                            </m:ctrlPr>
+                          </m:sSupPr>
+                          <m:e>
+                            <m:r>
+                              <a:rPr kumimoji="1" lang="en-US" altLang="ja-JP" b="0" i="1" smtClean="0">
+                                <a:latin typeface="Cambria Math" panose="02040503050406030204" pitchFamily="18" charset="0"/>
+                              </a:rPr>
+                              <m:t>𝑥</m:t>
+                            </m:r>
+                          </m:e>
+                          <m:sup>
+                            <m:r>
+                              <a:rPr kumimoji="1" lang="en-US" altLang="ja-JP" b="0" i="1" smtClean="0">
+                                <a:latin typeface="Cambria Math" panose="02040503050406030204" pitchFamily="18" charset="0"/>
+                              </a:rPr>
+                              <m:t>2</m:t>
+                            </m:r>
+                          </m:sup>
+                        </m:sSup>
+                      </m:e>
+                    </m:d>
+                    <m:r>
+                      <a:rPr kumimoji="1" lang="en-US" altLang="ja-JP" b="0" i="1" smtClean="0">
+                        <a:latin typeface="Cambria Math" panose="02040503050406030204" pitchFamily="18" charset="0"/>
+                      </a:rPr>
+                      <m:t>+</m:t>
+                    </m:r>
+                    <m:d>
+                      <m:dPr>
+                        <m:ctrlPr>
+                          <a:rPr kumimoji="1" lang="en-US" altLang="ja-JP" b="0" i="1" smtClean="0">
+                            <a:latin typeface="Cambria Math" panose="02040503050406030204" pitchFamily="18" charset="0"/>
+                          </a:rPr>
+                        </m:ctrlPr>
+                      </m:dPr>
+                      <m:e>
+                        <m:r>
+                          <a:rPr kumimoji="1" lang="en-US" altLang="ja-JP" b="0" i="1" smtClean="0">
+                            <a:latin typeface="Cambria Math" panose="02040503050406030204" pitchFamily="18" charset="0"/>
+                          </a:rPr>
+                          <m:t>𝑎𝑑</m:t>
+                        </m:r>
+                        <m:r>
+                          <a:rPr kumimoji="1" lang="en-US" altLang="ja-JP" b="0" i="1" smtClean="0">
+                            <a:latin typeface="Cambria Math" panose="02040503050406030204" pitchFamily="18" charset="0"/>
+                          </a:rPr>
+                          <m:t>+</m:t>
+                        </m:r>
+                        <m:r>
+                          <a:rPr kumimoji="1" lang="en-US" altLang="ja-JP" b="0" i="1" smtClean="0">
+                            <a:latin typeface="Cambria Math" panose="02040503050406030204" pitchFamily="18" charset="0"/>
+                          </a:rPr>
+                          <m:t>𝑏𝑐</m:t>
+                        </m:r>
+                      </m:e>
+                    </m:d>
+                    <m:r>
+                      <a:rPr kumimoji="1" lang="en-US" altLang="ja-JP" b="0" i="1" smtClean="0">
+                        <a:latin typeface="Cambria Math" panose="02040503050406030204" pitchFamily="18" charset="0"/>
+                      </a:rPr>
+                      <m:t>𝑥</m:t>
+                    </m:r>
+                  </m:oMath>
+                </a14:m>
+                <a:br>
+                  <a:rPr kumimoji="1" lang="en-US" altLang="ja-JP" b="0"/>
+                </a:br>
+                <a14:m>
+                  <m:oMath xmlns:m="http://schemas.openxmlformats.org/officeDocument/2006/math">
+                    <m:r>
+                      <a:rPr kumimoji="1" lang="en-US" altLang="ja-JP" b="0" i="1" smtClean="0">
+                        <a:latin typeface="Cambria Math" panose="02040503050406030204" pitchFamily="18" charset="0"/>
+                      </a:rPr>
+                      <m:t>=</m:t>
+                    </m:r>
+                    <m:d>
+                      <m:dPr>
+                        <m:ctrlPr>
+                          <a:rPr kumimoji="1" lang="en-US" altLang="ja-JP" b="0" i="1" smtClean="0">
+                            <a:latin typeface="Cambria Math" panose="02040503050406030204" pitchFamily="18" charset="0"/>
+                          </a:rPr>
+                        </m:ctrlPr>
+                      </m:dPr>
+                      <m:e>
+                        <m:r>
+                          <a:rPr kumimoji="1" lang="en-US" altLang="ja-JP" b="0" i="1" smtClean="0">
+                            <a:latin typeface="Cambria Math" panose="02040503050406030204" pitchFamily="18" charset="0"/>
+                          </a:rPr>
+                          <m:t>𝑎𝑐</m:t>
+                        </m:r>
+                        <m:r>
+                          <a:rPr kumimoji="1" lang="en-US" altLang="ja-JP" b="0" i="1" smtClean="0">
+                            <a:latin typeface="Cambria Math" panose="02040503050406030204" pitchFamily="18" charset="0"/>
+                          </a:rPr>
+                          <m:t>−</m:t>
+                        </m:r>
+                        <m:r>
+                          <a:rPr kumimoji="1" lang="en-US" altLang="ja-JP" b="0" i="1" smtClean="0">
+                            <a:latin typeface="Cambria Math" panose="02040503050406030204" pitchFamily="18" charset="0"/>
+                          </a:rPr>
+                          <m:t>𝑏𝑑</m:t>
+                        </m:r>
+                      </m:e>
+                    </m:d>
+                    <m:r>
+                      <a:rPr kumimoji="1" lang="en-US" altLang="ja-JP" b="0" i="1" smtClean="0">
+                        <a:latin typeface="Cambria Math" panose="02040503050406030204" pitchFamily="18" charset="0"/>
+                      </a:rPr>
+                      <m:t>+</m:t>
+                    </m:r>
+                    <m:d>
+                      <m:dPr>
+                        <m:ctrlPr>
+                          <a:rPr kumimoji="1" lang="en-US" altLang="ja-JP" b="0" i="1" smtClean="0">
+                            <a:latin typeface="Cambria Math" panose="02040503050406030204" pitchFamily="18" charset="0"/>
+                          </a:rPr>
+                        </m:ctrlPr>
+                      </m:dPr>
+                      <m:e>
+                        <m:r>
+                          <a:rPr kumimoji="1" lang="en-US" altLang="ja-JP" b="0" i="1" smtClean="0">
+                            <a:latin typeface="Cambria Math" panose="02040503050406030204" pitchFamily="18" charset="0"/>
+                          </a:rPr>
+                          <m:t>𝑎𝑑</m:t>
+                        </m:r>
+                        <m:r>
+                          <a:rPr kumimoji="1" lang="en-US" altLang="ja-JP" b="0" i="1" smtClean="0">
+                            <a:latin typeface="Cambria Math" panose="02040503050406030204" pitchFamily="18" charset="0"/>
+                          </a:rPr>
+                          <m:t>+</m:t>
+                        </m:r>
+                        <m:r>
+                          <a:rPr kumimoji="1" lang="en-US" altLang="ja-JP" b="0" i="1" smtClean="0">
+                            <a:latin typeface="Cambria Math" panose="02040503050406030204" pitchFamily="18" charset="0"/>
+                          </a:rPr>
+                          <m:t>𝑏𝑐</m:t>
+                        </m:r>
+                      </m:e>
+                    </m:d>
+                    <m:r>
+                      <a:rPr kumimoji="1" lang="en-US" altLang="ja-JP" b="0" i="1" smtClean="0">
+                        <a:latin typeface="Cambria Math" panose="02040503050406030204" pitchFamily="18" charset="0"/>
+                      </a:rPr>
+                      <m:t>𝑥</m:t>
+                    </m:r>
+                  </m:oMath>
+                </a14:m>
+                <a:r>
+                  <a:rPr kumimoji="1" lang="en-US" altLang="ja-JP"/>
+                  <a:t> ; </a:t>
+                </a:r>
+                <a14:m>
+                  <m:oMath xmlns:m="http://schemas.openxmlformats.org/officeDocument/2006/math">
+                    <m:r>
+                      <a:rPr kumimoji="1" lang="en-US" altLang="ja-JP" b="0" i="1" smtClean="0">
+                        <a:latin typeface="Cambria Math" panose="02040503050406030204" pitchFamily="18" charset="0"/>
+                      </a:rPr>
+                      <m:t>𝑥</m:t>
+                    </m:r>
+                  </m:oMath>
+                </a14:m>
+                <a:r>
+                  <a:rPr kumimoji="1" lang="ja-JP" altLang="en-US"/>
+                  <a:t>を</a:t>
+                </a:r>
+                <a14:m>
+                  <m:oMath xmlns:m="http://schemas.openxmlformats.org/officeDocument/2006/math">
+                    <m:rad>
+                      <m:radPr>
+                        <m:degHide m:val="on"/>
+                        <m:ctrlPr>
+                          <a:rPr kumimoji="1" lang="en-US" altLang="ja-JP" b="0" i="1" smtClean="0">
+                            <a:latin typeface="Cambria Math" panose="02040503050406030204" pitchFamily="18" charset="0"/>
+                          </a:rPr>
+                        </m:ctrlPr>
+                      </m:radPr>
+                      <m:deg/>
+                      <m:e>
+                        <m:r>
+                          <a:rPr kumimoji="1" lang="en-US" altLang="ja-JP" b="0" i="1" smtClean="0">
+                            <a:latin typeface="Cambria Math" panose="02040503050406030204" pitchFamily="18" charset="0"/>
+                          </a:rPr>
+                          <m:t>−1</m:t>
+                        </m:r>
+                      </m:e>
+                    </m:rad>
+                  </m:oMath>
+                </a14:m>
+                <a:r>
+                  <a:rPr kumimoji="1" lang="ja-JP" altLang="en-US"/>
+                  <a:t>とみなせる</a:t>
+                </a:r>
+                <a:endParaRPr kumimoji="1" lang="en-US" altLang="ja-JP"/>
+              </a:p>
+              <a:p>
+                <a:r>
+                  <a:rPr kumimoji="1" lang="ja-JP" altLang="en-US"/>
+                  <a:t>単に</a:t>
+                </a:r>
+                <a14:m>
+                  <m:oMath xmlns:m="http://schemas.openxmlformats.org/officeDocument/2006/math">
+                    <m:d>
+                      <m:dPr>
+                        <m:ctrlPr>
+                          <a:rPr kumimoji="1" lang="en-US" altLang="ja-JP" b="0" i="1" smtClean="0">
+                            <a:latin typeface="Cambria Math" panose="02040503050406030204" pitchFamily="18" charset="0"/>
+                          </a:rPr>
+                        </m:ctrlPr>
+                      </m:dPr>
+                      <m:e>
+                        <m:r>
+                          <a:rPr kumimoji="1" lang="en-US" altLang="ja-JP" b="0" i="1" smtClean="0">
+                            <a:latin typeface="Cambria Math" panose="02040503050406030204" pitchFamily="18" charset="0"/>
+                          </a:rPr>
+                          <m:t>𝑎</m:t>
+                        </m:r>
+                        <m:r>
+                          <a:rPr kumimoji="1" lang="en-US" altLang="ja-JP" b="0" i="1" smtClean="0">
+                            <a:latin typeface="Cambria Math" panose="02040503050406030204" pitchFamily="18" charset="0"/>
+                          </a:rPr>
+                          <m:t>,</m:t>
+                        </m:r>
+                        <m:r>
+                          <a:rPr kumimoji="1" lang="en-US" altLang="ja-JP" b="0" i="1" smtClean="0">
+                            <a:latin typeface="Cambria Math" panose="02040503050406030204" pitchFamily="18" charset="0"/>
+                          </a:rPr>
+                          <m:t>𝑏</m:t>
+                        </m:r>
+                      </m:e>
+                    </m:d>
+                    <m:r>
+                      <a:rPr kumimoji="1" lang="en-US" altLang="ja-JP" b="0" i="1" smtClean="0">
+                        <a:latin typeface="Cambria Math" panose="02040503050406030204" pitchFamily="18" charset="0"/>
+                      </a:rPr>
+                      <m:t>×</m:t>
+                    </m:r>
+                    <m:d>
+                      <m:dPr>
+                        <m:ctrlPr>
+                          <a:rPr kumimoji="1" lang="en-US" altLang="ja-JP" b="0" i="1" smtClean="0">
+                            <a:latin typeface="Cambria Math" panose="02040503050406030204" pitchFamily="18" charset="0"/>
+                          </a:rPr>
+                        </m:ctrlPr>
+                      </m:dPr>
+                      <m:e>
+                        <m:r>
+                          <a:rPr kumimoji="1" lang="en-US" altLang="ja-JP" b="0" i="1" smtClean="0">
+                            <a:latin typeface="Cambria Math" panose="02040503050406030204" pitchFamily="18" charset="0"/>
+                          </a:rPr>
+                          <m:t>𝑐</m:t>
+                        </m:r>
+                        <m:r>
+                          <a:rPr kumimoji="1" lang="en-US" altLang="ja-JP" b="0" i="1" smtClean="0">
+                            <a:latin typeface="Cambria Math" panose="02040503050406030204" pitchFamily="18" charset="0"/>
+                          </a:rPr>
+                          <m:t>,</m:t>
+                        </m:r>
+                        <m:r>
+                          <a:rPr kumimoji="1" lang="en-US" altLang="ja-JP" b="0" i="1" smtClean="0">
+                            <a:latin typeface="Cambria Math" panose="02040503050406030204" pitchFamily="18" charset="0"/>
+                          </a:rPr>
+                          <m:t>𝑑</m:t>
+                        </m:r>
+                      </m:e>
+                    </m:d>
+                    <m:r>
+                      <a:rPr kumimoji="1" lang="en-US" altLang="ja-JP" b="0" i="1" smtClean="0">
+                        <a:latin typeface="Cambria Math" panose="02040503050406030204" pitchFamily="18" charset="0"/>
+                      </a:rPr>
+                      <m:t>=(</m:t>
+                    </m:r>
+                    <m:r>
+                      <a:rPr kumimoji="1" lang="en-US" altLang="ja-JP" b="0" i="1" smtClean="0">
+                        <a:latin typeface="Cambria Math" panose="02040503050406030204" pitchFamily="18" charset="0"/>
+                      </a:rPr>
+                      <m:t>𝑎𝑐</m:t>
+                    </m:r>
+                    <m:r>
+                      <a:rPr kumimoji="1" lang="en-US" altLang="ja-JP" b="0" i="1" smtClean="0">
+                        <a:latin typeface="Cambria Math" panose="02040503050406030204" pitchFamily="18" charset="0"/>
+                      </a:rPr>
+                      <m:t>,</m:t>
+                    </m:r>
+                    <m:r>
+                      <a:rPr kumimoji="1" lang="en-US" altLang="ja-JP" b="0" i="1" smtClean="0">
+                        <a:latin typeface="Cambria Math" panose="02040503050406030204" pitchFamily="18" charset="0"/>
+                      </a:rPr>
+                      <m:t>𝑏𝑑</m:t>
+                    </m:r>
+                    <m:r>
+                      <a:rPr kumimoji="1" lang="en-US" altLang="ja-JP" b="0" i="1" smtClean="0">
+                        <a:latin typeface="Cambria Math" panose="02040503050406030204" pitchFamily="18" charset="0"/>
+                      </a:rPr>
+                      <m:t>)</m:t>
+                    </m:r>
+                  </m:oMath>
+                </a14:m>
+                <a:r>
+                  <a:rPr kumimoji="1" lang="ja-JP" altLang="en-US"/>
+                  <a:t>だと混ざらない</a:t>
+                </a:r>
+                <a:endParaRPr kumimoji="1" lang="en-US" altLang="ja-JP"/>
+              </a:p>
+              <a:p>
+                <a:r>
+                  <a:rPr kumimoji="1" lang="ja-JP" altLang="en-US"/>
+                  <a:t>別の規則を使うと別の拡大体を作れる</a:t>
+                </a:r>
+                <a:endParaRPr kumimoji="1" lang="en-US" altLang="ja-JP"/>
+              </a:p>
+              <a:p>
+                <a14:m>
+                  <m:oMath xmlns:m="http://schemas.openxmlformats.org/officeDocument/2006/math">
+                    <m:sSub>
+                      <m:sSubPr>
+                        <m:ctrlPr>
+                          <a:rPr kumimoji="1" lang="en-US" altLang="ja-JP" b="0" i="1" smtClean="0">
+                            <a:latin typeface="Cambria Math" panose="02040503050406030204" pitchFamily="18" charset="0"/>
+                          </a:rPr>
+                        </m:ctrlPr>
+                      </m:sSubPr>
+                      <m:e>
+                        <m:r>
+                          <a:rPr kumimoji="1" lang="en-US" altLang="ja-JP" b="0" i="1" smtClean="0">
+                            <a:latin typeface="Cambria Math" panose="02040503050406030204" pitchFamily="18" charset="0"/>
+                          </a:rPr>
+                          <m:t>𝔽</m:t>
+                        </m:r>
+                      </m:e>
+                      <m:sub>
+                        <m:sSup>
+                          <m:sSupPr>
+                            <m:ctrlPr>
+                              <a:rPr kumimoji="1" lang="en-US" altLang="ja-JP" b="0" i="1" smtClean="0">
+                                <a:latin typeface="Cambria Math" panose="02040503050406030204" pitchFamily="18" charset="0"/>
+                              </a:rPr>
+                            </m:ctrlPr>
+                          </m:sSupPr>
+                          <m:e>
+                            <m:r>
+                              <a:rPr kumimoji="1" lang="en-US" altLang="ja-JP" b="0" i="1" smtClean="0">
+                                <a:latin typeface="Cambria Math" panose="02040503050406030204" pitchFamily="18" charset="0"/>
+                              </a:rPr>
+                              <m:t>2</m:t>
+                            </m:r>
+                          </m:e>
+                          <m:sup>
+                            <m:r>
+                              <a:rPr kumimoji="1" lang="en-US" altLang="ja-JP" b="0" i="1" smtClean="0">
+                                <a:latin typeface="Cambria Math" panose="02040503050406030204" pitchFamily="18" charset="0"/>
+                              </a:rPr>
+                              <m:t>8</m:t>
+                            </m:r>
+                          </m:sup>
+                        </m:sSup>
+                      </m:sub>
+                    </m:sSub>
+                  </m:oMath>
+                </a14:m>
+                <a:r>
+                  <a:rPr kumimoji="1" lang="en-US" altLang="ja-JP"/>
+                  <a:t> ; 8bit</a:t>
+                </a:r>
+                <a:r>
+                  <a:rPr kumimoji="1" lang="ja-JP" altLang="en-US"/>
+                  <a:t>値の集合</a:t>
+                </a:r>
+                <a14:m>
+                  <m:oMath xmlns:m="http://schemas.openxmlformats.org/officeDocument/2006/math">
+                    <m:r>
+                      <a:rPr kumimoji="1" lang="en-US" altLang="ja-JP" b="0" i="1" smtClean="0">
+                        <a:latin typeface="Cambria Math" panose="02040503050406030204" pitchFamily="18" charset="0"/>
+                      </a:rPr>
+                      <m:t>(</m:t>
+                    </m:r>
+                    <m:sSub>
+                      <m:sSubPr>
+                        <m:ctrlPr>
+                          <a:rPr kumimoji="1" lang="en-US" altLang="ja-JP" b="0" i="1" smtClean="0">
+                            <a:latin typeface="Cambria Math" panose="02040503050406030204" pitchFamily="18" charset="0"/>
+                          </a:rPr>
+                        </m:ctrlPr>
+                      </m:sSubPr>
+                      <m:e>
+                        <m:r>
+                          <a:rPr kumimoji="1" lang="en-US" altLang="ja-JP" b="0" i="1" smtClean="0">
+                            <a:latin typeface="Cambria Math" panose="02040503050406030204" pitchFamily="18" charset="0"/>
+                          </a:rPr>
+                          <m:t>𝑎</m:t>
+                        </m:r>
+                      </m:e>
+                      <m:sub>
+                        <m:r>
+                          <a:rPr kumimoji="1" lang="en-US" altLang="ja-JP" b="0" i="1" smtClean="0">
+                            <a:latin typeface="Cambria Math" panose="02040503050406030204" pitchFamily="18" charset="0"/>
+                          </a:rPr>
+                          <m:t>0</m:t>
+                        </m:r>
+                      </m:sub>
+                    </m:sSub>
+                    <m:r>
+                      <a:rPr kumimoji="1" lang="en-US" altLang="ja-JP" b="0" i="1" smtClean="0">
+                        <a:latin typeface="Cambria Math" panose="02040503050406030204" pitchFamily="18" charset="0"/>
+                      </a:rPr>
+                      <m:t>,</m:t>
+                    </m:r>
+                    <m:sSub>
+                      <m:sSubPr>
+                        <m:ctrlPr>
+                          <a:rPr kumimoji="1" lang="en-US" altLang="ja-JP" b="0" i="1" smtClean="0">
+                            <a:latin typeface="Cambria Math" panose="02040503050406030204" pitchFamily="18" charset="0"/>
+                          </a:rPr>
+                        </m:ctrlPr>
+                      </m:sSubPr>
+                      <m:e>
+                        <m:r>
+                          <a:rPr kumimoji="1" lang="en-US" altLang="ja-JP" b="0" i="1" smtClean="0">
+                            <a:latin typeface="Cambria Math" panose="02040503050406030204" pitchFamily="18" charset="0"/>
+                          </a:rPr>
+                          <m:t>𝑎</m:t>
+                        </m:r>
+                      </m:e>
+                      <m:sub>
+                        <m:r>
+                          <a:rPr kumimoji="1" lang="en-US" altLang="ja-JP" b="0" i="1" smtClean="0">
+                            <a:latin typeface="Cambria Math" panose="02040503050406030204" pitchFamily="18" charset="0"/>
+                          </a:rPr>
+                          <m:t>1</m:t>
+                        </m:r>
+                      </m:sub>
+                    </m:sSub>
+                    <m:r>
+                      <a:rPr kumimoji="1" lang="en-US" altLang="ja-JP" b="0" i="1" smtClean="0">
+                        <a:latin typeface="Cambria Math" panose="02040503050406030204" pitchFamily="18" charset="0"/>
+                      </a:rPr>
+                      <m:t>,</m:t>
+                    </m:r>
+                    <m:sSub>
+                      <m:sSubPr>
+                        <m:ctrlPr>
+                          <a:rPr kumimoji="1" lang="en-US" altLang="ja-JP" b="0" i="1" smtClean="0">
+                            <a:latin typeface="Cambria Math" panose="02040503050406030204" pitchFamily="18" charset="0"/>
+                          </a:rPr>
+                        </m:ctrlPr>
+                      </m:sSubPr>
+                      <m:e>
+                        <m:r>
+                          <a:rPr kumimoji="1" lang="en-US" altLang="ja-JP" b="0" i="1" smtClean="0">
+                            <a:latin typeface="Cambria Math" panose="02040503050406030204" pitchFamily="18" charset="0"/>
+                          </a:rPr>
+                          <m:t>𝑎</m:t>
+                        </m:r>
+                      </m:e>
+                      <m:sub>
+                        <m:r>
+                          <a:rPr kumimoji="1" lang="en-US" altLang="ja-JP" b="0" i="1" smtClean="0">
+                            <a:latin typeface="Cambria Math" panose="02040503050406030204" pitchFamily="18" charset="0"/>
+                          </a:rPr>
+                          <m:t>2</m:t>
+                        </m:r>
+                      </m:sub>
+                    </m:sSub>
+                    <m:r>
+                      <a:rPr kumimoji="1" lang="en-US" altLang="ja-JP" b="0" i="1" smtClean="0">
+                        <a:latin typeface="Cambria Math" panose="02040503050406030204" pitchFamily="18" charset="0"/>
+                      </a:rPr>
+                      <m:t>,</m:t>
+                    </m:r>
+                    <m:sSub>
+                      <m:sSubPr>
+                        <m:ctrlPr>
+                          <a:rPr kumimoji="1" lang="en-US" altLang="ja-JP" b="0" i="1" smtClean="0">
+                            <a:latin typeface="Cambria Math" panose="02040503050406030204" pitchFamily="18" charset="0"/>
+                          </a:rPr>
+                        </m:ctrlPr>
+                      </m:sSubPr>
+                      <m:e>
+                        <m:r>
+                          <a:rPr kumimoji="1" lang="en-US" altLang="ja-JP" b="0" i="1" smtClean="0">
+                            <a:latin typeface="Cambria Math" panose="02040503050406030204" pitchFamily="18" charset="0"/>
+                          </a:rPr>
+                          <m:t>𝑎</m:t>
+                        </m:r>
+                      </m:e>
+                      <m:sub>
+                        <m:r>
+                          <a:rPr kumimoji="1" lang="en-US" altLang="ja-JP" b="0" i="1" smtClean="0">
+                            <a:latin typeface="Cambria Math" panose="02040503050406030204" pitchFamily="18" charset="0"/>
+                          </a:rPr>
+                          <m:t>3</m:t>
+                        </m:r>
+                      </m:sub>
+                    </m:sSub>
+                    <m:r>
+                      <a:rPr kumimoji="1" lang="en-US" altLang="ja-JP" b="0" i="1" smtClean="0">
+                        <a:latin typeface="Cambria Math" panose="02040503050406030204" pitchFamily="18" charset="0"/>
+                      </a:rPr>
+                      <m:t>,</m:t>
+                    </m:r>
+                    <m:sSub>
+                      <m:sSubPr>
+                        <m:ctrlPr>
+                          <a:rPr kumimoji="1" lang="en-US" altLang="ja-JP" b="0" i="1" smtClean="0">
+                            <a:latin typeface="Cambria Math" panose="02040503050406030204" pitchFamily="18" charset="0"/>
+                          </a:rPr>
+                        </m:ctrlPr>
+                      </m:sSubPr>
+                      <m:e>
+                        <m:r>
+                          <a:rPr kumimoji="1" lang="en-US" altLang="ja-JP" b="0" i="1" smtClean="0">
+                            <a:latin typeface="Cambria Math" panose="02040503050406030204" pitchFamily="18" charset="0"/>
+                          </a:rPr>
+                          <m:t>𝑎</m:t>
+                        </m:r>
+                      </m:e>
+                      <m:sub>
+                        <m:r>
+                          <a:rPr kumimoji="1" lang="en-US" altLang="ja-JP" b="0" i="1" smtClean="0">
+                            <a:latin typeface="Cambria Math" panose="02040503050406030204" pitchFamily="18" charset="0"/>
+                          </a:rPr>
+                          <m:t>4</m:t>
+                        </m:r>
+                      </m:sub>
+                    </m:sSub>
+                    <m:r>
+                      <a:rPr kumimoji="1" lang="en-US" altLang="ja-JP" b="0" i="1" smtClean="0">
+                        <a:latin typeface="Cambria Math" panose="02040503050406030204" pitchFamily="18" charset="0"/>
+                      </a:rPr>
+                      <m:t>,</m:t>
+                    </m:r>
+                    <m:sSub>
+                      <m:sSubPr>
+                        <m:ctrlPr>
+                          <a:rPr kumimoji="1" lang="en-US" altLang="ja-JP" b="0" i="1" smtClean="0">
+                            <a:latin typeface="Cambria Math" panose="02040503050406030204" pitchFamily="18" charset="0"/>
+                          </a:rPr>
+                        </m:ctrlPr>
+                      </m:sSubPr>
+                      <m:e>
+                        <m:r>
+                          <a:rPr kumimoji="1" lang="en-US" altLang="ja-JP" b="0" i="1" smtClean="0">
+                            <a:latin typeface="Cambria Math" panose="02040503050406030204" pitchFamily="18" charset="0"/>
+                          </a:rPr>
+                          <m:t>𝑎</m:t>
+                        </m:r>
+                      </m:e>
+                      <m:sub>
+                        <m:r>
+                          <a:rPr kumimoji="1" lang="en-US" altLang="ja-JP" b="0" i="1" smtClean="0">
+                            <a:latin typeface="Cambria Math" panose="02040503050406030204" pitchFamily="18" charset="0"/>
+                          </a:rPr>
+                          <m:t>5</m:t>
+                        </m:r>
+                      </m:sub>
+                    </m:sSub>
+                    <m:r>
+                      <a:rPr kumimoji="1" lang="en-US" altLang="ja-JP" b="0" i="1" smtClean="0">
+                        <a:latin typeface="Cambria Math" panose="02040503050406030204" pitchFamily="18" charset="0"/>
+                      </a:rPr>
+                      <m:t>,</m:t>
+                    </m:r>
+                    <m:sSub>
+                      <m:sSubPr>
+                        <m:ctrlPr>
+                          <a:rPr kumimoji="1" lang="en-US" altLang="ja-JP" b="0" i="1" smtClean="0">
+                            <a:latin typeface="Cambria Math" panose="02040503050406030204" pitchFamily="18" charset="0"/>
+                          </a:rPr>
+                        </m:ctrlPr>
+                      </m:sSubPr>
+                      <m:e>
+                        <m:r>
+                          <a:rPr kumimoji="1" lang="en-US" altLang="ja-JP" b="0" i="1" smtClean="0">
+                            <a:latin typeface="Cambria Math" panose="02040503050406030204" pitchFamily="18" charset="0"/>
+                          </a:rPr>
+                          <m:t>𝑎</m:t>
+                        </m:r>
+                      </m:e>
+                      <m:sub>
+                        <m:r>
+                          <a:rPr kumimoji="1" lang="en-US" altLang="ja-JP" b="0" i="1" smtClean="0">
+                            <a:latin typeface="Cambria Math" panose="02040503050406030204" pitchFamily="18" charset="0"/>
+                          </a:rPr>
+                          <m:t>6</m:t>
+                        </m:r>
+                      </m:sub>
+                    </m:sSub>
+                    <m:r>
+                      <a:rPr kumimoji="1" lang="en-US" altLang="ja-JP" b="0" i="1" smtClean="0">
+                        <a:latin typeface="Cambria Math" panose="02040503050406030204" pitchFamily="18" charset="0"/>
+                      </a:rPr>
+                      <m:t>,</m:t>
+                    </m:r>
+                    <m:sSub>
+                      <m:sSubPr>
+                        <m:ctrlPr>
+                          <a:rPr kumimoji="1" lang="en-US" altLang="ja-JP" b="0" i="1" smtClean="0">
+                            <a:latin typeface="Cambria Math" panose="02040503050406030204" pitchFamily="18" charset="0"/>
+                          </a:rPr>
+                        </m:ctrlPr>
+                      </m:sSubPr>
+                      <m:e>
+                        <m:r>
+                          <a:rPr kumimoji="1" lang="en-US" altLang="ja-JP" b="0" i="1" smtClean="0">
+                            <a:latin typeface="Cambria Math" panose="02040503050406030204" pitchFamily="18" charset="0"/>
+                          </a:rPr>
+                          <m:t>𝑎</m:t>
+                        </m:r>
+                      </m:e>
+                      <m:sub>
+                        <m:r>
+                          <a:rPr kumimoji="1" lang="en-US" altLang="ja-JP" b="0" i="1" smtClean="0">
+                            <a:latin typeface="Cambria Math" panose="02040503050406030204" pitchFamily="18" charset="0"/>
+                          </a:rPr>
+                          <m:t>7</m:t>
+                        </m:r>
+                      </m:sub>
+                    </m:sSub>
+                    <m:r>
+                      <a:rPr kumimoji="1" lang="en-US" altLang="ja-JP" b="0" i="1" smtClean="0">
+                        <a:latin typeface="Cambria Math" panose="02040503050406030204" pitchFamily="18" charset="0"/>
+                      </a:rPr>
+                      <m:t>)</m:t>
+                    </m:r>
+                  </m:oMath>
+                </a14:m>
+                <a:r>
+                  <a:rPr kumimoji="1" lang="en-US" altLang="ja-JP"/>
+                  <a:t> ; </a:t>
+                </a:r>
+                <a14:m>
+                  <m:oMath xmlns:m="http://schemas.openxmlformats.org/officeDocument/2006/math">
+                    <m:sSub>
+                      <m:sSubPr>
+                        <m:ctrlPr>
+                          <a:rPr kumimoji="1" lang="en-US" altLang="ja-JP" b="0" i="1" smtClean="0">
+                            <a:latin typeface="Cambria Math" panose="02040503050406030204" pitchFamily="18" charset="0"/>
+                          </a:rPr>
+                        </m:ctrlPr>
+                      </m:sSubPr>
+                      <m:e>
+                        <m:r>
+                          <a:rPr kumimoji="1" lang="en-US" altLang="ja-JP" b="0" i="1" smtClean="0">
+                            <a:latin typeface="Cambria Math" panose="02040503050406030204" pitchFamily="18" charset="0"/>
+                          </a:rPr>
+                          <m:t>𝑎</m:t>
+                        </m:r>
+                      </m:e>
+                      <m:sub>
+                        <m:r>
+                          <a:rPr kumimoji="1" lang="en-US" altLang="ja-JP" b="0" i="1" smtClean="0">
+                            <a:latin typeface="Cambria Math" panose="02040503050406030204" pitchFamily="18" charset="0"/>
+                          </a:rPr>
+                          <m:t>𝑖</m:t>
+                        </m:r>
+                      </m:sub>
+                    </m:sSub>
+                    <m:r>
+                      <a:rPr kumimoji="1" lang="en-US" altLang="ja-JP" b="0" i="1" smtClean="0">
+                        <a:latin typeface="Cambria Math" panose="02040503050406030204" pitchFamily="18" charset="0"/>
+                      </a:rPr>
+                      <m:t>∈</m:t>
+                    </m:r>
+                    <m:sSub>
+                      <m:sSubPr>
+                        <m:ctrlPr>
+                          <a:rPr kumimoji="1" lang="en-US" altLang="ja-JP" b="0" i="1" smtClean="0">
+                            <a:latin typeface="Cambria Math" panose="02040503050406030204" pitchFamily="18" charset="0"/>
+                          </a:rPr>
+                        </m:ctrlPr>
+                      </m:sSubPr>
+                      <m:e>
+                        <m:r>
+                          <a:rPr kumimoji="1" lang="en-US" altLang="ja-JP" b="0" i="1" smtClean="0">
+                            <a:latin typeface="Cambria Math" panose="02040503050406030204" pitchFamily="18" charset="0"/>
+                          </a:rPr>
+                          <m:t>𝔽</m:t>
+                        </m:r>
+                      </m:e>
+                      <m:sub>
+                        <m:r>
+                          <a:rPr kumimoji="1" lang="en-US" altLang="ja-JP" b="0" i="1" smtClean="0">
+                            <a:latin typeface="Cambria Math" panose="02040503050406030204" pitchFamily="18" charset="0"/>
+                          </a:rPr>
+                          <m:t>2</m:t>
+                        </m:r>
+                      </m:sub>
+                    </m:sSub>
+                  </m:oMath>
+                </a14:m>
+                <a:endParaRPr kumimoji="1" lang="en-US" altLang="ja-JP"/>
+              </a:p>
+              <a:p>
+                <a:pPr lvl="1"/>
+                <a14:m>
+                  <m:oMath xmlns:m="http://schemas.openxmlformats.org/officeDocument/2006/math">
+                    <m:sSup>
+                      <m:sSupPr>
+                        <m:ctrlPr>
+                          <a:rPr kumimoji="1" lang="en-US" altLang="ja-JP" b="0" i="1" smtClean="0">
+                            <a:latin typeface="Cambria Math" panose="02040503050406030204" pitchFamily="18" charset="0"/>
+                          </a:rPr>
+                        </m:ctrlPr>
+                      </m:sSupPr>
+                      <m:e>
+                        <m:r>
+                          <a:rPr kumimoji="1" lang="en-US" altLang="ja-JP" b="0" i="1" smtClean="0">
+                            <a:latin typeface="Cambria Math" panose="02040503050406030204" pitchFamily="18" charset="0"/>
+                          </a:rPr>
+                          <m:t>𝑥</m:t>
+                        </m:r>
+                      </m:e>
+                      <m:sup>
+                        <m:r>
+                          <a:rPr kumimoji="1" lang="en-US" altLang="ja-JP" b="0" i="1" smtClean="0">
+                            <a:latin typeface="Cambria Math" panose="02040503050406030204" pitchFamily="18" charset="0"/>
+                          </a:rPr>
+                          <m:t>8</m:t>
+                        </m:r>
+                      </m:sup>
+                    </m:sSup>
+                  </m:oMath>
+                </a14:m>
+                <a:r>
+                  <a:rPr kumimoji="1" lang="ja-JP" altLang="en-US"/>
+                  <a:t>を</a:t>
+                </a:r>
+                <a14:m>
+                  <m:oMath xmlns:m="http://schemas.openxmlformats.org/officeDocument/2006/math">
+                    <m:sSup>
+                      <m:sSupPr>
+                        <m:ctrlPr>
+                          <a:rPr kumimoji="1" lang="en-US" altLang="ja-JP" b="0" i="1" smtClean="0">
+                            <a:latin typeface="Cambria Math" panose="02040503050406030204" pitchFamily="18" charset="0"/>
+                          </a:rPr>
+                        </m:ctrlPr>
+                      </m:sSupPr>
+                      <m:e>
+                        <m:r>
+                          <a:rPr kumimoji="1" lang="en-US" altLang="ja-JP" b="0" i="1" smtClean="0">
+                            <a:latin typeface="Cambria Math" panose="02040503050406030204" pitchFamily="18" charset="0"/>
+                          </a:rPr>
+                          <m:t>𝑥</m:t>
+                        </m:r>
+                      </m:e>
+                      <m:sup>
+                        <m:r>
+                          <a:rPr kumimoji="1" lang="en-US" altLang="ja-JP" b="0" i="1" smtClean="0">
+                            <a:latin typeface="Cambria Math" panose="02040503050406030204" pitchFamily="18" charset="0"/>
+                          </a:rPr>
+                          <m:t>4</m:t>
+                        </m:r>
+                      </m:sup>
+                    </m:sSup>
+                    <m:r>
+                      <a:rPr kumimoji="1" lang="en-US" altLang="ja-JP" b="0" i="1" smtClean="0">
+                        <a:latin typeface="Cambria Math" panose="02040503050406030204" pitchFamily="18" charset="0"/>
+                      </a:rPr>
+                      <m:t>+</m:t>
+                    </m:r>
+                    <m:sSup>
+                      <m:sSupPr>
+                        <m:ctrlPr>
+                          <a:rPr kumimoji="1" lang="en-US" altLang="ja-JP" b="0" i="1" smtClean="0">
+                            <a:latin typeface="Cambria Math" panose="02040503050406030204" pitchFamily="18" charset="0"/>
+                          </a:rPr>
+                        </m:ctrlPr>
+                      </m:sSupPr>
+                      <m:e>
+                        <m:r>
+                          <a:rPr kumimoji="1" lang="en-US" altLang="ja-JP" b="0" i="1" smtClean="0">
+                            <a:latin typeface="Cambria Math" panose="02040503050406030204" pitchFamily="18" charset="0"/>
+                          </a:rPr>
+                          <m:t>𝑥</m:t>
+                        </m:r>
+                      </m:e>
+                      <m:sup>
+                        <m:r>
+                          <a:rPr kumimoji="1" lang="en-US" altLang="ja-JP" b="0" i="1" smtClean="0">
+                            <a:latin typeface="Cambria Math" panose="02040503050406030204" pitchFamily="18" charset="0"/>
+                          </a:rPr>
+                          <m:t>3</m:t>
+                        </m:r>
+                      </m:sup>
+                    </m:sSup>
+                    <m:r>
+                      <a:rPr kumimoji="1" lang="en-US" altLang="ja-JP" b="0" i="1" smtClean="0">
+                        <a:latin typeface="Cambria Math" panose="02040503050406030204" pitchFamily="18" charset="0"/>
+                      </a:rPr>
+                      <m:t>+</m:t>
+                    </m:r>
+                    <m:sSup>
+                      <m:sSupPr>
+                        <m:ctrlPr>
+                          <a:rPr kumimoji="1" lang="en-US" altLang="ja-JP" b="0" i="1" smtClean="0">
+                            <a:latin typeface="Cambria Math" panose="02040503050406030204" pitchFamily="18" charset="0"/>
+                          </a:rPr>
+                        </m:ctrlPr>
+                      </m:sSupPr>
+                      <m:e>
+                        <m:r>
+                          <a:rPr kumimoji="1" lang="en-US" altLang="ja-JP" b="0" i="1" smtClean="0">
+                            <a:latin typeface="Cambria Math" panose="02040503050406030204" pitchFamily="18" charset="0"/>
+                          </a:rPr>
+                          <m:t>𝑥</m:t>
+                        </m:r>
+                      </m:e>
+                      <m:sup>
+                        <m:r>
+                          <a:rPr kumimoji="1" lang="en-US" altLang="ja-JP" b="0" i="1" smtClean="0">
+                            <a:latin typeface="Cambria Math" panose="02040503050406030204" pitchFamily="18" charset="0"/>
+                          </a:rPr>
+                          <m:t>2</m:t>
+                        </m:r>
+                      </m:sup>
+                    </m:sSup>
+                    <m:r>
+                      <a:rPr kumimoji="1" lang="en-US" altLang="ja-JP" b="0" i="1" smtClean="0">
+                        <a:latin typeface="Cambria Math" panose="02040503050406030204" pitchFamily="18" charset="0"/>
+                      </a:rPr>
+                      <m:t>+1</m:t>
+                    </m:r>
+                  </m:oMath>
+                </a14:m>
+                <a:r>
+                  <a:rPr kumimoji="1" lang="ja-JP" altLang="en-US"/>
+                  <a:t>に置き換える </a:t>
+                </a:r>
+                <a:r>
+                  <a:rPr kumimoji="1" lang="en-US" altLang="ja-JP"/>
+                  <a:t>; </a:t>
+                </a:r>
+                <a:r>
+                  <a:rPr lang="en-US" altLang="ja-JP"/>
+                  <a:t>AES</a:t>
+                </a:r>
+                <a:r>
+                  <a:rPr lang="ja-JP" altLang="en-US"/>
+                  <a:t>で使われる</a:t>
+                </a:r>
+                <a:endParaRPr lang="en-US" altLang="ja-JP"/>
+              </a:p>
+              <a:p>
+                <a14:m>
+                  <m:oMath xmlns:m="http://schemas.openxmlformats.org/officeDocument/2006/math">
+                    <m:sSub>
+                      <m:sSubPr>
+                        <m:ctrlPr>
+                          <a:rPr kumimoji="1" lang="en-US" altLang="ja-JP" b="0" i="1" smtClean="0">
+                            <a:latin typeface="Cambria Math" panose="02040503050406030204" pitchFamily="18" charset="0"/>
+                          </a:rPr>
+                        </m:ctrlPr>
+                      </m:sSubPr>
+                      <m:e>
+                        <m:r>
+                          <a:rPr kumimoji="1" lang="en-US" altLang="ja-JP" b="0" i="1" smtClean="0">
+                            <a:latin typeface="Cambria Math" panose="02040503050406030204" pitchFamily="18" charset="0"/>
+                          </a:rPr>
+                          <m:t>𝔽</m:t>
+                        </m:r>
+                      </m:e>
+                      <m:sub>
+                        <m:sSup>
+                          <m:sSupPr>
+                            <m:ctrlPr>
+                              <a:rPr kumimoji="1" lang="en-US" altLang="ja-JP" b="0" i="1" smtClean="0">
+                                <a:latin typeface="Cambria Math" panose="02040503050406030204" pitchFamily="18" charset="0"/>
+                              </a:rPr>
+                            </m:ctrlPr>
+                          </m:sSupPr>
+                          <m:e>
+                            <m:r>
+                              <a:rPr kumimoji="1" lang="en-US" altLang="ja-JP" b="0" i="1" smtClean="0">
+                                <a:latin typeface="Cambria Math" panose="02040503050406030204" pitchFamily="18" charset="0"/>
+                              </a:rPr>
+                              <m:t>2</m:t>
+                            </m:r>
+                          </m:e>
+                          <m:sup>
+                            <m:r>
+                              <a:rPr kumimoji="1" lang="en-US" altLang="ja-JP" b="0" i="1" smtClean="0">
+                                <a:latin typeface="Cambria Math" panose="02040503050406030204" pitchFamily="18" charset="0"/>
+                              </a:rPr>
+                              <m:t>128</m:t>
+                            </m:r>
+                          </m:sup>
+                        </m:sSup>
+                      </m:sub>
+                    </m:sSub>
+                  </m:oMath>
+                </a14:m>
+                <a:r>
+                  <a:rPr kumimoji="1" lang="en-US" altLang="ja-JP"/>
+                  <a:t> ;128bit</a:t>
+                </a:r>
+                <a:r>
+                  <a:rPr kumimoji="1" lang="ja-JP" altLang="en-US"/>
+                  <a:t>値の集合</a:t>
+                </a:r>
+                <a:endParaRPr lang="en-US" altLang="ja-JP"/>
+              </a:p>
+              <a:p>
+                <a:pPr lvl="1"/>
+                <a14:m>
+                  <m:oMath xmlns:m="http://schemas.openxmlformats.org/officeDocument/2006/math">
+                    <m:sSup>
+                      <m:sSupPr>
+                        <m:ctrlPr>
+                          <a:rPr kumimoji="1" lang="en-US" altLang="ja-JP" b="0" i="1" smtClean="0">
+                            <a:latin typeface="Cambria Math" panose="02040503050406030204" pitchFamily="18" charset="0"/>
+                          </a:rPr>
+                        </m:ctrlPr>
+                      </m:sSupPr>
+                      <m:e>
+                        <m:r>
+                          <a:rPr kumimoji="1" lang="en-US" altLang="ja-JP" b="0" i="1" smtClean="0">
+                            <a:latin typeface="Cambria Math" panose="02040503050406030204" pitchFamily="18" charset="0"/>
+                          </a:rPr>
+                          <m:t>𝑥</m:t>
+                        </m:r>
+                      </m:e>
+                      <m:sup>
+                        <m:r>
+                          <a:rPr kumimoji="1" lang="en-US" altLang="ja-JP" b="0" i="1" smtClean="0">
+                            <a:latin typeface="Cambria Math" panose="02040503050406030204" pitchFamily="18" charset="0"/>
+                          </a:rPr>
+                          <m:t>128</m:t>
+                        </m:r>
+                      </m:sup>
+                    </m:sSup>
+                  </m:oMath>
+                </a14:m>
+                <a:r>
+                  <a:rPr kumimoji="1" lang="ja-JP" altLang="en-US"/>
+                  <a:t>を</a:t>
+                </a:r>
+                <a14:m>
+                  <m:oMath xmlns:m="http://schemas.openxmlformats.org/officeDocument/2006/math">
+                    <m:sSup>
+                      <m:sSupPr>
+                        <m:ctrlPr>
+                          <a:rPr kumimoji="1" lang="en-US" altLang="ja-JP" b="0" i="1" smtClean="0">
+                            <a:latin typeface="Cambria Math" panose="02040503050406030204" pitchFamily="18" charset="0"/>
+                          </a:rPr>
+                        </m:ctrlPr>
+                      </m:sSupPr>
+                      <m:e>
+                        <m:r>
+                          <a:rPr kumimoji="1" lang="en-US" altLang="ja-JP" b="0" i="1" smtClean="0">
+                            <a:latin typeface="Cambria Math" panose="02040503050406030204" pitchFamily="18" charset="0"/>
+                          </a:rPr>
+                          <m:t>𝑥</m:t>
+                        </m:r>
+                      </m:e>
+                      <m:sup>
+                        <m:r>
+                          <a:rPr kumimoji="1" lang="en-US" altLang="ja-JP" b="0" i="1" smtClean="0">
+                            <a:latin typeface="Cambria Math" panose="02040503050406030204" pitchFamily="18" charset="0"/>
+                          </a:rPr>
+                          <m:t>7</m:t>
+                        </m:r>
+                      </m:sup>
+                    </m:sSup>
+                    <m:r>
+                      <a:rPr kumimoji="1" lang="en-US" altLang="ja-JP" b="0" i="1" smtClean="0">
+                        <a:latin typeface="Cambria Math" panose="02040503050406030204" pitchFamily="18" charset="0"/>
+                      </a:rPr>
+                      <m:t>+</m:t>
+                    </m:r>
+                    <m:sSup>
+                      <m:sSupPr>
+                        <m:ctrlPr>
+                          <a:rPr kumimoji="1" lang="en-US" altLang="ja-JP" b="0" i="1" smtClean="0">
+                            <a:latin typeface="Cambria Math" panose="02040503050406030204" pitchFamily="18" charset="0"/>
+                          </a:rPr>
+                        </m:ctrlPr>
+                      </m:sSupPr>
+                      <m:e>
+                        <m:r>
+                          <a:rPr kumimoji="1" lang="en-US" altLang="ja-JP" b="0" i="1" smtClean="0">
+                            <a:latin typeface="Cambria Math" panose="02040503050406030204" pitchFamily="18" charset="0"/>
+                          </a:rPr>
+                          <m:t>𝑥</m:t>
+                        </m:r>
+                      </m:e>
+                      <m:sup>
+                        <m:r>
+                          <a:rPr kumimoji="1" lang="en-US" altLang="ja-JP" b="0" i="1" smtClean="0">
+                            <a:latin typeface="Cambria Math" panose="02040503050406030204" pitchFamily="18" charset="0"/>
+                          </a:rPr>
+                          <m:t>2</m:t>
+                        </m:r>
+                      </m:sup>
+                    </m:sSup>
+                    <m:r>
+                      <a:rPr kumimoji="1" lang="en-US" altLang="ja-JP" b="0" i="1" smtClean="0">
+                        <a:latin typeface="Cambria Math" panose="02040503050406030204" pitchFamily="18" charset="0"/>
+                      </a:rPr>
+                      <m:t>+</m:t>
+                    </m:r>
+                    <m:r>
+                      <a:rPr kumimoji="1" lang="en-US" altLang="ja-JP" b="0" i="1" smtClean="0">
+                        <a:latin typeface="Cambria Math" panose="02040503050406030204" pitchFamily="18" charset="0"/>
+                      </a:rPr>
+                      <m:t>𝑥</m:t>
+                    </m:r>
+                    <m:r>
+                      <a:rPr kumimoji="1" lang="en-US" altLang="ja-JP" b="0" i="1" smtClean="0">
+                        <a:latin typeface="Cambria Math" panose="02040503050406030204" pitchFamily="18" charset="0"/>
+                      </a:rPr>
+                      <m:t>+1</m:t>
+                    </m:r>
+                  </m:oMath>
+                </a14:m>
+                <a:r>
+                  <a:rPr kumimoji="1" lang="ja-JP" altLang="en-US"/>
+                  <a:t>に置き換える</a:t>
+                </a:r>
+                <a:r>
+                  <a:rPr lang="en-US" altLang="ja-JP"/>
+                  <a:t> ; </a:t>
+                </a:r>
+                <a:r>
+                  <a:rPr kumimoji="1" lang="en-US" altLang="ja-JP"/>
+                  <a:t>XTS-AES</a:t>
+                </a:r>
+                <a:r>
+                  <a:rPr kumimoji="1" lang="ja-JP" altLang="en-US"/>
+                  <a:t>や</a:t>
+                </a:r>
+                <a:r>
+                  <a:rPr kumimoji="1" lang="en-US" altLang="ja-JP"/>
+                  <a:t>AES-GCM</a:t>
+                </a:r>
+                <a:r>
+                  <a:rPr kumimoji="1" lang="ja-JP" altLang="en-US"/>
+                  <a:t>など</a:t>
+                </a:r>
+                <a:endParaRPr kumimoji="1" lang="en-US" altLang="ja-JP"/>
+              </a:p>
+            </p:txBody>
+          </p:sp>
+        </mc:Choice>
+        <mc:Fallback>
+          <p:sp>
+            <p:nvSpPr>
+              <p:cNvPr id="2" name="コンテンツ プレースホルダー 1">
+                <a:extLst>
+                  <a:ext uri="{FF2B5EF4-FFF2-40B4-BE49-F238E27FC236}">
+                    <a16:creationId xmlns:a16="http://schemas.microsoft.com/office/drawing/2014/main" id="{AC1CDA6A-00FC-43AB-BD54-4684D74F470E}"/>
+                  </a:ext>
+                </a:extLst>
+              </p:cNvPr>
+              <p:cNvSpPr>
+                <a:spLocks noGrp="1" noRot="1" noChangeAspect="1" noMove="1" noResize="1" noEditPoints="1" noAdjustHandles="1" noChangeArrowheads="1" noChangeShapeType="1" noTextEdit="1"/>
+              </p:cNvSpPr>
+              <p:nvPr>
+                <p:ph idx="1"/>
+              </p:nvPr>
+            </p:nvSpPr>
+            <p:spPr>
+              <a:blipFill>
+                <a:blip r:embed="rId2"/>
+                <a:stretch>
+                  <a:fillRect l="-1200" r="-67"/>
+                </a:stretch>
+              </a:blipFill>
+            </p:spPr>
+            <p:txBody>
+              <a:bodyPr/>
+              <a:lstStyle/>
+              <a:p>
+                <a:r>
+                  <a:rPr lang="ja-JP" altLang="en-US">
+                    <a:noFill/>
+                  </a:rPr>
+                  <a:t> </a:t>
+                </a:r>
+              </a:p>
+            </p:txBody>
+          </p:sp>
+        </mc:Fallback>
+      </mc:AlternateContent>
+      <p:sp>
+        <p:nvSpPr>
+          <p:cNvPr id="3" name="スライド番号プレースホルダー 2">
+            <a:extLst>
+              <a:ext uri="{FF2B5EF4-FFF2-40B4-BE49-F238E27FC236}">
+                <a16:creationId xmlns:a16="http://schemas.microsoft.com/office/drawing/2014/main" id="{9057758D-48E9-46EF-8EA4-CBD38F0E1BEA}"/>
+              </a:ext>
+            </a:extLst>
+          </p:cNvPr>
+          <p:cNvSpPr>
+            <a:spLocks noGrp="1"/>
+          </p:cNvSpPr>
+          <p:nvPr>
+            <p:ph type="sldNum" sz="quarter" idx="12"/>
+          </p:nvPr>
+        </p:nvSpPr>
+        <p:spPr/>
+        <p:txBody>
+          <a:bodyPr/>
+          <a:lstStyle/>
+          <a:p>
+            <a:pPr>
+              <a:defRPr/>
+            </a:pPr>
+            <a:r>
+              <a:rPr lang="en-US" altLang="ja-JP"/>
+              <a:t>    </a:t>
+            </a:r>
+            <a:fld id="{B2782DEB-472A-4FE5-AC34-C17109CF5A91}" type="slidenum">
+              <a:rPr lang="en-US" altLang="ja-JP" smtClean="0"/>
+              <a:pPr>
+                <a:defRPr/>
+              </a:pPr>
+              <a:t>11</a:t>
+            </a:fld>
+            <a:r>
+              <a:rPr lang="en-US" altLang="ja-JP"/>
+              <a:t> / 24</a:t>
+            </a:r>
+          </a:p>
+        </p:txBody>
+      </p:sp>
+      <p:sp>
+        <p:nvSpPr>
+          <p:cNvPr id="4" name="タイトル 3">
+            <a:extLst>
+              <a:ext uri="{FF2B5EF4-FFF2-40B4-BE49-F238E27FC236}">
+                <a16:creationId xmlns:a16="http://schemas.microsoft.com/office/drawing/2014/main" id="{11EB8000-35A0-4312-9378-D66CC5818284}"/>
+              </a:ext>
+            </a:extLst>
+          </p:cNvPr>
+          <p:cNvSpPr>
+            <a:spLocks noGrp="1"/>
+          </p:cNvSpPr>
+          <p:nvPr>
+            <p:ph type="title"/>
+          </p:nvPr>
+        </p:nvSpPr>
+        <p:spPr/>
+        <p:txBody>
+          <a:bodyPr/>
+          <a:lstStyle/>
+          <a:p>
+            <a:r>
+              <a:rPr kumimoji="1" lang="ja-JP" altLang="en-US"/>
+              <a:t>注意</a:t>
+            </a:r>
+          </a:p>
+        </p:txBody>
+      </p:sp>
+    </p:spTree>
+    <p:extLst>
+      <p:ext uri="{BB962C8B-B14F-4D97-AF65-F5344CB8AC3E}">
+        <p14:creationId xmlns:p14="http://schemas.microsoft.com/office/powerpoint/2010/main" val="1725152092"/>
+      </p:ext>
+    </p:extLst>
+  </p:cSld>
+  <p:clrMapOvr>
+    <a:masterClrMapping/>
+  </p:clrMapOvr>
+</p:sld>
+</file>
+
+<file path=ppt/slides/slide2.xml><?xml version="1.0" encoding="utf-8"?>
+<p:sld xmlns:a="http://schemas.openxmlformats.org/drawingml/2006/main" xmlns:r="http://schemas.openxmlformats.org/officeDocument/2006/relationships" xmlns:p="http://schemas.openxmlformats.org/presentationml/2006/main">
+  <p:cSld>
+    <p:spTree>
+      <p:nvGrpSpPr>
+        <p:cNvPr id="1" name=""/>
+        <p:cNvGrpSpPr/>
+        <p:nvPr/>
+      </p:nvGrpSpPr>
+      <p:grpSpPr>
+        <a:xfrm>
+          <a:off x="0" y="0"/>
+          <a:ext cx="0" cy="0"/>
+          <a:chOff x="0" y="0"/>
+          <a:chExt cx="0" cy="0"/>
+        </a:xfrm>
+      </p:grpSpPr>
+      <mc:AlternateContent xmlns:mc="http://schemas.openxmlformats.org/markup-compatibility/2006" xmlns:a14="http://schemas.microsoft.com/office/drawing/2010/main">
+        <mc:Choice Requires="a14">
           <p:sp>
             <p:nvSpPr>
               <p:cNvPr id="2" name="コンテンツ プレースホルダー 1">
@@ -3051,7 +5857,7 @@
             </p:txBody>
           </p:sp>
         </mc:Choice>
-        <mc:Fallback>
+        <mc:Fallback xmlns="">
           <p:sp>
             <p:nvSpPr>
               <p:cNvPr id="2" name="コンテンツ プレースホルダー 1">
@@ -3330,8 +6136,8 @@
           <a:chExt cx="0" cy="0"/>
         </a:xfrm>
       </p:grpSpPr>
-      <mc:AlternateContent xmlns:mc="http://schemas.openxmlformats.org/markup-compatibility/2006">
-        <mc:Choice xmlns:a14="http://schemas.microsoft.com/office/drawing/2010/main" Requires="a14">
+      <mc:AlternateContent xmlns:mc="http://schemas.openxmlformats.org/markup-compatibility/2006" xmlns:a14="http://schemas.microsoft.com/office/drawing/2010/main">
+        <mc:Choice Requires="a14">
           <p:sp>
             <p:nvSpPr>
               <p:cNvPr id="2" name="コンテンツ プレースホルダー 1">
@@ -3459,7 +6265,7 @@
             </p:txBody>
           </p:sp>
         </mc:Choice>
-        <mc:Fallback>
+        <mc:Fallback xmlns="">
           <p:sp>
             <p:nvSpPr>
               <p:cNvPr id="2" name="コンテンツ プレースホルダー 1">
@@ -3675,8 +6481,8 @@
           </a:prstGeom>
         </p:spPr>
       </p:pic>
-      <mc:AlternateContent xmlns:mc="http://schemas.openxmlformats.org/markup-compatibility/2006">
-        <mc:Choice xmlns:a14="http://schemas.microsoft.com/office/drawing/2010/main" Requires="a14">
+      <mc:AlternateContent xmlns:mc="http://schemas.openxmlformats.org/markup-compatibility/2006" xmlns:a14="http://schemas.microsoft.com/office/drawing/2010/main">
+        <mc:Choice Requires="a14">
           <p:sp>
             <p:nvSpPr>
               <p:cNvPr id="2" name="コンテンツ プレースホルダー 1">
@@ -4125,7 +6931,7 @@
             </p:txBody>
           </p:sp>
         </mc:Choice>
-        <mc:Fallback>
+        <mc:Fallback xmlns="">
           <p:sp>
             <p:nvSpPr>
               <p:cNvPr id="2" name="コンテンツ プレースホルダー 1">
@@ -4286,8 +7092,8 @@
           <a:chExt cx="0" cy="0"/>
         </a:xfrm>
       </p:grpSpPr>
-      <mc:AlternateContent xmlns:mc="http://schemas.openxmlformats.org/markup-compatibility/2006">
-        <mc:Choice xmlns:a14="http://schemas.microsoft.com/office/drawing/2010/main" Requires="a14">
+      <mc:AlternateContent xmlns:mc="http://schemas.openxmlformats.org/markup-compatibility/2006" xmlns:a14="http://schemas.microsoft.com/office/drawing/2010/main">
+        <mc:Choice Requires="a14">
           <p:sp>
             <p:nvSpPr>
               <p:cNvPr id="2" name="コンテンツ プレースホルダー 1">
@@ -4671,7 +7477,7 @@
             </p:txBody>
           </p:sp>
         </mc:Choice>
-        <mc:Fallback>
+        <mc:Fallback xmlns="">
           <p:sp>
             <p:nvSpPr>
               <p:cNvPr id="2" name="コンテンツ プレースホルダー 1">
@@ -4847,31 +7653,253 @@
           <a:chExt cx="0" cy="0"/>
         </a:xfrm>
       </p:grpSpPr>
-      <p:sp>
-        <p:nvSpPr>
-          <p:cNvPr id="2" name="コンテンツ プレースホルダー 1">
-            <a:extLst>
-              <a:ext uri="{FF2B5EF4-FFF2-40B4-BE49-F238E27FC236}">
-                <a16:creationId xmlns:a16="http://schemas.microsoft.com/office/drawing/2014/main" id="{458F5D65-6C20-445F-AAD0-244B13E588ED}"/>
-              </a:ext>
-            </a:extLst>
-          </p:cNvPr>
-          <p:cNvSpPr>
-            <a:spLocks noGrp="1"/>
-          </p:cNvSpPr>
-          <p:nvPr>
-            <p:ph idx="1"/>
-          </p:nvPr>
-        </p:nvSpPr>
-        <p:spPr/>
-        <p:txBody>
-          <a:bodyPr/>
-          <a:lstStyle/>
-          <a:p>
-            <a:endParaRPr kumimoji="1" lang="ja-JP" altLang="en-US"/>
-          </a:p>
-        </p:txBody>
-      </p:sp>
+      <mc:AlternateContent xmlns:mc="http://schemas.openxmlformats.org/markup-compatibility/2006">
+        <mc:Choice xmlns:a14="http://schemas.microsoft.com/office/drawing/2010/main" Requires="a14">
+          <p:sp>
+            <p:nvSpPr>
+              <p:cNvPr id="2" name="コンテンツ プレースホルダー 1">
+                <a:extLst>
+                  <a:ext uri="{FF2B5EF4-FFF2-40B4-BE49-F238E27FC236}">
+                    <a16:creationId xmlns:a16="http://schemas.microsoft.com/office/drawing/2014/main" id="{458F5D65-6C20-445F-AAD0-244B13E588ED}"/>
+                  </a:ext>
+                </a:extLst>
+              </p:cNvPr>
+              <p:cNvSpPr>
+                <a:spLocks noGrp="1"/>
+              </p:cNvSpPr>
+              <p:nvPr>
+                <p:ph idx="1"/>
+              </p:nvPr>
+            </p:nvSpPr>
+            <p:spPr/>
+            <p:txBody>
+              <a:bodyPr/>
+              <a:lstStyle/>
+              <a:p>
+                <a:r>
+                  <a:rPr kumimoji="1" lang="en-US" altLang="ja-JP"/>
+                  <a:t>n</a:t>
+                </a:r>
+                <a:r>
+                  <a:rPr kumimoji="1" lang="ja-JP" altLang="en-US"/>
+                  <a:t>で割った余りの集合</a:t>
+                </a:r>
+                <a14:m>
+                  <m:oMath xmlns:m="http://schemas.openxmlformats.org/officeDocument/2006/math">
+                    <m:r>
+                      <a:rPr kumimoji="1" lang="en-US" altLang="ja-JP" b="0" i="1" smtClean="0">
+                        <a:latin typeface="Cambria Math" panose="02040503050406030204" pitchFamily="18" charset="0"/>
+                      </a:rPr>
+                      <m:t>𝑆</m:t>
+                    </m:r>
+                    <m:r>
+                      <a:rPr kumimoji="1" lang="en-US" altLang="ja-JP" b="0" i="1" smtClean="0">
+                        <a:latin typeface="Cambria Math" panose="02040503050406030204" pitchFamily="18" charset="0"/>
+                      </a:rPr>
+                      <m:t>={0, 1, 2, …, </m:t>
+                    </m:r>
+                    <m:r>
+                      <a:rPr kumimoji="1" lang="en-US" altLang="ja-JP" b="0" i="1" smtClean="0">
+                        <a:latin typeface="Cambria Math" panose="02040503050406030204" pitchFamily="18" charset="0"/>
+                      </a:rPr>
+                      <m:t>𝑛</m:t>
+                    </m:r>
+                    <m:r>
+                      <a:rPr kumimoji="1" lang="en-US" altLang="ja-JP" b="0" i="1" smtClean="0">
+                        <a:latin typeface="Cambria Math" panose="02040503050406030204" pitchFamily="18" charset="0"/>
+                      </a:rPr>
+                      <m:t>−1}</m:t>
+                    </m:r>
+                  </m:oMath>
+                </a14:m>
+                <a:endParaRPr kumimoji="1" lang="en-US" altLang="ja-JP"/>
+              </a:p>
+              <a:p>
+                <a:r>
+                  <a:rPr kumimoji="1" lang="ja-JP" altLang="en-US"/>
+                  <a:t>加算・減算・乗算は普通の演算の後</a:t>
+                </a:r>
+                <a:r>
+                  <a:rPr kumimoji="1" lang="en-US" altLang="ja-JP"/>
+                  <a:t>%n</a:t>
+                </a:r>
+                <a:r>
+                  <a:rPr kumimoji="1" lang="ja-JP" altLang="en-US"/>
+                  <a:t>すればよい</a:t>
+                </a:r>
+                <a:endParaRPr lang="en-US" altLang="ja-JP"/>
+              </a:p>
+              <a:p>
+                <a14:m>
+                  <m:oMath xmlns:m="http://schemas.openxmlformats.org/officeDocument/2006/math">
+                    <m:r>
+                      <a:rPr kumimoji="1" lang="en-US" altLang="ja-JP" b="0" i="1" smtClean="0">
+                        <a:latin typeface="Cambria Math" panose="02040503050406030204" pitchFamily="18" charset="0"/>
+                      </a:rPr>
+                      <m:t>𝑛</m:t>
+                    </m:r>
+                    <m:r>
+                      <a:rPr kumimoji="1" lang="en-US" altLang="ja-JP" b="0" i="1" smtClean="0">
+                        <a:latin typeface="Cambria Math" panose="02040503050406030204" pitchFamily="18" charset="0"/>
+                      </a:rPr>
+                      <m:t>=5</m:t>
+                    </m:r>
+                  </m:oMath>
+                </a14:m>
+                <a:r>
+                  <a:rPr kumimoji="1" lang="ja-JP" altLang="en-US"/>
+                  <a:t>のときの乗算表（</a:t>
+                </a:r>
+                <a14:m>
+                  <m:oMath xmlns:m="http://schemas.openxmlformats.org/officeDocument/2006/math">
+                    <m:r>
+                      <a:rPr kumimoji="1" lang="en-US" altLang="ja-JP" b="0" i="1" smtClean="0">
+                        <a:latin typeface="Cambria Math" panose="02040503050406030204" pitchFamily="18" charset="0"/>
+                      </a:rPr>
+                      <m:t>𝑎</m:t>
+                    </m:r>
+                    <m:r>
+                      <a:rPr kumimoji="1" lang="en-US" altLang="ja-JP" b="0" i="1" smtClean="0">
+                        <a:latin typeface="Cambria Math" panose="02040503050406030204" pitchFamily="18" charset="0"/>
+                      </a:rPr>
+                      <m:t>×</m:t>
+                    </m:r>
+                    <m:r>
+                      <a:rPr kumimoji="1" lang="en-US" altLang="ja-JP" b="0" i="1" smtClean="0">
+                        <a:latin typeface="Cambria Math" panose="02040503050406030204" pitchFamily="18" charset="0"/>
+                      </a:rPr>
+                      <m:t>𝑏</m:t>
+                    </m:r>
+                  </m:oMath>
+                </a14:m>
+                <a:r>
+                  <a:rPr kumimoji="1" lang="ja-JP" altLang="en-US"/>
+                  <a:t>）</a:t>
+                </a:r>
+                <a:endParaRPr kumimoji="1" lang="en-US" altLang="ja-JP"/>
+              </a:p>
+              <a:p>
+                <a:endParaRPr lang="en-US" altLang="ja-JP"/>
+              </a:p>
+              <a:p>
+                <a:endParaRPr kumimoji="1" lang="en-US" altLang="ja-JP"/>
+              </a:p>
+              <a:p>
+                <a:endParaRPr lang="en-US" altLang="ja-JP"/>
+              </a:p>
+              <a:p>
+                <a:r>
+                  <a:rPr kumimoji="1" lang="ja-JP" altLang="en-US"/>
+                  <a:t>割り算は</a:t>
+                </a:r>
+                <a:r>
+                  <a:rPr kumimoji="1" lang="en-US" altLang="ja-JP"/>
+                  <a:t>?</a:t>
+                </a:r>
+              </a:p>
+              <a:p>
+                <a:pPr lvl="1"/>
+                <a:r>
+                  <a:rPr lang="en-US" altLang="ja-JP"/>
+                  <a:t>1/3 = ???</a:t>
+                </a:r>
+              </a:p>
+              <a:p>
+                <a:pPr lvl="1"/>
+                <a:r>
+                  <a:rPr kumimoji="1" lang="en-US" altLang="ja-JP"/>
+                  <a:t>3</a:t>
+                </a:r>
+                <a:r>
+                  <a:rPr kumimoji="1" lang="ja-JP" altLang="en-US"/>
+                  <a:t>倍したら</a:t>
+                </a:r>
+                <a:r>
+                  <a:rPr kumimoji="1" lang="en-US" altLang="ja-JP"/>
+                  <a:t>1</a:t>
+                </a:r>
+                <a:r>
+                  <a:rPr kumimoji="1" lang="ja-JP" altLang="en-US"/>
+                  <a:t>になる値</a:t>
+                </a:r>
+                <a:r>
+                  <a:rPr kumimoji="1" lang="en-US" altLang="ja-JP"/>
+                  <a:t>X</a:t>
+                </a:r>
+                <a:r>
+                  <a:rPr kumimoji="1" lang="ja-JP" altLang="en-US"/>
+                  <a:t>を考える </a:t>
+                </a:r>
+                <a:r>
+                  <a:rPr kumimoji="1" lang="en-US" altLang="ja-JP"/>
+                  <a:t>; </a:t>
+                </a:r>
+                <a:r>
+                  <a:rPr lang="en-US" altLang="ja-JP"/>
+                  <a:t>1/3 = X ⇔ 1 = X×3</a:t>
+                </a:r>
+              </a:p>
+              <a:p>
+                <a:pPr lvl="1"/>
+                <a:r>
+                  <a:rPr kumimoji="1" lang="ja-JP" altLang="en-US"/>
+                  <a:t>表を見ると</a:t>
+                </a:r>
+                <a14:m>
+                  <m:oMath xmlns:m="http://schemas.openxmlformats.org/officeDocument/2006/math">
+                    <m:r>
+                      <a:rPr kumimoji="1" lang="en-US" altLang="ja-JP" b="0" i="1" smtClean="0">
+                        <a:latin typeface="Cambria Math" panose="02040503050406030204" pitchFamily="18" charset="0"/>
+                      </a:rPr>
+                      <m:t>2×3=1</m:t>
+                    </m:r>
+                  </m:oMath>
+                </a14:m>
+                <a:endParaRPr kumimoji="1" lang="ja-JP" altLang="en-US"/>
+              </a:p>
+            </p:txBody>
+          </p:sp>
+        </mc:Choice>
+        <mc:Fallback>
+          <p:sp>
+            <p:nvSpPr>
+              <p:cNvPr id="2" name="コンテンツ プレースホルダー 1">
+                <a:extLst>
+                  <a:ext uri="{FF2B5EF4-FFF2-40B4-BE49-F238E27FC236}">
+                    <a16:creationId xmlns:a16="http://schemas.microsoft.com/office/drawing/2014/main" id="{458F5D65-6C20-445F-AAD0-244B13E588ED}"/>
+                  </a:ext>
+                </a:extLst>
+              </p:cNvPr>
+              <p:cNvSpPr>
+                <a:spLocks noGrp="1" noRot="1" noChangeAspect="1" noMove="1" noResize="1" noEditPoints="1" noAdjustHandles="1" noChangeArrowheads="1" noChangeShapeType="1" noTextEdit="1"/>
+              </p:cNvSpPr>
+              <p:nvPr>
+                <p:ph idx="1"/>
+              </p:nvPr>
+            </p:nvSpPr>
+            <p:spPr>
+              <a:blipFill>
+                <a:blip r:embed="rId2"/>
+                <a:stretch>
+                  <a:fillRect l="-1200" t="-1454"/>
+                </a:stretch>
+              </a:blipFill>
+            </p:spPr>
+            <p:txBody>
+              <a:bodyPr/>
+              <a:lstStyle/>
+              <a:p>
+                <a:r>
+                  <a:rPr lang="ja-JP" altLang="en-US">
+                    <a:noFill/>
+                  </a:rPr>
+                  <a:t> </a:t>
+                </a:r>
+              </a:p>
+            </p:txBody>
+          </p:sp>
+        </mc:Fallback>
+      </mc:AlternateContent>
       <p:sp>
         <p:nvSpPr>
           <p:cNvPr id="3" name="スライド番号プレースホルダー 2">
@@ -4937,7 +7965,1016 @@
           <a:p>
             <a:r>
               <a:rPr kumimoji="1" lang="ja-JP" altLang="en-US"/>
-              <a:t>有限体と拡大体</a:t>
+              <a:t>有限体と拡大体（ちょっと数学）</a:t>
+            </a:r>
+          </a:p>
+        </p:txBody>
+      </p:sp>
+      <p:graphicFrame>
+        <p:nvGraphicFramePr>
+          <p:cNvPr id="5" name="表 5">
+            <a:extLst>
+              <a:ext uri="{FF2B5EF4-FFF2-40B4-BE49-F238E27FC236}">
+                <a16:creationId xmlns:a16="http://schemas.microsoft.com/office/drawing/2014/main" id="{B7926045-4724-4EBC-BE59-79058BC44896}"/>
+              </a:ext>
+            </a:extLst>
+          </p:cNvPr>
+          <p:cNvGraphicFramePr>
+            <a:graphicFrameLocks noGrp="1"/>
+          </p:cNvGraphicFramePr>
+          <p:nvPr>
+            <p:extLst>
+              <p:ext uri="{D42A27DB-BD31-4B8C-83A1-F6EECF244321}">
+                <p14:modId xmlns:p14="http://schemas.microsoft.com/office/powerpoint/2010/main" val="2775809209"/>
+              </p:ext>
+            </p:extLst>
+          </p:nvPr>
+        </p:nvGraphicFramePr>
+        <p:xfrm>
+          <a:off x="1259632" y="2348880"/>
+          <a:ext cx="6096000" cy="1854200"/>
+        </p:xfrm>
+        <a:graphic>
+          <a:graphicData uri="http://schemas.openxmlformats.org/drawingml/2006/table">
+            <a:tbl>
+              <a:tblPr firstRow="1" bandRow="1">
+                <a:tableStyleId>{5C22544A-7EE6-4342-B048-85BDC9FD1C3A}</a:tableStyleId>
+              </a:tblPr>
+              <a:tblGrid>
+                <a:gridCol w="1219200">
+                  <a:extLst>
+                    <a:ext uri="{9D8B030D-6E8A-4147-A177-3AD203B41FA5}">
+                      <a16:colId xmlns:a16="http://schemas.microsoft.com/office/drawing/2014/main" val="455442929"/>
+                    </a:ext>
+                  </a:extLst>
+                </a:gridCol>
+                <a:gridCol w="1219200">
+                  <a:extLst>
+                    <a:ext uri="{9D8B030D-6E8A-4147-A177-3AD203B41FA5}">
+                      <a16:colId xmlns:a16="http://schemas.microsoft.com/office/drawing/2014/main" val="2999033280"/>
+                    </a:ext>
+                  </a:extLst>
+                </a:gridCol>
+                <a:gridCol w="1219200">
+                  <a:extLst>
+                    <a:ext uri="{9D8B030D-6E8A-4147-A177-3AD203B41FA5}">
+                      <a16:colId xmlns:a16="http://schemas.microsoft.com/office/drawing/2014/main" val="796678218"/>
+                    </a:ext>
+                  </a:extLst>
+                </a:gridCol>
+                <a:gridCol w="1219200">
+                  <a:extLst>
+                    <a:ext uri="{9D8B030D-6E8A-4147-A177-3AD203B41FA5}">
+                      <a16:colId xmlns:a16="http://schemas.microsoft.com/office/drawing/2014/main" val="1735729260"/>
+                    </a:ext>
+                  </a:extLst>
+                </a:gridCol>
+                <a:gridCol w="1219200">
+                  <a:extLst>
+                    <a:ext uri="{9D8B030D-6E8A-4147-A177-3AD203B41FA5}">
+                      <a16:colId xmlns:a16="http://schemas.microsoft.com/office/drawing/2014/main" val="832791643"/>
+                    </a:ext>
+                  </a:extLst>
+                </a:gridCol>
+              </a:tblGrid>
+              <a:tr h="370840">
+                <a:tc>
+                  <a:txBody>
+                    <a:bodyPr/>
+                    <a:lstStyle/>
+                    <a:p>
+                      <a:r>
+                        <a:rPr kumimoji="1" lang="en-US" altLang="ja-JP"/>
+                        <a:t>a</a:t>
+                      </a:r>
+                      <a:r>
+                        <a:rPr kumimoji="1" lang="ja-JP" altLang="en-US"/>
+                        <a:t>＼</a:t>
+                      </a:r>
+                      <a:r>
+                        <a:rPr kumimoji="1" lang="en-US" altLang="ja-JP"/>
+                        <a:t>b</a:t>
+                      </a:r>
+                      <a:endParaRPr kumimoji="1" lang="ja-JP" altLang="en-US"/>
+                    </a:p>
+                  </a:txBody>
+                  <a:tcPr/>
+                </a:tc>
+                <a:tc>
+                  <a:txBody>
+                    <a:bodyPr/>
+                    <a:lstStyle/>
+                    <a:p>
+                      <a:r>
+                        <a:rPr kumimoji="1" lang="en-US" altLang="ja-JP"/>
+                        <a:t>1</a:t>
+                      </a:r>
+                      <a:endParaRPr kumimoji="1" lang="ja-JP" altLang="en-US"/>
+                    </a:p>
+                  </a:txBody>
+                  <a:tcPr/>
+                </a:tc>
+                <a:tc>
+                  <a:txBody>
+                    <a:bodyPr/>
+                    <a:lstStyle/>
+                    <a:p>
+                      <a:r>
+                        <a:rPr kumimoji="1" lang="en-US" altLang="ja-JP"/>
+                        <a:t>2</a:t>
+                      </a:r>
+                      <a:endParaRPr kumimoji="1" lang="ja-JP" altLang="en-US"/>
+                    </a:p>
+                  </a:txBody>
+                  <a:tcPr/>
+                </a:tc>
+                <a:tc>
+                  <a:txBody>
+                    <a:bodyPr/>
+                    <a:lstStyle/>
+                    <a:p>
+                      <a:r>
+                        <a:rPr kumimoji="1" lang="en-US" altLang="ja-JP"/>
+                        <a:t>3</a:t>
+                      </a:r>
+                      <a:endParaRPr kumimoji="1" lang="ja-JP" altLang="en-US"/>
+                    </a:p>
+                  </a:txBody>
+                  <a:tcPr/>
+                </a:tc>
+                <a:tc>
+                  <a:txBody>
+                    <a:bodyPr/>
+                    <a:lstStyle/>
+                    <a:p>
+                      <a:r>
+                        <a:rPr kumimoji="1" lang="en-US" altLang="ja-JP"/>
+                        <a:t>4</a:t>
+                      </a:r>
+                      <a:endParaRPr kumimoji="1" lang="ja-JP" altLang="en-US"/>
+                    </a:p>
+                  </a:txBody>
+                  <a:tcPr/>
+                </a:tc>
+                <a:extLst>
+                  <a:ext uri="{0D108BD9-81ED-4DB2-BD59-A6C34878D82A}">
+                    <a16:rowId xmlns:a16="http://schemas.microsoft.com/office/drawing/2014/main" val="3240025062"/>
+                  </a:ext>
+                </a:extLst>
+              </a:tr>
+              <a:tr h="370840">
+                <a:tc>
+                  <a:txBody>
+                    <a:bodyPr/>
+                    <a:lstStyle/>
+                    <a:p>
+                      <a:r>
+                        <a:rPr kumimoji="1" lang="en-US" altLang="ja-JP"/>
+                        <a:t>1</a:t>
+                      </a:r>
+                      <a:endParaRPr kumimoji="1" lang="ja-JP" altLang="en-US"/>
+                    </a:p>
+                  </a:txBody>
+                  <a:tcPr/>
+                </a:tc>
+                <a:tc>
+                  <a:txBody>
+                    <a:bodyPr/>
+                    <a:lstStyle/>
+                    <a:p>
+                      <a:r>
+                        <a:rPr kumimoji="1" lang="en-US" altLang="ja-JP"/>
+                        <a:t>1</a:t>
+                      </a:r>
+                      <a:endParaRPr kumimoji="1" lang="ja-JP" altLang="en-US"/>
+                    </a:p>
+                  </a:txBody>
+                  <a:tcPr/>
+                </a:tc>
+                <a:tc>
+                  <a:txBody>
+                    <a:bodyPr/>
+                    <a:lstStyle/>
+                    <a:p>
+                      <a:r>
+                        <a:rPr kumimoji="1" lang="en-US" altLang="ja-JP"/>
+                        <a:t>2</a:t>
+                      </a:r>
+                      <a:endParaRPr kumimoji="1" lang="ja-JP" altLang="en-US"/>
+                    </a:p>
+                  </a:txBody>
+                  <a:tcPr/>
+                </a:tc>
+                <a:tc>
+                  <a:txBody>
+                    <a:bodyPr/>
+                    <a:lstStyle/>
+                    <a:p>
+                      <a:r>
+                        <a:rPr kumimoji="1" lang="en-US" altLang="ja-JP"/>
+                        <a:t>3</a:t>
+                      </a:r>
+                      <a:endParaRPr kumimoji="1" lang="ja-JP" altLang="en-US"/>
+                    </a:p>
+                  </a:txBody>
+                  <a:tcPr/>
+                </a:tc>
+                <a:tc>
+                  <a:txBody>
+                    <a:bodyPr/>
+                    <a:lstStyle/>
+                    <a:p>
+                      <a:r>
+                        <a:rPr kumimoji="1" lang="en-US" altLang="ja-JP"/>
+                        <a:t>4</a:t>
+                      </a:r>
+                      <a:endParaRPr kumimoji="1" lang="ja-JP" altLang="en-US"/>
+                    </a:p>
+                  </a:txBody>
+                  <a:tcPr/>
+                </a:tc>
+                <a:extLst>
+                  <a:ext uri="{0D108BD9-81ED-4DB2-BD59-A6C34878D82A}">
+                    <a16:rowId xmlns:a16="http://schemas.microsoft.com/office/drawing/2014/main" val="22658416"/>
+                  </a:ext>
+                </a:extLst>
+              </a:tr>
+              <a:tr h="370840">
+                <a:tc>
+                  <a:txBody>
+                    <a:bodyPr/>
+                    <a:lstStyle/>
+                    <a:p>
+                      <a:r>
+                        <a:rPr kumimoji="1" lang="en-US" altLang="ja-JP"/>
+                        <a:t>2</a:t>
+                      </a:r>
+                      <a:endParaRPr kumimoji="1" lang="ja-JP" altLang="en-US"/>
+                    </a:p>
+                  </a:txBody>
+                  <a:tcPr/>
+                </a:tc>
+                <a:tc>
+                  <a:txBody>
+                    <a:bodyPr/>
+                    <a:lstStyle/>
+                    <a:p>
+                      <a:r>
+                        <a:rPr kumimoji="1" lang="en-US" altLang="ja-JP"/>
+                        <a:t>2</a:t>
+                      </a:r>
+                      <a:endParaRPr kumimoji="1" lang="ja-JP" altLang="en-US"/>
+                    </a:p>
+                  </a:txBody>
+                  <a:tcPr/>
+                </a:tc>
+                <a:tc>
+                  <a:txBody>
+                    <a:bodyPr/>
+                    <a:lstStyle/>
+                    <a:p>
+                      <a:r>
+                        <a:rPr kumimoji="1" lang="en-US" altLang="ja-JP"/>
+                        <a:t>4</a:t>
+                      </a:r>
+                      <a:endParaRPr kumimoji="1" lang="ja-JP" altLang="en-US"/>
+                    </a:p>
+                  </a:txBody>
+                  <a:tcPr/>
+                </a:tc>
+                <a:tc>
+                  <a:txBody>
+                    <a:bodyPr/>
+                    <a:lstStyle/>
+                    <a:p>
+                      <a:r>
+                        <a:rPr kumimoji="1" lang="en-US" altLang="ja-JP"/>
+                        <a:t>1</a:t>
+                      </a:r>
+                      <a:endParaRPr kumimoji="1" lang="ja-JP" altLang="en-US"/>
+                    </a:p>
+                  </a:txBody>
+                  <a:tcPr/>
+                </a:tc>
+                <a:tc>
+                  <a:txBody>
+                    <a:bodyPr/>
+                    <a:lstStyle/>
+                    <a:p>
+                      <a:r>
+                        <a:rPr kumimoji="1" lang="en-US" altLang="ja-JP"/>
+                        <a:t>3</a:t>
+                      </a:r>
+                      <a:endParaRPr kumimoji="1" lang="ja-JP" altLang="en-US"/>
+                    </a:p>
+                  </a:txBody>
+                  <a:tcPr/>
+                </a:tc>
+                <a:extLst>
+                  <a:ext uri="{0D108BD9-81ED-4DB2-BD59-A6C34878D82A}">
+                    <a16:rowId xmlns:a16="http://schemas.microsoft.com/office/drawing/2014/main" val="416289664"/>
+                  </a:ext>
+                </a:extLst>
+              </a:tr>
+              <a:tr h="370840">
+                <a:tc>
+                  <a:txBody>
+                    <a:bodyPr/>
+                    <a:lstStyle/>
+                    <a:p>
+                      <a:r>
+                        <a:rPr kumimoji="1" lang="en-US" altLang="ja-JP"/>
+                        <a:t>3</a:t>
+                      </a:r>
+                      <a:endParaRPr kumimoji="1" lang="ja-JP" altLang="en-US"/>
+                    </a:p>
+                  </a:txBody>
+                  <a:tcPr/>
+                </a:tc>
+                <a:tc>
+                  <a:txBody>
+                    <a:bodyPr/>
+                    <a:lstStyle/>
+                    <a:p>
+                      <a:r>
+                        <a:rPr kumimoji="1" lang="en-US" altLang="ja-JP"/>
+                        <a:t>3</a:t>
+                      </a:r>
+                      <a:endParaRPr kumimoji="1" lang="ja-JP" altLang="en-US"/>
+                    </a:p>
+                  </a:txBody>
+                  <a:tcPr/>
+                </a:tc>
+                <a:tc>
+                  <a:txBody>
+                    <a:bodyPr/>
+                    <a:lstStyle/>
+                    <a:p>
+                      <a:r>
+                        <a:rPr kumimoji="1" lang="en-US" altLang="ja-JP"/>
+                        <a:t>1</a:t>
+                      </a:r>
+                      <a:endParaRPr kumimoji="1" lang="ja-JP" altLang="en-US"/>
+                    </a:p>
+                  </a:txBody>
+                  <a:tcPr/>
+                </a:tc>
+                <a:tc>
+                  <a:txBody>
+                    <a:bodyPr/>
+                    <a:lstStyle/>
+                    <a:p>
+                      <a:r>
+                        <a:rPr kumimoji="1" lang="en-US" altLang="ja-JP"/>
+                        <a:t>4</a:t>
+                      </a:r>
+                      <a:endParaRPr kumimoji="1" lang="ja-JP" altLang="en-US"/>
+                    </a:p>
+                  </a:txBody>
+                  <a:tcPr/>
+                </a:tc>
+                <a:tc>
+                  <a:txBody>
+                    <a:bodyPr/>
+                    <a:lstStyle/>
+                    <a:p>
+                      <a:r>
+                        <a:rPr kumimoji="1" lang="en-US" altLang="ja-JP"/>
+                        <a:t>2</a:t>
+                      </a:r>
+                      <a:endParaRPr kumimoji="1" lang="ja-JP" altLang="en-US"/>
+                    </a:p>
+                  </a:txBody>
+                  <a:tcPr/>
+                </a:tc>
+                <a:extLst>
+                  <a:ext uri="{0D108BD9-81ED-4DB2-BD59-A6C34878D82A}">
+                    <a16:rowId xmlns:a16="http://schemas.microsoft.com/office/drawing/2014/main" val="2921565205"/>
+                  </a:ext>
+                </a:extLst>
+              </a:tr>
+              <a:tr h="370840">
+                <a:tc>
+                  <a:txBody>
+                    <a:bodyPr/>
+                    <a:lstStyle/>
+                    <a:p>
+                      <a:r>
+                        <a:rPr kumimoji="1" lang="en-US" altLang="ja-JP"/>
+                        <a:t>4</a:t>
+                      </a:r>
+                      <a:endParaRPr kumimoji="1" lang="ja-JP" altLang="en-US"/>
+                    </a:p>
+                  </a:txBody>
+                  <a:tcPr/>
+                </a:tc>
+                <a:tc>
+                  <a:txBody>
+                    <a:bodyPr/>
+                    <a:lstStyle/>
+                    <a:p>
+                      <a:r>
+                        <a:rPr kumimoji="1" lang="en-US" altLang="ja-JP"/>
+                        <a:t>4</a:t>
+                      </a:r>
+                      <a:endParaRPr kumimoji="1" lang="ja-JP" altLang="en-US"/>
+                    </a:p>
+                  </a:txBody>
+                  <a:tcPr/>
+                </a:tc>
+                <a:tc>
+                  <a:txBody>
+                    <a:bodyPr/>
+                    <a:lstStyle/>
+                    <a:p>
+                      <a:r>
+                        <a:rPr kumimoji="1" lang="en-US" altLang="ja-JP"/>
+                        <a:t>3</a:t>
+                      </a:r>
+                      <a:endParaRPr kumimoji="1" lang="ja-JP" altLang="en-US"/>
+                    </a:p>
+                  </a:txBody>
+                  <a:tcPr/>
+                </a:tc>
+                <a:tc>
+                  <a:txBody>
+                    <a:bodyPr/>
+                    <a:lstStyle/>
+                    <a:p>
+                      <a:r>
+                        <a:rPr kumimoji="1" lang="en-US" altLang="ja-JP"/>
+                        <a:t>2</a:t>
+                      </a:r>
+                      <a:endParaRPr kumimoji="1" lang="ja-JP" altLang="en-US"/>
+                    </a:p>
+                  </a:txBody>
+                  <a:tcPr/>
+                </a:tc>
+                <a:tc>
+                  <a:txBody>
+                    <a:bodyPr/>
+                    <a:lstStyle/>
+                    <a:p>
+                      <a:r>
+                        <a:rPr kumimoji="1" lang="en-US" altLang="ja-JP"/>
+                        <a:t>1</a:t>
+                      </a:r>
+                      <a:endParaRPr kumimoji="1" lang="ja-JP" altLang="en-US"/>
+                    </a:p>
+                  </a:txBody>
+                  <a:tcPr/>
+                </a:tc>
+                <a:extLst>
+                  <a:ext uri="{0D108BD9-81ED-4DB2-BD59-A6C34878D82A}">
+                    <a16:rowId xmlns:a16="http://schemas.microsoft.com/office/drawing/2014/main" val="1529933353"/>
+                  </a:ext>
+                </a:extLst>
+              </a:tr>
+            </a:tbl>
+          </a:graphicData>
+        </a:graphic>
+      </p:graphicFrame>
+      <p:graphicFrame>
+        <p:nvGraphicFramePr>
+          <p:cNvPr id="6" name="表 6">
+            <a:extLst>
+              <a:ext uri="{FF2B5EF4-FFF2-40B4-BE49-F238E27FC236}">
+                <a16:creationId xmlns:a16="http://schemas.microsoft.com/office/drawing/2014/main" id="{BF080E3E-D955-4817-B036-5D8DCE2FCC70}"/>
+              </a:ext>
+            </a:extLst>
+          </p:cNvPr>
+          <p:cNvGraphicFramePr>
+            <a:graphicFrameLocks noGrp="1"/>
+          </p:cNvGraphicFramePr>
+          <p:nvPr>
+            <p:extLst>
+              <p:ext uri="{D42A27DB-BD31-4B8C-83A1-F6EECF244321}">
+                <p14:modId xmlns:p14="http://schemas.microsoft.com/office/powerpoint/2010/main" val="182850273"/>
+              </p:ext>
+            </p:extLst>
+          </p:nvPr>
+        </p:nvGraphicFramePr>
+        <p:xfrm>
+          <a:off x="1264221" y="6021288"/>
+          <a:ext cx="6096000" cy="741680"/>
+        </p:xfrm>
+        <a:graphic>
+          <a:graphicData uri="http://schemas.openxmlformats.org/drawingml/2006/table">
+            <a:tbl>
+              <a:tblPr firstRow="1" bandRow="1">
+                <a:tableStyleId>{5C22544A-7EE6-4342-B048-85BDC9FD1C3A}</a:tableStyleId>
+              </a:tblPr>
+              <a:tblGrid>
+                <a:gridCol w="1219200">
+                  <a:extLst>
+                    <a:ext uri="{9D8B030D-6E8A-4147-A177-3AD203B41FA5}">
+                      <a16:colId xmlns:a16="http://schemas.microsoft.com/office/drawing/2014/main" val="2322005344"/>
+                    </a:ext>
+                  </a:extLst>
+                </a:gridCol>
+                <a:gridCol w="1219200">
+                  <a:extLst>
+                    <a:ext uri="{9D8B030D-6E8A-4147-A177-3AD203B41FA5}">
+                      <a16:colId xmlns:a16="http://schemas.microsoft.com/office/drawing/2014/main" val="1528171317"/>
+                    </a:ext>
+                  </a:extLst>
+                </a:gridCol>
+                <a:gridCol w="1219200">
+                  <a:extLst>
+                    <a:ext uri="{9D8B030D-6E8A-4147-A177-3AD203B41FA5}">
+                      <a16:colId xmlns:a16="http://schemas.microsoft.com/office/drawing/2014/main" val="2992423624"/>
+                    </a:ext>
+                  </a:extLst>
+                </a:gridCol>
+                <a:gridCol w="1219200">
+                  <a:extLst>
+                    <a:ext uri="{9D8B030D-6E8A-4147-A177-3AD203B41FA5}">
+                      <a16:colId xmlns:a16="http://schemas.microsoft.com/office/drawing/2014/main" val="1569125133"/>
+                    </a:ext>
+                  </a:extLst>
+                </a:gridCol>
+                <a:gridCol w="1219200">
+                  <a:extLst>
+                    <a:ext uri="{9D8B030D-6E8A-4147-A177-3AD203B41FA5}">
+                      <a16:colId xmlns:a16="http://schemas.microsoft.com/office/drawing/2014/main" val="2118127321"/>
+                    </a:ext>
+                  </a:extLst>
+                </a:gridCol>
+              </a:tblGrid>
+              <a:tr h="370840">
+                <a:tc>
+                  <a:txBody>
+                    <a:bodyPr/>
+                    <a:lstStyle/>
+                    <a:p>
+                      <a:r>
+                        <a:rPr kumimoji="1" lang="en-US" altLang="ja-JP"/>
+                        <a:t>a</a:t>
+                      </a:r>
+                      <a:endParaRPr kumimoji="1" lang="ja-JP" altLang="en-US"/>
+                    </a:p>
+                  </a:txBody>
+                  <a:tcPr/>
+                </a:tc>
+                <a:tc>
+                  <a:txBody>
+                    <a:bodyPr/>
+                    <a:lstStyle/>
+                    <a:p>
+                      <a:r>
+                        <a:rPr kumimoji="1" lang="en-US" altLang="ja-JP"/>
+                        <a:t>1</a:t>
+                      </a:r>
+                      <a:endParaRPr kumimoji="1" lang="ja-JP" altLang="en-US"/>
+                    </a:p>
+                  </a:txBody>
+                  <a:tcPr/>
+                </a:tc>
+                <a:tc>
+                  <a:txBody>
+                    <a:bodyPr/>
+                    <a:lstStyle/>
+                    <a:p>
+                      <a:r>
+                        <a:rPr kumimoji="1" lang="en-US" altLang="ja-JP"/>
+                        <a:t>2</a:t>
+                      </a:r>
+                      <a:endParaRPr kumimoji="1" lang="ja-JP" altLang="en-US"/>
+                    </a:p>
+                  </a:txBody>
+                  <a:tcPr/>
+                </a:tc>
+                <a:tc>
+                  <a:txBody>
+                    <a:bodyPr/>
+                    <a:lstStyle/>
+                    <a:p>
+                      <a:r>
+                        <a:rPr kumimoji="1" lang="en-US" altLang="ja-JP"/>
+                        <a:t>3</a:t>
+                      </a:r>
+                      <a:endParaRPr kumimoji="1" lang="ja-JP" altLang="en-US"/>
+                    </a:p>
+                  </a:txBody>
+                  <a:tcPr/>
+                </a:tc>
+                <a:tc>
+                  <a:txBody>
+                    <a:bodyPr/>
+                    <a:lstStyle/>
+                    <a:p>
+                      <a:r>
+                        <a:rPr kumimoji="1" lang="en-US" altLang="ja-JP"/>
+                        <a:t>4</a:t>
+                      </a:r>
+                      <a:endParaRPr kumimoji="1" lang="ja-JP" altLang="en-US"/>
+                    </a:p>
+                  </a:txBody>
+                  <a:tcPr/>
+                </a:tc>
+                <a:extLst>
+                  <a:ext uri="{0D108BD9-81ED-4DB2-BD59-A6C34878D82A}">
+                    <a16:rowId xmlns:a16="http://schemas.microsoft.com/office/drawing/2014/main" val="2630316943"/>
+                  </a:ext>
+                </a:extLst>
+              </a:tr>
+              <a:tr h="370840">
+                <a:tc>
+                  <a:txBody>
+                    <a:bodyPr/>
+                    <a:lstStyle/>
+                    <a:p>
+                      <a:r>
+                        <a:rPr kumimoji="1" lang="en-US" altLang="ja-JP"/>
+                        <a:t>1/a</a:t>
+                      </a:r>
+                      <a:endParaRPr kumimoji="1" lang="ja-JP" altLang="en-US"/>
+                    </a:p>
+                  </a:txBody>
+                  <a:tcPr/>
+                </a:tc>
+                <a:tc>
+                  <a:txBody>
+                    <a:bodyPr/>
+                    <a:lstStyle/>
+                    <a:p>
+                      <a:r>
+                        <a:rPr kumimoji="1" lang="en-US" altLang="ja-JP"/>
+                        <a:t>1</a:t>
+                      </a:r>
+                      <a:endParaRPr kumimoji="1" lang="ja-JP" altLang="en-US"/>
+                    </a:p>
+                  </a:txBody>
+                  <a:tcPr/>
+                </a:tc>
+                <a:tc>
+                  <a:txBody>
+                    <a:bodyPr/>
+                    <a:lstStyle/>
+                    <a:p>
+                      <a:r>
+                        <a:rPr kumimoji="1" lang="en-US" altLang="ja-JP"/>
+                        <a:t>3</a:t>
+                      </a:r>
+                      <a:endParaRPr kumimoji="1" lang="ja-JP" altLang="en-US"/>
+                    </a:p>
+                  </a:txBody>
+                  <a:tcPr/>
+                </a:tc>
+                <a:tc>
+                  <a:txBody>
+                    <a:bodyPr/>
+                    <a:lstStyle/>
+                    <a:p>
+                      <a:r>
+                        <a:rPr kumimoji="1" lang="en-US" altLang="ja-JP"/>
+                        <a:t>2</a:t>
+                      </a:r>
+                      <a:endParaRPr kumimoji="1" lang="ja-JP" altLang="en-US"/>
+                    </a:p>
+                  </a:txBody>
+                  <a:tcPr/>
+                </a:tc>
+                <a:tc>
+                  <a:txBody>
+                    <a:bodyPr/>
+                    <a:lstStyle/>
+                    <a:p>
+                      <a:r>
+                        <a:rPr kumimoji="1" lang="en-US" altLang="ja-JP"/>
+                        <a:t>4</a:t>
+                      </a:r>
+                      <a:endParaRPr kumimoji="1" lang="ja-JP" altLang="en-US"/>
+                    </a:p>
+                  </a:txBody>
+                  <a:tcPr/>
+                </a:tc>
+                <a:extLst>
+                  <a:ext uri="{0D108BD9-81ED-4DB2-BD59-A6C34878D82A}">
+                    <a16:rowId xmlns:a16="http://schemas.microsoft.com/office/drawing/2014/main" val="3884119513"/>
+                  </a:ext>
+                </a:extLst>
+              </a:tr>
+            </a:tbl>
+          </a:graphicData>
+        </a:graphic>
+      </p:graphicFrame>
+    </p:spTree>
+    <p:extLst>
+      <p:ext uri="{BB962C8B-B14F-4D97-AF65-F5344CB8AC3E}">
+        <p14:creationId xmlns:p14="http://schemas.microsoft.com/office/powerpoint/2010/main" val="2684722953"/>
+      </p:ext>
+    </p:extLst>
+  </p:cSld>
+  <p:clrMapOvr>
+    <a:masterClrMapping/>
+  </p:clrMapOvr>
+</p:sld>
+</file>
+
+<file path=ppt/slides/slide8.xml><?xml version="1.0" encoding="utf-8"?>
+<p:sld xmlns:a="http://schemas.openxmlformats.org/drawingml/2006/main" xmlns:r="http://schemas.openxmlformats.org/officeDocument/2006/relationships" xmlns:p="http://schemas.openxmlformats.org/presentationml/2006/main">
+  <p:cSld>
+    <p:spTree>
+      <p:nvGrpSpPr>
+        <p:cNvPr id="1" name=""/>
+        <p:cNvGrpSpPr/>
+        <p:nvPr/>
+      </p:nvGrpSpPr>
+      <p:grpSpPr>
+        <a:xfrm>
+          <a:off x="0" y="0"/>
+          <a:ext cx="0" cy="0"/>
+          <a:chOff x="0" y="0"/>
+          <a:chExt cx="0" cy="0"/>
+        </a:xfrm>
+      </p:grpSpPr>
+      <mc:AlternateContent xmlns:mc="http://schemas.openxmlformats.org/markup-compatibility/2006">
+        <mc:Choice xmlns:a14="http://schemas.microsoft.com/office/drawing/2010/main" Requires="a14">
+          <p:sp>
+            <p:nvSpPr>
+              <p:cNvPr id="2" name="コンテンツ プレースホルダー 1">
+                <a:extLst>
+                  <a:ext uri="{FF2B5EF4-FFF2-40B4-BE49-F238E27FC236}">
+                    <a16:creationId xmlns:a16="http://schemas.microsoft.com/office/drawing/2014/main" id="{270E1D95-FC67-4495-96C5-9B961357FBA3}"/>
+                  </a:ext>
+                </a:extLst>
+              </p:cNvPr>
+              <p:cNvSpPr>
+                <a:spLocks noGrp="1"/>
+              </p:cNvSpPr>
+              <p:nvPr>
+                <p:ph idx="1"/>
+              </p:nvPr>
+            </p:nvSpPr>
+            <p:spPr/>
+            <p:txBody>
+              <a:bodyPr/>
+              <a:lstStyle/>
+              <a:p>
+                <a:r>
+                  <a:rPr kumimoji="1" lang="ja-JP" altLang="en-US"/>
+                  <a:t>体</a:t>
+                </a:r>
+                <a:endParaRPr kumimoji="1" lang="en-US" altLang="ja-JP"/>
+              </a:p>
+              <a:p>
+                <a:pPr lvl="1"/>
+                <a:r>
+                  <a:rPr kumimoji="1" lang="ja-JP" altLang="en-US"/>
+                  <a:t>加減乗除ができる集合</a:t>
+                </a:r>
+                <a:endParaRPr kumimoji="1" lang="en-US" altLang="ja-JP"/>
+              </a:p>
+              <a:p>
+                <a:pPr lvl="1"/>
+                <a:r>
+                  <a:rPr kumimoji="1" lang="ja-JP" altLang="en-US"/>
+                  <a:t>実数体</a:t>
+                </a:r>
+                <a:endParaRPr kumimoji="1" lang="en-US" altLang="ja-JP"/>
+              </a:p>
+              <a:p>
+                <a:pPr lvl="1"/>
+                <a:r>
+                  <a:rPr kumimoji="1" lang="ja-JP" altLang="en-US"/>
+                  <a:t>複素数体</a:t>
+                </a:r>
+                <a:endParaRPr kumimoji="1" lang="en-US" altLang="ja-JP"/>
+              </a:p>
+              <a:p>
+                <a:pPr lvl="1"/>
+                <a:r>
+                  <a:rPr kumimoji="1" lang="ja-JP" altLang="en-US"/>
+                  <a:t>有理数体（分数の集合）</a:t>
+                </a:r>
+                <a:endParaRPr kumimoji="1" lang="en-US" altLang="ja-JP"/>
+              </a:p>
+              <a:p>
+                <a:endParaRPr lang="en-US" altLang="ja-JP"/>
+              </a:p>
+              <a:p>
+                <a:r>
+                  <a:rPr kumimoji="1" lang="ja-JP" altLang="en-US"/>
+                  <a:t>有限体</a:t>
+                </a:r>
+                <a:endParaRPr kumimoji="1" lang="en-US" altLang="ja-JP"/>
+              </a:p>
+              <a:p>
+                <a:pPr lvl="1"/>
+                <a:r>
+                  <a:rPr kumimoji="1" lang="ja-JP" altLang="en-US"/>
+                  <a:t>有限個の集合からなる体</a:t>
+                </a:r>
+                <a:endParaRPr kumimoji="1" lang="en-US" altLang="ja-JP"/>
+              </a:p>
+              <a:p>
+                <a:pPr lvl="1"/>
+                <a:r>
+                  <a:rPr lang="en-US" altLang="ja-JP"/>
+                  <a:t>n</a:t>
+                </a:r>
+                <a:r>
+                  <a:rPr lang="ja-JP" altLang="en-US"/>
+                  <a:t>が素数のとき</a:t>
+                </a:r>
+                <a:r>
+                  <a:rPr lang="en-US" altLang="ja-JP"/>
+                  <a:t>n</a:t>
+                </a:r>
+                <a:r>
+                  <a:rPr lang="ja-JP" altLang="en-US"/>
+                  <a:t>で割った余りの集合は有限体になる</a:t>
+                </a:r>
+                <a:endParaRPr kumimoji="1" lang="en-US" altLang="ja-JP"/>
+              </a:p>
+              <a:p>
+                <a14:m>
+                  <m:oMath xmlns:m="http://schemas.openxmlformats.org/officeDocument/2006/math">
+                    <m:sSub>
+                      <m:sSubPr>
+                        <m:ctrlPr>
+                          <a:rPr kumimoji="1" lang="en-US" altLang="ja-JP" b="0" i="1" smtClean="0">
+                            <a:latin typeface="Cambria Math" panose="02040503050406030204" pitchFamily="18" charset="0"/>
+                          </a:rPr>
+                        </m:ctrlPr>
+                      </m:sSubPr>
+                      <m:e>
+                        <m:r>
+                          <a:rPr kumimoji="1" lang="en-US" altLang="ja-JP" b="0" i="1" smtClean="0">
+                            <a:latin typeface="Cambria Math" panose="02040503050406030204" pitchFamily="18" charset="0"/>
+                          </a:rPr>
+                          <m:t>𝔽</m:t>
+                        </m:r>
+                      </m:e>
+                      <m:sub>
+                        <m:r>
+                          <a:rPr kumimoji="1" lang="en-US" altLang="ja-JP" b="0" i="1" smtClean="0">
+                            <a:latin typeface="Cambria Math" panose="02040503050406030204" pitchFamily="18" charset="0"/>
+                          </a:rPr>
+                          <m:t>𝑝</m:t>
+                        </m:r>
+                      </m:sub>
+                    </m:sSub>
+                    <m:r>
+                      <a:rPr kumimoji="1" lang="en-US" altLang="ja-JP" b="0" i="1" smtClean="0">
+                        <a:latin typeface="Cambria Math" panose="02040503050406030204" pitchFamily="18" charset="0"/>
+                      </a:rPr>
+                      <m:t>={0,1,2,3,…</m:t>
+                    </m:r>
+                    <m:r>
+                      <a:rPr kumimoji="1" lang="en-US" altLang="ja-JP" b="0" i="1" smtClean="0">
+                        <a:latin typeface="Cambria Math" panose="02040503050406030204" pitchFamily="18" charset="0"/>
+                      </a:rPr>
+                      <m:t>𝑝</m:t>
+                    </m:r>
+                    <m:r>
+                      <a:rPr kumimoji="1" lang="en-US" altLang="ja-JP" b="0" i="1" smtClean="0">
+                        <a:latin typeface="Cambria Math" panose="02040503050406030204" pitchFamily="18" charset="0"/>
+                      </a:rPr>
+                      <m:t>−1}</m:t>
+                    </m:r>
+                  </m:oMath>
+                </a14:m>
+                <a:r>
+                  <a:rPr kumimoji="1" lang="ja-JP" altLang="en-US"/>
+                  <a:t> </a:t>
+                </a:r>
+                <a:r>
+                  <a:rPr kumimoji="1" lang="en-US" altLang="ja-JP"/>
+                  <a:t>; </a:t>
+                </a:r>
+                <a14:m>
+                  <m:oMath xmlns:m="http://schemas.openxmlformats.org/officeDocument/2006/math">
+                    <m:r>
+                      <a:rPr kumimoji="1" lang="en-US" altLang="ja-JP" b="0" i="1" smtClean="0">
+                        <a:latin typeface="Cambria Math" panose="02040503050406030204" pitchFamily="18" charset="0"/>
+                      </a:rPr>
+                      <m:t>𝑝</m:t>
+                    </m:r>
+                  </m:oMath>
+                </a14:m>
+                <a:r>
+                  <a:rPr kumimoji="1" lang="ja-JP" altLang="en-US"/>
+                  <a:t>は素数</a:t>
+                </a:r>
+                <a:endParaRPr kumimoji="1" lang="en-US" altLang="ja-JP"/>
+              </a:p>
+              <a:p>
+                <a:endParaRPr kumimoji="1" lang="en-US" altLang="ja-JP"/>
+              </a:p>
+              <a:p>
+                <a:endParaRPr kumimoji="1" lang="ja-JP" altLang="en-US"/>
+              </a:p>
+            </p:txBody>
+          </p:sp>
+        </mc:Choice>
+        <mc:Fallback>
+          <p:sp>
+            <p:nvSpPr>
+              <p:cNvPr id="2" name="コンテンツ プレースホルダー 1">
+                <a:extLst>
+                  <a:ext uri="{FF2B5EF4-FFF2-40B4-BE49-F238E27FC236}">
+                    <a16:creationId xmlns:a16="http://schemas.microsoft.com/office/drawing/2014/main" id="{270E1D95-FC67-4495-96C5-9B961357FBA3}"/>
+                  </a:ext>
+                </a:extLst>
+              </p:cNvPr>
+              <p:cNvSpPr>
+                <a:spLocks noGrp="1" noRot="1" noChangeAspect="1" noMove="1" noResize="1" noEditPoints="1" noAdjustHandles="1" noChangeArrowheads="1" noChangeShapeType="1" noTextEdit="1"/>
+              </p:cNvSpPr>
+              <p:nvPr>
+                <p:ph idx="1"/>
+              </p:nvPr>
+            </p:nvSpPr>
+            <p:spPr>
+              <a:blipFill>
+                <a:blip r:embed="rId2"/>
+                <a:stretch>
+                  <a:fillRect l="-1200" t="-1038"/>
+                </a:stretch>
+              </a:blipFill>
+            </p:spPr>
+            <p:txBody>
+              <a:bodyPr/>
+              <a:lstStyle/>
+              <a:p>
+                <a:r>
+                  <a:rPr lang="ja-JP" altLang="en-US">
+                    <a:noFill/>
+                  </a:rPr>
+                  <a:t> </a:t>
+                </a:r>
+              </a:p>
+            </p:txBody>
+          </p:sp>
+        </mc:Fallback>
+      </mc:AlternateContent>
+      <p:sp>
+        <p:nvSpPr>
+          <p:cNvPr id="3" name="スライド番号プレースホルダー 2">
+            <a:extLst>
+              <a:ext uri="{FF2B5EF4-FFF2-40B4-BE49-F238E27FC236}">
+                <a16:creationId xmlns:a16="http://schemas.microsoft.com/office/drawing/2014/main" id="{4C6A3574-56AA-4E3D-B26F-5470964507A6}"/>
+              </a:ext>
+            </a:extLst>
+          </p:cNvPr>
+          <p:cNvSpPr>
+            <a:spLocks noGrp="1"/>
+          </p:cNvSpPr>
+          <p:nvPr>
+            <p:ph type="sldNum" sz="quarter" idx="12"/>
+          </p:nvPr>
+        </p:nvSpPr>
+        <p:spPr/>
+        <p:txBody>
+          <a:bodyPr/>
+          <a:lstStyle/>
+          <a:p>
+            <a:pPr>
+              <a:defRPr/>
+            </a:pPr>
+            <a:r>
+              <a:rPr lang="en-US" altLang="ja-JP"/>
+              <a:t>    </a:t>
+            </a:r>
+            <a:fld id="{B2782DEB-472A-4FE5-AC34-C17109CF5A91}" type="slidenum">
+              <a:rPr lang="en-US" altLang="ja-JP" smtClean="0"/>
+              <a:pPr>
+                <a:defRPr/>
+              </a:pPr>
+              <a:t>8</a:t>
+            </a:fld>
+            <a:r>
+              <a:rPr lang="en-US" altLang="ja-JP"/>
+              <a:t> / 24</a:t>
+            </a:r>
+          </a:p>
+        </p:txBody>
+      </p:sp>
+      <p:sp>
+        <p:nvSpPr>
+          <p:cNvPr id="4" name="タイトル 3">
+            <a:extLst>
+              <a:ext uri="{FF2B5EF4-FFF2-40B4-BE49-F238E27FC236}">
+                <a16:creationId xmlns:a16="http://schemas.microsoft.com/office/drawing/2014/main" id="{D77D533E-5246-4C90-9D36-A5153F36B30A}"/>
+              </a:ext>
+            </a:extLst>
+          </p:cNvPr>
+          <p:cNvSpPr>
+            <a:spLocks noGrp="1"/>
+          </p:cNvSpPr>
+          <p:nvPr>
+            <p:ph type="title"/>
+          </p:nvPr>
+        </p:nvSpPr>
+        <p:spPr/>
+        <p:txBody>
+          <a:bodyPr/>
+          <a:lstStyle/>
+          <a:p>
+            <a:r>
+              <a:rPr kumimoji="1" lang="ja-JP" altLang="en-US"/>
+              <a:t>有限体</a:t>
             </a:r>
           </a:p>
         </p:txBody>
@@ -4945,7 +8982,955 @@
     </p:spTree>
     <p:extLst>
       <p:ext uri="{BB962C8B-B14F-4D97-AF65-F5344CB8AC3E}">
-        <p14:creationId xmlns:p14="http://schemas.microsoft.com/office/powerpoint/2010/main" val="2684722953"/>
+        <p14:creationId xmlns:p14="http://schemas.microsoft.com/office/powerpoint/2010/main" val="2341259056"/>
+      </p:ext>
+    </p:extLst>
+  </p:cSld>
+  <p:clrMapOvr>
+    <a:masterClrMapping/>
+  </p:clrMapOvr>
+</p:sld>
+</file>
+
+<file path=ppt/slides/slide9.xml><?xml version="1.0" encoding="utf-8"?>
+<p:sld xmlns:a="http://schemas.openxmlformats.org/drawingml/2006/main" xmlns:r="http://schemas.openxmlformats.org/officeDocument/2006/relationships" xmlns:p="http://schemas.openxmlformats.org/presentationml/2006/main">
+  <p:cSld>
+    <p:spTree>
+      <p:nvGrpSpPr>
+        <p:cNvPr id="1" name=""/>
+        <p:cNvGrpSpPr/>
+        <p:nvPr/>
+      </p:nvGrpSpPr>
+      <p:grpSpPr>
+        <a:xfrm>
+          <a:off x="0" y="0"/>
+          <a:ext cx="0" cy="0"/>
+          <a:chOff x="0" y="0"/>
+          <a:chExt cx="0" cy="0"/>
+        </a:xfrm>
+      </p:grpSpPr>
+      <mc:AlternateContent xmlns:mc="http://schemas.openxmlformats.org/markup-compatibility/2006">
+        <mc:Choice xmlns:a14="http://schemas.microsoft.com/office/drawing/2010/main" Requires="a14">
+          <p:sp>
+            <p:nvSpPr>
+              <p:cNvPr id="2" name="コンテンツ プレースホルダー 1">
+                <a:extLst>
+                  <a:ext uri="{FF2B5EF4-FFF2-40B4-BE49-F238E27FC236}">
+                    <a16:creationId xmlns:a16="http://schemas.microsoft.com/office/drawing/2014/main" id="{449F1C34-EB61-4B79-9D10-9734F32462DB}"/>
+                  </a:ext>
+                </a:extLst>
+              </p:cNvPr>
+              <p:cNvSpPr>
+                <a:spLocks noGrp="1"/>
+              </p:cNvSpPr>
+              <p:nvPr>
+                <p:ph idx="1"/>
+              </p:nvPr>
+            </p:nvSpPr>
+            <p:spPr/>
+            <p:txBody>
+              <a:bodyPr/>
+              <a:lstStyle/>
+              <a:p>
+                <a:r>
+                  <a:rPr kumimoji="1" lang="ja-JP" altLang="en-US"/>
+                  <a:t>体の要素を複数個並べてより大きな体を作る</a:t>
+                </a:r>
+                <a:endParaRPr kumimoji="1" lang="en-US" altLang="ja-JP"/>
+              </a:p>
+              <a:p>
+                <a:r>
+                  <a:rPr kumimoji="1" lang="ja-JP" altLang="en-US"/>
+                  <a:t>例</a:t>
+                </a:r>
+                <a:endParaRPr kumimoji="1" lang="en-US" altLang="ja-JP"/>
+              </a:p>
+              <a:p>
+                <a:pPr lvl="1"/>
+                <a:r>
+                  <a:rPr kumimoji="1" lang="ja-JP" altLang="en-US"/>
+                  <a:t>実数</a:t>
+                </a:r>
+                <a14:m>
+                  <m:oMath xmlns:m="http://schemas.openxmlformats.org/officeDocument/2006/math">
+                    <m:r>
+                      <a:rPr kumimoji="1" lang="en-US" altLang="ja-JP" b="0" i="1" smtClean="0">
+                        <a:latin typeface="Cambria Math" panose="02040503050406030204" pitchFamily="18" charset="0"/>
+                      </a:rPr>
+                      <m:t>𝑎</m:t>
+                    </m:r>
+                    <m:r>
+                      <a:rPr kumimoji="1" lang="en-US" altLang="ja-JP" b="0" i="1" smtClean="0">
+                        <a:latin typeface="Cambria Math" panose="02040503050406030204" pitchFamily="18" charset="0"/>
+                      </a:rPr>
+                      <m:t>, </m:t>
+                    </m:r>
+                    <m:r>
+                      <a:rPr kumimoji="1" lang="en-US" altLang="ja-JP" b="0" i="1" smtClean="0">
+                        <a:latin typeface="Cambria Math" panose="02040503050406030204" pitchFamily="18" charset="0"/>
+                      </a:rPr>
+                      <m:t>𝑏</m:t>
+                    </m:r>
+                  </m:oMath>
+                </a14:m>
+                <a:r>
+                  <a:rPr kumimoji="1" lang="ja-JP" altLang="en-US"/>
+                  <a:t>を</a:t>
+                </a:r>
+                <a:r>
+                  <a:rPr kumimoji="1" lang="en-US" altLang="ja-JP"/>
+                  <a:t>2</a:t>
+                </a:r>
+                <a:r>
+                  <a:rPr kumimoji="1" lang="ja-JP" altLang="en-US"/>
+                  <a:t>個を組み合わせて</a:t>
+                </a:r>
+                <a14:m>
+                  <m:oMath xmlns:m="http://schemas.openxmlformats.org/officeDocument/2006/math">
+                    <m:r>
+                      <a:rPr kumimoji="1" lang="en-US" altLang="ja-JP" b="0" i="1" smtClean="0">
+                        <a:latin typeface="Cambria Math" panose="02040503050406030204" pitchFamily="18" charset="0"/>
+                      </a:rPr>
+                      <m:t>𝑎</m:t>
+                    </m:r>
+                    <m:r>
+                      <a:rPr kumimoji="1" lang="en-US" altLang="ja-JP" b="0" i="1" smtClean="0">
+                        <a:latin typeface="Cambria Math" panose="02040503050406030204" pitchFamily="18" charset="0"/>
+                      </a:rPr>
+                      <m:t>+</m:t>
+                    </m:r>
+                    <m:r>
+                      <a:rPr kumimoji="1" lang="en-US" altLang="ja-JP" b="0" i="1" smtClean="0">
+                        <a:latin typeface="Cambria Math" panose="02040503050406030204" pitchFamily="18" charset="0"/>
+                      </a:rPr>
+                      <m:t>𝑏𝑖</m:t>
+                    </m:r>
+                  </m:oMath>
+                </a14:m>
+                <a:r>
+                  <a:rPr kumimoji="1" lang="ja-JP" altLang="en-US"/>
+                  <a:t>とする（</a:t>
+                </a:r>
+                <a14:m>
+                  <m:oMath xmlns:m="http://schemas.openxmlformats.org/officeDocument/2006/math">
+                    <m:r>
+                      <a:rPr kumimoji="1" lang="en-US" altLang="ja-JP" b="0" i="1" smtClean="0">
+                        <a:latin typeface="Cambria Math" panose="02040503050406030204" pitchFamily="18" charset="0"/>
+                      </a:rPr>
+                      <m:t>𝑖</m:t>
+                    </m:r>
+                    <m:r>
+                      <a:rPr kumimoji="1" lang="en-US" altLang="ja-JP" b="0" i="1" smtClean="0">
+                        <a:latin typeface="Cambria Math" panose="02040503050406030204" pitchFamily="18" charset="0"/>
+                      </a:rPr>
+                      <m:t>=</m:t>
+                    </m:r>
+                    <m:rad>
+                      <m:radPr>
+                        <m:degHide m:val="on"/>
+                        <m:ctrlPr>
+                          <a:rPr kumimoji="1" lang="en-US" altLang="ja-JP" b="0" i="1" smtClean="0">
+                            <a:latin typeface="Cambria Math" panose="02040503050406030204" pitchFamily="18" charset="0"/>
+                          </a:rPr>
+                        </m:ctrlPr>
+                      </m:radPr>
+                      <m:deg/>
+                      <m:e>
+                        <m:r>
+                          <a:rPr kumimoji="1" lang="en-US" altLang="ja-JP" b="0" i="1" smtClean="0">
+                            <a:latin typeface="Cambria Math" panose="02040503050406030204" pitchFamily="18" charset="0"/>
+                          </a:rPr>
+                          <m:t>−1</m:t>
+                        </m:r>
+                      </m:e>
+                    </m:rad>
+                  </m:oMath>
+                </a14:m>
+                <a:r>
+                  <a:rPr kumimoji="1" lang="ja-JP" altLang="en-US"/>
+                  <a:t>）</a:t>
+                </a:r>
+                <a:endParaRPr kumimoji="1" lang="en-US" altLang="ja-JP"/>
+              </a:p>
+              <a:p>
+                <a:pPr lvl="1"/>
+                <a:r>
+                  <a:rPr kumimoji="1" lang="ja-JP" altLang="en-US"/>
+                  <a:t>複素数体は実数体の</a:t>
+                </a:r>
+                <a:r>
+                  <a:rPr kumimoji="1" lang="en-US" altLang="ja-JP"/>
+                  <a:t>2</a:t>
+                </a:r>
+                <a:r>
+                  <a:rPr kumimoji="1" lang="ja-JP" altLang="en-US"/>
+                  <a:t>次拡大体</a:t>
+                </a:r>
+                <a:endParaRPr kumimoji="1" lang="en-US" altLang="ja-JP"/>
+              </a:p>
+              <a:p>
+                <a14:m>
+                  <m:oMath xmlns:m="http://schemas.openxmlformats.org/officeDocument/2006/math">
+                    <m:sSub>
+                      <m:sSubPr>
+                        <m:ctrlPr>
+                          <a:rPr kumimoji="1" lang="en-US" altLang="ja-JP" b="0" i="1" smtClean="0">
+                            <a:latin typeface="Cambria Math" panose="02040503050406030204" pitchFamily="18" charset="0"/>
+                          </a:rPr>
+                        </m:ctrlPr>
+                      </m:sSubPr>
+                      <m:e>
+                        <m:r>
+                          <a:rPr kumimoji="1" lang="en-US" altLang="ja-JP" b="0" i="1" smtClean="0">
+                            <a:latin typeface="Cambria Math" panose="02040503050406030204" pitchFamily="18" charset="0"/>
+                          </a:rPr>
+                          <m:t>𝔽</m:t>
+                        </m:r>
+                      </m:e>
+                      <m:sub>
+                        <m:r>
+                          <a:rPr kumimoji="1" lang="en-US" altLang="ja-JP" b="0" i="1" smtClean="0">
+                            <a:latin typeface="Cambria Math" panose="02040503050406030204" pitchFamily="18" charset="0"/>
+                          </a:rPr>
+                          <m:t>2</m:t>
+                        </m:r>
+                      </m:sub>
+                    </m:sSub>
+                    <m:r>
+                      <a:rPr kumimoji="1" lang="en-US" altLang="ja-JP" b="0" i="1" smtClean="0">
+                        <a:latin typeface="Cambria Math" panose="02040503050406030204" pitchFamily="18" charset="0"/>
+                      </a:rPr>
+                      <m:t>={0,1}</m:t>
+                    </m:r>
+                  </m:oMath>
+                </a14:m>
+                <a:r>
+                  <a:rPr kumimoji="1" lang="ja-JP" altLang="en-US"/>
+                  <a:t> </a:t>
+                </a:r>
+                <a:r>
+                  <a:rPr kumimoji="1" lang="en-US" altLang="ja-JP"/>
+                  <a:t>; 2</a:t>
+                </a:r>
+                <a:r>
+                  <a:rPr kumimoji="1" lang="ja-JP" altLang="en-US"/>
+                  <a:t>個しか要素が無いけど体</a:t>
+                </a:r>
+                <a:endParaRPr kumimoji="1" lang="en-US" altLang="ja-JP"/>
+              </a:p>
+              <a:p>
+                <a:pPr lvl="1"/>
+                <a:r>
+                  <a:rPr lang="en-US" altLang="ja-JP"/>
+                  <a:t>1+1=0, 1-1=0, 1</a:t>
+                </a:r>
+                <a14:m>
+                  <m:oMath xmlns:m="http://schemas.openxmlformats.org/officeDocument/2006/math">
+                    <m:r>
+                      <a:rPr lang="en-US" altLang="ja-JP" b="0" i="1" smtClean="0">
+                        <a:latin typeface="Cambria Math" panose="02040503050406030204" pitchFamily="18" charset="0"/>
+                      </a:rPr>
+                      <m:t>×</m:t>
+                    </m:r>
+                  </m:oMath>
+                </a14:m>
+                <a:r>
+                  <a:rPr kumimoji="1" lang="en-US" altLang="ja-JP"/>
+                  <a:t>1=1, 1/1 = 1</a:t>
+                </a:r>
+              </a:p>
+              <a:p>
+                <a14:m>
+                  <m:oMath xmlns:m="http://schemas.openxmlformats.org/officeDocument/2006/math">
+                    <m:sSub>
+                      <m:sSubPr>
+                        <m:ctrlPr>
+                          <a:rPr kumimoji="1" lang="en-US" altLang="ja-JP" b="0" i="1" smtClean="0">
+                            <a:latin typeface="Cambria Math" panose="02040503050406030204" pitchFamily="18" charset="0"/>
+                          </a:rPr>
+                        </m:ctrlPr>
+                      </m:sSubPr>
+                      <m:e>
+                        <m:r>
+                          <a:rPr kumimoji="1" lang="en-US" altLang="ja-JP" b="0" i="1" smtClean="0">
+                            <a:latin typeface="Cambria Math" panose="02040503050406030204" pitchFamily="18" charset="0"/>
+                          </a:rPr>
+                          <m:t>𝔽</m:t>
+                        </m:r>
+                      </m:e>
+                      <m:sub>
+                        <m:sSup>
+                          <m:sSupPr>
+                            <m:ctrlPr>
+                              <a:rPr kumimoji="1" lang="en-US" altLang="ja-JP" b="0" i="1" smtClean="0">
+                                <a:latin typeface="Cambria Math" panose="02040503050406030204" pitchFamily="18" charset="0"/>
+                              </a:rPr>
+                            </m:ctrlPr>
+                          </m:sSupPr>
+                          <m:e>
+                            <m:r>
+                              <a:rPr kumimoji="1" lang="en-US" altLang="ja-JP" b="0" i="1" smtClean="0">
+                                <a:latin typeface="Cambria Math" panose="02040503050406030204" pitchFamily="18" charset="0"/>
+                              </a:rPr>
+                              <m:t>2</m:t>
+                            </m:r>
+                          </m:e>
+                          <m:sup>
+                            <m:r>
+                              <a:rPr kumimoji="1" lang="en-US" altLang="ja-JP" b="0" i="1" smtClean="0">
+                                <a:latin typeface="Cambria Math" panose="02040503050406030204" pitchFamily="18" charset="0"/>
+                              </a:rPr>
+                              <m:t>2</m:t>
+                            </m:r>
+                          </m:sup>
+                        </m:sSup>
+                      </m:sub>
+                    </m:sSub>
+                  </m:oMath>
+                </a14:m>
+                <a:r>
+                  <a:rPr kumimoji="1" lang="en-US" altLang="ja-JP"/>
+                  <a:t> : </a:t>
+                </a:r>
+                <a14:m>
+                  <m:oMath xmlns:m="http://schemas.openxmlformats.org/officeDocument/2006/math">
+                    <m:sSub>
+                      <m:sSubPr>
+                        <m:ctrlPr>
+                          <a:rPr lang="en-US" altLang="ja-JP" i="1">
+                            <a:latin typeface="Cambria Math" panose="02040503050406030204" pitchFamily="18" charset="0"/>
+                          </a:rPr>
+                        </m:ctrlPr>
+                      </m:sSubPr>
+                      <m:e>
+                        <m:r>
+                          <a:rPr lang="en-US" altLang="ja-JP" i="1">
+                            <a:latin typeface="Cambria Math" panose="02040503050406030204" pitchFamily="18" charset="0"/>
+                          </a:rPr>
+                          <m:t>𝔽</m:t>
+                        </m:r>
+                      </m:e>
+                      <m:sub>
+                        <m:r>
+                          <a:rPr lang="en-US" altLang="ja-JP" i="1">
+                            <a:latin typeface="Cambria Math" panose="02040503050406030204" pitchFamily="18" charset="0"/>
+                          </a:rPr>
+                          <m:t>2</m:t>
+                        </m:r>
+                      </m:sub>
+                    </m:sSub>
+                  </m:oMath>
+                </a14:m>
+                <a:r>
+                  <a:rPr kumimoji="1" lang="ja-JP" altLang="en-US"/>
+                  <a:t>の</a:t>
+                </a:r>
+                <a:r>
+                  <a:rPr kumimoji="1" lang="en-US" altLang="ja-JP"/>
+                  <a:t>2</a:t>
+                </a:r>
+                <a:r>
+                  <a:rPr kumimoji="1" lang="ja-JP" altLang="en-US"/>
+                  <a:t>次拡大体</a:t>
+                </a:r>
+                <a:endParaRPr kumimoji="1" lang="en-US" altLang="ja-JP"/>
+              </a:p>
+              <a:p>
+                <a:pPr lvl="1"/>
+                <a14:m>
+                  <m:oMath xmlns:m="http://schemas.openxmlformats.org/officeDocument/2006/math">
+                    <m:sSub>
+                      <m:sSubPr>
+                        <m:ctrlPr>
+                          <a:rPr kumimoji="1" lang="en-US" altLang="ja-JP" b="0" i="1" smtClean="0">
+                            <a:latin typeface="Cambria Math" panose="02040503050406030204" pitchFamily="18" charset="0"/>
+                          </a:rPr>
+                        </m:ctrlPr>
+                      </m:sSubPr>
+                      <m:e>
+                        <m:r>
+                          <a:rPr kumimoji="1" lang="en-US" altLang="ja-JP" b="0" i="1" smtClean="0">
+                            <a:latin typeface="Cambria Math" panose="02040503050406030204" pitchFamily="18" charset="0"/>
+                          </a:rPr>
+                          <m:t>𝔽</m:t>
+                        </m:r>
+                      </m:e>
+                      <m:sub>
+                        <m:r>
+                          <a:rPr kumimoji="1" lang="en-US" altLang="ja-JP" b="0" i="1" smtClean="0">
+                            <a:latin typeface="Cambria Math" panose="02040503050406030204" pitchFamily="18" charset="0"/>
+                          </a:rPr>
+                          <m:t>2</m:t>
+                        </m:r>
+                      </m:sub>
+                    </m:sSub>
+                  </m:oMath>
+                </a14:m>
+                <a:r>
+                  <a:rPr kumimoji="1" lang="ja-JP" altLang="en-US"/>
+                  <a:t>の要素</a:t>
+                </a:r>
+                <a14:m>
+                  <m:oMath xmlns:m="http://schemas.openxmlformats.org/officeDocument/2006/math">
+                    <m:r>
+                      <a:rPr kumimoji="1" lang="en-US" altLang="ja-JP" b="0" i="1" smtClean="0">
+                        <a:latin typeface="Cambria Math" panose="02040503050406030204" pitchFamily="18" charset="0"/>
+                      </a:rPr>
+                      <m:t>𝑎</m:t>
+                    </m:r>
+                    <m:r>
+                      <a:rPr kumimoji="1" lang="en-US" altLang="ja-JP" b="0" i="1" smtClean="0">
+                        <a:latin typeface="Cambria Math" panose="02040503050406030204" pitchFamily="18" charset="0"/>
+                      </a:rPr>
+                      <m:t>, </m:t>
+                    </m:r>
+                    <m:r>
+                      <a:rPr kumimoji="1" lang="en-US" altLang="ja-JP" b="0" i="1" smtClean="0">
+                        <a:latin typeface="Cambria Math" panose="02040503050406030204" pitchFamily="18" charset="0"/>
+                      </a:rPr>
+                      <m:t>𝑏</m:t>
+                    </m:r>
+                  </m:oMath>
+                </a14:m>
+                <a:r>
+                  <a:rPr kumimoji="1" lang="ja-JP" altLang="en-US"/>
+                  <a:t>を並べて</a:t>
+                </a:r>
+                <a14:m>
+                  <m:oMath xmlns:m="http://schemas.openxmlformats.org/officeDocument/2006/math">
+                    <m:r>
+                      <a:rPr kumimoji="1" lang="en-US" altLang="ja-JP" b="0" i="1" smtClean="0">
+                        <a:latin typeface="Cambria Math" panose="02040503050406030204" pitchFamily="18" charset="0"/>
+                      </a:rPr>
+                      <m:t>𝑎</m:t>
+                    </m:r>
+                    <m:r>
+                      <a:rPr kumimoji="1" lang="en-US" altLang="ja-JP" b="0" i="1" smtClean="0">
+                        <a:latin typeface="Cambria Math" panose="02040503050406030204" pitchFamily="18" charset="0"/>
+                      </a:rPr>
+                      <m:t>+</m:t>
+                    </m:r>
+                    <m:r>
+                      <a:rPr kumimoji="1" lang="en-US" altLang="ja-JP" b="0" i="1" smtClean="0">
+                        <a:latin typeface="Cambria Math" panose="02040503050406030204" pitchFamily="18" charset="0"/>
+                      </a:rPr>
+                      <m:t>𝑏𝑥</m:t>
+                    </m:r>
+                  </m:oMath>
+                </a14:m>
+                <a:r>
+                  <a:rPr kumimoji="1" lang="ja-JP" altLang="en-US"/>
+                  <a:t>とする（</a:t>
+                </a:r>
+                <a14:m>
+                  <m:oMath xmlns:m="http://schemas.openxmlformats.org/officeDocument/2006/math">
+                    <m:r>
+                      <a:rPr kumimoji="1" lang="en-US" altLang="ja-JP" b="0" i="1" smtClean="0">
+                        <a:latin typeface="Cambria Math" panose="02040503050406030204" pitchFamily="18" charset="0"/>
+                      </a:rPr>
+                      <m:t>𝑥</m:t>
+                    </m:r>
+                  </m:oMath>
+                </a14:m>
+                <a:r>
+                  <a:rPr kumimoji="1" lang="ja-JP" altLang="en-US"/>
+                  <a:t>は多項式の変数）。</a:t>
+                </a:r>
+                <a:endParaRPr kumimoji="1" lang="en-US" altLang="ja-JP"/>
+              </a:p>
+              <a:p>
+                <a:pPr lvl="1"/>
+                <a:r>
+                  <a:rPr kumimoji="1" lang="ja-JP" altLang="en-US"/>
+                  <a:t>加減算は要素ごとの計算</a:t>
+                </a:r>
+                <a:endParaRPr kumimoji="1" lang="en-US" altLang="ja-JP"/>
+              </a:p>
+              <a:p>
+                <a:pPr lvl="2"/>
+                <a14:m>
+                  <m:oMath xmlns:m="http://schemas.openxmlformats.org/officeDocument/2006/math">
+                    <m:d>
+                      <m:dPr>
+                        <m:ctrlPr>
+                          <a:rPr kumimoji="1" lang="en-US" altLang="ja-JP" b="0" i="1" smtClean="0">
+                            <a:latin typeface="Cambria Math" panose="02040503050406030204" pitchFamily="18" charset="0"/>
+                          </a:rPr>
+                        </m:ctrlPr>
+                      </m:dPr>
+                      <m:e>
+                        <m:r>
+                          <a:rPr kumimoji="1" lang="en-US" altLang="ja-JP" b="0" i="1" smtClean="0">
+                            <a:latin typeface="Cambria Math" panose="02040503050406030204" pitchFamily="18" charset="0"/>
+                          </a:rPr>
+                          <m:t>𝑎</m:t>
+                        </m:r>
+                        <m:r>
+                          <a:rPr kumimoji="1" lang="en-US" altLang="ja-JP" b="0" i="1" smtClean="0">
+                            <a:latin typeface="Cambria Math" panose="02040503050406030204" pitchFamily="18" charset="0"/>
+                          </a:rPr>
+                          <m:t>+</m:t>
+                        </m:r>
+                        <m:r>
+                          <a:rPr kumimoji="1" lang="en-US" altLang="ja-JP" b="0" i="1" smtClean="0">
+                            <a:latin typeface="Cambria Math" panose="02040503050406030204" pitchFamily="18" charset="0"/>
+                          </a:rPr>
+                          <m:t>𝑏𝑥</m:t>
+                        </m:r>
+                      </m:e>
+                    </m:d>
+                    <m:r>
+                      <a:rPr kumimoji="1" lang="en-US" altLang="ja-JP" b="0" i="1" smtClean="0">
+                        <a:latin typeface="Cambria Math" panose="02040503050406030204" pitchFamily="18" charset="0"/>
+                      </a:rPr>
+                      <m:t>±</m:t>
+                    </m:r>
+                    <m:d>
+                      <m:dPr>
+                        <m:ctrlPr>
+                          <a:rPr kumimoji="1" lang="en-US" altLang="ja-JP" b="0" i="1" smtClean="0">
+                            <a:latin typeface="Cambria Math" panose="02040503050406030204" pitchFamily="18" charset="0"/>
+                          </a:rPr>
+                        </m:ctrlPr>
+                      </m:dPr>
+                      <m:e>
+                        <m:r>
+                          <a:rPr kumimoji="1" lang="en-US" altLang="ja-JP" b="0" i="1" smtClean="0">
+                            <a:latin typeface="Cambria Math" panose="02040503050406030204" pitchFamily="18" charset="0"/>
+                          </a:rPr>
+                          <m:t>𝑐</m:t>
+                        </m:r>
+                        <m:r>
+                          <a:rPr kumimoji="1" lang="en-US" altLang="ja-JP" b="0" i="1" smtClean="0">
+                            <a:latin typeface="Cambria Math" panose="02040503050406030204" pitchFamily="18" charset="0"/>
+                          </a:rPr>
+                          <m:t>+</m:t>
+                        </m:r>
+                        <m:r>
+                          <a:rPr kumimoji="1" lang="en-US" altLang="ja-JP" b="0" i="1" smtClean="0">
+                            <a:latin typeface="Cambria Math" panose="02040503050406030204" pitchFamily="18" charset="0"/>
+                          </a:rPr>
+                          <m:t>𝑑𝑥</m:t>
+                        </m:r>
+                      </m:e>
+                    </m:d>
+                    <m:r>
+                      <a:rPr kumimoji="1" lang="en-US" altLang="ja-JP" b="0" i="1" smtClean="0">
+                        <a:latin typeface="Cambria Math" panose="02040503050406030204" pitchFamily="18" charset="0"/>
+                      </a:rPr>
+                      <m:t>=</m:t>
+                    </m:r>
+                    <m:d>
+                      <m:dPr>
+                        <m:ctrlPr>
+                          <a:rPr kumimoji="1" lang="en-US" altLang="ja-JP" b="0" i="1" smtClean="0">
+                            <a:latin typeface="Cambria Math" panose="02040503050406030204" pitchFamily="18" charset="0"/>
+                          </a:rPr>
+                        </m:ctrlPr>
+                      </m:dPr>
+                      <m:e>
+                        <m:r>
+                          <a:rPr kumimoji="1" lang="en-US" altLang="ja-JP" b="0" i="1" smtClean="0">
+                            <a:latin typeface="Cambria Math" panose="02040503050406030204" pitchFamily="18" charset="0"/>
+                          </a:rPr>
+                          <m:t>𝑎</m:t>
+                        </m:r>
+                        <m:r>
+                          <a:rPr kumimoji="1" lang="en-US" altLang="ja-JP" b="0" i="1" smtClean="0">
+                            <a:latin typeface="Cambria Math" panose="02040503050406030204" pitchFamily="18" charset="0"/>
+                          </a:rPr>
+                          <m:t>±</m:t>
+                        </m:r>
+                        <m:r>
+                          <a:rPr kumimoji="1" lang="en-US" altLang="ja-JP" b="0" i="1" smtClean="0">
+                            <a:latin typeface="Cambria Math" panose="02040503050406030204" pitchFamily="18" charset="0"/>
+                          </a:rPr>
+                          <m:t>𝑐</m:t>
+                        </m:r>
+                      </m:e>
+                    </m:d>
+                    <m:r>
+                      <a:rPr kumimoji="1" lang="en-US" altLang="ja-JP" b="0" i="1" smtClean="0">
+                        <a:latin typeface="Cambria Math" panose="02040503050406030204" pitchFamily="18" charset="0"/>
+                      </a:rPr>
+                      <m:t>+</m:t>
+                    </m:r>
+                    <m:d>
+                      <m:dPr>
+                        <m:ctrlPr>
+                          <a:rPr kumimoji="1" lang="en-US" altLang="ja-JP" b="0" i="1" smtClean="0">
+                            <a:latin typeface="Cambria Math" panose="02040503050406030204" pitchFamily="18" charset="0"/>
+                          </a:rPr>
+                        </m:ctrlPr>
+                      </m:dPr>
+                      <m:e>
+                        <m:r>
+                          <a:rPr kumimoji="1" lang="en-US" altLang="ja-JP" b="0" i="1" smtClean="0">
+                            <a:latin typeface="Cambria Math" panose="02040503050406030204" pitchFamily="18" charset="0"/>
+                          </a:rPr>
+                          <m:t>𝑏</m:t>
+                        </m:r>
+                        <m:r>
+                          <a:rPr kumimoji="1" lang="en-US" altLang="ja-JP" b="0" i="1" smtClean="0">
+                            <a:latin typeface="Cambria Math" panose="02040503050406030204" pitchFamily="18" charset="0"/>
+                          </a:rPr>
+                          <m:t>±</m:t>
+                        </m:r>
+                        <m:r>
+                          <a:rPr kumimoji="1" lang="en-US" altLang="ja-JP" b="0" i="1" smtClean="0">
+                            <a:latin typeface="Cambria Math" panose="02040503050406030204" pitchFamily="18" charset="0"/>
+                          </a:rPr>
+                          <m:t>𝑑</m:t>
+                        </m:r>
+                      </m:e>
+                    </m:d>
+                    <m:r>
+                      <a:rPr kumimoji="1" lang="en-US" altLang="ja-JP" b="0" i="1" smtClean="0">
+                        <a:latin typeface="Cambria Math" panose="02040503050406030204" pitchFamily="18" charset="0"/>
+                      </a:rPr>
+                      <m:t>𝑥</m:t>
+                    </m:r>
+                  </m:oMath>
+                </a14:m>
+                <a:endParaRPr kumimoji="1" lang="en-US" altLang="ja-JP"/>
+              </a:p>
+              <a:p>
+                <a:pPr lvl="1"/>
+                <a:r>
+                  <a:rPr kumimoji="1" lang="ja-JP" altLang="en-US"/>
+                  <a:t>乗算 </a:t>
+                </a:r>
+                <a:r>
+                  <a:rPr kumimoji="1" lang="en-US" altLang="ja-JP"/>
+                  <a:t>: </a:t>
+                </a:r>
+                <a:r>
+                  <a:rPr kumimoji="1" lang="ja-JP" altLang="en-US"/>
+                  <a:t>規則 </a:t>
+                </a:r>
+                <a:r>
+                  <a:rPr kumimoji="1" lang="en-US" altLang="ja-JP"/>
+                  <a:t>: </a:t>
+                </a:r>
+                <a14:m>
+                  <m:oMath xmlns:m="http://schemas.openxmlformats.org/officeDocument/2006/math">
+                    <m:sSup>
+                      <m:sSupPr>
+                        <m:ctrlPr>
+                          <a:rPr kumimoji="1" lang="en-US" altLang="ja-JP" b="0" i="1" smtClean="0">
+                            <a:latin typeface="Cambria Math" panose="02040503050406030204" pitchFamily="18" charset="0"/>
+                          </a:rPr>
+                        </m:ctrlPr>
+                      </m:sSupPr>
+                      <m:e>
+                        <m:r>
+                          <a:rPr kumimoji="1" lang="en-US" altLang="ja-JP" b="0" i="1" smtClean="0">
+                            <a:latin typeface="Cambria Math" panose="02040503050406030204" pitchFamily="18" charset="0"/>
+                          </a:rPr>
+                          <m:t>𝑥</m:t>
+                        </m:r>
+                      </m:e>
+                      <m:sup>
+                        <m:r>
+                          <a:rPr kumimoji="1" lang="en-US" altLang="ja-JP" b="0" i="1" smtClean="0">
+                            <a:latin typeface="Cambria Math" panose="02040503050406030204" pitchFamily="18" charset="0"/>
+                          </a:rPr>
+                          <m:t>2</m:t>
+                        </m:r>
+                      </m:sup>
+                    </m:sSup>
+                  </m:oMath>
+                </a14:m>
+                <a:r>
+                  <a:rPr kumimoji="1" lang="ja-JP" altLang="en-US"/>
+                  <a:t>を</a:t>
+                </a:r>
+                <a14:m>
+                  <m:oMath xmlns:m="http://schemas.openxmlformats.org/officeDocument/2006/math">
+                    <m:r>
+                      <a:rPr kumimoji="1" lang="en-US" altLang="ja-JP" b="0" i="1" smtClean="0">
+                        <a:latin typeface="Cambria Math" panose="02040503050406030204" pitchFamily="18" charset="0"/>
+                      </a:rPr>
+                      <m:t>𝑥</m:t>
+                    </m:r>
+                    <m:r>
+                      <a:rPr kumimoji="1" lang="en-US" altLang="ja-JP" b="0" i="1" smtClean="0">
+                        <a:latin typeface="Cambria Math" panose="02040503050406030204" pitchFamily="18" charset="0"/>
+                      </a:rPr>
+                      <m:t>+1</m:t>
+                    </m:r>
+                  </m:oMath>
+                </a14:m>
+                <a:r>
+                  <a:rPr kumimoji="1" lang="ja-JP" altLang="en-US"/>
+                  <a:t>に置き換える</a:t>
+                </a:r>
+                <a:endParaRPr kumimoji="1" lang="en-US" altLang="ja-JP"/>
+              </a:p>
+              <a:p>
+                <a:pPr lvl="2"/>
+                <a:r>
+                  <a:rPr kumimoji="1" lang="ja-JP" altLang="en-US"/>
+                  <a:t>例 </a:t>
+                </a:r>
+                <a:r>
+                  <a:rPr kumimoji="1" lang="en-US" altLang="ja-JP"/>
+                  <a:t>: </a:t>
+                </a:r>
+                <a14:m>
+                  <m:oMath xmlns:m="http://schemas.openxmlformats.org/officeDocument/2006/math">
+                    <m:r>
+                      <a:rPr kumimoji="1" lang="en-US" altLang="ja-JP" b="0" i="1" smtClean="0">
+                        <a:latin typeface="Cambria Math" panose="02040503050406030204" pitchFamily="18" charset="0"/>
+                      </a:rPr>
+                      <m:t>𝑥</m:t>
+                    </m:r>
+                    <m:d>
+                      <m:dPr>
+                        <m:ctrlPr>
+                          <a:rPr kumimoji="1" lang="en-US" altLang="ja-JP" b="0" i="1" smtClean="0">
+                            <a:latin typeface="Cambria Math" panose="02040503050406030204" pitchFamily="18" charset="0"/>
+                          </a:rPr>
+                        </m:ctrlPr>
+                      </m:dPr>
+                      <m:e>
+                        <m:r>
+                          <a:rPr kumimoji="1" lang="en-US" altLang="ja-JP" b="0" i="1" smtClean="0">
+                            <a:latin typeface="Cambria Math" panose="02040503050406030204" pitchFamily="18" charset="0"/>
+                          </a:rPr>
+                          <m:t>𝑥</m:t>
+                        </m:r>
+                        <m:r>
+                          <a:rPr kumimoji="1" lang="en-US" altLang="ja-JP" b="0" i="1" smtClean="0">
+                            <a:latin typeface="Cambria Math" panose="02040503050406030204" pitchFamily="18" charset="0"/>
+                          </a:rPr>
+                          <m:t>+1</m:t>
+                        </m:r>
+                      </m:e>
+                    </m:d>
+                    <m:r>
+                      <a:rPr kumimoji="1" lang="en-US" altLang="ja-JP" b="0" i="1" smtClean="0">
+                        <a:latin typeface="Cambria Math" panose="02040503050406030204" pitchFamily="18" charset="0"/>
+                      </a:rPr>
+                      <m:t>=</m:t>
+                    </m:r>
+                    <m:sSup>
+                      <m:sSupPr>
+                        <m:ctrlPr>
+                          <a:rPr kumimoji="1" lang="en-US" altLang="ja-JP" b="0" i="1" smtClean="0">
+                            <a:latin typeface="Cambria Math" panose="02040503050406030204" pitchFamily="18" charset="0"/>
+                          </a:rPr>
+                        </m:ctrlPr>
+                      </m:sSupPr>
+                      <m:e>
+                        <m:r>
+                          <a:rPr kumimoji="1" lang="en-US" altLang="ja-JP" b="0" i="1" smtClean="0">
+                            <a:latin typeface="Cambria Math" panose="02040503050406030204" pitchFamily="18" charset="0"/>
+                          </a:rPr>
+                          <m:t>𝑥</m:t>
+                        </m:r>
+                      </m:e>
+                      <m:sup>
+                        <m:r>
+                          <a:rPr kumimoji="1" lang="en-US" altLang="ja-JP" b="0" i="1" smtClean="0">
+                            <a:latin typeface="Cambria Math" panose="02040503050406030204" pitchFamily="18" charset="0"/>
+                          </a:rPr>
+                          <m:t>2</m:t>
+                        </m:r>
+                      </m:sup>
+                    </m:sSup>
+                    <m:r>
+                      <a:rPr kumimoji="1" lang="en-US" altLang="ja-JP" b="0" i="1" smtClean="0">
+                        <a:latin typeface="Cambria Math" panose="02040503050406030204" pitchFamily="18" charset="0"/>
+                      </a:rPr>
+                      <m:t>+</m:t>
+                    </m:r>
+                    <m:r>
+                      <a:rPr kumimoji="1" lang="en-US" altLang="ja-JP" b="0" i="1" smtClean="0">
+                        <a:latin typeface="Cambria Math" panose="02040503050406030204" pitchFamily="18" charset="0"/>
+                      </a:rPr>
+                      <m:t>𝑥</m:t>
+                    </m:r>
+                    <m:r>
+                      <a:rPr kumimoji="1" lang="en-US" altLang="ja-JP" b="0" i="1" smtClean="0">
+                        <a:latin typeface="Cambria Math" panose="02040503050406030204" pitchFamily="18" charset="0"/>
+                      </a:rPr>
+                      <m:t>=</m:t>
+                    </m:r>
+                    <m:d>
+                      <m:dPr>
+                        <m:ctrlPr>
+                          <a:rPr kumimoji="1" lang="en-US" altLang="ja-JP" b="0" i="1" smtClean="0">
+                            <a:latin typeface="Cambria Math" panose="02040503050406030204" pitchFamily="18" charset="0"/>
+                          </a:rPr>
+                        </m:ctrlPr>
+                      </m:dPr>
+                      <m:e>
+                        <m:r>
+                          <a:rPr kumimoji="1" lang="en-US" altLang="ja-JP" b="0" i="1" smtClean="0">
+                            <a:latin typeface="Cambria Math" panose="02040503050406030204" pitchFamily="18" charset="0"/>
+                          </a:rPr>
+                          <m:t>𝑥</m:t>
+                        </m:r>
+                        <m:r>
+                          <a:rPr kumimoji="1" lang="en-US" altLang="ja-JP" b="0" i="1" smtClean="0">
+                            <a:latin typeface="Cambria Math" panose="02040503050406030204" pitchFamily="18" charset="0"/>
+                          </a:rPr>
+                          <m:t>+1</m:t>
+                        </m:r>
+                      </m:e>
+                    </m:d>
+                    <m:r>
+                      <a:rPr kumimoji="1" lang="en-US" altLang="ja-JP" b="0" i="1" smtClean="0">
+                        <a:latin typeface="Cambria Math" panose="02040503050406030204" pitchFamily="18" charset="0"/>
+                      </a:rPr>
+                      <m:t>+</m:t>
+                    </m:r>
+                    <m:r>
+                      <a:rPr kumimoji="1" lang="en-US" altLang="ja-JP" b="0" i="1" smtClean="0">
+                        <a:latin typeface="Cambria Math" panose="02040503050406030204" pitchFamily="18" charset="0"/>
+                      </a:rPr>
+                      <m:t>𝑥</m:t>
+                    </m:r>
+                    <m:r>
+                      <a:rPr kumimoji="1" lang="en-US" altLang="ja-JP" b="0" i="1" smtClean="0">
+                        <a:latin typeface="Cambria Math" panose="02040503050406030204" pitchFamily="18" charset="0"/>
+                      </a:rPr>
+                      <m:t>=2</m:t>
+                    </m:r>
+                    <m:r>
+                      <a:rPr kumimoji="1" lang="en-US" altLang="ja-JP" b="0" i="1" smtClean="0">
+                        <a:latin typeface="Cambria Math" panose="02040503050406030204" pitchFamily="18" charset="0"/>
+                      </a:rPr>
+                      <m:t>𝑥</m:t>
+                    </m:r>
+                    <m:r>
+                      <a:rPr kumimoji="1" lang="en-US" altLang="ja-JP" b="0" i="1" smtClean="0">
+                        <a:latin typeface="Cambria Math" panose="02040503050406030204" pitchFamily="18" charset="0"/>
+                      </a:rPr>
+                      <m:t>+1=1</m:t>
+                    </m:r>
+                  </m:oMath>
+                </a14:m>
+                <a:endParaRPr kumimoji="1" lang="en-US" altLang="ja-JP"/>
+              </a:p>
+            </p:txBody>
+          </p:sp>
+        </mc:Choice>
+        <mc:Fallback>
+          <p:sp>
+            <p:nvSpPr>
+              <p:cNvPr id="2" name="コンテンツ プレースホルダー 1">
+                <a:extLst>
+                  <a:ext uri="{FF2B5EF4-FFF2-40B4-BE49-F238E27FC236}">
+                    <a16:creationId xmlns:a16="http://schemas.microsoft.com/office/drawing/2014/main" id="{449F1C34-EB61-4B79-9D10-9734F32462DB}"/>
+                  </a:ext>
+                </a:extLst>
+              </p:cNvPr>
+              <p:cNvSpPr>
+                <a:spLocks noGrp="1" noRot="1" noChangeAspect="1" noMove="1" noResize="1" noEditPoints="1" noAdjustHandles="1" noChangeArrowheads="1" noChangeShapeType="1" noTextEdit="1"/>
+              </p:cNvSpPr>
+              <p:nvPr>
+                <p:ph idx="1"/>
+              </p:nvPr>
+            </p:nvSpPr>
+            <p:spPr>
+              <a:blipFill>
+                <a:blip r:embed="rId2"/>
+                <a:stretch>
+                  <a:fillRect l="-1200" t="-1038" b="-2804"/>
+                </a:stretch>
+              </a:blipFill>
+            </p:spPr>
+            <p:txBody>
+              <a:bodyPr/>
+              <a:lstStyle/>
+              <a:p>
+                <a:r>
+                  <a:rPr lang="ja-JP" altLang="en-US">
+                    <a:noFill/>
+                  </a:rPr>
+                  <a:t> </a:t>
+                </a:r>
+              </a:p>
+            </p:txBody>
+          </p:sp>
+        </mc:Fallback>
+      </mc:AlternateContent>
+      <p:sp>
+        <p:nvSpPr>
+          <p:cNvPr id="3" name="スライド番号プレースホルダー 2">
+            <a:extLst>
+              <a:ext uri="{FF2B5EF4-FFF2-40B4-BE49-F238E27FC236}">
+                <a16:creationId xmlns:a16="http://schemas.microsoft.com/office/drawing/2014/main" id="{C81E0562-54CC-4911-826D-06159F4D7814}"/>
+              </a:ext>
+            </a:extLst>
+          </p:cNvPr>
+          <p:cNvSpPr>
+            <a:spLocks noGrp="1"/>
+          </p:cNvSpPr>
+          <p:nvPr>
+            <p:ph type="sldNum" sz="quarter" idx="12"/>
+          </p:nvPr>
+        </p:nvSpPr>
+        <p:spPr/>
+        <p:txBody>
+          <a:bodyPr/>
+          <a:lstStyle/>
+          <a:p>
+            <a:pPr>
+              <a:defRPr/>
+            </a:pPr>
+            <a:r>
+              <a:rPr lang="en-US" altLang="ja-JP"/>
+              <a:t>    </a:t>
+            </a:r>
+            <a:fld id="{B2782DEB-472A-4FE5-AC34-C17109CF5A91}" type="slidenum">
+              <a:rPr lang="en-US" altLang="ja-JP" smtClean="0"/>
+              <a:pPr>
+                <a:defRPr/>
+              </a:pPr>
+              <a:t>9</a:t>
+            </a:fld>
+            <a:r>
+              <a:rPr lang="en-US" altLang="ja-JP"/>
+              <a:t> / 24</a:t>
+            </a:r>
+          </a:p>
+        </p:txBody>
+      </p:sp>
+      <p:sp>
+        <p:nvSpPr>
+          <p:cNvPr id="4" name="タイトル 3">
+            <a:extLst>
+              <a:ext uri="{FF2B5EF4-FFF2-40B4-BE49-F238E27FC236}">
+                <a16:creationId xmlns:a16="http://schemas.microsoft.com/office/drawing/2014/main" id="{6B183E93-5039-428E-83DA-83EC3A830573}"/>
+              </a:ext>
+            </a:extLst>
+          </p:cNvPr>
+          <p:cNvSpPr>
+            <a:spLocks noGrp="1"/>
+          </p:cNvSpPr>
+          <p:nvPr>
+            <p:ph type="title"/>
+          </p:nvPr>
+        </p:nvSpPr>
+        <p:spPr/>
+        <p:txBody>
+          <a:bodyPr/>
+          <a:lstStyle/>
+          <a:p>
+            <a:r>
+              <a:rPr kumimoji="1" lang="ja-JP" altLang="en-US"/>
+              <a:t>拡大体</a:t>
+            </a:r>
+          </a:p>
+        </p:txBody>
+      </p:sp>
+    </p:spTree>
+    <p:extLst>
+      <p:ext uri="{BB962C8B-B14F-4D97-AF65-F5344CB8AC3E}">
+        <p14:creationId xmlns:p14="http://schemas.microsoft.com/office/powerpoint/2010/main" val="579336037"/>
       </p:ext>
     </p:extLst>
   </p:cSld>

--- a/lec/anninbon5.pptx
+++ b/lec/anninbon5.pptx
@@ -5,10 +5,10 @@
     <p:sldMasterId id="2147483706" r:id="rId1"/>
   </p:sldMasterIdLst>
   <p:notesMasterIdLst>
-    <p:notesMasterId r:id="rId31"/>
+    <p:notesMasterId r:id="rId27"/>
   </p:notesMasterIdLst>
   <p:handoutMasterIdLst>
-    <p:handoutMasterId r:id="rId32"/>
+    <p:handoutMasterId r:id="rId28"/>
   </p:handoutMasterIdLst>
   <p:sldIdLst>
     <p:sldId id="552" r:id="rId2"/>
@@ -36,10 +36,6 @@
     <p:sldId id="574" r:id="rId24"/>
     <p:sldId id="575" r:id="rId25"/>
     <p:sldId id="576" r:id="rId26"/>
-    <p:sldId id="577" r:id="rId27"/>
-    <p:sldId id="578" r:id="rId28"/>
-    <p:sldId id="579" r:id="rId29"/>
-    <p:sldId id="580" r:id="rId30"/>
   </p:sldIdLst>
   <p:sldSz cx="9144000" cy="6858000" type="screen4x3"/>
   <p:notesSz cx="7099300" cy="10234613"/>
@@ -198,10 +194,6 @@
             <p14:sldId id="574"/>
             <p14:sldId id="575"/>
             <p14:sldId id="576"/>
-            <p14:sldId id="577"/>
-            <p14:sldId id="578"/>
-            <p14:sldId id="579"/>
-            <p14:sldId id="580"/>
           </p14:sldIdLst>
         </p14:section>
       </p14:sectionLst>
@@ -2364,6 +2356,30 @@
             <a:r>
               <a:rPr lang="ja-JP" altLang="en-US" sz="2000"/>
               <a:t>鍵共有</a:t>
+            </a:r>
+            <a:r>
+              <a:rPr lang="en-US" altLang="ja-JP" sz="2000"/>
+              <a:t>, </a:t>
+            </a:r>
+            <a:r>
+              <a:rPr lang="ja-JP" altLang="en-US" sz="2000"/>
+              <a:t>有限体</a:t>
+            </a:r>
+            <a:r>
+              <a:rPr lang="en-US" altLang="ja-JP" sz="2000"/>
+              <a:t>, </a:t>
+            </a:r>
+            <a:r>
+              <a:rPr lang="ja-JP" altLang="en-US" sz="2000"/>
+              <a:t>拡大体</a:t>
+            </a:r>
+            <a:r>
+              <a:rPr lang="en-US" altLang="ja-JP" sz="2000"/>
+              <a:t>, RSA</a:t>
+            </a:r>
+            <a:r>
+              <a:rPr lang="ja-JP" altLang="en-US" sz="2000"/>
+              <a:t>暗号</a:t>
             </a:r>
             <a:endParaRPr lang="ja-JP" altLang="en-US"/>
           </a:p>
@@ -6032,8 +6048,8 @@
           <a:chExt cx="0" cy="0"/>
         </a:xfrm>
       </p:grpSpPr>
-      <mc:AlternateContent xmlns:mc="http://schemas.openxmlformats.org/markup-compatibility/2006">
-        <mc:Choice xmlns:a14="http://schemas.microsoft.com/office/drawing/2010/main" Requires="a14">
+      <mc:AlternateContent xmlns:mc="http://schemas.openxmlformats.org/markup-compatibility/2006" xmlns:a14="http://schemas.microsoft.com/office/drawing/2010/main">
+        <mc:Choice Requires="a14">
           <p:sp>
             <p:nvSpPr>
               <p:cNvPr id="2" name="コンテンツ プレースホルダー 1">
@@ -6215,7 +6231,7 @@
             </p:txBody>
           </p:sp>
         </mc:Choice>
-        <mc:Fallback>
+        <mc:Fallback xmlns="">
           <p:sp>
             <p:nvSpPr>
               <p:cNvPr id="2" name="コンテンツ プレースホルダー 1">
@@ -6345,8 +6361,8 @@
             <a:chExt cx="3962318" cy="2068290"/>
           </a:xfrm>
         </p:grpSpPr>
-        <mc:AlternateContent xmlns:mc="http://schemas.openxmlformats.org/markup-compatibility/2006">
-          <mc:Choice xmlns:a14="http://schemas.microsoft.com/office/drawing/2010/main" Requires="a14">
+        <mc:AlternateContent xmlns:mc="http://schemas.openxmlformats.org/markup-compatibility/2006" xmlns:a14="http://schemas.microsoft.com/office/drawing/2010/main">
+          <mc:Choice Requires="a14">
             <p:sp>
               <p:nvSpPr>
                 <p:cNvPr id="47" name="テキスト ボックス 46">
@@ -6408,7 +6424,7 @@
               </p:txBody>
             </p:sp>
           </mc:Choice>
-          <mc:Fallback>
+          <mc:Fallback xmlns="">
             <p:sp>
               <p:nvSpPr>
                 <p:cNvPr id="47" name="テキスト ボックス 46">
@@ -6608,8 +6624,8 @@
               </a:p>
             </p:txBody>
           </p:sp>
-          <mc:AlternateContent xmlns:mc="http://schemas.openxmlformats.org/markup-compatibility/2006">
-            <mc:Choice xmlns:a14="http://schemas.microsoft.com/office/drawing/2010/main" Requires="a14">
+          <mc:AlternateContent xmlns:mc="http://schemas.openxmlformats.org/markup-compatibility/2006" xmlns:a14="http://schemas.microsoft.com/office/drawing/2010/main">
+            <mc:Choice Requires="a14">
               <p:sp>
                 <p:nvSpPr>
                   <p:cNvPr id="40" name="テキスト ボックス 39">
@@ -6671,7 +6687,7 @@
                 </p:txBody>
               </p:sp>
             </mc:Choice>
-            <mc:Fallback>
+            <mc:Fallback xmlns="">
               <p:sp>
                 <p:nvSpPr>
                   <p:cNvPr id="40" name="テキスト ボックス 39">
@@ -7163,8 +7179,8 @@
             <a:chExt cx="3962318" cy="2068290"/>
           </a:xfrm>
         </p:grpSpPr>
-        <mc:AlternateContent xmlns:mc="http://schemas.openxmlformats.org/markup-compatibility/2006">
-          <mc:Choice xmlns:a14="http://schemas.microsoft.com/office/drawing/2010/main" Requires="a14">
+        <mc:AlternateContent xmlns:mc="http://schemas.openxmlformats.org/markup-compatibility/2006" xmlns:a14="http://schemas.microsoft.com/office/drawing/2010/main">
+          <mc:Choice Requires="a14">
             <p:sp>
               <p:nvSpPr>
                 <p:cNvPr id="78" name="テキスト ボックス 77">
@@ -7226,7 +7242,7 @@
               </p:txBody>
             </p:sp>
           </mc:Choice>
-          <mc:Fallback>
+          <mc:Fallback xmlns="">
             <p:sp>
               <p:nvSpPr>
                 <p:cNvPr id="78" name="テキスト ボックス 77">
@@ -7426,8 +7442,8 @@
               </a:p>
             </p:txBody>
           </p:sp>
-          <mc:AlternateContent xmlns:mc="http://schemas.openxmlformats.org/markup-compatibility/2006">
-            <mc:Choice xmlns:a14="http://schemas.microsoft.com/office/drawing/2010/main" Requires="a14">
+          <mc:AlternateContent xmlns:mc="http://schemas.openxmlformats.org/markup-compatibility/2006" xmlns:a14="http://schemas.microsoft.com/office/drawing/2010/main">
+            <mc:Choice Requires="a14">
               <p:sp>
                 <p:nvSpPr>
                   <p:cNvPr id="83" name="テキスト ボックス 82">
@@ -7489,7 +7505,7 @@
                 </p:txBody>
               </p:sp>
             </mc:Choice>
-            <mc:Fallback>
+            <mc:Fallback xmlns="">
               <p:sp>
                 <p:nvSpPr>
                   <p:cNvPr id="83" name="テキスト ボックス 82">
@@ -8686,8 +8702,8 @@
           <a:chExt cx="0" cy="0"/>
         </a:xfrm>
       </p:grpSpPr>
-      <mc:AlternateContent xmlns:mc="http://schemas.openxmlformats.org/markup-compatibility/2006">
-        <mc:Choice xmlns:a14="http://schemas.microsoft.com/office/drawing/2010/main" Requires="a14">
+      <mc:AlternateContent xmlns:mc="http://schemas.openxmlformats.org/markup-compatibility/2006" xmlns:a14="http://schemas.microsoft.com/office/drawing/2010/main">
+        <mc:Choice Requires="a14">
           <p:sp>
             <p:nvSpPr>
               <p:cNvPr id="2" name="コンテンツ プレースホルダー 1">
@@ -8912,7 +8928,7 @@
             </p:txBody>
           </p:sp>
         </mc:Choice>
-        <mc:Fallback>
+        <mc:Fallback xmlns="">
           <p:sp>
             <p:nvSpPr>
               <p:cNvPr id="2" name="コンテンツ プレースホルダー 1">
@@ -9564,8 +9580,8 @@
           <a:chExt cx="0" cy="0"/>
         </a:xfrm>
       </p:grpSpPr>
-      <mc:AlternateContent xmlns:mc="http://schemas.openxmlformats.org/markup-compatibility/2006">
-        <mc:Choice xmlns:a14="http://schemas.microsoft.com/office/drawing/2010/main" Requires="a14">
+      <mc:AlternateContent xmlns:mc="http://schemas.openxmlformats.org/markup-compatibility/2006" xmlns:a14="http://schemas.microsoft.com/office/drawing/2010/main">
+        <mc:Choice Requires="a14">
           <p:sp>
             <p:nvSpPr>
               <p:cNvPr id="2" name="コンテンツ プレースホルダー 1">
@@ -10286,7 +10302,7 @@
             </p:txBody>
           </p:sp>
         </mc:Choice>
-        <mc:Fallback>
+        <mc:Fallback xmlns="">
           <p:sp>
             <p:nvSpPr>
               <p:cNvPr id="2" name="コンテンツ プレースホルダー 1">
@@ -10695,8 +10711,8 @@
           <a:chExt cx="0" cy="0"/>
         </a:xfrm>
       </p:grpSpPr>
-      <mc:AlternateContent xmlns:mc="http://schemas.openxmlformats.org/markup-compatibility/2006">
-        <mc:Choice xmlns:a14="http://schemas.microsoft.com/office/drawing/2010/main" Requires="a14">
+      <mc:AlternateContent xmlns:mc="http://schemas.openxmlformats.org/markup-compatibility/2006" xmlns:a14="http://schemas.microsoft.com/office/drawing/2010/main">
+        <mc:Choice Requires="a14">
           <p:sp>
             <p:nvSpPr>
               <p:cNvPr id="2" name="コンテンツ プレースホルダー 1">
@@ -11147,7 +11163,7 @@
             </p:txBody>
           </p:sp>
         </mc:Choice>
-        <mc:Fallback>
+        <mc:Fallback xmlns="">
           <p:sp>
             <p:nvSpPr>
               <p:cNvPr id="2" name="コンテンツ プレースホルダー 1">
@@ -11351,8 +11367,8 @@
           <a:chExt cx="0" cy="0"/>
         </a:xfrm>
       </p:grpSpPr>
-      <mc:AlternateContent xmlns:mc="http://schemas.openxmlformats.org/markup-compatibility/2006">
-        <mc:Choice xmlns:a14="http://schemas.microsoft.com/office/drawing/2010/main" Requires="a14">
+      <mc:AlternateContent xmlns:mc="http://schemas.openxmlformats.org/markup-compatibility/2006" xmlns:a14="http://schemas.microsoft.com/office/drawing/2010/main">
+        <mc:Choice Requires="a14">
           <p:sp>
             <p:nvSpPr>
               <p:cNvPr id="2" name="コンテンツ プレースホルダー 1">
@@ -11932,7 +11948,7 @@
             </p:txBody>
           </p:sp>
         </mc:Choice>
-        <mc:Fallback>
+        <mc:Fallback xmlns="">
           <p:sp>
             <p:nvSpPr>
               <p:cNvPr id="2" name="コンテンツ プレースホルダー 1">
@@ -12076,8 +12092,8 @@
           <a:chExt cx="0" cy="0"/>
         </a:xfrm>
       </p:grpSpPr>
-      <mc:AlternateContent xmlns:mc="http://schemas.openxmlformats.org/markup-compatibility/2006">
-        <mc:Choice xmlns:a14="http://schemas.microsoft.com/office/drawing/2010/main" Requires="a14">
+      <mc:AlternateContent xmlns:mc="http://schemas.openxmlformats.org/markup-compatibility/2006" xmlns:a14="http://schemas.microsoft.com/office/drawing/2010/main">
+        <mc:Choice Requires="a14">
           <p:sp>
             <p:nvSpPr>
               <p:cNvPr id="2" name="コンテンツ プレースホルダー 1">
@@ -12272,7 +12288,7 @@
             </p:txBody>
           </p:sp>
         </mc:Choice>
-        <mc:Fallback>
+        <mc:Fallback xmlns="">
           <p:sp>
             <p:nvSpPr>
               <p:cNvPr id="2" name="コンテンツ プレースホルダー 1">
@@ -13311,2972 +13327,6 @@
 </p:sld>
 </file>
 
-<file path=ppt/slides/slide26.xml><?xml version="1.0" encoding="utf-8"?>
-<p:sld xmlns:a="http://schemas.openxmlformats.org/drawingml/2006/main" xmlns:r="http://schemas.openxmlformats.org/officeDocument/2006/relationships" xmlns:p="http://schemas.openxmlformats.org/presentationml/2006/main">
-  <p:cSld>
-    <p:spTree>
-      <p:nvGrpSpPr>
-        <p:cNvPr id="1" name=""/>
-        <p:cNvGrpSpPr/>
-        <p:nvPr/>
-      </p:nvGrpSpPr>
-      <p:grpSpPr>
-        <a:xfrm>
-          <a:off x="0" y="0"/>
-          <a:ext cx="0" cy="0"/>
-          <a:chOff x="0" y="0"/>
-          <a:chExt cx="0" cy="0"/>
-        </a:xfrm>
-      </p:grpSpPr>
-      <mc:AlternateContent xmlns:mc="http://schemas.openxmlformats.org/markup-compatibility/2006">
-        <mc:Choice xmlns:a14="http://schemas.microsoft.com/office/drawing/2010/main" Requires="a14">
-          <p:sp>
-            <p:nvSpPr>
-              <p:cNvPr id="2" name="コンテンツ プレースホルダー 1">
-                <a:extLst>
-                  <a:ext uri="{FF2B5EF4-FFF2-40B4-BE49-F238E27FC236}">
-                    <a16:creationId xmlns:a16="http://schemas.microsoft.com/office/drawing/2014/main" id="{42AC4C93-31AB-4BD4-9058-9ABCDABF30DC}"/>
-                  </a:ext>
-                </a:extLst>
-              </p:cNvPr>
-              <p:cNvSpPr>
-                <a:spLocks noGrp="1"/>
-              </p:cNvSpPr>
-              <p:nvPr>
-                <p:ph idx="1"/>
-              </p:nvPr>
-            </p:nvSpPr>
-            <p:spPr/>
-            <p:txBody>
-              <a:bodyPr/>
-              <a:lstStyle/>
-              <a:p>
-                <a:r>
-                  <a:rPr kumimoji="1" lang="ja-JP" altLang="en-US"/>
-                  <a:t>「楕円曲線」は「楕円」でも「曲線」でもない</a:t>
-                </a:r>
-                <a:endParaRPr lang="en-US" altLang="ja-JP"/>
-              </a:p>
-              <a:p>
-                <a14:m>
-                  <m:oMath xmlns:m="http://schemas.openxmlformats.org/officeDocument/2006/math">
-                    <m:sSub>
-                      <m:sSubPr>
-                        <m:ctrlPr>
-                          <a:rPr kumimoji="1" lang="en-US" altLang="ja-JP" b="0" i="1" smtClean="0">
-                            <a:latin typeface="Cambria Math" panose="02040503050406030204" pitchFamily="18" charset="0"/>
-                          </a:rPr>
-                        </m:ctrlPr>
-                      </m:sSubPr>
-                      <m:e>
-                        <m:r>
-                          <a:rPr kumimoji="1" lang="en-US" altLang="ja-JP" b="0" i="1" smtClean="0">
-                            <a:latin typeface="Cambria Math" panose="02040503050406030204" pitchFamily="18" charset="0"/>
-                          </a:rPr>
-                          <m:t>𝔽</m:t>
-                        </m:r>
-                      </m:e>
-                      <m:sub>
-                        <m:r>
-                          <a:rPr kumimoji="1" lang="en-US" altLang="ja-JP" b="0" i="1" smtClean="0">
-                            <a:latin typeface="Cambria Math" panose="02040503050406030204" pitchFamily="18" charset="0"/>
-                          </a:rPr>
-                          <m:t>𝑝</m:t>
-                        </m:r>
-                      </m:sub>
-                    </m:sSub>
-                  </m:oMath>
-                </a14:m>
-                <a:r>
-                  <a:rPr kumimoji="1" lang="ja-JP" altLang="en-US"/>
-                  <a:t>から</a:t>
-                </a:r>
-                <a:r>
-                  <a:rPr lang="en-US" altLang="ja-JP"/>
-                  <a:t>2</a:t>
-                </a:r>
-                <a:r>
-                  <a:rPr lang="ja-JP" altLang="en-US"/>
-                  <a:t>次拡大体</a:t>
-                </a:r>
-                <a14:m>
-                  <m:oMath xmlns:m="http://schemas.openxmlformats.org/officeDocument/2006/math">
-                    <m:sSub>
-                      <m:sSubPr>
-                        <m:ctrlPr>
-                          <a:rPr lang="en-US" altLang="ja-JP" b="0" i="1" smtClean="0">
-                            <a:latin typeface="Cambria Math" panose="02040503050406030204" pitchFamily="18" charset="0"/>
-                          </a:rPr>
-                        </m:ctrlPr>
-                      </m:sSubPr>
-                      <m:e>
-                        <m:r>
-                          <a:rPr lang="en-US" altLang="ja-JP" b="0" i="1" smtClean="0">
-                            <a:latin typeface="Cambria Math" panose="02040503050406030204" pitchFamily="18" charset="0"/>
-                          </a:rPr>
-                          <m:t>𝔽</m:t>
-                        </m:r>
-                      </m:e>
-                      <m:sub>
-                        <m:sSup>
-                          <m:sSupPr>
-                            <m:ctrlPr>
-                              <a:rPr lang="en-US" altLang="ja-JP" b="0" i="1" smtClean="0">
-                                <a:latin typeface="Cambria Math" panose="02040503050406030204" pitchFamily="18" charset="0"/>
-                              </a:rPr>
-                            </m:ctrlPr>
-                          </m:sSupPr>
-                          <m:e>
-                            <m:r>
-                              <a:rPr lang="en-US" altLang="ja-JP" b="0" i="1" smtClean="0">
-                                <a:latin typeface="Cambria Math" panose="02040503050406030204" pitchFamily="18" charset="0"/>
-                              </a:rPr>
-                              <m:t>𝑝</m:t>
-                            </m:r>
-                          </m:e>
-                          <m:sup>
-                            <m:r>
-                              <a:rPr lang="en-US" altLang="ja-JP" b="0" i="1" smtClean="0">
-                                <a:latin typeface="Cambria Math" panose="02040503050406030204" pitchFamily="18" charset="0"/>
-                              </a:rPr>
-                              <m:t>2</m:t>
-                            </m:r>
-                          </m:sup>
-                        </m:sSup>
-                      </m:sub>
-                    </m:sSub>
-                  </m:oMath>
-                </a14:m>
-                <a:r>
-                  <a:rPr kumimoji="1" lang="ja-JP" altLang="en-US"/>
-                  <a:t>を作ったように</a:t>
-                </a:r>
-                <a:br>
-                  <a:rPr lang="en-US" altLang="ja-JP"/>
-                </a:br>
-                <a14:m>
-                  <m:oMath xmlns:m="http://schemas.openxmlformats.org/officeDocument/2006/math">
-                    <m:sSup>
-                      <m:sSupPr>
-                        <m:ctrlPr>
-                          <a:rPr kumimoji="1" lang="en-US" altLang="ja-JP" b="0" i="1" smtClean="0">
-                            <a:latin typeface="Cambria Math" panose="02040503050406030204" pitchFamily="18" charset="0"/>
-                          </a:rPr>
-                        </m:ctrlPr>
-                      </m:sSupPr>
-                      <m:e>
-                        <m:d>
-                          <m:dPr>
-                            <m:ctrlPr>
-                              <a:rPr kumimoji="1" lang="en-US" altLang="ja-JP" b="0" i="1" smtClean="0">
-                                <a:latin typeface="Cambria Math" panose="02040503050406030204" pitchFamily="18" charset="0"/>
-                              </a:rPr>
-                            </m:ctrlPr>
-                          </m:dPr>
-                          <m:e>
-                            <m:sSub>
-                              <m:sSubPr>
-                                <m:ctrlPr>
-                                  <a:rPr kumimoji="1" lang="en-US" altLang="ja-JP" b="0" i="1" smtClean="0">
-                                    <a:latin typeface="Cambria Math" panose="02040503050406030204" pitchFamily="18" charset="0"/>
-                                  </a:rPr>
-                                </m:ctrlPr>
-                              </m:sSubPr>
-                              <m:e>
-                                <m:r>
-                                  <a:rPr kumimoji="1" lang="en-US" altLang="ja-JP" b="0" i="1" smtClean="0">
-                                    <a:latin typeface="Cambria Math" panose="02040503050406030204" pitchFamily="18" charset="0"/>
-                                  </a:rPr>
-                                  <m:t>𝔽</m:t>
-                                </m:r>
-                              </m:e>
-                              <m:sub>
-                                <m:r>
-                                  <a:rPr kumimoji="1" lang="en-US" altLang="ja-JP" b="0" i="1" smtClean="0">
-                                    <a:latin typeface="Cambria Math" panose="02040503050406030204" pitchFamily="18" charset="0"/>
-                                  </a:rPr>
-                                  <m:t>𝑝</m:t>
-                                </m:r>
-                              </m:sub>
-                            </m:sSub>
-                          </m:e>
-                        </m:d>
-                      </m:e>
-                      <m:sup>
-                        <m:r>
-                          <a:rPr kumimoji="1" lang="en-US" altLang="ja-JP" b="0" i="1" smtClean="0">
-                            <a:latin typeface="Cambria Math" panose="02040503050406030204" pitchFamily="18" charset="0"/>
-                          </a:rPr>
-                          <m:t>2</m:t>
-                        </m:r>
-                      </m:sup>
-                    </m:sSup>
-                  </m:oMath>
-                </a14:m>
-                <a:r>
-                  <a:rPr kumimoji="1" lang="ja-JP" altLang="en-US"/>
-                  <a:t>に別の演算</a:t>
-                </a:r>
-                <a:r>
-                  <a:rPr kumimoji="1" lang="en-US" altLang="ja-JP"/>
-                  <a:t>(</a:t>
-                </a:r>
-                <a:r>
-                  <a:rPr kumimoji="1" lang="ja-JP" altLang="en-US"/>
-                  <a:t>足し算</a:t>
-                </a:r>
-                <a:r>
-                  <a:rPr kumimoji="1" lang="en-US" altLang="ja-JP"/>
-                  <a:t>)</a:t>
-                </a:r>
-                <a:r>
-                  <a:rPr kumimoji="1" lang="ja-JP" altLang="en-US"/>
-                  <a:t>を導入する</a:t>
-                </a:r>
-                <a:endParaRPr kumimoji="1" lang="en-US" altLang="ja-JP"/>
-              </a:p>
-              <a:p>
-                <a:pPr lvl="1"/>
-                <a:r>
-                  <a:rPr kumimoji="1" lang="ja-JP" altLang="en-US"/>
-                  <a:t>より安全な暗号の構築</a:t>
-                </a:r>
-                <a:endParaRPr kumimoji="1" lang="en-US" altLang="ja-JP"/>
-              </a:p>
-              <a:p>
-                <a14:m>
-                  <m:oMath xmlns:m="http://schemas.openxmlformats.org/officeDocument/2006/math">
-                    <m:sSub>
-                      <m:sSubPr>
-                        <m:ctrlPr>
-                          <a:rPr kumimoji="1" lang="en-US" altLang="ja-JP" b="0" i="1" smtClean="0">
-                            <a:latin typeface="Cambria Math" panose="02040503050406030204" pitchFamily="18" charset="0"/>
-                          </a:rPr>
-                        </m:ctrlPr>
-                      </m:sSubPr>
-                      <m:e>
-                        <m:r>
-                          <a:rPr kumimoji="1" lang="en-US" altLang="ja-JP" b="0" i="1" smtClean="0">
-                            <a:latin typeface="Cambria Math" panose="02040503050406030204" pitchFamily="18" charset="0"/>
-                          </a:rPr>
-                          <m:t>𝔽</m:t>
-                        </m:r>
-                      </m:e>
-                      <m:sub>
-                        <m:r>
-                          <a:rPr kumimoji="1" lang="en-US" altLang="ja-JP" b="0" i="1" smtClean="0">
-                            <a:latin typeface="Cambria Math" panose="02040503050406030204" pitchFamily="18" charset="0"/>
-                          </a:rPr>
-                          <m:t>𝑝</m:t>
-                        </m:r>
-                      </m:sub>
-                    </m:sSub>
-                  </m:oMath>
-                </a14:m>
-                <a:r>
-                  <a:rPr kumimoji="1" lang="ja-JP" altLang="en-US"/>
-                  <a:t>のイメージ</a:t>
-                </a:r>
-                <a:endParaRPr kumimoji="1" lang="en-US" altLang="ja-JP"/>
-              </a:p>
-              <a:p>
-                <a:pPr lvl="1"/>
-                <a:endParaRPr kumimoji="1" lang="en-US" altLang="ja-JP"/>
-              </a:p>
-            </p:txBody>
-          </p:sp>
-        </mc:Choice>
-        <mc:Fallback>
-          <p:sp>
-            <p:nvSpPr>
-              <p:cNvPr id="2" name="コンテンツ プレースホルダー 1">
-                <a:extLst>
-                  <a:ext uri="{FF2B5EF4-FFF2-40B4-BE49-F238E27FC236}">
-                    <a16:creationId xmlns:a16="http://schemas.microsoft.com/office/drawing/2014/main" id="{42AC4C93-31AB-4BD4-9058-9ABCDABF30DC}"/>
-                  </a:ext>
-                </a:extLst>
-              </p:cNvPr>
-              <p:cNvSpPr>
-                <a:spLocks noGrp="1" noRot="1" noChangeAspect="1" noMove="1" noResize="1" noEditPoints="1" noAdjustHandles="1" noChangeArrowheads="1" noChangeShapeType="1" noTextEdit="1"/>
-              </p:cNvSpPr>
-              <p:nvPr>
-                <p:ph idx="1"/>
-              </p:nvPr>
-            </p:nvSpPr>
-            <p:spPr>
-              <a:blipFill>
-                <a:blip r:embed="rId2"/>
-                <a:stretch>
-                  <a:fillRect l="-1200" t="-1038"/>
-                </a:stretch>
-              </a:blipFill>
-            </p:spPr>
-            <p:txBody>
-              <a:bodyPr/>
-              <a:lstStyle/>
-              <a:p>
-                <a:r>
-                  <a:rPr lang="ja-JP" altLang="en-US">
-                    <a:noFill/>
-                  </a:rPr>
-                  <a:t> </a:t>
-                </a:r>
-              </a:p>
-            </p:txBody>
-          </p:sp>
-        </mc:Fallback>
-      </mc:AlternateContent>
-      <p:sp>
-        <p:nvSpPr>
-          <p:cNvPr id="3" name="スライド番号プレースホルダー 2">
-            <a:extLst>
-              <a:ext uri="{FF2B5EF4-FFF2-40B4-BE49-F238E27FC236}">
-                <a16:creationId xmlns:a16="http://schemas.microsoft.com/office/drawing/2014/main" id="{B39F2560-2766-4F82-B636-C9CAB5FF6DFC}"/>
-              </a:ext>
-            </a:extLst>
-          </p:cNvPr>
-          <p:cNvSpPr>
-            <a:spLocks noGrp="1"/>
-          </p:cNvSpPr>
-          <p:nvPr>
-            <p:ph type="sldNum" sz="quarter" idx="12"/>
-          </p:nvPr>
-        </p:nvSpPr>
-        <p:spPr/>
-        <p:txBody>
-          <a:bodyPr/>
-          <a:lstStyle/>
-          <a:p>
-            <a:pPr>
-              <a:defRPr/>
-            </a:pPr>
-            <a:r>
-              <a:rPr lang="en-US" altLang="ja-JP"/>
-              <a:t>    </a:t>
-            </a:r>
-            <a:fld id="{B2782DEB-472A-4FE5-AC34-C17109CF5A91}" type="slidenum">
-              <a:rPr lang="en-US" altLang="ja-JP" smtClean="0"/>
-              <a:pPr>
-                <a:defRPr/>
-              </a:pPr>
-              <a:t>26</a:t>
-            </a:fld>
-            <a:r>
-              <a:rPr lang="en-US" altLang="ja-JP"/>
-              <a:t> / 24</a:t>
-            </a:r>
-          </a:p>
-        </p:txBody>
-      </p:sp>
-      <p:sp>
-        <p:nvSpPr>
-          <p:cNvPr id="4" name="タイトル 3">
-            <a:extLst>
-              <a:ext uri="{FF2B5EF4-FFF2-40B4-BE49-F238E27FC236}">
-                <a16:creationId xmlns:a16="http://schemas.microsoft.com/office/drawing/2014/main" id="{39838F2A-162C-4AE4-B492-69CA213B2272}"/>
-              </a:ext>
-            </a:extLst>
-          </p:cNvPr>
-          <p:cNvSpPr>
-            <a:spLocks noGrp="1"/>
-          </p:cNvSpPr>
-          <p:nvPr>
-            <p:ph type="title"/>
-          </p:nvPr>
-        </p:nvSpPr>
-        <p:spPr/>
-        <p:txBody>
-          <a:bodyPr/>
-          <a:lstStyle/>
-          <a:p>
-            <a:r>
-              <a:rPr kumimoji="1" lang="ja-JP" altLang="en-US"/>
-              <a:t>楕円曲線暗号</a:t>
-            </a:r>
-          </a:p>
-        </p:txBody>
-      </p:sp>
-      <p:pic>
-        <p:nvPicPr>
-          <p:cNvPr id="6" name="図 5">
-            <a:extLst>
-              <a:ext uri="{FF2B5EF4-FFF2-40B4-BE49-F238E27FC236}">
-                <a16:creationId xmlns:a16="http://schemas.microsoft.com/office/drawing/2014/main" id="{B1D0D56B-1EE3-4999-97DE-56695100DD12}"/>
-              </a:ext>
-            </a:extLst>
-          </p:cNvPr>
-          <p:cNvPicPr>
-            <a:picLocks noChangeAspect="1"/>
-          </p:cNvPicPr>
-          <p:nvPr/>
-        </p:nvPicPr>
-        <p:blipFill>
-          <a:blip r:embed="rId3">
-            <a:extLst>
-              <a:ext uri="{28A0092B-C50C-407E-A947-70E740481C1C}">
-                <a14:useLocalDpi xmlns:a14="http://schemas.microsoft.com/office/drawing/2010/main" val="0"/>
-              </a:ext>
-            </a:extLst>
-          </a:blip>
-          <a:stretch>
-            <a:fillRect/>
-          </a:stretch>
-        </p:blipFill>
-        <p:spPr>
-          <a:xfrm>
-            <a:off x="395536" y="3828478"/>
-            <a:ext cx="4827923" cy="2365682"/>
-          </a:xfrm>
-          <a:prstGeom prst="rect">
-            <a:avLst/>
-          </a:prstGeom>
-        </p:spPr>
-      </p:pic>
-      <p:pic>
-        <p:nvPicPr>
-          <p:cNvPr id="8" name="図 7">
-            <a:extLst>
-              <a:ext uri="{FF2B5EF4-FFF2-40B4-BE49-F238E27FC236}">
-                <a16:creationId xmlns:a16="http://schemas.microsoft.com/office/drawing/2014/main" id="{217FB638-8384-4BBC-96B8-C0492AD199B0}"/>
-              </a:ext>
-            </a:extLst>
-          </p:cNvPr>
-          <p:cNvPicPr>
-            <a:picLocks noChangeAspect="1"/>
-          </p:cNvPicPr>
-          <p:nvPr/>
-        </p:nvPicPr>
-        <p:blipFill>
-          <a:blip r:embed="rId4" cstate="print">
-            <a:extLst>
-              <a:ext uri="{28A0092B-C50C-407E-A947-70E740481C1C}">
-                <a14:useLocalDpi xmlns:a14="http://schemas.microsoft.com/office/drawing/2010/main" val="0"/>
-              </a:ext>
-            </a:extLst>
-          </a:blip>
-          <a:stretch>
-            <a:fillRect/>
-          </a:stretch>
-        </p:blipFill>
-        <p:spPr>
-          <a:xfrm>
-            <a:off x="5796136" y="3598164"/>
-            <a:ext cx="2463099" cy="2306075"/>
-          </a:xfrm>
-          <a:prstGeom prst="rect">
-            <a:avLst/>
-          </a:prstGeom>
-        </p:spPr>
-      </p:pic>
-    </p:spTree>
-    <p:extLst>
-      <p:ext uri="{BB962C8B-B14F-4D97-AF65-F5344CB8AC3E}">
-        <p14:creationId xmlns:p14="http://schemas.microsoft.com/office/powerpoint/2010/main" val="773258280"/>
-      </p:ext>
-    </p:extLst>
-  </p:cSld>
-  <p:clrMapOvr>
-    <a:masterClrMapping/>
-  </p:clrMapOvr>
-</p:sld>
-</file>
-
-<file path=ppt/slides/slide27.xml><?xml version="1.0" encoding="utf-8"?>
-<p:sld xmlns:a="http://schemas.openxmlformats.org/drawingml/2006/main" xmlns:r="http://schemas.openxmlformats.org/officeDocument/2006/relationships" xmlns:p="http://schemas.openxmlformats.org/presentationml/2006/main">
-  <p:cSld>
-    <p:spTree>
-      <p:nvGrpSpPr>
-        <p:cNvPr id="1" name=""/>
-        <p:cNvGrpSpPr/>
-        <p:nvPr/>
-      </p:nvGrpSpPr>
-      <p:grpSpPr>
-        <a:xfrm>
-          <a:off x="0" y="0"/>
-          <a:ext cx="0" cy="0"/>
-          <a:chOff x="0" y="0"/>
-          <a:chExt cx="0" cy="0"/>
-        </a:xfrm>
-      </p:grpSpPr>
-      <mc:AlternateContent xmlns:mc="http://schemas.openxmlformats.org/markup-compatibility/2006">
-        <mc:Choice xmlns:a14="http://schemas.microsoft.com/office/drawing/2010/main" Requires="a14">
-          <p:sp>
-            <p:nvSpPr>
-              <p:cNvPr id="2" name="コンテンツ プレースホルダー 1">
-                <a:extLst>
-                  <a:ext uri="{FF2B5EF4-FFF2-40B4-BE49-F238E27FC236}">
-                    <a16:creationId xmlns:a16="http://schemas.microsoft.com/office/drawing/2014/main" id="{5895BBD7-3477-4925-B19F-08408DAC860B}"/>
-                  </a:ext>
-                </a:extLst>
-              </p:cNvPr>
-              <p:cNvSpPr>
-                <a:spLocks noGrp="1"/>
-              </p:cNvSpPr>
-              <p:nvPr>
-                <p:ph idx="1"/>
-              </p:nvPr>
-            </p:nvSpPr>
-            <p:spPr/>
-            <p:txBody>
-              <a:bodyPr/>
-              <a:lstStyle/>
-              <a:p>
-                <a:r>
-                  <a:rPr kumimoji="1" lang="ja-JP" altLang="en-US"/>
-                  <a:t>トーラス</a:t>
-                </a:r>
-                <a:r>
-                  <a:rPr kumimoji="1" lang="en-US" altLang="ja-JP"/>
-                  <a:t>(</a:t>
-                </a:r>
-                <a:r>
-                  <a:rPr kumimoji="1" lang="ja-JP" altLang="en-US"/>
-                  <a:t>浮輪</a:t>
-                </a:r>
-                <a:r>
-                  <a:rPr kumimoji="1" lang="en-US" altLang="ja-JP"/>
-                  <a:t>)</a:t>
-                </a:r>
-              </a:p>
-              <a:p>
-                <a:endParaRPr lang="en-US" altLang="ja-JP"/>
-              </a:p>
-              <a:p>
-                <a:endParaRPr kumimoji="1" lang="en-US" altLang="ja-JP"/>
-              </a:p>
-              <a:p>
-                <a:endParaRPr lang="en-US" altLang="ja-JP"/>
-              </a:p>
-              <a:p>
-                <a:endParaRPr kumimoji="1" lang="en-US" altLang="ja-JP"/>
-              </a:p>
-              <a:p>
-                <a:endParaRPr kumimoji="1" lang="en-US" altLang="ja-JP"/>
-              </a:p>
-              <a:p>
-                <a:r>
-                  <a:rPr kumimoji="1" lang="ja-JP" altLang="en-US"/>
-                  <a:t>トーラス上の点</a:t>
-                </a:r>
-                <a14:m>
-                  <m:oMath xmlns:m="http://schemas.openxmlformats.org/officeDocument/2006/math">
-                    <m:r>
-                      <a:rPr kumimoji="1" lang="en-US" altLang="ja-JP" b="0" i="1" smtClean="0">
-                        <a:latin typeface="Cambria Math" panose="02040503050406030204" pitchFamily="18" charset="0"/>
-                      </a:rPr>
-                      <m:t>𝑃</m:t>
-                    </m:r>
-                  </m:oMath>
-                </a14:m>
-                <a:r>
-                  <a:rPr kumimoji="1" lang="ja-JP" altLang="en-US"/>
-                  <a:t>の</a:t>
-                </a:r>
-                <a:r>
-                  <a:rPr kumimoji="1" lang="en-US" altLang="ja-JP"/>
-                  <a:t>2</a:t>
-                </a:r>
-                <a:r>
-                  <a:rPr kumimoji="1" lang="ja-JP" altLang="en-US"/>
-                  <a:t>倍</a:t>
-                </a:r>
-                <a:r>
-                  <a:rPr kumimoji="1" lang="en-US" altLang="ja-JP"/>
-                  <a:t>, 3</a:t>
-                </a:r>
-                <a:r>
-                  <a:rPr kumimoji="1" lang="ja-JP" altLang="en-US"/>
-                  <a:t>倍</a:t>
-                </a:r>
-                <a:r>
-                  <a:rPr kumimoji="1" lang="en-US" altLang="ja-JP"/>
-                  <a:t>, </a:t>
-                </a:r>
-                <a:r>
-                  <a:rPr kumimoji="1" lang="ja-JP" altLang="en-US"/>
-                  <a:t>加算</a:t>
-                </a:r>
-              </a:p>
-            </p:txBody>
-          </p:sp>
-        </mc:Choice>
-        <mc:Fallback>
-          <p:sp>
-            <p:nvSpPr>
-              <p:cNvPr id="2" name="コンテンツ プレースホルダー 1">
-                <a:extLst>
-                  <a:ext uri="{FF2B5EF4-FFF2-40B4-BE49-F238E27FC236}">
-                    <a16:creationId xmlns:a16="http://schemas.microsoft.com/office/drawing/2014/main" id="{5895BBD7-3477-4925-B19F-08408DAC860B}"/>
-                  </a:ext>
-                </a:extLst>
-              </p:cNvPr>
-              <p:cNvSpPr>
-                <a:spLocks noGrp="1" noRot="1" noChangeAspect="1" noMove="1" noResize="1" noEditPoints="1" noAdjustHandles="1" noChangeArrowheads="1" noChangeShapeType="1" noTextEdit="1"/>
-              </p:cNvSpPr>
-              <p:nvPr>
-                <p:ph idx="1"/>
-              </p:nvPr>
-            </p:nvSpPr>
-            <p:spPr>
-              <a:blipFill>
-                <a:blip r:embed="rId2"/>
-                <a:stretch>
-                  <a:fillRect l="-1200" t="-1454"/>
-                </a:stretch>
-              </a:blipFill>
-            </p:spPr>
-            <p:txBody>
-              <a:bodyPr/>
-              <a:lstStyle/>
-              <a:p>
-                <a:r>
-                  <a:rPr lang="ja-JP" altLang="en-US">
-                    <a:noFill/>
-                  </a:rPr>
-                  <a:t> </a:t>
-                </a:r>
-              </a:p>
-            </p:txBody>
-          </p:sp>
-        </mc:Fallback>
-      </mc:AlternateContent>
-      <p:sp>
-        <p:nvSpPr>
-          <p:cNvPr id="3" name="スライド番号プレースホルダー 2">
-            <a:extLst>
-              <a:ext uri="{FF2B5EF4-FFF2-40B4-BE49-F238E27FC236}">
-                <a16:creationId xmlns:a16="http://schemas.microsoft.com/office/drawing/2014/main" id="{85E7F675-D8F7-4592-9BD5-0BFBDF1F6500}"/>
-              </a:ext>
-            </a:extLst>
-          </p:cNvPr>
-          <p:cNvSpPr>
-            <a:spLocks noGrp="1"/>
-          </p:cNvSpPr>
-          <p:nvPr>
-            <p:ph type="sldNum" sz="quarter" idx="12"/>
-          </p:nvPr>
-        </p:nvSpPr>
-        <p:spPr/>
-        <p:txBody>
-          <a:bodyPr/>
-          <a:lstStyle/>
-          <a:p>
-            <a:pPr>
-              <a:defRPr/>
-            </a:pPr>
-            <a:r>
-              <a:rPr lang="en-US" altLang="ja-JP"/>
-              <a:t>    </a:t>
-            </a:r>
-            <a:fld id="{B2782DEB-472A-4FE5-AC34-C17109CF5A91}" type="slidenum">
-              <a:rPr lang="en-US" altLang="ja-JP" smtClean="0"/>
-              <a:pPr>
-                <a:defRPr/>
-              </a:pPr>
-              <a:t>27</a:t>
-            </a:fld>
-            <a:r>
-              <a:rPr lang="en-US" altLang="ja-JP"/>
-              <a:t> / 24</a:t>
-            </a:r>
-          </a:p>
-        </p:txBody>
-      </p:sp>
-      <p:sp>
-        <p:nvSpPr>
-          <p:cNvPr id="4" name="タイトル 3">
-            <a:extLst>
-              <a:ext uri="{FF2B5EF4-FFF2-40B4-BE49-F238E27FC236}">
-                <a16:creationId xmlns:a16="http://schemas.microsoft.com/office/drawing/2014/main" id="{080DEA60-6054-4BF0-995D-E6088CC9A9F1}"/>
-              </a:ext>
-            </a:extLst>
-          </p:cNvPr>
-          <p:cNvSpPr>
-            <a:spLocks noGrp="1"/>
-          </p:cNvSpPr>
-          <p:nvPr>
-            <p:ph type="title"/>
-          </p:nvPr>
-        </p:nvSpPr>
-        <p:spPr/>
-        <p:txBody>
-          <a:bodyPr/>
-          <a:lstStyle/>
-          <a:p>
-            <a:r>
-              <a:rPr kumimoji="1" lang="ja-JP" altLang="en-US"/>
-              <a:t>楕円曲線の加算のイメージ</a:t>
-            </a:r>
-          </a:p>
-        </p:txBody>
-      </p:sp>
-      <p:pic>
-        <p:nvPicPr>
-          <p:cNvPr id="6" name="図 5">
-            <a:extLst>
-              <a:ext uri="{FF2B5EF4-FFF2-40B4-BE49-F238E27FC236}">
-                <a16:creationId xmlns:a16="http://schemas.microsoft.com/office/drawing/2014/main" id="{434E390D-A2E2-4EA4-A89C-6B9AA8CADF21}"/>
-              </a:ext>
-            </a:extLst>
-          </p:cNvPr>
-          <p:cNvPicPr>
-            <a:picLocks noChangeAspect="1"/>
-          </p:cNvPicPr>
-          <p:nvPr/>
-        </p:nvPicPr>
-        <p:blipFill>
-          <a:blip r:embed="rId3">
-            <a:extLst>
-              <a:ext uri="{28A0092B-C50C-407E-A947-70E740481C1C}">
-                <a14:useLocalDpi xmlns:a14="http://schemas.microsoft.com/office/drawing/2010/main" val="0"/>
-              </a:ext>
-            </a:extLst>
-          </a:blip>
-          <a:stretch>
-            <a:fillRect/>
-          </a:stretch>
-        </p:blipFill>
-        <p:spPr>
-          <a:xfrm>
-            <a:off x="1691680" y="1268760"/>
-            <a:ext cx="5328592" cy="2837476"/>
-          </a:xfrm>
-          <a:prstGeom prst="rect">
-            <a:avLst/>
-          </a:prstGeom>
-        </p:spPr>
-      </p:pic>
-      <p:pic>
-        <p:nvPicPr>
-          <p:cNvPr id="8" name="図 7">
-            <a:extLst>
-              <a:ext uri="{FF2B5EF4-FFF2-40B4-BE49-F238E27FC236}">
-                <a16:creationId xmlns:a16="http://schemas.microsoft.com/office/drawing/2014/main" id="{2A14464D-E189-4C62-9987-A3B9FFDE67B3}"/>
-              </a:ext>
-            </a:extLst>
-          </p:cNvPr>
-          <p:cNvPicPr>
-            <a:picLocks noChangeAspect="1"/>
-          </p:cNvPicPr>
-          <p:nvPr/>
-        </p:nvPicPr>
-        <p:blipFill>
-          <a:blip r:embed="rId4">
-            <a:extLst>
-              <a:ext uri="{28A0092B-C50C-407E-A947-70E740481C1C}">
-                <a14:useLocalDpi xmlns:a14="http://schemas.microsoft.com/office/drawing/2010/main" val="0"/>
-              </a:ext>
-            </a:extLst>
-          </a:blip>
-          <a:stretch>
-            <a:fillRect/>
-          </a:stretch>
-        </p:blipFill>
-        <p:spPr>
-          <a:xfrm>
-            <a:off x="1002944" y="4855972"/>
-            <a:ext cx="6706064" cy="1676516"/>
-          </a:xfrm>
-          <a:prstGeom prst="rect">
-            <a:avLst/>
-          </a:prstGeom>
-        </p:spPr>
-      </p:pic>
-    </p:spTree>
-    <p:extLst>
-      <p:ext uri="{BB962C8B-B14F-4D97-AF65-F5344CB8AC3E}">
-        <p14:creationId xmlns:p14="http://schemas.microsoft.com/office/powerpoint/2010/main" val="2895701137"/>
-      </p:ext>
-    </p:extLst>
-  </p:cSld>
-  <p:clrMapOvr>
-    <a:masterClrMapping/>
-  </p:clrMapOvr>
-</p:sld>
-</file>
-
-<file path=ppt/slides/slide28.xml><?xml version="1.0" encoding="utf-8"?>
-<p:sld xmlns:a="http://schemas.openxmlformats.org/drawingml/2006/main" xmlns:r="http://schemas.openxmlformats.org/officeDocument/2006/relationships" xmlns:p="http://schemas.openxmlformats.org/presentationml/2006/main">
-  <p:cSld>
-    <p:spTree>
-      <p:nvGrpSpPr>
-        <p:cNvPr id="1" name=""/>
-        <p:cNvGrpSpPr/>
-        <p:nvPr/>
-      </p:nvGrpSpPr>
-      <p:grpSpPr>
-        <a:xfrm>
-          <a:off x="0" y="0"/>
-          <a:ext cx="0" cy="0"/>
-          <a:chOff x="0" y="0"/>
-          <a:chExt cx="0" cy="0"/>
-        </a:xfrm>
-      </p:grpSpPr>
-      <mc:AlternateContent xmlns:mc="http://schemas.openxmlformats.org/markup-compatibility/2006">
-        <mc:Choice xmlns:a14="http://schemas.microsoft.com/office/drawing/2010/main" Requires="a14">
-          <p:sp>
-            <p:nvSpPr>
-              <p:cNvPr id="2" name="コンテンツ プレースホルダー 1">
-                <a:extLst>
-                  <a:ext uri="{FF2B5EF4-FFF2-40B4-BE49-F238E27FC236}">
-                    <a16:creationId xmlns:a16="http://schemas.microsoft.com/office/drawing/2014/main" id="{5BB20AB3-E491-41EE-9EFA-02B8A4812388}"/>
-                  </a:ext>
-                </a:extLst>
-              </p:cNvPr>
-              <p:cNvSpPr>
-                <a:spLocks noGrp="1"/>
-              </p:cNvSpPr>
-              <p:nvPr>
-                <p:ph idx="1"/>
-              </p:nvPr>
-            </p:nvSpPr>
-            <p:spPr/>
-            <p:txBody>
-              <a:bodyPr/>
-              <a:lstStyle/>
-              <a:p>
-                <a:r>
-                  <a:rPr kumimoji="1" lang="ja-JP" altLang="en-US"/>
-                  <a:t>前述のイメージでは計算が難しい</a:t>
-                </a:r>
-                <a:endParaRPr kumimoji="1" lang="en-US" altLang="ja-JP"/>
-              </a:p>
-              <a:p>
-                <a:pPr lvl="1"/>
-                <a:r>
-                  <a:rPr kumimoji="1" lang="ja-JP" altLang="en-US"/>
-                  <a:t>暗号で扱いやすいのは次の</a:t>
-                </a:r>
-                <a:r>
-                  <a:rPr kumimoji="1" lang="en-US" altLang="ja-JP"/>
-                  <a:t>(</a:t>
-                </a:r>
-                <a:r>
-                  <a:rPr kumimoji="1" lang="ja-JP" altLang="en-US"/>
-                  <a:t>代数的な</a:t>
-                </a:r>
-                <a:r>
-                  <a:rPr kumimoji="1" lang="en-US" altLang="ja-JP"/>
-                  <a:t>)</a:t>
-                </a:r>
-                <a:r>
-                  <a:rPr kumimoji="1" lang="ja-JP" altLang="en-US"/>
-                  <a:t>定義</a:t>
-                </a:r>
-                <a:endParaRPr kumimoji="1" lang="en-US" altLang="ja-JP"/>
-              </a:p>
-              <a:p>
-                <a:r>
-                  <a:rPr kumimoji="1" lang="ja-JP" altLang="en-US"/>
-                  <a:t>素数</a:t>
-                </a:r>
-                <a14:m>
-                  <m:oMath xmlns:m="http://schemas.openxmlformats.org/officeDocument/2006/math">
-                    <m:r>
-                      <a:rPr kumimoji="1" lang="en-US" altLang="ja-JP" b="0" i="1" smtClean="0">
-                        <a:latin typeface="Cambria Math" panose="02040503050406030204" pitchFamily="18" charset="0"/>
-                      </a:rPr>
-                      <m:t>𝑝</m:t>
-                    </m:r>
-                  </m:oMath>
-                </a14:m>
-                <a:r>
-                  <a:rPr kumimoji="1" lang="ja-JP" altLang="en-US"/>
-                  <a:t>と整数</a:t>
-                </a:r>
-                <a14:m>
-                  <m:oMath xmlns:m="http://schemas.openxmlformats.org/officeDocument/2006/math">
-                    <m:r>
-                      <a:rPr kumimoji="1" lang="en-US" altLang="ja-JP" b="0" i="1" smtClean="0">
-                        <a:latin typeface="Cambria Math" panose="02040503050406030204" pitchFamily="18" charset="0"/>
-                      </a:rPr>
-                      <m:t>𝑎</m:t>
-                    </m:r>
-                    <m:r>
-                      <a:rPr kumimoji="1" lang="en-US" altLang="ja-JP" b="0" i="1" smtClean="0">
-                        <a:latin typeface="Cambria Math" panose="02040503050406030204" pitchFamily="18" charset="0"/>
-                      </a:rPr>
-                      <m:t>, </m:t>
-                    </m:r>
-                    <m:r>
-                      <a:rPr kumimoji="1" lang="en-US" altLang="ja-JP" b="0" i="1" smtClean="0">
-                        <a:latin typeface="Cambria Math" panose="02040503050406030204" pitchFamily="18" charset="0"/>
-                      </a:rPr>
-                      <m:t>𝑏</m:t>
-                    </m:r>
-                  </m:oMath>
-                </a14:m>
-                <a:r>
-                  <a:rPr kumimoji="1" lang="ja-JP" altLang="en-US"/>
-                  <a:t>を固定する</a:t>
-                </a:r>
-                <a:endParaRPr kumimoji="1" lang="en-US" altLang="ja-JP"/>
-              </a:p>
-              <a:p>
-                <a14:m>
-                  <m:oMath xmlns:m="http://schemas.openxmlformats.org/officeDocument/2006/math">
-                    <m:r>
-                      <a:rPr kumimoji="1" lang="en-US" altLang="ja-JP" b="0" i="1" smtClean="0">
-                        <a:latin typeface="Cambria Math" panose="02040503050406030204" pitchFamily="18" charset="0"/>
-                      </a:rPr>
-                      <m:t>𝐸</m:t>
-                    </m:r>
-                    <m:r>
-                      <a:rPr kumimoji="1" lang="en-US" altLang="ja-JP" b="0" i="1" smtClean="0">
-                        <a:latin typeface="Cambria Math" panose="02040503050406030204" pitchFamily="18" charset="0"/>
-                      </a:rPr>
-                      <m:t>=</m:t>
-                    </m:r>
-                    <m:sSup>
-                      <m:sSupPr>
-                        <m:ctrlPr>
-                          <a:rPr kumimoji="1" lang="en-US" altLang="ja-JP" b="0" i="1" smtClean="0">
-                            <a:latin typeface="Cambria Math" panose="02040503050406030204" pitchFamily="18" charset="0"/>
-                          </a:rPr>
-                        </m:ctrlPr>
-                      </m:sSupPr>
-                      <m:e>
-                        <m:d>
-                          <m:dPr>
-                            <m:begChr m:val="{"/>
-                            <m:ctrlPr>
-                              <a:rPr kumimoji="1" lang="en-US" altLang="ja-JP" b="0" i="1" smtClean="0">
-                                <a:latin typeface="Cambria Math" panose="02040503050406030204" pitchFamily="18" charset="0"/>
-                              </a:rPr>
-                            </m:ctrlPr>
-                          </m:dPr>
-                          <m:e>
-                            <m:d>
-                              <m:dPr>
-                                <m:ctrlPr>
-                                  <a:rPr kumimoji="1" lang="en-US" altLang="ja-JP" b="0" i="1" smtClean="0">
-                                    <a:latin typeface="Cambria Math" panose="02040503050406030204" pitchFamily="18" charset="0"/>
-                                  </a:rPr>
-                                </m:ctrlPr>
-                              </m:dPr>
-                              <m:e>
-                                <m:r>
-                                  <a:rPr kumimoji="1" lang="en-US" altLang="ja-JP" b="0" i="1" smtClean="0">
-                                    <a:latin typeface="Cambria Math" panose="02040503050406030204" pitchFamily="18" charset="0"/>
-                                  </a:rPr>
-                                  <m:t>𝑥</m:t>
-                                </m:r>
-                                <m:r>
-                                  <a:rPr kumimoji="1" lang="en-US" altLang="ja-JP" b="0" i="1" smtClean="0">
-                                    <a:latin typeface="Cambria Math" panose="02040503050406030204" pitchFamily="18" charset="0"/>
-                                  </a:rPr>
-                                  <m:t>,</m:t>
-                                </m:r>
-                                <m:r>
-                                  <a:rPr kumimoji="1" lang="en-US" altLang="ja-JP" b="0" i="1" smtClean="0">
-                                    <a:latin typeface="Cambria Math" panose="02040503050406030204" pitchFamily="18" charset="0"/>
-                                  </a:rPr>
-                                  <m:t>𝑦</m:t>
-                                </m:r>
-                              </m:e>
-                            </m:d>
-                            <m:r>
-                              <a:rPr kumimoji="1" lang="en-US" altLang="ja-JP" b="0" i="1" smtClean="0">
-                                <a:latin typeface="Cambria Math" panose="02040503050406030204" pitchFamily="18" charset="0"/>
-                              </a:rPr>
-                              <m:t>∈</m:t>
-                            </m:r>
-                            <m:sSub>
-                              <m:sSubPr>
-                                <m:ctrlPr>
-                                  <a:rPr kumimoji="1" lang="en-US" altLang="ja-JP" b="0" i="1" smtClean="0">
-                                    <a:latin typeface="Cambria Math" panose="02040503050406030204" pitchFamily="18" charset="0"/>
-                                  </a:rPr>
-                                </m:ctrlPr>
-                              </m:sSubPr>
-                              <m:e>
-                                <m:r>
-                                  <a:rPr kumimoji="1" lang="en-US" altLang="ja-JP" b="0" i="1" smtClean="0">
-                                    <a:latin typeface="Cambria Math" panose="02040503050406030204" pitchFamily="18" charset="0"/>
-                                  </a:rPr>
-                                  <m:t>(</m:t>
-                                </m:r>
-                                <m:r>
-                                  <a:rPr kumimoji="1" lang="en-US" altLang="ja-JP" b="0" i="1" smtClean="0">
-                                    <a:latin typeface="Cambria Math" panose="02040503050406030204" pitchFamily="18" charset="0"/>
-                                  </a:rPr>
-                                  <m:t>𝔽</m:t>
-                                </m:r>
-                              </m:e>
-                              <m:sub>
-                                <m:r>
-                                  <a:rPr kumimoji="1" lang="en-US" altLang="ja-JP" b="0" i="1" smtClean="0">
-                                    <a:latin typeface="Cambria Math" panose="02040503050406030204" pitchFamily="18" charset="0"/>
-                                  </a:rPr>
-                                  <m:t>𝑝</m:t>
-                                </m:r>
-                              </m:sub>
-                            </m:sSub>
-                          </m:e>
-                        </m:d>
-                      </m:e>
-                      <m:sup>
-                        <m:r>
-                          <a:rPr kumimoji="1" lang="en-US" altLang="ja-JP" b="0" i="1" smtClean="0">
-                            <a:latin typeface="Cambria Math" panose="02040503050406030204" pitchFamily="18" charset="0"/>
-                          </a:rPr>
-                          <m:t>2</m:t>
-                        </m:r>
-                      </m:sup>
-                    </m:sSup>
-                    <m:d>
-                      <m:dPr>
-                        <m:begChr m:val="|"/>
-                        <m:endChr m:val="}"/>
-                        <m:ctrlPr>
-                          <a:rPr kumimoji="1" lang="en-US" altLang="ja-JP" b="0" i="1" smtClean="0">
-                            <a:latin typeface="Cambria Math" panose="02040503050406030204" pitchFamily="18" charset="0"/>
-                          </a:rPr>
-                        </m:ctrlPr>
-                      </m:dPr>
-                      <m:e>
-                        <m:sSup>
-                          <m:sSupPr>
-                            <m:ctrlPr>
-                              <a:rPr kumimoji="1" lang="en-US" altLang="ja-JP" b="0" i="1" smtClean="0">
-                                <a:latin typeface="Cambria Math" panose="02040503050406030204" pitchFamily="18" charset="0"/>
-                              </a:rPr>
-                            </m:ctrlPr>
-                          </m:sSupPr>
-                          <m:e>
-                            <m:r>
-                              <a:rPr kumimoji="1" lang="en-US" altLang="ja-JP" b="0" i="1" smtClean="0">
-                                <a:latin typeface="Cambria Math" panose="02040503050406030204" pitchFamily="18" charset="0"/>
-                              </a:rPr>
-                              <m:t>𝑦</m:t>
-                            </m:r>
-                          </m:e>
-                          <m:sup>
-                            <m:r>
-                              <a:rPr kumimoji="1" lang="en-US" altLang="ja-JP" b="0" i="1" smtClean="0">
-                                <a:latin typeface="Cambria Math" panose="02040503050406030204" pitchFamily="18" charset="0"/>
-                              </a:rPr>
-                              <m:t>2</m:t>
-                            </m:r>
-                          </m:sup>
-                        </m:sSup>
-                        <m:r>
-                          <a:rPr kumimoji="1" lang="en-US" altLang="ja-JP" b="0" i="1" smtClean="0">
-                            <a:latin typeface="Cambria Math" panose="02040503050406030204" pitchFamily="18" charset="0"/>
-                          </a:rPr>
-                          <m:t>=</m:t>
-                        </m:r>
-                        <m:sSup>
-                          <m:sSupPr>
-                            <m:ctrlPr>
-                              <a:rPr kumimoji="1" lang="en-US" altLang="ja-JP" b="0" i="1" smtClean="0">
-                                <a:latin typeface="Cambria Math" panose="02040503050406030204" pitchFamily="18" charset="0"/>
-                              </a:rPr>
-                            </m:ctrlPr>
-                          </m:sSupPr>
-                          <m:e>
-                            <m:r>
-                              <a:rPr kumimoji="1" lang="en-US" altLang="ja-JP" b="0" i="1" smtClean="0">
-                                <a:latin typeface="Cambria Math" panose="02040503050406030204" pitchFamily="18" charset="0"/>
-                              </a:rPr>
-                              <m:t>𝑥</m:t>
-                            </m:r>
-                          </m:e>
-                          <m:sup>
-                            <m:r>
-                              <a:rPr kumimoji="1" lang="en-US" altLang="ja-JP" b="0" i="1" smtClean="0">
-                                <a:latin typeface="Cambria Math" panose="02040503050406030204" pitchFamily="18" charset="0"/>
-                              </a:rPr>
-                              <m:t>3</m:t>
-                            </m:r>
-                          </m:sup>
-                        </m:sSup>
-                        <m:r>
-                          <a:rPr kumimoji="1" lang="en-US" altLang="ja-JP" b="0" i="1" smtClean="0">
-                            <a:latin typeface="Cambria Math" panose="02040503050406030204" pitchFamily="18" charset="0"/>
-                          </a:rPr>
-                          <m:t>+</m:t>
-                        </m:r>
-                        <m:r>
-                          <a:rPr kumimoji="1" lang="en-US" altLang="ja-JP" b="0" i="1" smtClean="0">
-                            <a:latin typeface="Cambria Math" panose="02040503050406030204" pitchFamily="18" charset="0"/>
-                          </a:rPr>
-                          <m:t>𝑎𝑥</m:t>
-                        </m:r>
-                        <m:r>
-                          <a:rPr kumimoji="1" lang="en-US" altLang="ja-JP" b="0" i="1" smtClean="0">
-                            <a:latin typeface="Cambria Math" panose="02040503050406030204" pitchFamily="18" charset="0"/>
-                          </a:rPr>
-                          <m:t>+</m:t>
-                        </m:r>
-                        <m:r>
-                          <a:rPr kumimoji="1" lang="en-US" altLang="ja-JP" b="0" i="1" smtClean="0">
-                            <a:latin typeface="Cambria Math" panose="02040503050406030204" pitchFamily="18" charset="0"/>
-                          </a:rPr>
-                          <m:t>𝑏</m:t>
-                        </m:r>
-                      </m:e>
-                    </m:d>
-                    <m:r>
-                      <a:rPr kumimoji="1" lang="en-US" altLang="ja-JP" b="0" i="1" smtClean="0">
-                        <a:latin typeface="Cambria Math" panose="02040503050406030204" pitchFamily="18" charset="0"/>
-                      </a:rPr>
-                      <m:t>∪{</m:t>
-                    </m:r>
-                    <m:r>
-                      <a:rPr kumimoji="1" lang="en-US" altLang="ja-JP" b="0" i="1" smtClean="0">
-                        <a:latin typeface="Cambria Math" panose="02040503050406030204" pitchFamily="18" charset="0"/>
-                      </a:rPr>
-                      <m:t>𝑂</m:t>
-                    </m:r>
-                    <m:r>
-                      <a:rPr kumimoji="1" lang="en-US" altLang="ja-JP" b="0" i="1" smtClean="0">
-                        <a:latin typeface="Cambria Math" panose="02040503050406030204" pitchFamily="18" charset="0"/>
-                      </a:rPr>
-                      <m:t>}</m:t>
-                    </m:r>
-                  </m:oMath>
-                </a14:m>
-                <a:endParaRPr kumimoji="1" lang="en-US" altLang="ja-JP"/>
-              </a:p>
-              <a:p>
-                <a:pPr lvl="1"/>
-                <a14:m>
-                  <m:oMath xmlns:m="http://schemas.openxmlformats.org/officeDocument/2006/math">
-                    <m:r>
-                      <a:rPr kumimoji="1" lang="en-US" altLang="ja-JP" b="0" i="1" smtClean="0">
-                        <a:latin typeface="Cambria Math" panose="02040503050406030204" pitchFamily="18" charset="0"/>
-                      </a:rPr>
-                      <m:t>𝑂</m:t>
-                    </m:r>
-                  </m:oMath>
-                </a14:m>
-                <a:r>
-                  <a:rPr kumimoji="1" lang="ja-JP" altLang="en-US"/>
-                  <a:t>は整数のゼロに対応する特別な点</a:t>
-                </a:r>
-                <a:endParaRPr kumimoji="1" lang="en-US" altLang="ja-JP"/>
-              </a:p>
-              <a:p>
-                <a:pPr lvl="2"/>
-                <a14:m>
-                  <m:oMath xmlns:m="http://schemas.openxmlformats.org/officeDocument/2006/math">
-                    <m:r>
-                      <a:rPr kumimoji="1" lang="en-US" altLang="ja-JP" b="0" i="1" smtClean="0">
-                        <a:latin typeface="Cambria Math" panose="02040503050406030204" pitchFamily="18" charset="0"/>
-                      </a:rPr>
-                      <m:t>𝑃</m:t>
-                    </m:r>
-                    <m:r>
-                      <a:rPr kumimoji="1" lang="en-US" altLang="ja-JP" b="0" i="1" smtClean="0">
-                        <a:latin typeface="Cambria Math" panose="02040503050406030204" pitchFamily="18" charset="0"/>
-                      </a:rPr>
-                      <m:t>+</m:t>
-                    </m:r>
-                    <m:r>
-                      <a:rPr kumimoji="1" lang="en-US" altLang="ja-JP" b="0" i="1" smtClean="0">
-                        <a:latin typeface="Cambria Math" panose="02040503050406030204" pitchFamily="18" charset="0"/>
-                      </a:rPr>
-                      <m:t>𝑂</m:t>
-                    </m:r>
-                    <m:r>
-                      <a:rPr kumimoji="1" lang="en-US" altLang="ja-JP" b="0" i="1" smtClean="0">
-                        <a:latin typeface="Cambria Math" panose="02040503050406030204" pitchFamily="18" charset="0"/>
-                      </a:rPr>
-                      <m:t>=</m:t>
-                    </m:r>
-                    <m:r>
-                      <a:rPr kumimoji="1" lang="en-US" altLang="ja-JP" b="0" i="1" smtClean="0">
-                        <a:latin typeface="Cambria Math" panose="02040503050406030204" pitchFamily="18" charset="0"/>
-                      </a:rPr>
-                      <m:t>𝑂</m:t>
-                    </m:r>
-                    <m:r>
-                      <a:rPr kumimoji="1" lang="en-US" altLang="ja-JP" b="0" i="1" smtClean="0">
-                        <a:latin typeface="Cambria Math" panose="02040503050406030204" pitchFamily="18" charset="0"/>
-                      </a:rPr>
-                      <m:t>+</m:t>
-                    </m:r>
-                    <m:r>
-                      <a:rPr kumimoji="1" lang="en-US" altLang="ja-JP" b="0" i="1" smtClean="0">
-                        <a:latin typeface="Cambria Math" panose="02040503050406030204" pitchFamily="18" charset="0"/>
-                      </a:rPr>
-                      <m:t>𝑃</m:t>
-                    </m:r>
-                    <m:r>
-                      <a:rPr kumimoji="1" lang="en-US" altLang="ja-JP" b="0" i="1" smtClean="0">
-                        <a:latin typeface="Cambria Math" panose="02040503050406030204" pitchFamily="18" charset="0"/>
-                      </a:rPr>
-                      <m:t>=</m:t>
-                    </m:r>
-                    <m:r>
-                      <a:rPr kumimoji="1" lang="en-US" altLang="ja-JP" b="0" i="1" smtClean="0">
-                        <a:latin typeface="Cambria Math" panose="02040503050406030204" pitchFamily="18" charset="0"/>
-                      </a:rPr>
-                      <m:t>𝑃</m:t>
-                    </m:r>
-                  </m:oMath>
-                </a14:m>
-                <a:endParaRPr kumimoji="1" lang="en-US" altLang="ja-JP"/>
-              </a:p>
-              <a:p>
-                <a:pPr lvl="1"/>
-                <a:r>
-                  <a:rPr kumimoji="1" lang="ja-JP" altLang="en-US"/>
-                  <a:t>点</a:t>
-                </a:r>
-                <a14:m>
-                  <m:oMath xmlns:m="http://schemas.openxmlformats.org/officeDocument/2006/math">
-                    <m:r>
-                      <a:rPr kumimoji="1" lang="en-US" altLang="ja-JP" b="0" i="1" smtClean="0">
-                        <a:latin typeface="Cambria Math" panose="02040503050406030204" pitchFamily="18" charset="0"/>
-                      </a:rPr>
-                      <m:t>𝑃</m:t>
-                    </m:r>
-                    <m:r>
-                      <a:rPr kumimoji="1" lang="en-US" altLang="ja-JP" b="0" i="1" smtClean="0">
-                        <a:latin typeface="Cambria Math" panose="02040503050406030204" pitchFamily="18" charset="0"/>
-                      </a:rPr>
-                      <m:t>=</m:t>
-                    </m:r>
-                    <m:d>
-                      <m:dPr>
-                        <m:ctrlPr>
-                          <a:rPr kumimoji="1" lang="en-US" altLang="ja-JP" b="0" i="1" smtClean="0">
-                            <a:latin typeface="Cambria Math" panose="02040503050406030204" pitchFamily="18" charset="0"/>
-                          </a:rPr>
-                        </m:ctrlPr>
-                      </m:dPr>
-                      <m:e>
-                        <m:sSub>
-                          <m:sSubPr>
-                            <m:ctrlPr>
-                              <a:rPr kumimoji="1" lang="en-US" altLang="ja-JP" b="0" i="1" smtClean="0">
-                                <a:latin typeface="Cambria Math" panose="02040503050406030204" pitchFamily="18" charset="0"/>
-                              </a:rPr>
-                            </m:ctrlPr>
-                          </m:sSubPr>
-                          <m:e>
-                            <m:r>
-                              <a:rPr kumimoji="1" lang="en-US" altLang="ja-JP" b="0" i="1" smtClean="0">
-                                <a:latin typeface="Cambria Math" panose="02040503050406030204" pitchFamily="18" charset="0"/>
-                              </a:rPr>
-                              <m:t>𝑥</m:t>
-                            </m:r>
-                          </m:e>
-                          <m:sub>
-                            <m:r>
-                              <a:rPr kumimoji="1" lang="en-US" altLang="ja-JP" b="0" i="1" smtClean="0">
-                                <a:latin typeface="Cambria Math" panose="02040503050406030204" pitchFamily="18" charset="0"/>
-                              </a:rPr>
-                              <m:t>1</m:t>
-                            </m:r>
-                          </m:sub>
-                        </m:sSub>
-                        <m:r>
-                          <a:rPr kumimoji="1" lang="en-US" altLang="ja-JP" b="0" i="1" smtClean="0">
-                            <a:latin typeface="Cambria Math" panose="02040503050406030204" pitchFamily="18" charset="0"/>
-                          </a:rPr>
-                          <m:t>,</m:t>
-                        </m:r>
-                        <m:sSub>
-                          <m:sSubPr>
-                            <m:ctrlPr>
-                              <a:rPr kumimoji="1" lang="en-US" altLang="ja-JP" b="0" i="1" smtClean="0">
-                                <a:latin typeface="Cambria Math" panose="02040503050406030204" pitchFamily="18" charset="0"/>
-                              </a:rPr>
-                            </m:ctrlPr>
-                          </m:sSubPr>
-                          <m:e>
-                            <m:r>
-                              <a:rPr kumimoji="1" lang="en-US" altLang="ja-JP" b="0" i="1" smtClean="0">
-                                <a:latin typeface="Cambria Math" panose="02040503050406030204" pitchFamily="18" charset="0"/>
-                              </a:rPr>
-                              <m:t>𝑦</m:t>
-                            </m:r>
-                          </m:e>
-                          <m:sub>
-                            <m:r>
-                              <a:rPr kumimoji="1" lang="en-US" altLang="ja-JP" b="0" i="1" smtClean="0">
-                                <a:latin typeface="Cambria Math" panose="02040503050406030204" pitchFamily="18" charset="0"/>
-                              </a:rPr>
-                              <m:t>1</m:t>
-                            </m:r>
-                          </m:sub>
-                        </m:sSub>
-                      </m:e>
-                    </m:d>
-                    <m:r>
-                      <a:rPr kumimoji="1" lang="en-US" altLang="ja-JP" b="0" i="1" smtClean="0">
-                        <a:latin typeface="Cambria Math" panose="02040503050406030204" pitchFamily="18" charset="0"/>
-                      </a:rPr>
-                      <m:t>∈</m:t>
-                    </m:r>
-                    <m:r>
-                      <a:rPr kumimoji="1" lang="en-US" altLang="ja-JP" b="0" i="1" smtClean="0">
-                        <a:latin typeface="Cambria Math" panose="02040503050406030204" pitchFamily="18" charset="0"/>
-                      </a:rPr>
-                      <m:t>𝐸</m:t>
-                    </m:r>
-                  </m:oMath>
-                </a14:m>
-                <a:r>
-                  <a:rPr kumimoji="1" lang="ja-JP" altLang="en-US"/>
-                  <a:t>に対して</a:t>
-                </a:r>
-                <a14:m>
-                  <m:oMath xmlns:m="http://schemas.openxmlformats.org/officeDocument/2006/math">
-                    <m:r>
-                      <a:rPr kumimoji="1" lang="en-US" altLang="ja-JP" b="0" i="1" smtClean="0">
-                        <a:latin typeface="Cambria Math" panose="02040503050406030204" pitchFamily="18" charset="0"/>
-                      </a:rPr>
-                      <m:t>−</m:t>
-                    </m:r>
-                    <m:r>
-                      <a:rPr kumimoji="1" lang="en-US" altLang="ja-JP" b="0" i="1" smtClean="0">
-                        <a:latin typeface="Cambria Math" panose="02040503050406030204" pitchFamily="18" charset="0"/>
-                      </a:rPr>
-                      <m:t>𝑃</m:t>
-                    </m:r>
-                    <m:r>
-                      <a:rPr kumimoji="1" lang="en-US" altLang="ja-JP" b="0" i="1" smtClean="0">
-                        <a:latin typeface="Cambria Math" panose="02040503050406030204" pitchFamily="18" charset="0"/>
-                      </a:rPr>
-                      <m:t>=(</m:t>
-                    </m:r>
-                    <m:sSub>
-                      <m:sSubPr>
-                        <m:ctrlPr>
-                          <a:rPr kumimoji="1" lang="en-US" altLang="ja-JP" b="0" i="1" smtClean="0">
-                            <a:latin typeface="Cambria Math" panose="02040503050406030204" pitchFamily="18" charset="0"/>
-                          </a:rPr>
-                        </m:ctrlPr>
-                      </m:sSubPr>
-                      <m:e>
-                        <m:r>
-                          <a:rPr kumimoji="1" lang="en-US" altLang="ja-JP" b="0" i="1" smtClean="0">
-                            <a:latin typeface="Cambria Math" panose="02040503050406030204" pitchFamily="18" charset="0"/>
-                          </a:rPr>
-                          <m:t>𝑥</m:t>
-                        </m:r>
-                      </m:e>
-                      <m:sub>
-                        <m:r>
-                          <a:rPr kumimoji="1" lang="en-US" altLang="ja-JP" b="0" i="1" smtClean="0">
-                            <a:latin typeface="Cambria Math" panose="02040503050406030204" pitchFamily="18" charset="0"/>
-                          </a:rPr>
-                          <m:t>1</m:t>
-                        </m:r>
-                      </m:sub>
-                    </m:sSub>
-                    <m:r>
-                      <a:rPr kumimoji="1" lang="en-US" altLang="ja-JP" b="0" i="1" smtClean="0">
-                        <a:latin typeface="Cambria Math" panose="02040503050406030204" pitchFamily="18" charset="0"/>
-                      </a:rPr>
-                      <m:t>,−</m:t>
-                    </m:r>
-                    <m:sSub>
-                      <m:sSubPr>
-                        <m:ctrlPr>
-                          <a:rPr kumimoji="1" lang="en-US" altLang="ja-JP" b="0" i="1" smtClean="0">
-                            <a:latin typeface="Cambria Math" panose="02040503050406030204" pitchFamily="18" charset="0"/>
-                          </a:rPr>
-                        </m:ctrlPr>
-                      </m:sSubPr>
-                      <m:e>
-                        <m:r>
-                          <a:rPr kumimoji="1" lang="en-US" altLang="ja-JP" b="0" i="1" smtClean="0">
-                            <a:latin typeface="Cambria Math" panose="02040503050406030204" pitchFamily="18" charset="0"/>
-                          </a:rPr>
-                          <m:t>𝑦</m:t>
-                        </m:r>
-                      </m:e>
-                      <m:sub>
-                        <m:r>
-                          <a:rPr kumimoji="1" lang="en-US" altLang="ja-JP" b="0" i="1" smtClean="0">
-                            <a:latin typeface="Cambria Math" panose="02040503050406030204" pitchFamily="18" charset="0"/>
-                          </a:rPr>
-                          <m:t>1</m:t>
-                        </m:r>
-                      </m:sub>
-                    </m:sSub>
-                    <m:r>
-                      <a:rPr kumimoji="1" lang="en-US" altLang="ja-JP" b="0" i="1" smtClean="0">
-                        <a:latin typeface="Cambria Math" panose="02040503050406030204" pitchFamily="18" charset="0"/>
-                      </a:rPr>
-                      <m:t>)</m:t>
-                    </m:r>
-                  </m:oMath>
-                </a14:m>
-                <a:r>
-                  <a:rPr kumimoji="1" lang="en-US" altLang="ja-JP"/>
-                  <a:t>, </a:t>
-                </a:r>
-                <a14:m>
-                  <m:oMath xmlns:m="http://schemas.openxmlformats.org/officeDocument/2006/math">
-                    <m:r>
-                      <a:rPr kumimoji="1" lang="en-US" altLang="ja-JP" b="0" i="1" smtClean="0">
-                        <a:latin typeface="Cambria Math" panose="02040503050406030204" pitchFamily="18" charset="0"/>
-                      </a:rPr>
-                      <m:t>𝑃</m:t>
-                    </m:r>
-                    <m:r>
-                      <a:rPr kumimoji="1" lang="en-US" altLang="ja-JP" b="0" i="1" smtClean="0">
-                        <a:latin typeface="Cambria Math" panose="02040503050406030204" pitchFamily="18" charset="0"/>
-                      </a:rPr>
-                      <m:t>+</m:t>
-                    </m:r>
-                    <m:d>
-                      <m:dPr>
-                        <m:ctrlPr>
-                          <a:rPr kumimoji="1" lang="en-US" altLang="ja-JP" b="0" i="1" smtClean="0">
-                            <a:latin typeface="Cambria Math" panose="02040503050406030204" pitchFamily="18" charset="0"/>
-                          </a:rPr>
-                        </m:ctrlPr>
-                      </m:dPr>
-                      <m:e>
-                        <m:r>
-                          <a:rPr kumimoji="1" lang="en-US" altLang="ja-JP" b="0" i="1" smtClean="0">
-                            <a:latin typeface="Cambria Math" panose="02040503050406030204" pitchFamily="18" charset="0"/>
-                          </a:rPr>
-                          <m:t>−</m:t>
-                        </m:r>
-                        <m:r>
-                          <a:rPr kumimoji="1" lang="en-US" altLang="ja-JP" b="0" i="1" smtClean="0">
-                            <a:latin typeface="Cambria Math" panose="02040503050406030204" pitchFamily="18" charset="0"/>
-                          </a:rPr>
-                          <m:t>𝑃</m:t>
-                        </m:r>
-                      </m:e>
-                    </m:d>
-                    <m:r>
-                      <a:rPr kumimoji="1" lang="en-US" altLang="ja-JP" b="0" i="1" smtClean="0">
-                        <a:latin typeface="Cambria Math" panose="02040503050406030204" pitchFamily="18" charset="0"/>
-                      </a:rPr>
-                      <m:t>=</m:t>
-                    </m:r>
-                    <m:r>
-                      <a:rPr kumimoji="1" lang="en-US" altLang="ja-JP" b="0" i="1" smtClean="0">
-                        <a:latin typeface="Cambria Math" panose="02040503050406030204" pitchFamily="18" charset="0"/>
-                      </a:rPr>
-                      <m:t>𝑂</m:t>
-                    </m:r>
-                  </m:oMath>
-                </a14:m>
-                <a:endParaRPr kumimoji="1" lang="en-US" altLang="ja-JP"/>
-              </a:p>
-              <a:p>
-                <a:pPr lvl="1"/>
-                <a14:m>
-                  <m:oMath xmlns:m="http://schemas.openxmlformats.org/officeDocument/2006/math">
-                    <m:r>
-                      <a:rPr kumimoji="1" lang="en-US" altLang="ja-JP" b="0" i="1" smtClean="0">
-                        <a:latin typeface="Cambria Math" panose="02040503050406030204" pitchFamily="18" charset="0"/>
-                      </a:rPr>
-                      <m:t>𝑃</m:t>
-                    </m:r>
-                    <m:r>
-                      <a:rPr kumimoji="1" lang="en-US" altLang="ja-JP" b="0" i="1" smtClean="0">
-                        <a:latin typeface="Cambria Math" panose="02040503050406030204" pitchFamily="18" charset="0"/>
-                      </a:rPr>
-                      <m:t>=</m:t>
-                    </m:r>
-                    <m:d>
-                      <m:dPr>
-                        <m:ctrlPr>
-                          <a:rPr kumimoji="1" lang="en-US" altLang="ja-JP" b="0" i="1" smtClean="0">
-                            <a:latin typeface="Cambria Math" panose="02040503050406030204" pitchFamily="18" charset="0"/>
-                          </a:rPr>
-                        </m:ctrlPr>
-                      </m:dPr>
-                      <m:e>
-                        <m:sSub>
-                          <m:sSubPr>
-                            <m:ctrlPr>
-                              <a:rPr kumimoji="1" lang="en-US" altLang="ja-JP" b="0" i="1" smtClean="0">
-                                <a:latin typeface="Cambria Math" panose="02040503050406030204" pitchFamily="18" charset="0"/>
-                              </a:rPr>
-                            </m:ctrlPr>
-                          </m:sSubPr>
-                          <m:e>
-                            <m:r>
-                              <a:rPr kumimoji="1" lang="en-US" altLang="ja-JP" b="0" i="1" smtClean="0">
-                                <a:latin typeface="Cambria Math" panose="02040503050406030204" pitchFamily="18" charset="0"/>
-                              </a:rPr>
-                              <m:t>𝑥</m:t>
-                            </m:r>
-                          </m:e>
-                          <m:sub>
-                            <m:r>
-                              <a:rPr kumimoji="1" lang="en-US" altLang="ja-JP" b="0" i="1" smtClean="0">
-                                <a:latin typeface="Cambria Math" panose="02040503050406030204" pitchFamily="18" charset="0"/>
-                              </a:rPr>
-                              <m:t>1</m:t>
-                            </m:r>
-                          </m:sub>
-                        </m:sSub>
-                        <m:r>
-                          <a:rPr kumimoji="1" lang="en-US" altLang="ja-JP" b="0" i="1" smtClean="0">
-                            <a:latin typeface="Cambria Math" panose="02040503050406030204" pitchFamily="18" charset="0"/>
-                          </a:rPr>
-                          <m:t>,</m:t>
-                        </m:r>
-                        <m:sSub>
-                          <m:sSubPr>
-                            <m:ctrlPr>
-                              <a:rPr kumimoji="1" lang="en-US" altLang="ja-JP" b="0" i="1" smtClean="0">
-                                <a:latin typeface="Cambria Math" panose="02040503050406030204" pitchFamily="18" charset="0"/>
-                              </a:rPr>
-                            </m:ctrlPr>
-                          </m:sSubPr>
-                          <m:e>
-                            <m:r>
-                              <a:rPr kumimoji="1" lang="en-US" altLang="ja-JP" b="0" i="1" smtClean="0">
-                                <a:latin typeface="Cambria Math" panose="02040503050406030204" pitchFamily="18" charset="0"/>
-                              </a:rPr>
-                              <m:t>𝑦</m:t>
-                            </m:r>
-                          </m:e>
-                          <m:sub>
-                            <m:r>
-                              <a:rPr kumimoji="1" lang="en-US" altLang="ja-JP" b="0" i="1" smtClean="0">
-                                <a:latin typeface="Cambria Math" panose="02040503050406030204" pitchFamily="18" charset="0"/>
-                              </a:rPr>
-                              <m:t>1</m:t>
-                            </m:r>
-                          </m:sub>
-                        </m:sSub>
-                      </m:e>
-                    </m:d>
-                    <m:r>
-                      <a:rPr kumimoji="1" lang="en-US" altLang="ja-JP" b="0" i="1" smtClean="0">
-                        <a:latin typeface="Cambria Math" panose="02040503050406030204" pitchFamily="18" charset="0"/>
-                      </a:rPr>
-                      <m:t>, </m:t>
-                    </m:r>
-                    <m:r>
-                      <a:rPr kumimoji="1" lang="en-US" altLang="ja-JP" b="0" i="1" smtClean="0">
-                        <a:latin typeface="Cambria Math" panose="02040503050406030204" pitchFamily="18" charset="0"/>
-                      </a:rPr>
-                      <m:t>𝑄</m:t>
-                    </m:r>
-                    <m:r>
-                      <a:rPr kumimoji="1" lang="en-US" altLang="ja-JP" b="0" i="1" smtClean="0">
-                        <a:latin typeface="Cambria Math" panose="02040503050406030204" pitchFamily="18" charset="0"/>
-                      </a:rPr>
-                      <m:t>=</m:t>
-                    </m:r>
-                    <m:d>
-                      <m:dPr>
-                        <m:ctrlPr>
-                          <a:rPr kumimoji="1" lang="en-US" altLang="ja-JP" b="0" i="1" smtClean="0">
-                            <a:latin typeface="Cambria Math" panose="02040503050406030204" pitchFamily="18" charset="0"/>
-                          </a:rPr>
-                        </m:ctrlPr>
-                      </m:dPr>
-                      <m:e>
-                        <m:sSub>
-                          <m:sSubPr>
-                            <m:ctrlPr>
-                              <a:rPr kumimoji="1" lang="en-US" altLang="ja-JP" b="0" i="1" smtClean="0">
-                                <a:latin typeface="Cambria Math" panose="02040503050406030204" pitchFamily="18" charset="0"/>
-                              </a:rPr>
-                            </m:ctrlPr>
-                          </m:sSubPr>
-                          <m:e>
-                            <m:r>
-                              <a:rPr kumimoji="1" lang="en-US" altLang="ja-JP" b="0" i="1" smtClean="0">
-                                <a:latin typeface="Cambria Math" panose="02040503050406030204" pitchFamily="18" charset="0"/>
-                              </a:rPr>
-                              <m:t>𝑥</m:t>
-                            </m:r>
-                          </m:e>
-                          <m:sub>
-                            <m:r>
-                              <a:rPr kumimoji="1" lang="en-US" altLang="ja-JP" b="0" i="1" smtClean="0">
-                                <a:latin typeface="Cambria Math" panose="02040503050406030204" pitchFamily="18" charset="0"/>
-                              </a:rPr>
-                              <m:t>2</m:t>
-                            </m:r>
-                          </m:sub>
-                        </m:sSub>
-                        <m:r>
-                          <a:rPr kumimoji="1" lang="en-US" altLang="ja-JP" b="0" i="1" smtClean="0">
-                            <a:latin typeface="Cambria Math" panose="02040503050406030204" pitchFamily="18" charset="0"/>
-                          </a:rPr>
-                          <m:t>,</m:t>
-                        </m:r>
-                        <m:sSub>
-                          <m:sSubPr>
-                            <m:ctrlPr>
-                              <a:rPr kumimoji="1" lang="en-US" altLang="ja-JP" b="0" i="1" smtClean="0">
-                                <a:latin typeface="Cambria Math" panose="02040503050406030204" pitchFamily="18" charset="0"/>
-                              </a:rPr>
-                            </m:ctrlPr>
-                          </m:sSubPr>
-                          <m:e>
-                            <m:r>
-                              <a:rPr kumimoji="1" lang="en-US" altLang="ja-JP" b="0" i="1" smtClean="0">
-                                <a:latin typeface="Cambria Math" panose="02040503050406030204" pitchFamily="18" charset="0"/>
-                              </a:rPr>
-                              <m:t>𝑦</m:t>
-                            </m:r>
-                          </m:e>
-                          <m:sub>
-                            <m:r>
-                              <a:rPr kumimoji="1" lang="en-US" altLang="ja-JP" b="0" i="1" smtClean="0">
-                                <a:latin typeface="Cambria Math" panose="02040503050406030204" pitchFamily="18" charset="0"/>
-                              </a:rPr>
-                              <m:t>2</m:t>
-                            </m:r>
-                          </m:sub>
-                        </m:sSub>
-                      </m:e>
-                    </m:d>
-                  </m:oMath>
-                </a14:m>
-                <a:r>
-                  <a:rPr kumimoji="1" lang="ja-JP" altLang="en-US"/>
-                  <a:t>に対して</a:t>
-                </a:r>
-                <a14:m>
-                  <m:oMath xmlns:m="http://schemas.openxmlformats.org/officeDocument/2006/math">
-                    <m:r>
-                      <a:rPr kumimoji="1" lang="en-US" altLang="ja-JP" b="0" i="1" smtClean="0">
-                        <a:latin typeface="Cambria Math" panose="02040503050406030204" pitchFamily="18" charset="0"/>
-                      </a:rPr>
-                      <m:t>𝑃</m:t>
-                    </m:r>
-                    <m:r>
-                      <a:rPr kumimoji="1" lang="en-US" altLang="ja-JP" b="0" i="1" smtClean="0">
-                        <a:latin typeface="Cambria Math" panose="02040503050406030204" pitchFamily="18" charset="0"/>
-                      </a:rPr>
-                      <m:t>+</m:t>
-                    </m:r>
-                    <m:r>
-                      <a:rPr kumimoji="1" lang="en-US" altLang="ja-JP" b="0" i="1" smtClean="0">
-                        <a:latin typeface="Cambria Math" panose="02040503050406030204" pitchFamily="18" charset="0"/>
-                      </a:rPr>
-                      <m:t>𝑄</m:t>
-                    </m:r>
-                    <m:r>
-                      <a:rPr kumimoji="1" lang="en-US" altLang="ja-JP" b="0" i="1" smtClean="0">
-                        <a:latin typeface="Cambria Math" panose="02040503050406030204" pitchFamily="18" charset="0"/>
-                      </a:rPr>
-                      <m:t>=(</m:t>
-                    </m:r>
-                    <m:sSub>
-                      <m:sSubPr>
-                        <m:ctrlPr>
-                          <a:rPr kumimoji="1" lang="en-US" altLang="ja-JP" b="0" i="1" smtClean="0">
-                            <a:latin typeface="Cambria Math" panose="02040503050406030204" pitchFamily="18" charset="0"/>
-                          </a:rPr>
-                        </m:ctrlPr>
-                      </m:sSubPr>
-                      <m:e>
-                        <m:r>
-                          <a:rPr kumimoji="1" lang="en-US" altLang="ja-JP" b="0" i="1" smtClean="0">
-                            <a:latin typeface="Cambria Math" panose="02040503050406030204" pitchFamily="18" charset="0"/>
-                          </a:rPr>
-                          <m:t>𝑥</m:t>
-                        </m:r>
-                      </m:e>
-                      <m:sub>
-                        <m:r>
-                          <a:rPr kumimoji="1" lang="en-US" altLang="ja-JP" b="0" i="1" smtClean="0">
-                            <a:latin typeface="Cambria Math" panose="02040503050406030204" pitchFamily="18" charset="0"/>
-                          </a:rPr>
-                          <m:t>3</m:t>
-                        </m:r>
-                      </m:sub>
-                    </m:sSub>
-                    <m:r>
-                      <a:rPr kumimoji="1" lang="en-US" altLang="ja-JP" b="0" i="1" smtClean="0">
-                        <a:latin typeface="Cambria Math" panose="02040503050406030204" pitchFamily="18" charset="0"/>
-                      </a:rPr>
-                      <m:t>,</m:t>
-                    </m:r>
-                    <m:sSub>
-                      <m:sSubPr>
-                        <m:ctrlPr>
-                          <a:rPr kumimoji="1" lang="en-US" altLang="ja-JP" b="0" i="1" smtClean="0">
-                            <a:latin typeface="Cambria Math" panose="02040503050406030204" pitchFamily="18" charset="0"/>
-                          </a:rPr>
-                        </m:ctrlPr>
-                      </m:sSubPr>
-                      <m:e>
-                        <m:r>
-                          <a:rPr kumimoji="1" lang="en-US" altLang="ja-JP" b="0" i="1" smtClean="0">
-                            <a:latin typeface="Cambria Math" panose="02040503050406030204" pitchFamily="18" charset="0"/>
-                          </a:rPr>
-                          <m:t>𝑦</m:t>
-                        </m:r>
-                      </m:e>
-                      <m:sub>
-                        <m:r>
-                          <a:rPr kumimoji="1" lang="en-US" altLang="ja-JP" b="0" i="1" smtClean="0">
-                            <a:latin typeface="Cambria Math" panose="02040503050406030204" pitchFamily="18" charset="0"/>
-                          </a:rPr>
-                          <m:t>3</m:t>
-                        </m:r>
-                      </m:sub>
-                    </m:sSub>
-                    <m:r>
-                      <a:rPr kumimoji="1" lang="en-US" altLang="ja-JP" b="0" i="1" smtClean="0">
-                        <a:latin typeface="Cambria Math" panose="02040503050406030204" pitchFamily="18" charset="0"/>
-                      </a:rPr>
-                      <m:t>)</m:t>
-                    </m:r>
-                  </m:oMath>
-                </a14:m>
-                <a:r>
-                  <a:rPr kumimoji="1" lang="ja-JP" altLang="en-US"/>
-                  <a:t>を</a:t>
-                </a:r>
-                <a:endParaRPr kumimoji="1" lang="en-US" altLang="ja-JP"/>
-              </a:p>
-              <a:p>
-                <a:pPr lvl="1"/>
-                <a14:m>
-                  <m:oMath xmlns:m="http://schemas.openxmlformats.org/officeDocument/2006/math">
-                    <m:sSub>
-                      <m:sSubPr>
-                        <m:ctrlPr>
-                          <a:rPr kumimoji="1" lang="en-US" altLang="ja-JP" b="0" i="1" smtClean="0">
-                            <a:latin typeface="Cambria Math" panose="02040503050406030204" pitchFamily="18" charset="0"/>
-                          </a:rPr>
-                        </m:ctrlPr>
-                      </m:sSubPr>
-                      <m:e>
-                        <m:r>
-                          <a:rPr kumimoji="1" lang="en-US" altLang="ja-JP" b="0" i="1" smtClean="0">
-                            <a:latin typeface="Cambria Math" panose="02040503050406030204" pitchFamily="18" charset="0"/>
-                          </a:rPr>
-                          <m:t>𝑥</m:t>
-                        </m:r>
-                      </m:e>
-                      <m:sub>
-                        <m:r>
-                          <a:rPr kumimoji="1" lang="en-US" altLang="ja-JP" b="0" i="1" smtClean="0">
-                            <a:latin typeface="Cambria Math" panose="02040503050406030204" pitchFamily="18" charset="0"/>
-                          </a:rPr>
-                          <m:t>3</m:t>
-                        </m:r>
-                      </m:sub>
-                    </m:sSub>
-                    <m:r>
-                      <a:rPr kumimoji="1" lang="en-US" altLang="ja-JP" b="0" i="1" smtClean="0">
-                        <a:latin typeface="Cambria Math" panose="02040503050406030204" pitchFamily="18" charset="0"/>
-                      </a:rPr>
-                      <m:t>=</m:t>
-                    </m:r>
-                    <m:sSup>
-                      <m:sSupPr>
-                        <m:ctrlPr>
-                          <a:rPr kumimoji="1" lang="en-US" altLang="ja-JP" b="0" i="1" smtClean="0">
-                            <a:latin typeface="Cambria Math" panose="02040503050406030204" pitchFamily="18" charset="0"/>
-                          </a:rPr>
-                        </m:ctrlPr>
-                      </m:sSupPr>
-                      <m:e>
-                        <m:r>
-                          <a:rPr kumimoji="1" lang="en-US" altLang="ja-JP" b="0" i="1" smtClean="0">
-                            <a:latin typeface="Cambria Math" panose="02040503050406030204" pitchFamily="18" charset="0"/>
-                          </a:rPr>
-                          <m:t>𝜆</m:t>
-                        </m:r>
-                      </m:e>
-                      <m:sup>
-                        <m:r>
-                          <a:rPr kumimoji="1" lang="en-US" altLang="ja-JP" b="0" i="1" smtClean="0">
-                            <a:latin typeface="Cambria Math" panose="02040503050406030204" pitchFamily="18" charset="0"/>
-                          </a:rPr>
-                          <m:t>2</m:t>
-                        </m:r>
-                      </m:sup>
-                    </m:sSup>
-                    <m:r>
-                      <a:rPr kumimoji="1" lang="en-US" altLang="ja-JP" b="0" i="1" smtClean="0">
-                        <a:latin typeface="Cambria Math" panose="02040503050406030204" pitchFamily="18" charset="0"/>
-                      </a:rPr>
-                      <m:t>−</m:t>
-                    </m:r>
-                    <m:d>
-                      <m:dPr>
-                        <m:ctrlPr>
-                          <a:rPr kumimoji="1" lang="en-US" altLang="ja-JP" b="0" i="1" smtClean="0">
-                            <a:latin typeface="Cambria Math" panose="02040503050406030204" pitchFamily="18" charset="0"/>
-                          </a:rPr>
-                        </m:ctrlPr>
-                      </m:dPr>
-                      <m:e>
-                        <m:sSub>
-                          <m:sSubPr>
-                            <m:ctrlPr>
-                              <a:rPr kumimoji="1" lang="en-US" altLang="ja-JP" b="0" i="1" smtClean="0">
-                                <a:latin typeface="Cambria Math" panose="02040503050406030204" pitchFamily="18" charset="0"/>
-                              </a:rPr>
-                            </m:ctrlPr>
-                          </m:sSubPr>
-                          <m:e>
-                            <m:r>
-                              <a:rPr kumimoji="1" lang="en-US" altLang="ja-JP" b="0" i="1" smtClean="0">
-                                <a:latin typeface="Cambria Math" panose="02040503050406030204" pitchFamily="18" charset="0"/>
-                              </a:rPr>
-                              <m:t>𝑥</m:t>
-                            </m:r>
-                          </m:e>
-                          <m:sub>
-                            <m:r>
-                              <a:rPr kumimoji="1" lang="en-US" altLang="ja-JP" b="0" i="1" smtClean="0">
-                                <a:latin typeface="Cambria Math" panose="02040503050406030204" pitchFamily="18" charset="0"/>
-                              </a:rPr>
-                              <m:t>1</m:t>
-                            </m:r>
-                          </m:sub>
-                        </m:sSub>
-                        <m:r>
-                          <a:rPr kumimoji="1" lang="en-US" altLang="ja-JP" b="0" i="1" smtClean="0">
-                            <a:latin typeface="Cambria Math" panose="02040503050406030204" pitchFamily="18" charset="0"/>
-                          </a:rPr>
-                          <m:t>+</m:t>
-                        </m:r>
-                        <m:sSub>
-                          <m:sSubPr>
-                            <m:ctrlPr>
-                              <a:rPr kumimoji="1" lang="en-US" altLang="ja-JP" b="0" i="1" smtClean="0">
-                                <a:latin typeface="Cambria Math" panose="02040503050406030204" pitchFamily="18" charset="0"/>
-                              </a:rPr>
-                            </m:ctrlPr>
-                          </m:sSubPr>
-                          <m:e>
-                            <m:r>
-                              <a:rPr kumimoji="1" lang="en-US" altLang="ja-JP" b="0" i="1" smtClean="0">
-                                <a:latin typeface="Cambria Math" panose="02040503050406030204" pitchFamily="18" charset="0"/>
-                              </a:rPr>
-                              <m:t>𝑥</m:t>
-                            </m:r>
-                          </m:e>
-                          <m:sub>
-                            <m:r>
-                              <a:rPr kumimoji="1" lang="en-US" altLang="ja-JP" b="0" i="1" smtClean="0">
-                                <a:latin typeface="Cambria Math" panose="02040503050406030204" pitchFamily="18" charset="0"/>
-                              </a:rPr>
-                              <m:t>2</m:t>
-                            </m:r>
-                          </m:sub>
-                        </m:sSub>
-                      </m:e>
-                    </m:d>
-                  </m:oMath>
-                </a14:m>
-                <a:endParaRPr kumimoji="1" lang="en-US" altLang="ja-JP" b="0"/>
-              </a:p>
-              <a:p>
-                <a:pPr lvl="1"/>
-                <a14:m>
-                  <m:oMath xmlns:m="http://schemas.openxmlformats.org/officeDocument/2006/math">
-                    <m:sSub>
-                      <m:sSubPr>
-                        <m:ctrlPr>
-                          <a:rPr kumimoji="1" lang="en-US" altLang="ja-JP" b="0" i="1" smtClean="0">
-                            <a:latin typeface="Cambria Math" panose="02040503050406030204" pitchFamily="18" charset="0"/>
-                          </a:rPr>
-                        </m:ctrlPr>
-                      </m:sSubPr>
-                      <m:e>
-                        <m:r>
-                          <a:rPr kumimoji="1" lang="en-US" altLang="ja-JP" b="0" i="1" smtClean="0">
-                            <a:latin typeface="Cambria Math" panose="02040503050406030204" pitchFamily="18" charset="0"/>
-                          </a:rPr>
-                          <m:t>𝑦</m:t>
-                        </m:r>
-                      </m:e>
-                      <m:sub>
-                        <m:r>
-                          <a:rPr kumimoji="1" lang="en-US" altLang="ja-JP" b="0" i="1" smtClean="0">
-                            <a:latin typeface="Cambria Math" panose="02040503050406030204" pitchFamily="18" charset="0"/>
-                          </a:rPr>
-                          <m:t>3</m:t>
-                        </m:r>
-                      </m:sub>
-                    </m:sSub>
-                    <m:r>
-                      <a:rPr kumimoji="1" lang="en-US" altLang="ja-JP" b="0" i="1" smtClean="0">
-                        <a:latin typeface="Cambria Math" panose="02040503050406030204" pitchFamily="18" charset="0"/>
-                      </a:rPr>
-                      <m:t>=−</m:t>
-                    </m:r>
-                    <m:r>
-                      <a:rPr kumimoji="1" lang="en-US" altLang="ja-JP" b="0" i="1" smtClean="0">
-                        <a:latin typeface="Cambria Math" panose="02040503050406030204" pitchFamily="18" charset="0"/>
-                      </a:rPr>
-                      <m:t>𝜆</m:t>
-                    </m:r>
-                    <m:d>
-                      <m:dPr>
-                        <m:ctrlPr>
-                          <a:rPr kumimoji="1" lang="en-US" altLang="ja-JP" b="0" i="1" smtClean="0">
-                            <a:latin typeface="Cambria Math" panose="02040503050406030204" pitchFamily="18" charset="0"/>
-                          </a:rPr>
-                        </m:ctrlPr>
-                      </m:dPr>
-                      <m:e>
-                        <m:sSub>
-                          <m:sSubPr>
-                            <m:ctrlPr>
-                              <a:rPr kumimoji="1" lang="en-US" altLang="ja-JP" b="0" i="1" smtClean="0">
-                                <a:latin typeface="Cambria Math" panose="02040503050406030204" pitchFamily="18" charset="0"/>
-                              </a:rPr>
-                            </m:ctrlPr>
-                          </m:sSubPr>
-                          <m:e>
-                            <m:r>
-                              <a:rPr kumimoji="1" lang="en-US" altLang="ja-JP" b="0" i="1" smtClean="0">
-                                <a:latin typeface="Cambria Math" panose="02040503050406030204" pitchFamily="18" charset="0"/>
-                              </a:rPr>
-                              <m:t>𝑥</m:t>
-                            </m:r>
-                          </m:e>
-                          <m:sub>
-                            <m:r>
-                              <a:rPr kumimoji="1" lang="en-US" altLang="ja-JP" b="0" i="1" smtClean="0">
-                                <a:latin typeface="Cambria Math" panose="02040503050406030204" pitchFamily="18" charset="0"/>
-                              </a:rPr>
-                              <m:t>3</m:t>
-                            </m:r>
-                          </m:sub>
-                        </m:sSub>
-                        <m:r>
-                          <a:rPr kumimoji="1" lang="en-US" altLang="ja-JP" b="0" i="1" smtClean="0">
-                            <a:latin typeface="Cambria Math" panose="02040503050406030204" pitchFamily="18" charset="0"/>
-                          </a:rPr>
-                          <m:t>−</m:t>
-                        </m:r>
-                        <m:sSub>
-                          <m:sSubPr>
-                            <m:ctrlPr>
-                              <a:rPr kumimoji="1" lang="en-US" altLang="ja-JP" b="0" i="1" smtClean="0">
-                                <a:latin typeface="Cambria Math" panose="02040503050406030204" pitchFamily="18" charset="0"/>
-                              </a:rPr>
-                            </m:ctrlPr>
-                          </m:sSubPr>
-                          <m:e>
-                            <m:r>
-                              <a:rPr kumimoji="1" lang="en-US" altLang="ja-JP" b="0" i="1" smtClean="0">
-                                <a:latin typeface="Cambria Math" panose="02040503050406030204" pitchFamily="18" charset="0"/>
-                              </a:rPr>
-                              <m:t>𝑥</m:t>
-                            </m:r>
-                          </m:e>
-                          <m:sub>
-                            <m:r>
-                              <a:rPr kumimoji="1" lang="en-US" altLang="ja-JP" b="0" i="1" smtClean="0">
-                                <a:latin typeface="Cambria Math" panose="02040503050406030204" pitchFamily="18" charset="0"/>
-                              </a:rPr>
-                              <m:t>1</m:t>
-                            </m:r>
-                          </m:sub>
-                        </m:sSub>
-                      </m:e>
-                    </m:d>
-                    <m:r>
-                      <a:rPr kumimoji="1" lang="en-US" altLang="ja-JP" b="0" i="1" smtClean="0">
-                        <a:latin typeface="Cambria Math" panose="02040503050406030204" pitchFamily="18" charset="0"/>
-                      </a:rPr>
-                      <m:t>−</m:t>
-                    </m:r>
-                    <m:sSub>
-                      <m:sSubPr>
-                        <m:ctrlPr>
-                          <a:rPr kumimoji="1" lang="en-US" altLang="ja-JP" b="0" i="1" smtClean="0">
-                            <a:latin typeface="Cambria Math" panose="02040503050406030204" pitchFamily="18" charset="0"/>
-                          </a:rPr>
-                        </m:ctrlPr>
-                      </m:sSubPr>
-                      <m:e>
-                        <m:r>
-                          <a:rPr kumimoji="1" lang="en-US" altLang="ja-JP" b="0" i="1" smtClean="0">
-                            <a:latin typeface="Cambria Math" panose="02040503050406030204" pitchFamily="18" charset="0"/>
-                          </a:rPr>
-                          <m:t>𝑦</m:t>
-                        </m:r>
-                      </m:e>
-                      <m:sub>
-                        <m:r>
-                          <a:rPr kumimoji="1" lang="en-US" altLang="ja-JP" b="0" i="1" smtClean="0">
-                            <a:latin typeface="Cambria Math" panose="02040503050406030204" pitchFamily="18" charset="0"/>
-                          </a:rPr>
-                          <m:t>1</m:t>
-                        </m:r>
-                      </m:sub>
-                    </m:sSub>
-                  </m:oMath>
-                </a14:m>
-                <a:endParaRPr kumimoji="1" lang="en-US" altLang="ja-JP"/>
-              </a:p>
-              <a:p>
-                <a:pPr lvl="2"/>
-                <a:r>
-                  <a:rPr kumimoji="1" lang="ja-JP" altLang="en-US"/>
-                  <a:t>ここで</a:t>
-                </a:r>
-                <a14:m>
-                  <m:oMath xmlns:m="http://schemas.openxmlformats.org/officeDocument/2006/math">
-                    <m:sSub>
-                      <m:sSubPr>
-                        <m:ctrlPr>
-                          <a:rPr kumimoji="1" lang="en-US" altLang="ja-JP" b="0" i="1" smtClean="0">
-                            <a:latin typeface="Cambria Math" panose="02040503050406030204" pitchFamily="18" charset="0"/>
-                          </a:rPr>
-                        </m:ctrlPr>
-                      </m:sSubPr>
-                      <m:e>
-                        <m:r>
-                          <a:rPr kumimoji="1" lang="en-US" altLang="ja-JP" b="0" i="1" smtClean="0">
-                            <a:latin typeface="Cambria Math" panose="02040503050406030204" pitchFamily="18" charset="0"/>
-                          </a:rPr>
-                          <m:t>𝑥</m:t>
-                        </m:r>
-                      </m:e>
-                      <m:sub>
-                        <m:r>
-                          <a:rPr kumimoji="1" lang="en-US" altLang="ja-JP" b="0" i="1" smtClean="0">
-                            <a:latin typeface="Cambria Math" panose="02040503050406030204" pitchFamily="18" charset="0"/>
-                          </a:rPr>
-                          <m:t>1</m:t>
-                        </m:r>
-                      </m:sub>
-                    </m:sSub>
-                    <m:r>
-                      <a:rPr kumimoji="1" lang="en-US" altLang="ja-JP" b="0" i="1" smtClean="0">
-                        <a:latin typeface="Cambria Math" panose="02040503050406030204" pitchFamily="18" charset="0"/>
-                      </a:rPr>
-                      <m:t>≠</m:t>
-                    </m:r>
-                    <m:sSub>
-                      <m:sSubPr>
-                        <m:ctrlPr>
-                          <a:rPr kumimoji="1" lang="en-US" altLang="ja-JP" b="0" i="1" smtClean="0">
-                            <a:latin typeface="Cambria Math" panose="02040503050406030204" pitchFamily="18" charset="0"/>
-                          </a:rPr>
-                        </m:ctrlPr>
-                      </m:sSubPr>
-                      <m:e>
-                        <m:r>
-                          <a:rPr kumimoji="1" lang="en-US" altLang="ja-JP" b="0" i="1" smtClean="0">
-                            <a:latin typeface="Cambria Math" panose="02040503050406030204" pitchFamily="18" charset="0"/>
-                          </a:rPr>
-                          <m:t>𝑥</m:t>
-                        </m:r>
-                      </m:e>
-                      <m:sub>
-                        <m:r>
-                          <a:rPr kumimoji="1" lang="en-US" altLang="ja-JP" b="0" i="1" smtClean="0">
-                            <a:latin typeface="Cambria Math" panose="02040503050406030204" pitchFamily="18" charset="0"/>
-                          </a:rPr>
-                          <m:t>2</m:t>
-                        </m:r>
-                      </m:sub>
-                    </m:sSub>
-                  </m:oMath>
-                </a14:m>
-                <a:r>
-                  <a:rPr kumimoji="1" lang="ja-JP" altLang="en-US"/>
-                  <a:t>なら</a:t>
-                </a:r>
-                <a14:m>
-                  <m:oMath xmlns:m="http://schemas.openxmlformats.org/officeDocument/2006/math">
-                    <m:r>
-                      <a:rPr kumimoji="1" lang="en-US" altLang="ja-JP" b="0" i="1" smtClean="0">
-                        <a:latin typeface="Cambria Math" panose="02040503050406030204" pitchFamily="18" charset="0"/>
-                      </a:rPr>
-                      <m:t>𝜆</m:t>
-                    </m:r>
-                    <m:r>
-                      <a:rPr kumimoji="1" lang="en-US" altLang="ja-JP" b="0" i="1" smtClean="0">
-                        <a:latin typeface="Cambria Math" panose="02040503050406030204" pitchFamily="18" charset="0"/>
-                      </a:rPr>
-                      <m:t>=</m:t>
-                    </m:r>
-                    <m:f>
-                      <m:fPr>
-                        <m:ctrlPr>
-                          <a:rPr kumimoji="1" lang="en-US" altLang="ja-JP" b="0" i="1" smtClean="0">
-                            <a:latin typeface="Cambria Math" panose="02040503050406030204" pitchFamily="18" charset="0"/>
-                          </a:rPr>
-                        </m:ctrlPr>
-                      </m:fPr>
-                      <m:num>
-                        <m:sSub>
-                          <m:sSubPr>
-                            <m:ctrlPr>
-                              <a:rPr kumimoji="1" lang="en-US" altLang="ja-JP" b="0" i="1" smtClean="0">
-                                <a:latin typeface="Cambria Math" panose="02040503050406030204" pitchFamily="18" charset="0"/>
-                              </a:rPr>
-                            </m:ctrlPr>
-                          </m:sSubPr>
-                          <m:e>
-                            <m:r>
-                              <a:rPr kumimoji="1" lang="en-US" altLang="ja-JP" b="0" i="1" smtClean="0">
-                                <a:latin typeface="Cambria Math" panose="02040503050406030204" pitchFamily="18" charset="0"/>
-                              </a:rPr>
-                              <m:t>𝑦</m:t>
-                            </m:r>
-                          </m:e>
-                          <m:sub>
-                            <m:r>
-                              <a:rPr kumimoji="1" lang="en-US" altLang="ja-JP" b="0" i="1" smtClean="0">
-                                <a:latin typeface="Cambria Math" panose="02040503050406030204" pitchFamily="18" charset="0"/>
-                              </a:rPr>
-                              <m:t>1</m:t>
-                            </m:r>
-                          </m:sub>
-                        </m:sSub>
-                        <m:r>
-                          <a:rPr kumimoji="1" lang="en-US" altLang="ja-JP" b="0" i="1" smtClean="0">
-                            <a:latin typeface="Cambria Math" panose="02040503050406030204" pitchFamily="18" charset="0"/>
-                          </a:rPr>
-                          <m:t>−</m:t>
-                        </m:r>
-                        <m:sSub>
-                          <m:sSubPr>
-                            <m:ctrlPr>
-                              <a:rPr kumimoji="1" lang="en-US" altLang="ja-JP" b="0" i="1" smtClean="0">
-                                <a:latin typeface="Cambria Math" panose="02040503050406030204" pitchFamily="18" charset="0"/>
-                              </a:rPr>
-                            </m:ctrlPr>
-                          </m:sSubPr>
-                          <m:e>
-                            <m:r>
-                              <a:rPr kumimoji="1" lang="en-US" altLang="ja-JP" b="0" i="1" smtClean="0">
-                                <a:latin typeface="Cambria Math" panose="02040503050406030204" pitchFamily="18" charset="0"/>
-                              </a:rPr>
-                              <m:t>𝑦</m:t>
-                            </m:r>
-                          </m:e>
-                          <m:sub>
-                            <m:r>
-                              <a:rPr kumimoji="1" lang="en-US" altLang="ja-JP" b="0" i="1" smtClean="0">
-                                <a:latin typeface="Cambria Math" panose="02040503050406030204" pitchFamily="18" charset="0"/>
-                              </a:rPr>
-                              <m:t>2</m:t>
-                            </m:r>
-                          </m:sub>
-                        </m:sSub>
-                      </m:num>
-                      <m:den>
-                        <m:sSub>
-                          <m:sSubPr>
-                            <m:ctrlPr>
-                              <a:rPr kumimoji="1" lang="en-US" altLang="ja-JP" b="0" i="1" smtClean="0">
-                                <a:latin typeface="Cambria Math" panose="02040503050406030204" pitchFamily="18" charset="0"/>
-                              </a:rPr>
-                            </m:ctrlPr>
-                          </m:sSubPr>
-                          <m:e>
-                            <m:r>
-                              <a:rPr kumimoji="1" lang="en-US" altLang="ja-JP" b="0" i="1" smtClean="0">
-                                <a:latin typeface="Cambria Math" panose="02040503050406030204" pitchFamily="18" charset="0"/>
-                              </a:rPr>
-                              <m:t>𝑥</m:t>
-                            </m:r>
-                          </m:e>
-                          <m:sub>
-                            <m:r>
-                              <a:rPr kumimoji="1" lang="en-US" altLang="ja-JP" b="0" i="1" smtClean="0">
-                                <a:latin typeface="Cambria Math" panose="02040503050406030204" pitchFamily="18" charset="0"/>
-                              </a:rPr>
-                              <m:t>1</m:t>
-                            </m:r>
-                          </m:sub>
-                        </m:sSub>
-                        <m:r>
-                          <a:rPr kumimoji="1" lang="en-US" altLang="ja-JP" b="0" i="1" smtClean="0">
-                            <a:latin typeface="Cambria Math" panose="02040503050406030204" pitchFamily="18" charset="0"/>
-                          </a:rPr>
-                          <m:t>−</m:t>
-                        </m:r>
-                        <m:sSub>
-                          <m:sSubPr>
-                            <m:ctrlPr>
-                              <a:rPr kumimoji="1" lang="en-US" altLang="ja-JP" b="0" i="1" smtClean="0">
-                                <a:latin typeface="Cambria Math" panose="02040503050406030204" pitchFamily="18" charset="0"/>
-                              </a:rPr>
-                            </m:ctrlPr>
-                          </m:sSubPr>
-                          <m:e>
-                            <m:r>
-                              <a:rPr kumimoji="1" lang="en-US" altLang="ja-JP" b="0" i="1" smtClean="0">
-                                <a:latin typeface="Cambria Math" panose="02040503050406030204" pitchFamily="18" charset="0"/>
-                              </a:rPr>
-                              <m:t>𝑥</m:t>
-                            </m:r>
-                          </m:e>
-                          <m:sub>
-                            <m:r>
-                              <a:rPr kumimoji="1" lang="en-US" altLang="ja-JP" b="0" i="1" smtClean="0">
-                                <a:latin typeface="Cambria Math" panose="02040503050406030204" pitchFamily="18" charset="0"/>
-                              </a:rPr>
-                              <m:t>2</m:t>
-                            </m:r>
-                          </m:sub>
-                        </m:sSub>
-                      </m:den>
-                    </m:f>
-                    <m:r>
-                      <a:rPr kumimoji="1" lang="en-US" altLang="ja-JP" b="0" i="1" smtClean="0">
-                        <a:latin typeface="Cambria Math" panose="02040503050406030204" pitchFamily="18" charset="0"/>
-                      </a:rPr>
-                      <m:t>, </m:t>
-                    </m:r>
-                    <m:sSub>
-                      <m:sSubPr>
-                        <m:ctrlPr>
-                          <a:rPr kumimoji="1" lang="en-US" altLang="ja-JP" b="0" i="1" smtClean="0">
-                            <a:latin typeface="Cambria Math" panose="02040503050406030204" pitchFamily="18" charset="0"/>
-                          </a:rPr>
-                        </m:ctrlPr>
-                      </m:sSubPr>
-                      <m:e>
-                        <m:r>
-                          <a:rPr kumimoji="1" lang="en-US" altLang="ja-JP" b="0" i="1" smtClean="0">
-                            <a:latin typeface="Cambria Math" panose="02040503050406030204" pitchFamily="18" charset="0"/>
-                          </a:rPr>
-                          <m:t>𝑥</m:t>
-                        </m:r>
-                      </m:e>
-                      <m:sub>
-                        <m:r>
-                          <a:rPr kumimoji="1" lang="en-US" altLang="ja-JP" b="0" i="1" smtClean="0">
-                            <a:latin typeface="Cambria Math" panose="02040503050406030204" pitchFamily="18" charset="0"/>
-                          </a:rPr>
-                          <m:t>1</m:t>
-                        </m:r>
-                      </m:sub>
-                    </m:sSub>
-                    <m:r>
-                      <a:rPr kumimoji="1" lang="en-US" altLang="ja-JP" b="0" i="1" smtClean="0">
-                        <a:latin typeface="Cambria Math" panose="02040503050406030204" pitchFamily="18" charset="0"/>
-                      </a:rPr>
-                      <m:t>=</m:t>
-                    </m:r>
-                    <m:sSub>
-                      <m:sSubPr>
-                        <m:ctrlPr>
-                          <a:rPr kumimoji="1" lang="en-US" altLang="ja-JP" b="0" i="1" smtClean="0">
-                            <a:latin typeface="Cambria Math" panose="02040503050406030204" pitchFamily="18" charset="0"/>
-                          </a:rPr>
-                        </m:ctrlPr>
-                      </m:sSubPr>
-                      <m:e>
-                        <m:r>
-                          <a:rPr kumimoji="1" lang="en-US" altLang="ja-JP" b="0" i="1" smtClean="0">
-                            <a:latin typeface="Cambria Math" panose="02040503050406030204" pitchFamily="18" charset="0"/>
-                          </a:rPr>
-                          <m:t>𝑥</m:t>
-                        </m:r>
-                      </m:e>
-                      <m:sub>
-                        <m:r>
-                          <a:rPr kumimoji="1" lang="en-US" altLang="ja-JP" b="0" i="1" smtClean="0">
-                            <a:latin typeface="Cambria Math" panose="02040503050406030204" pitchFamily="18" charset="0"/>
-                          </a:rPr>
-                          <m:t>2</m:t>
-                        </m:r>
-                      </m:sub>
-                    </m:sSub>
-                  </m:oMath>
-                </a14:m>
-                <a:r>
-                  <a:rPr kumimoji="1" lang="ja-JP" altLang="en-US"/>
-                  <a:t>なら</a:t>
-                </a:r>
-                <a14:m>
-                  <m:oMath xmlns:m="http://schemas.openxmlformats.org/officeDocument/2006/math">
-                    <m:r>
-                      <a:rPr kumimoji="1" lang="en-US" altLang="ja-JP" b="0" i="1" smtClean="0">
-                        <a:latin typeface="Cambria Math" panose="02040503050406030204" pitchFamily="18" charset="0"/>
-                      </a:rPr>
-                      <m:t>𝜆</m:t>
-                    </m:r>
-                    <m:r>
-                      <a:rPr kumimoji="1" lang="en-US" altLang="ja-JP" b="0" i="1" smtClean="0">
-                        <a:latin typeface="Cambria Math" panose="02040503050406030204" pitchFamily="18" charset="0"/>
-                      </a:rPr>
-                      <m:t>=</m:t>
-                    </m:r>
-                    <m:f>
-                      <m:fPr>
-                        <m:ctrlPr>
-                          <a:rPr kumimoji="1" lang="en-US" altLang="ja-JP" b="0" i="1" smtClean="0">
-                            <a:latin typeface="Cambria Math" panose="02040503050406030204" pitchFamily="18" charset="0"/>
-                          </a:rPr>
-                        </m:ctrlPr>
-                      </m:fPr>
-                      <m:num>
-                        <m:r>
-                          <a:rPr kumimoji="1" lang="en-US" altLang="ja-JP" b="0" i="1" smtClean="0">
-                            <a:latin typeface="Cambria Math" panose="02040503050406030204" pitchFamily="18" charset="0"/>
-                          </a:rPr>
-                          <m:t>3</m:t>
-                        </m:r>
-                        <m:sSubSup>
-                          <m:sSubSupPr>
-                            <m:ctrlPr>
-                              <a:rPr kumimoji="1" lang="en-US" altLang="ja-JP" b="0" i="1" smtClean="0">
-                                <a:latin typeface="Cambria Math" panose="02040503050406030204" pitchFamily="18" charset="0"/>
-                              </a:rPr>
-                            </m:ctrlPr>
-                          </m:sSubSupPr>
-                          <m:e>
-                            <m:r>
-                              <a:rPr kumimoji="1" lang="en-US" altLang="ja-JP" b="0" i="1" smtClean="0">
-                                <a:latin typeface="Cambria Math" panose="02040503050406030204" pitchFamily="18" charset="0"/>
-                              </a:rPr>
-                              <m:t>𝑥</m:t>
-                            </m:r>
-                          </m:e>
-                          <m:sub>
-                            <m:r>
-                              <a:rPr kumimoji="1" lang="en-US" altLang="ja-JP" b="0" i="1" smtClean="0">
-                                <a:latin typeface="Cambria Math" panose="02040503050406030204" pitchFamily="18" charset="0"/>
-                              </a:rPr>
-                              <m:t>1</m:t>
-                            </m:r>
-                          </m:sub>
-                          <m:sup>
-                            <m:r>
-                              <a:rPr kumimoji="1" lang="en-US" altLang="ja-JP" b="0" i="1" smtClean="0">
-                                <a:latin typeface="Cambria Math" panose="02040503050406030204" pitchFamily="18" charset="0"/>
-                              </a:rPr>
-                              <m:t>2</m:t>
-                            </m:r>
-                          </m:sup>
-                        </m:sSubSup>
-                        <m:r>
-                          <a:rPr kumimoji="1" lang="en-US" altLang="ja-JP" b="0" i="1" smtClean="0">
-                            <a:latin typeface="Cambria Math" panose="02040503050406030204" pitchFamily="18" charset="0"/>
-                          </a:rPr>
-                          <m:t>+</m:t>
-                        </m:r>
-                        <m:r>
-                          <a:rPr kumimoji="1" lang="en-US" altLang="ja-JP" b="0" i="1" smtClean="0">
-                            <a:latin typeface="Cambria Math" panose="02040503050406030204" pitchFamily="18" charset="0"/>
-                          </a:rPr>
-                          <m:t>𝑎</m:t>
-                        </m:r>
-                      </m:num>
-                      <m:den>
-                        <m:r>
-                          <a:rPr kumimoji="1" lang="en-US" altLang="ja-JP" b="0" i="1" smtClean="0">
-                            <a:latin typeface="Cambria Math" panose="02040503050406030204" pitchFamily="18" charset="0"/>
-                          </a:rPr>
-                          <m:t>2</m:t>
-                        </m:r>
-                        <m:sSub>
-                          <m:sSubPr>
-                            <m:ctrlPr>
-                              <a:rPr kumimoji="1" lang="en-US" altLang="ja-JP" b="0" i="1" smtClean="0">
-                                <a:latin typeface="Cambria Math" panose="02040503050406030204" pitchFamily="18" charset="0"/>
-                              </a:rPr>
-                            </m:ctrlPr>
-                          </m:sSubPr>
-                          <m:e>
-                            <m:r>
-                              <a:rPr kumimoji="1" lang="en-US" altLang="ja-JP" b="0" i="1" smtClean="0">
-                                <a:latin typeface="Cambria Math" panose="02040503050406030204" pitchFamily="18" charset="0"/>
-                              </a:rPr>
-                              <m:t>𝑦</m:t>
-                            </m:r>
-                          </m:e>
-                          <m:sub>
-                            <m:r>
-                              <a:rPr kumimoji="1" lang="en-US" altLang="ja-JP" b="0" i="1" smtClean="0">
-                                <a:latin typeface="Cambria Math" panose="02040503050406030204" pitchFamily="18" charset="0"/>
-                              </a:rPr>
-                              <m:t>1</m:t>
-                            </m:r>
-                          </m:sub>
-                        </m:sSub>
-                      </m:den>
-                    </m:f>
-                  </m:oMath>
-                </a14:m>
-                <a:endParaRPr kumimoji="1" lang="ja-JP" altLang="en-US"/>
-              </a:p>
-            </p:txBody>
-          </p:sp>
-        </mc:Choice>
-        <mc:Fallback>
-          <p:sp>
-            <p:nvSpPr>
-              <p:cNvPr id="2" name="コンテンツ プレースホルダー 1">
-                <a:extLst>
-                  <a:ext uri="{FF2B5EF4-FFF2-40B4-BE49-F238E27FC236}">
-                    <a16:creationId xmlns:a16="http://schemas.microsoft.com/office/drawing/2014/main" id="{5BB20AB3-E491-41EE-9EFA-02B8A4812388}"/>
-                  </a:ext>
-                </a:extLst>
-              </p:cNvPr>
-              <p:cNvSpPr>
-                <a:spLocks noGrp="1" noRot="1" noChangeAspect="1" noMove="1" noResize="1" noEditPoints="1" noAdjustHandles="1" noChangeArrowheads="1" noChangeShapeType="1" noTextEdit="1"/>
-              </p:cNvSpPr>
-              <p:nvPr>
-                <p:ph idx="1"/>
-              </p:nvPr>
-            </p:nvSpPr>
-            <p:spPr>
-              <a:blipFill>
-                <a:blip r:embed="rId2"/>
-                <a:stretch>
-                  <a:fillRect l="-1200" t="-1038"/>
-                </a:stretch>
-              </a:blipFill>
-            </p:spPr>
-            <p:txBody>
-              <a:bodyPr/>
-              <a:lstStyle/>
-              <a:p>
-                <a:r>
-                  <a:rPr lang="ja-JP" altLang="en-US">
-                    <a:noFill/>
-                  </a:rPr>
-                  <a:t> </a:t>
-                </a:r>
-              </a:p>
-            </p:txBody>
-          </p:sp>
-        </mc:Fallback>
-      </mc:AlternateContent>
-      <p:sp>
-        <p:nvSpPr>
-          <p:cNvPr id="3" name="スライド番号プレースホルダー 2">
-            <a:extLst>
-              <a:ext uri="{FF2B5EF4-FFF2-40B4-BE49-F238E27FC236}">
-                <a16:creationId xmlns:a16="http://schemas.microsoft.com/office/drawing/2014/main" id="{4B6DD782-4B7D-4D55-8965-A8F0C8BFDBE7}"/>
-              </a:ext>
-            </a:extLst>
-          </p:cNvPr>
-          <p:cNvSpPr>
-            <a:spLocks noGrp="1"/>
-          </p:cNvSpPr>
-          <p:nvPr>
-            <p:ph type="sldNum" sz="quarter" idx="12"/>
-          </p:nvPr>
-        </p:nvSpPr>
-        <p:spPr/>
-        <p:txBody>
-          <a:bodyPr/>
-          <a:lstStyle/>
-          <a:p>
-            <a:pPr>
-              <a:defRPr/>
-            </a:pPr>
-            <a:r>
-              <a:rPr lang="en-US" altLang="ja-JP"/>
-              <a:t>    </a:t>
-            </a:r>
-            <a:fld id="{B2782DEB-472A-4FE5-AC34-C17109CF5A91}" type="slidenum">
-              <a:rPr lang="en-US" altLang="ja-JP" smtClean="0"/>
-              <a:pPr>
-                <a:defRPr/>
-              </a:pPr>
-              <a:t>28</a:t>
-            </a:fld>
-            <a:r>
-              <a:rPr lang="en-US" altLang="ja-JP"/>
-              <a:t> / 24</a:t>
-            </a:r>
-          </a:p>
-        </p:txBody>
-      </p:sp>
-      <p:sp>
-        <p:nvSpPr>
-          <p:cNvPr id="4" name="タイトル 3">
-            <a:extLst>
-              <a:ext uri="{FF2B5EF4-FFF2-40B4-BE49-F238E27FC236}">
-                <a16:creationId xmlns:a16="http://schemas.microsoft.com/office/drawing/2014/main" id="{36C1EBC0-3640-4ADB-A3A3-4D356201122C}"/>
-              </a:ext>
-            </a:extLst>
-          </p:cNvPr>
-          <p:cNvSpPr>
-            <a:spLocks noGrp="1"/>
-          </p:cNvSpPr>
-          <p:nvPr>
-            <p:ph type="title"/>
-          </p:nvPr>
-        </p:nvSpPr>
-        <p:spPr/>
-        <p:txBody>
-          <a:bodyPr/>
-          <a:lstStyle/>
-          <a:p>
-            <a:r>
-              <a:rPr kumimoji="1" lang="ja-JP" altLang="en-US"/>
-              <a:t>楕円曲線の加算公式</a:t>
-            </a:r>
-          </a:p>
-        </p:txBody>
-      </p:sp>
-    </p:spTree>
-    <p:extLst>
-      <p:ext uri="{BB962C8B-B14F-4D97-AF65-F5344CB8AC3E}">
-        <p14:creationId xmlns:p14="http://schemas.microsoft.com/office/powerpoint/2010/main" val="1446164655"/>
-      </p:ext>
-    </p:extLst>
-  </p:cSld>
-  <p:clrMapOvr>
-    <a:masterClrMapping/>
-  </p:clrMapOvr>
-</p:sld>
-</file>
-
-<file path=ppt/slides/slide29.xml><?xml version="1.0" encoding="utf-8"?>
-<p:sld xmlns:a="http://schemas.openxmlformats.org/drawingml/2006/main" xmlns:r="http://schemas.openxmlformats.org/officeDocument/2006/relationships" xmlns:p="http://schemas.openxmlformats.org/presentationml/2006/main">
-  <p:cSld>
-    <p:spTree>
-      <p:nvGrpSpPr>
-        <p:cNvPr id="1" name=""/>
-        <p:cNvGrpSpPr/>
-        <p:nvPr/>
-      </p:nvGrpSpPr>
-      <p:grpSpPr>
-        <a:xfrm>
-          <a:off x="0" y="0"/>
-          <a:ext cx="0" cy="0"/>
-          <a:chOff x="0" y="0"/>
-          <a:chExt cx="0" cy="0"/>
-        </a:xfrm>
-      </p:grpSpPr>
-      <mc:AlternateContent xmlns:mc="http://schemas.openxmlformats.org/markup-compatibility/2006">
-        <mc:Choice xmlns:a14="http://schemas.microsoft.com/office/drawing/2010/main" Requires="a14">
-          <p:sp>
-            <p:nvSpPr>
-              <p:cNvPr id="2" name="コンテンツ プレースホルダー 1">
-                <a:extLst>
-                  <a:ext uri="{FF2B5EF4-FFF2-40B4-BE49-F238E27FC236}">
-                    <a16:creationId xmlns:a16="http://schemas.microsoft.com/office/drawing/2014/main" id="{DDD2B707-6695-4130-BBDE-D3AAC711C70C}"/>
-                  </a:ext>
-                </a:extLst>
-              </p:cNvPr>
-              <p:cNvSpPr>
-                <a:spLocks noGrp="1"/>
-              </p:cNvSpPr>
-              <p:nvPr>
-                <p:ph idx="1"/>
-              </p:nvPr>
-            </p:nvSpPr>
-            <p:spPr/>
-            <p:txBody>
-              <a:bodyPr/>
-              <a:lstStyle/>
-              <a:p>
-                <a:r>
-                  <a:rPr kumimoji="1" lang="ja-JP" altLang="en-US"/>
-                  <a:t>楕円曲線の点の動き</a:t>
-                </a:r>
-                <a:endParaRPr kumimoji="1" lang="en-US" altLang="ja-JP"/>
-              </a:p>
-              <a:p>
-                <a:endParaRPr lang="en-US" altLang="ja-JP"/>
-              </a:p>
-              <a:p>
-                <a:endParaRPr kumimoji="1" lang="en-US" altLang="ja-JP"/>
-              </a:p>
-              <a:p>
-                <a:endParaRPr lang="en-US" altLang="ja-JP"/>
-              </a:p>
-              <a:p>
-                <a:endParaRPr kumimoji="1" lang="en-US" altLang="ja-JP"/>
-              </a:p>
-              <a:p>
-                <a:endParaRPr lang="en-US" altLang="ja-JP"/>
-              </a:p>
-              <a:p>
-                <a:endParaRPr kumimoji="1" lang="en-US" altLang="ja-JP"/>
-              </a:p>
-              <a:p>
-                <a:endParaRPr lang="en-US" altLang="ja-JP"/>
-              </a:p>
-              <a:p>
-                <a14:m>
-                  <m:oMath xmlns:m="http://schemas.openxmlformats.org/officeDocument/2006/math">
-                    <m:r>
-                      <a:rPr kumimoji="1" lang="en-US" altLang="ja-JP" b="0" i="1" smtClean="0">
-                        <a:latin typeface="Cambria Math" panose="02040503050406030204" pitchFamily="18" charset="0"/>
-                      </a:rPr>
-                      <m:t>𝑃</m:t>
-                    </m:r>
-                    <m:r>
-                      <a:rPr kumimoji="1" lang="en-US" altLang="ja-JP" b="0" i="1" smtClean="0">
-                        <a:latin typeface="Cambria Math" panose="02040503050406030204" pitchFamily="18" charset="0"/>
-                      </a:rPr>
-                      <m:t>, 2</m:t>
-                    </m:r>
-                    <m:r>
-                      <a:rPr kumimoji="1" lang="en-US" altLang="ja-JP" b="0" i="1" smtClean="0">
-                        <a:latin typeface="Cambria Math" panose="02040503050406030204" pitchFamily="18" charset="0"/>
-                      </a:rPr>
-                      <m:t>𝑃</m:t>
-                    </m:r>
-                    <m:r>
-                      <a:rPr kumimoji="1" lang="en-US" altLang="ja-JP" b="0" i="1" smtClean="0">
-                        <a:latin typeface="Cambria Math" panose="02040503050406030204" pitchFamily="18" charset="0"/>
-                      </a:rPr>
-                      <m:t>=</m:t>
-                    </m:r>
-                    <m:r>
-                      <a:rPr kumimoji="1" lang="en-US" altLang="ja-JP" b="0" i="1" smtClean="0">
-                        <a:latin typeface="Cambria Math" panose="02040503050406030204" pitchFamily="18" charset="0"/>
-                      </a:rPr>
-                      <m:t>𝑃</m:t>
-                    </m:r>
-                    <m:r>
-                      <a:rPr kumimoji="1" lang="en-US" altLang="ja-JP" b="0" i="1" smtClean="0">
-                        <a:latin typeface="Cambria Math" panose="02040503050406030204" pitchFamily="18" charset="0"/>
-                      </a:rPr>
-                      <m:t>+</m:t>
-                    </m:r>
-                    <m:r>
-                      <a:rPr kumimoji="1" lang="en-US" altLang="ja-JP" b="0" i="1" smtClean="0">
-                        <a:latin typeface="Cambria Math" panose="02040503050406030204" pitchFamily="18" charset="0"/>
-                      </a:rPr>
-                      <m:t>𝑃</m:t>
-                    </m:r>
-                    <m:r>
-                      <a:rPr kumimoji="1" lang="en-US" altLang="ja-JP" b="0" i="1" smtClean="0">
-                        <a:latin typeface="Cambria Math" panose="02040503050406030204" pitchFamily="18" charset="0"/>
-                      </a:rPr>
-                      <m:t>, 3</m:t>
-                    </m:r>
-                    <m:r>
-                      <a:rPr kumimoji="1" lang="en-US" altLang="ja-JP" b="0" i="1" smtClean="0">
-                        <a:latin typeface="Cambria Math" panose="02040503050406030204" pitchFamily="18" charset="0"/>
-                      </a:rPr>
-                      <m:t>𝑃</m:t>
-                    </m:r>
-                    <m:r>
-                      <a:rPr kumimoji="1" lang="en-US" altLang="ja-JP" b="0" i="1" smtClean="0">
-                        <a:latin typeface="Cambria Math" panose="02040503050406030204" pitchFamily="18" charset="0"/>
-                      </a:rPr>
-                      <m:t>=2</m:t>
-                    </m:r>
-                    <m:r>
-                      <a:rPr kumimoji="1" lang="en-US" altLang="ja-JP" b="0" i="1" smtClean="0">
-                        <a:latin typeface="Cambria Math" panose="02040503050406030204" pitchFamily="18" charset="0"/>
-                      </a:rPr>
-                      <m:t>𝑃</m:t>
-                    </m:r>
-                    <m:r>
-                      <a:rPr kumimoji="1" lang="en-US" altLang="ja-JP" b="0" i="1" smtClean="0">
-                        <a:latin typeface="Cambria Math" panose="02040503050406030204" pitchFamily="18" charset="0"/>
-                      </a:rPr>
-                      <m:t>+</m:t>
-                    </m:r>
-                    <m:r>
-                      <a:rPr kumimoji="1" lang="en-US" altLang="ja-JP" b="0" i="1" smtClean="0">
-                        <a:latin typeface="Cambria Math" panose="02040503050406030204" pitchFamily="18" charset="0"/>
-                      </a:rPr>
-                      <m:t>𝑃</m:t>
-                    </m:r>
-                    <m:r>
-                      <a:rPr kumimoji="1" lang="en-US" altLang="ja-JP" b="0" i="1" smtClean="0">
-                        <a:latin typeface="Cambria Math" panose="02040503050406030204" pitchFamily="18" charset="0"/>
-                      </a:rPr>
-                      <m:t>, …</m:t>
-                    </m:r>
-                  </m:oMath>
-                </a14:m>
-                <a:r>
-                  <a:rPr kumimoji="1" lang="ja-JP" altLang="en-US"/>
-                  <a:t>と計算していくと</a:t>
-                </a:r>
-                <a:br>
-                  <a:rPr kumimoji="1" lang="en-US" altLang="ja-JP"/>
-                </a:br>
-                <a14:m>
-                  <m:oMath xmlns:m="http://schemas.openxmlformats.org/officeDocument/2006/math">
-                    <m:r>
-                      <a:rPr kumimoji="1" lang="en-US" altLang="ja-JP" b="0" i="1" smtClean="0">
-                        <a:latin typeface="Cambria Math" panose="02040503050406030204" pitchFamily="18" charset="0"/>
-                      </a:rPr>
-                      <m:t>𝑟𝑃</m:t>
-                    </m:r>
-                    <m:r>
-                      <a:rPr kumimoji="1" lang="en-US" altLang="ja-JP" b="0" i="1" smtClean="0">
-                        <a:latin typeface="Cambria Math" panose="02040503050406030204" pitchFamily="18" charset="0"/>
-                      </a:rPr>
-                      <m:t>=</m:t>
-                    </m:r>
-                    <m:r>
-                      <a:rPr kumimoji="1" lang="en-US" altLang="ja-JP" b="0" i="1" smtClean="0">
-                        <a:latin typeface="Cambria Math" panose="02040503050406030204" pitchFamily="18" charset="0"/>
-                      </a:rPr>
-                      <m:t>𝑂</m:t>
-                    </m:r>
-                  </m:oMath>
-                </a14:m>
-                <a:r>
-                  <a:rPr kumimoji="1" lang="ja-JP" altLang="en-US"/>
-                  <a:t>となる</a:t>
-                </a:r>
-                <a14:m>
-                  <m:oMath xmlns:m="http://schemas.openxmlformats.org/officeDocument/2006/math">
-                    <m:r>
-                      <a:rPr kumimoji="1" lang="en-US" altLang="ja-JP" b="0" i="1" smtClean="0">
-                        <a:latin typeface="Cambria Math" panose="02040503050406030204" pitchFamily="18" charset="0"/>
-                      </a:rPr>
-                      <m:t>𝑟</m:t>
-                    </m:r>
-                  </m:oMath>
-                </a14:m>
-                <a:r>
-                  <a:rPr kumimoji="1" lang="ja-JP" altLang="en-US"/>
-                  <a:t>がある</a:t>
-                </a:r>
-                <a:endParaRPr kumimoji="1" lang="en-US" altLang="ja-JP"/>
-              </a:p>
-              <a:p>
-                <a:r>
-                  <a:rPr kumimoji="1" lang="ja-JP" altLang="en-US"/>
-                  <a:t>楕円曲線暗号は</a:t>
-                </a:r>
-                <a14:m>
-                  <m:oMath xmlns:m="http://schemas.openxmlformats.org/officeDocument/2006/math">
-                    <m:r>
-                      <a:rPr kumimoji="1" lang="en-US" altLang="ja-JP" b="0" i="1" smtClean="0">
-                        <a:latin typeface="Cambria Math" panose="02040503050406030204" pitchFamily="18" charset="0"/>
-                      </a:rPr>
-                      <m:t>{0, </m:t>
-                    </m:r>
-                    <m:r>
-                      <a:rPr kumimoji="1" lang="en-US" altLang="ja-JP" b="0" i="1" smtClean="0">
-                        <a:latin typeface="Cambria Math" panose="02040503050406030204" pitchFamily="18" charset="0"/>
-                      </a:rPr>
-                      <m:t>𝑃</m:t>
-                    </m:r>
-                    <m:r>
-                      <a:rPr kumimoji="1" lang="en-US" altLang="ja-JP" b="0" i="1" smtClean="0">
-                        <a:latin typeface="Cambria Math" panose="02040503050406030204" pitchFamily="18" charset="0"/>
-                      </a:rPr>
-                      <m:t>, 2</m:t>
-                    </m:r>
-                    <m:r>
-                      <a:rPr kumimoji="1" lang="en-US" altLang="ja-JP" b="0" i="1" smtClean="0">
-                        <a:latin typeface="Cambria Math" panose="02040503050406030204" pitchFamily="18" charset="0"/>
-                      </a:rPr>
-                      <m:t>𝑃</m:t>
-                    </m:r>
-                    <m:r>
-                      <a:rPr kumimoji="1" lang="en-US" altLang="ja-JP" b="0" i="1" smtClean="0">
-                        <a:latin typeface="Cambria Math" panose="02040503050406030204" pitchFamily="18" charset="0"/>
-                      </a:rPr>
-                      <m:t>,  …, </m:t>
-                    </m:r>
-                    <m:d>
-                      <m:dPr>
-                        <m:ctrlPr>
-                          <a:rPr kumimoji="1" lang="en-US" altLang="ja-JP" b="0" i="1" smtClean="0">
-                            <a:latin typeface="Cambria Math" panose="02040503050406030204" pitchFamily="18" charset="0"/>
-                          </a:rPr>
-                        </m:ctrlPr>
-                      </m:dPr>
-                      <m:e>
-                        <m:r>
-                          <a:rPr kumimoji="1" lang="en-US" altLang="ja-JP" b="0" i="1" smtClean="0">
-                            <a:latin typeface="Cambria Math" panose="02040503050406030204" pitchFamily="18" charset="0"/>
-                          </a:rPr>
-                          <m:t>𝑟</m:t>
-                        </m:r>
-                        <m:r>
-                          <a:rPr kumimoji="1" lang="en-US" altLang="ja-JP" b="0" i="1" smtClean="0">
-                            <a:latin typeface="Cambria Math" panose="02040503050406030204" pitchFamily="18" charset="0"/>
-                          </a:rPr>
-                          <m:t>−1</m:t>
-                        </m:r>
-                      </m:e>
-                    </m:d>
-                    <m:r>
-                      <a:rPr kumimoji="1" lang="en-US" altLang="ja-JP" b="0" i="1" smtClean="0">
-                        <a:latin typeface="Cambria Math" panose="02040503050406030204" pitchFamily="18" charset="0"/>
-                      </a:rPr>
-                      <m:t>𝑃</m:t>
-                    </m:r>
-                    <m:r>
-                      <a:rPr kumimoji="1" lang="en-US" altLang="ja-JP" b="0" i="1" smtClean="0">
-                        <a:latin typeface="Cambria Math" panose="02040503050406030204" pitchFamily="18" charset="0"/>
-                      </a:rPr>
-                      <m:t>}</m:t>
-                    </m:r>
-                  </m:oMath>
-                </a14:m>
-                <a:r>
-                  <a:rPr kumimoji="1" lang="ja-JP" altLang="en-US"/>
-                  <a:t>を扱う暗号</a:t>
-                </a:r>
-              </a:p>
-            </p:txBody>
-          </p:sp>
-        </mc:Choice>
-        <mc:Fallback>
-          <p:sp>
-            <p:nvSpPr>
-              <p:cNvPr id="2" name="コンテンツ プレースホルダー 1">
-                <a:extLst>
-                  <a:ext uri="{FF2B5EF4-FFF2-40B4-BE49-F238E27FC236}">
-                    <a16:creationId xmlns:a16="http://schemas.microsoft.com/office/drawing/2014/main" id="{DDD2B707-6695-4130-BBDE-D3AAC711C70C}"/>
-                  </a:ext>
-                </a:extLst>
-              </p:cNvPr>
-              <p:cNvSpPr>
-                <a:spLocks noGrp="1" noRot="1" noChangeAspect="1" noMove="1" noResize="1" noEditPoints="1" noAdjustHandles="1" noChangeArrowheads="1" noChangeShapeType="1" noTextEdit="1"/>
-              </p:cNvSpPr>
-              <p:nvPr>
-                <p:ph idx="1"/>
-              </p:nvPr>
-            </p:nvSpPr>
-            <p:spPr>
-              <a:blipFill>
-                <a:blip r:embed="rId2"/>
-                <a:stretch>
-                  <a:fillRect l="-1200" t="-1038" b="-7892"/>
-                </a:stretch>
-              </a:blipFill>
-            </p:spPr>
-            <p:txBody>
-              <a:bodyPr/>
-              <a:lstStyle/>
-              <a:p>
-                <a:r>
-                  <a:rPr lang="ja-JP" altLang="en-US">
-                    <a:noFill/>
-                  </a:rPr>
-                  <a:t> </a:t>
-                </a:r>
-              </a:p>
-            </p:txBody>
-          </p:sp>
-        </mc:Fallback>
-      </mc:AlternateContent>
-      <p:sp>
-        <p:nvSpPr>
-          <p:cNvPr id="3" name="スライド番号プレースホルダー 2">
-            <a:extLst>
-              <a:ext uri="{FF2B5EF4-FFF2-40B4-BE49-F238E27FC236}">
-                <a16:creationId xmlns:a16="http://schemas.microsoft.com/office/drawing/2014/main" id="{4B18195E-1E01-4AC3-AC6F-B1E8768F05E8}"/>
-              </a:ext>
-            </a:extLst>
-          </p:cNvPr>
-          <p:cNvSpPr>
-            <a:spLocks noGrp="1"/>
-          </p:cNvSpPr>
-          <p:nvPr>
-            <p:ph type="sldNum" sz="quarter" idx="12"/>
-          </p:nvPr>
-        </p:nvSpPr>
-        <p:spPr/>
-        <p:txBody>
-          <a:bodyPr/>
-          <a:lstStyle/>
-          <a:p>
-            <a:pPr>
-              <a:defRPr/>
-            </a:pPr>
-            <a:r>
-              <a:rPr lang="en-US" altLang="ja-JP"/>
-              <a:t>    </a:t>
-            </a:r>
-            <a:fld id="{B2782DEB-472A-4FE5-AC34-C17109CF5A91}" type="slidenum">
-              <a:rPr lang="en-US" altLang="ja-JP" smtClean="0"/>
-              <a:pPr>
-                <a:defRPr/>
-              </a:pPr>
-              <a:t>29</a:t>
-            </a:fld>
-            <a:r>
-              <a:rPr lang="en-US" altLang="ja-JP"/>
-              <a:t> / 24</a:t>
-            </a:r>
-          </a:p>
-        </p:txBody>
-      </p:sp>
-      <p:sp>
-        <p:nvSpPr>
-          <p:cNvPr id="4" name="タイトル 3">
-            <a:extLst>
-              <a:ext uri="{FF2B5EF4-FFF2-40B4-BE49-F238E27FC236}">
-                <a16:creationId xmlns:a16="http://schemas.microsoft.com/office/drawing/2014/main" id="{4BABC3C5-569A-48A0-91FC-03E31664F40D}"/>
-              </a:ext>
-            </a:extLst>
-          </p:cNvPr>
-          <p:cNvSpPr>
-            <a:spLocks noGrp="1"/>
-          </p:cNvSpPr>
-          <p:nvPr>
-            <p:ph type="title"/>
-          </p:nvPr>
-        </p:nvSpPr>
-        <p:spPr/>
-        <p:txBody>
-          <a:bodyPr/>
-          <a:lstStyle/>
-          <a:p>
-            <a:r>
-              <a:rPr kumimoji="1" lang="ja-JP" altLang="en-US"/>
-              <a:t>細かいことは忘れて大事な点</a:t>
-            </a:r>
-          </a:p>
-        </p:txBody>
-      </p:sp>
-      <p:pic>
-        <p:nvPicPr>
-          <p:cNvPr id="6" name="図 5">
-            <a:extLst>
-              <a:ext uri="{FF2B5EF4-FFF2-40B4-BE49-F238E27FC236}">
-                <a16:creationId xmlns:a16="http://schemas.microsoft.com/office/drawing/2014/main" id="{63BCAA1A-1617-495C-A59D-0A3D98BD2741}"/>
-              </a:ext>
-            </a:extLst>
-          </p:cNvPr>
-          <p:cNvPicPr>
-            <a:picLocks noChangeAspect="1"/>
-          </p:cNvPicPr>
-          <p:nvPr/>
-        </p:nvPicPr>
-        <p:blipFill>
-          <a:blip r:embed="rId3">
-            <a:extLst>
-              <a:ext uri="{28A0092B-C50C-407E-A947-70E740481C1C}">
-                <a14:useLocalDpi xmlns:a14="http://schemas.microsoft.com/office/drawing/2010/main" val="0"/>
-              </a:ext>
-            </a:extLst>
-          </a:blip>
-          <a:stretch>
-            <a:fillRect/>
-          </a:stretch>
-        </p:blipFill>
-        <p:spPr>
-          <a:xfrm>
-            <a:off x="1403648" y="1340768"/>
-            <a:ext cx="5832648" cy="3480657"/>
-          </a:xfrm>
-          <a:prstGeom prst="rect">
-            <a:avLst/>
-          </a:prstGeom>
-        </p:spPr>
-      </p:pic>
-    </p:spTree>
-    <p:extLst>
-      <p:ext uri="{BB962C8B-B14F-4D97-AF65-F5344CB8AC3E}">
-        <p14:creationId xmlns:p14="http://schemas.microsoft.com/office/powerpoint/2010/main" val="1978790116"/>
-      </p:ext>
-    </p:extLst>
-  </p:cSld>
-  <p:clrMapOvr>
-    <a:masterClrMapping/>
-  </p:clrMapOvr>
-</p:sld>
-</file>
-
 <file path=ppt/slides/slide3.xml><?xml version="1.0" encoding="utf-8"?>
 <p:sld xmlns:a="http://schemas.openxmlformats.org/drawingml/2006/main" xmlns:r="http://schemas.openxmlformats.org/officeDocument/2006/relationships" xmlns:p="http://schemas.openxmlformats.org/presentationml/2006/main">
   <p:cSld>
@@ -16433,8 +13483,8 @@
           <a:chExt cx="0" cy="0"/>
         </a:xfrm>
       </p:grpSpPr>
-      <mc:AlternateContent xmlns:mc="http://schemas.openxmlformats.org/markup-compatibility/2006">
-        <mc:Choice xmlns:a14="http://schemas.microsoft.com/office/drawing/2010/main" Requires="a14">
+      <mc:AlternateContent xmlns:mc="http://schemas.openxmlformats.org/markup-compatibility/2006" xmlns:a14="http://schemas.microsoft.com/office/drawing/2010/main">
+        <mc:Choice Requires="a14">
           <p:sp>
             <p:nvSpPr>
               <p:cNvPr id="2" name="コンテンツ プレースホルダー 1">
@@ -16571,7 +13621,7 @@
             </p:txBody>
           </p:sp>
         </mc:Choice>
-        <mc:Fallback>
+        <mc:Fallback xmlns="">
           <p:sp>
             <p:nvSpPr>
               <p:cNvPr id="2" name="コンテンツ プレースホルダー 1">
@@ -16787,8 +13837,8 @@
           </a:prstGeom>
         </p:spPr>
       </p:pic>
-      <mc:AlternateContent xmlns:mc="http://schemas.openxmlformats.org/markup-compatibility/2006">
-        <mc:Choice xmlns:a14="http://schemas.microsoft.com/office/drawing/2010/main" Requires="a14">
+      <mc:AlternateContent xmlns:mc="http://schemas.openxmlformats.org/markup-compatibility/2006" xmlns:a14="http://schemas.microsoft.com/office/drawing/2010/main">
+        <mc:Choice Requires="a14">
           <p:sp>
             <p:nvSpPr>
               <p:cNvPr id="2" name="コンテンツ プレースホルダー 1">
@@ -17276,7 +14326,7 @@
             </p:txBody>
           </p:sp>
         </mc:Choice>
-        <mc:Fallback>
+        <mc:Fallback xmlns="">
           <p:sp>
             <p:nvSpPr>
               <p:cNvPr id="2" name="コンテンツ プレースホルダー 1">
@@ -17437,8 +14487,8 @@
           <a:chExt cx="0" cy="0"/>
         </a:xfrm>
       </p:grpSpPr>
-      <mc:AlternateContent xmlns:mc="http://schemas.openxmlformats.org/markup-compatibility/2006">
-        <mc:Choice xmlns:a14="http://schemas.microsoft.com/office/drawing/2010/main" Requires="a14">
+      <mc:AlternateContent xmlns:mc="http://schemas.openxmlformats.org/markup-compatibility/2006" xmlns:a14="http://schemas.microsoft.com/office/drawing/2010/main">
+        <mc:Choice Requires="a14">
           <p:sp>
             <p:nvSpPr>
               <p:cNvPr id="2" name="コンテンツ プレースホルダー 1">
@@ -17852,7 +14902,7 @@
             </p:txBody>
           </p:sp>
         </mc:Choice>
-        <mc:Fallback>
+        <mc:Fallback xmlns="">
           <p:sp>
             <p:nvSpPr>
               <p:cNvPr id="2" name="コンテンツ プレースホルダー 1">
@@ -18028,8 +15078,8 @@
           <a:chExt cx="0" cy="0"/>
         </a:xfrm>
       </p:grpSpPr>
-      <mc:AlternateContent xmlns:mc="http://schemas.openxmlformats.org/markup-compatibility/2006">
-        <mc:Choice xmlns:a14="http://schemas.microsoft.com/office/drawing/2010/main" Requires="a14">
+      <mc:AlternateContent xmlns:mc="http://schemas.openxmlformats.org/markup-compatibility/2006" xmlns:a14="http://schemas.microsoft.com/office/drawing/2010/main">
+        <mc:Choice Requires="a14">
           <p:sp>
             <p:nvSpPr>
               <p:cNvPr id="2" name="コンテンツ プレースホルダー 1">
@@ -18235,7 +15285,7 @@
             </p:txBody>
           </p:sp>
         </mc:Choice>
-        <mc:Fallback>
+        <mc:Fallback xmlns="">
           <p:sp>
             <p:nvSpPr>
               <p:cNvPr id="2" name="コンテンツ プレースホルダー 1">

--- a/lec/anninbon5.pptx
+++ b/lec/anninbon5.pptx
@@ -5,10 +5,10 @@
     <p:sldMasterId id="2147483706" r:id="rId1"/>
   </p:sldMasterIdLst>
   <p:notesMasterIdLst>
-    <p:notesMasterId r:id="rId27"/>
+    <p:notesMasterId r:id="rId22"/>
   </p:notesMasterIdLst>
   <p:handoutMasterIdLst>
-    <p:handoutMasterId r:id="rId28"/>
+    <p:handoutMasterId r:id="rId23"/>
   </p:handoutMasterIdLst>
   <p:sldIdLst>
     <p:sldId id="552" r:id="rId2"/>
@@ -31,11 +31,6 @@
     <p:sldId id="569" r:id="rId19"/>
     <p:sldId id="570" r:id="rId20"/>
     <p:sldId id="571" r:id="rId21"/>
-    <p:sldId id="572" r:id="rId22"/>
-    <p:sldId id="573" r:id="rId23"/>
-    <p:sldId id="574" r:id="rId24"/>
-    <p:sldId id="575" r:id="rId25"/>
-    <p:sldId id="576" r:id="rId26"/>
   </p:sldIdLst>
   <p:sldSz cx="9144000" cy="6858000" type="screen4x3"/>
   <p:notesSz cx="7099300" cy="10234613"/>
@@ -189,11 +184,6 @@
             <p14:sldId id="569"/>
             <p14:sldId id="570"/>
             <p14:sldId id="571"/>
-            <p14:sldId id="572"/>
-            <p14:sldId id="573"/>
-            <p14:sldId id="574"/>
-            <p14:sldId id="575"/>
-            <p14:sldId id="576"/>
           </p14:sldIdLst>
         </p14:section>
       </p14:sectionLst>
@@ -2375,11 +2365,19 @@
             </a:r>
             <a:r>
               <a:rPr lang="en-US" altLang="ja-JP" sz="2000"/>
-              <a:t>, RSA</a:t>
+              <a:t>, </a:t>
             </a:r>
             <a:r>
               <a:rPr lang="ja-JP" altLang="en-US" sz="2000"/>
-              <a:t>暗号</a:t>
+              <a:t>公開鍵暗号</a:t>
+            </a:r>
+            <a:r>
+              <a:rPr lang="en-US" altLang="ja-JP" sz="2000"/>
+              <a:t>, </a:t>
+            </a:r>
+            <a:r>
+              <a:rPr lang="ja-JP" altLang="en-US" sz="2000"/>
+              <a:t>安全性</a:t>
             </a:r>
             <a:endParaRPr lang="ja-JP" altLang="en-US"/>
           </a:p>
@@ -10694,2639 +10692,6 @@
 </p:sld>
 </file>
 
-<file path=ppt/slides/slide21.xml><?xml version="1.0" encoding="utf-8"?>
-<p:sld xmlns:a="http://schemas.openxmlformats.org/drawingml/2006/main" xmlns:r="http://schemas.openxmlformats.org/officeDocument/2006/relationships" xmlns:p="http://schemas.openxmlformats.org/presentationml/2006/main">
-  <p:cSld>
-    <p:spTree>
-      <p:nvGrpSpPr>
-        <p:cNvPr id="1" name=""/>
-        <p:cNvGrpSpPr/>
-        <p:nvPr/>
-      </p:nvGrpSpPr>
-      <p:grpSpPr>
-        <a:xfrm>
-          <a:off x="0" y="0"/>
-          <a:ext cx="0" cy="0"/>
-          <a:chOff x="0" y="0"/>
-          <a:chExt cx="0" cy="0"/>
-        </a:xfrm>
-      </p:grpSpPr>
-      <mc:AlternateContent xmlns:mc="http://schemas.openxmlformats.org/markup-compatibility/2006" xmlns:a14="http://schemas.microsoft.com/office/drawing/2010/main">
-        <mc:Choice Requires="a14">
-          <p:sp>
-            <p:nvSpPr>
-              <p:cNvPr id="2" name="コンテンツ プレースホルダー 1">
-                <a:extLst>
-                  <a:ext uri="{FF2B5EF4-FFF2-40B4-BE49-F238E27FC236}">
-                    <a16:creationId xmlns:a16="http://schemas.microsoft.com/office/drawing/2014/main" id="{26A2D4CB-C655-42C3-B526-D9B27EAE6448}"/>
-                  </a:ext>
-                </a:extLst>
-              </p:cNvPr>
-              <p:cNvSpPr>
-                <a:spLocks noGrp="1"/>
-              </p:cNvSpPr>
-              <p:nvPr>
-                <p:ph idx="1"/>
-              </p:nvPr>
-            </p:nvSpPr>
-            <p:spPr/>
-            <p:txBody>
-              <a:bodyPr/>
-              <a:lstStyle/>
-              <a:p>
-                <a:r>
-                  <a:rPr kumimoji="1" lang="ja-JP" altLang="en-US"/>
-                  <a:t>小さい</a:t>
-                </a:r>
-                <a:r>
-                  <a:rPr kumimoji="1" lang="en-US" altLang="ja-JP"/>
-                  <a:t>RSA</a:t>
-                </a:r>
-                <a:r>
-                  <a:rPr kumimoji="1" lang="ja-JP" altLang="en-US"/>
-                  <a:t>暗号の例</a:t>
-                </a:r>
-                <a:endParaRPr kumimoji="1" lang="en-US" altLang="ja-JP"/>
-              </a:p>
-              <a:p>
-                <a:pPr lvl="1"/>
-                <a14:m>
-                  <m:oMath xmlns:m="http://schemas.openxmlformats.org/officeDocument/2006/math">
-                    <m:r>
-                      <a:rPr kumimoji="1" lang="en-US" altLang="ja-JP" b="0" i="1" smtClean="0">
-                        <a:latin typeface="Cambria Math" panose="02040503050406030204" pitchFamily="18" charset="0"/>
-                      </a:rPr>
-                      <m:t>𝑛</m:t>
-                    </m:r>
-                    <m:r>
-                      <a:rPr kumimoji="1" lang="en-US" altLang="ja-JP" b="0" i="1" smtClean="0">
-                        <a:latin typeface="Cambria Math" panose="02040503050406030204" pitchFamily="18" charset="0"/>
-                      </a:rPr>
-                      <m:t>=187, </m:t>
-                    </m:r>
-                    <m:r>
-                      <a:rPr kumimoji="1" lang="en-US" altLang="ja-JP" b="0" i="1" smtClean="0">
-                        <a:latin typeface="Cambria Math" panose="02040503050406030204" pitchFamily="18" charset="0"/>
-                      </a:rPr>
-                      <m:t>𝑒</m:t>
-                    </m:r>
-                    <m:r>
-                      <a:rPr kumimoji="1" lang="en-US" altLang="ja-JP" b="0" i="1" smtClean="0">
-                        <a:latin typeface="Cambria Math" panose="02040503050406030204" pitchFamily="18" charset="0"/>
-                      </a:rPr>
-                      <m:t>=3</m:t>
-                    </m:r>
-                  </m:oMath>
-                </a14:m>
-                <a:r>
-                  <a:rPr kumimoji="1" lang="en-US" altLang="ja-JP"/>
-                  <a:t>, </a:t>
-                </a:r>
-                <a14:m>
-                  <m:oMath xmlns:m="http://schemas.openxmlformats.org/officeDocument/2006/math">
-                    <m:r>
-                      <a:rPr kumimoji="1" lang="en-US" altLang="ja-JP" b="0" i="1" smtClean="0">
-                        <a:latin typeface="Cambria Math" panose="02040503050406030204" pitchFamily="18" charset="0"/>
-                      </a:rPr>
-                      <m:t>(</m:t>
-                    </m:r>
-                    <m:r>
-                      <a:rPr kumimoji="1" lang="en-US" altLang="ja-JP" b="0" i="1" smtClean="0">
-                        <a:latin typeface="Cambria Math" panose="02040503050406030204" pitchFamily="18" charset="0"/>
-                      </a:rPr>
-                      <m:t>𝑛</m:t>
-                    </m:r>
-                    <m:r>
-                      <a:rPr kumimoji="1" lang="en-US" altLang="ja-JP" b="0" i="1" smtClean="0">
-                        <a:latin typeface="Cambria Math" panose="02040503050406030204" pitchFamily="18" charset="0"/>
-                      </a:rPr>
-                      <m:t>,</m:t>
-                    </m:r>
-                    <m:r>
-                      <a:rPr kumimoji="1" lang="en-US" altLang="ja-JP" b="0" i="1" smtClean="0">
-                        <a:latin typeface="Cambria Math" panose="02040503050406030204" pitchFamily="18" charset="0"/>
-                      </a:rPr>
-                      <m:t>𝑒</m:t>
-                    </m:r>
-                    <m:r>
-                      <a:rPr kumimoji="1" lang="en-US" altLang="ja-JP" b="0" i="1" smtClean="0">
-                        <a:latin typeface="Cambria Math" panose="02040503050406030204" pitchFamily="18" charset="0"/>
-                      </a:rPr>
-                      <m:t>)</m:t>
-                    </m:r>
-                  </m:oMath>
-                </a14:m>
-                <a:r>
-                  <a:rPr kumimoji="1" lang="ja-JP" altLang="en-US"/>
-                  <a:t>が公開鍵</a:t>
-                </a:r>
-                <a:r>
-                  <a:rPr kumimoji="1" lang="en-US" altLang="ja-JP"/>
-                  <a:t>, </a:t>
-                </a:r>
-                <a14:m>
-                  <m:oMath xmlns:m="http://schemas.openxmlformats.org/officeDocument/2006/math">
-                    <m:r>
-                      <a:rPr kumimoji="1" lang="en-US" altLang="ja-JP" b="0" i="1" smtClean="0">
-                        <a:latin typeface="Cambria Math" panose="02040503050406030204" pitchFamily="18" charset="0"/>
-                      </a:rPr>
-                      <m:t>𝑓</m:t>
-                    </m:r>
-                    <m:d>
-                      <m:dPr>
-                        <m:ctrlPr>
-                          <a:rPr kumimoji="1" lang="en-US" altLang="ja-JP" b="0" i="1" smtClean="0">
-                            <a:latin typeface="Cambria Math" panose="02040503050406030204" pitchFamily="18" charset="0"/>
-                          </a:rPr>
-                        </m:ctrlPr>
-                      </m:dPr>
-                      <m:e>
-                        <m:r>
-                          <a:rPr kumimoji="1" lang="en-US" altLang="ja-JP" b="0" i="1" smtClean="0">
-                            <a:latin typeface="Cambria Math" panose="02040503050406030204" pitchFamily="18" charset="0"/>
-                          </a:rPr>
-                          <m:t>𝑥</m:t>
-                        </m:r>
-                        <m:r>
-                          <a:rPr kumimoji="1" lang="en-US" altLang="ja-JP" b="0" i="1" smtClean="0">
-                            <a:latin typeface="Cambria Math" panose="02040503050406030204" pitchFamily="18" charset="0"/>
-                          </a:rPr>
-                          <m:t>, </m:t>
-                        </m:r>
-                        <m:r>
-                          <a:rPr kumimoji="1" lang="en-US" altLang="ja-JP" b="0" i="1" smtClean="0">
-                            <a:latin typeface="Cambria Math" panose="02040503050406030204" pitchFamily="18" charset="0"/>
-                          </a:rPr>
-                          <m:t>𝑦</m:t>
-                        </m:r>
-                        <m:r>
-                          <a:rPr kumimoji="1" lang="en-US" altLang="ja-JP" b="0" i="1" smtClean="0">
-                            <a:latin typeface="Cambria Math" panose="02040503050406030204" pitchFamily="18" charset="0"/>
-                          </a:rPr>
-                          <m:t>,</m:t>
-                        </m:r>
-                        <m:r>
-                          <a:rPr kumimoji="1" lang="en-US" altLang="ja-JP" b="0" i="1" smtClean="0">
-                            <a:latin typeface="Cambria Math" panose="02040503050406030204" pitchFamily="18" charset="0"/>
-                          </a:rPr>
-                          <m:t>𝑛</m:t>
-                        </m:r>
-                      </m:e>
-                    </m:d>
-                    <m:r>
-                      <a:rPr kumimoji="1" lang="en-US" altLang="ja-JP" b="0" i="1" smtClean="0">
-                        <a:latin typeface="Cambria Math" panose="02040503050406030204" pitchFamily="18" charset="0"/>
-                      </a:rPr>
-                      <m:t>=</m:t>
-                    </m:r>
-                    <m:sSup>
-                      <m:sSupPr>
-                        <m:ctrlPr>
-                          <a:rPr kumimoji="1" lang="en-US" altLang="ja-JP" b="0" i="1" smtClean="0">
-                            <a:latin typeface="Cambria Math" panose="02040503050406030204" pitchFamily="18" charset="0"/>
-                          </a:rPr>
-                        </m:ctrlPr>
-                      </m:sSupPr>
-                      <m:e>
-                        <m:r>
-                          <a:rPr kumimoji="1" lang="en-US" altLang="ja-JP" b="0" i="1" smtClean="0">
-                            <a:latin typeface="Cambria Math" panose="02040503050406030204" pitchFamily="18" charset="0"/>
-                          </a:rPr>
-                          <m:t>𝑥</m:t>
-                        </m:r>
-                      </m:e>
-                      <m:sup>
-                        <m:r>
-                          <a:rPr kumimoji="1" lang="en-US" altLang="ja-JP" b="0" i="1" smtClean="0">
-                            <a:latin typeface="Cambria Math" panose="02040503050406030204" pitchFamily="18" charset="0"/>
-                          </a:rPr>
-                          <m:t>𝑦</m:t>
-                        </m:r>
-                      </m:sup>
-                    </m:sSup>
-                    <m:r>
-                      <a:rPr kumimoji="1" lang="en-US" altLang="ja-JP" b="0" i="1" smtClean="0">
-                        <a:latin typeface="Cambria Math" panose="02040503050406030204" pitchFamily="18" charset="0"/>
-                      </a:rPr>
-                      <m:t> </m:t>
-                    </m:r>
-                    <m:r>
-                      <a:rPr kumimoji="1" lang="en-US" altLang="ja-JP" b="0" i="1" smtClean="0">
-                        <a:latin typeface="Cambria Math" panose="02040503050406030204" pitchFamily="18" charset="0"/>
-                      </a:rPr>
-                      <m:t>𝑚𝑜𝑑</m:t>
-                    </m:r>
-                    <m:r>
-                      <a:rPr kumimoji="1" lang="en-US" altLang="ja-JP" b="0" i="1" smtClean="0">
-                        <a:latin typeface="Cambria Math" panose="02040503050406030204" pitchFamily="18" charset="0"/>
-                      </a:rPr>
-                      <m:t> </m:t>
-                    </m:r>
-                    <m:r>
-                      <a:rPr kumimoji="1" lang="en-US" altLang="ja-JP" b="0" i="1" smtClean="0">
-                        <a:latin typeface="Cambria Math" panose="02040503050406030204" pitchFamily="18" charset="0"/>
-                      </a:rPr>
-                      <m:t>𝑛</m:t>
-                    </m:r>
-                  </m:oMath>
-                </a14:m>
-                <a:endParaRPr kumimoji="1" lang="en-US" altLang="ja-JP"/>
-              </a:p>
-              <a:p>
-                <a:r>
-                  <a:rPr kumimoji="1" lang="ja-JP" altLang="en-US"/>
-                  <a:t>暗号化</a:t>
-                </a:r>
-                <a:endParaRPr kumimoji="1" lang="en-US" altLang="ja-JP"/>
-              </a:p>
-              <a:p>
-                <a:pPr lvl="1"/>
-                <a14:m>
-                  <m:oMath xmlns:m="http://schemas.openxmlformats.org/officeDocument/2006/math">
-                    <m:r>
-                      <a:rPr kumimoji="1" lang="en-US" altLang="ja-JP" b="0" i="1" smtClean="0">
-                        <a:latin typeface="Cambria Math" panose="02040503050406030204" pitchFamily="18" charset="0"/>
-                      </a:rPr>
-                      <m:t>𝐸𝑛𝑐</m:t>
-                    </m:r>
-                    <m:d>
-                      <m:dPr>
-                        <m:ctrlPr>
-                          <a:rPr kumimoji="1" lang="en-US" altLang="ja-JP" b="0" i="1" smtClean="0">
-                            <a:latin typeface="Cambria Math" panose="02040503050406030204" pitchFamily="18" charset="0"/>
-                          </a:rPr>
-                        </m:ctrlPr>
-                      </m:dPr>
-                      <m:e>
-                        <m:r>
-                          <a:rPr kumimoji="1" lang="en-US" altLang="ja-JP" b="0" i="1" smtClean="0">
-                            <a:latin typeface="Cambria Math" panose="02040503050406030204" pitchFamily="18" charset="0"/>
-                          </a:rPr>
-                          <m:t>𝑚</m:t>
-                        </m:r>
-                      </m:e>
-                    </m:d>
-                    <m:r>
-                      <a:rPr kumimoji="1" lang="en-US" altLang="ja-JP" b="0" i="1" smtClean="0">
-                        <a:latin typeface="Cambria Math" panose="02040503050406030204" pitchFamily="18" charset="0"/>
-                      </a:rPr>
-                      <m:t>=</m:t>
-                    </m:r>
-                    <m:sSup>
-                      <m:sSupPr>
-                        <m:ctrlPr>
-                          <a:rPr kumimoji="1" lang="en-US" altLang="ja-JP" b="0" i="1" smtClean="0">
-                            <a:latin typeface="Cambria Math" panose="02040503050406030204" pitchFamily="18" charset="0"/>
-                          </a:rPr>
-                        </m:ctrlPr>
-                      </m:sSupPr>
-                      <m:e>
-                        <m:r>
-                          <a:rPr kumimoji="1" lang="en-US" altLang="ja-JP" b="0" i="1" smtClean="0">
-                            <a:latin typeface="Cambria Math" panose="02040503050406030204" pitchFamily="18" charset="0"/>
-                          </a:rPr>
-                          <m:t>𝑚</m:t>
-                        </m:r>
-                      </m:e>
-                      <m:sup>
-                        <m:r>
-                          <a:rPr kumimoji="1" lang="en-US" altLang="ja-JP" b="0" i="1" smtClean="0">
-                            <a:latin typeface="Cambria Math" panose="02040503050406030204" pitchFamily="18" charset="0"/>
-                          </a:rPr>
-                          <m:t>𝑒</m:t>
-                        </m:r>
-                      </m:sup>
-                    </m:sSup>
-                    <m:r>
-                      <a:rPr kumimoji="1" lang="en-US" altLang="ja-JP" b="0" i="0" smtClean="0">
-                        <a:latin typeface="Cambria Math" panose="02040503050406030204" pitchFamily="18" charset="0"/>
-                      </a:rPr>
-                      <m:t> </m:t>
-                    </m:r>
-                    <m:r>
-                      <m:rPr>
-                        <m:sty m:val="p"/>
-                      </m:rPr>
-                      <a:rPr kumimoji="1" lang="en-US" altLang="ja-JP" b="0" i="0" smtClean="0">
-                        <a:latin typeface="Cambria Math" panose="02040503050406030204" pitchFamily="18" charset="0"/>
-                      </a:rPr>
-                      <m:t>mod</m:t>
-                    </m:r>
-                    <m:r>
-                      <a:rPr kumimoji="1" lang="en-US" altLang="ja-JP" b="0" i="0" smtClean="0">
-                        <a:latin typeface="Cambria Math" panose="02040503050406030204" pitchFamily="18" charset="0"/>
-                      </a:rPr>
-                      <m:t> </m:t>
-                    </m:r>
-                    <m:r>
-                      <a:rPr kumimoji="1" lang="en-US" altLang="ja-JP" b="0" i="1" smtClean="0">
-                        <a:latin typeface="Cambria Math" panose="02040503050406030204" pitchFamily="18" charset="0"/>
-                      </a:rPr>
-                      <m:t>𝑛</m:t>
-                    </m:r>
-                  </m:oMath>
-                </a14:m>
-                <a:endParaRPr kumimoji="1" lang="en-US" altLang="ja-JP" i="1"/>
-              </a:p>
-              <a:p>
-                <a:pPr lvl="1"/>
-                <a:endParaRPr lang="en-US" altLang="ja-JP" i="1"/>
-              </a:p>
-              <a:p>
-                <a:pPr lvl="1"/>
-                <a:endParaRPr kumimoji="1" lang="en-US" altLang="ja-JP" i="1"/>
-              </a:p>
-              <a:p>
-                <a:pPr lvl="1"/>
-                <a:endParaRPr lang="en-US" altLang="ja-JP" i="1"/>
-              </a:p>
-              <a:p>
-                <a:r>
-                  <a:rPr kumimoji="1" lang="ja-JP" altLang="en-US"/>
-                  <a:t>復号</a:t>
-                </a:r>
-                <a:endParaRPr kumimoji="1" lang="en-US" altLang="ja-JP"/>
-              </a:p>
-              <a:p>
-                <a:pPr lvl="1"/>
-                <a14:m>
-                  <m:oMath xmlns:m="http://schemas.openxmlformats.org/officeDocument/2006/math">
-                    <m:r>
-                      <a:rPr kumimoji="1" lang="en-US" altLang="ja-JP" b="0" i="1" smtClean="0">
-                        <a:latin typeface="Cambria Math" panose="02040503050406030204" pitchFamily="18" charset="0"/>
-                      </a:rPr>
-                      <m:t>𝐷𝑒𝑐</m:t>
-                    </m:r>
-                    <m:d>
-                      <m:dPr>
-                        <m:ctrlPr>
-                          <a:rPr kumimoji="1" lang="en-US" altLang="ja-JP" b="0" i="1" smtClean="0">
-                            <a:latin typeface="Cambria Math" panose="02040503050406030204" pitchFamily="18" charset="0"/>
-                          </a:rPr>
-                        </m:ctrlPr>
-                      </m:dPr>
-                      <m:e>
-                        <m:r>
-                          <a:rPr kumimoji="1" lang="en-US" altLang="ja-JP" b="0" i="1" smtClean="0">
-                            <a:latin typeface="Cambria Math" panose="02040503050406030204" pitchFamily="18" charset="0"/>
-                          </a:rPr>
-                          <m:t>𝑐</m:t>
-                        </m:r>
-                      </m:e>
-                    </m:d>
-                    <m:r>
-                      <a:rPr kumimoji="1" lang="en-US" altLang="ja-JP" b="0" i="1" smtClean="0">
-                        <a:latin typeface="Cambria Math" panose="02040503050406030204" pitchFamily="18" charset="0"/>
-                      </a:rPr>
-                      <m:t>=</m:t>
-                    </m:r>
-                    <m:sSup>
-                      <m:sSupPr>
-                        <m:ctrlPr>
-                          <a:rPr kumimoji="1" lang="en-US" altLang="ja-JP" b="0" i="1" smtClean="0">
-                            <a:latin typeface="Cambria Math" panose="02040503050406030204" pitchFamily="18" charset="0"/>
-                          </a:rPr>
-                        </m:ctrlPr>
-                      </m:sSupPr>
-                      <m:e>
-                        <m:r>
-                          <a:rPr kumimoji="1" lang="en-US" altLang="ja-JP" b="0" i="1" smtClean="0">
-                            <a:latin typeface="Cambria Math" panose="02040503050406030204" pitchFamily="18" charset="0"/>
-                          </a:rPr>
-                          <m:t>𝑐</m:t>
-                        </m:r>
-                      </m:e>
-                      <m:sup>
-                        <m:r>
-                          <a:rPr kumimoji="1" lang="en-US" altLang="ja-JP" b="0" i="1" smtClean="0">
-                            <a:latin typeface="Cambria Math" panose="02040503050406030204" pitchFamily="18" charset="0"/>
-                          </a:rPr>
-                          <m:t>𝑑</m:t>
-                        </m:r>
-                      </m:sup>
-                    </m:sSup>
-                    <m:r>
-                      <a:rPr kumimoji="1" lang="en-US" altLang="ja-JP" b="0" i="1" smtClean="0">
-                        <a:latin typeface="Cambria Math" panose="02040503050406030204" pitchFamily="18" charset="0"/>
-                      </a:rPr>
-                      <m:t> </m:t>
-                    </m:r>
-                    <m:r>
-                      <m:rPr>
-                        <m:sty m:val="p"/>
-                      </m:rPr>
-                      <a:rPr kumimoji="1" lang="en-US" altLang="ja-JP" b="0" i="1" smtClean="0">
-                        <a:latin typeface="Cambria Math" panose="02040503050406030204" pitchFamily="18" charset="0"/>
-                      </a:rPr>
-                      <m:t>mod</m:t>
-                    </m:r>
-                    <m:r>
-                      <a:rPr kumimoji="1" lang="en-US" altLang="ja-JP" b="0" i="1" smtClean="0">
-                        <a:latin typeface="Cambria Math" panose="02040503050406030204" pitchFamily="18" charset="0"/>
-                      </a:rPr>
-                      <m:t> </m:t>
-                    </m:r>
-                    <m:r>
-                      <a:rPr kumimoji="1" lang="en-US" altLang="ja-JP" b="0" i="1" smtClean="0">
-                        <a:latin typeface="Cambria Math" panose="02040503050406030204" pitchFamily="18" charset="0"/>
-                      </a:rPr>
-                      <m:t>𝑛</m:t>
-                    </m:r>
-                  </m:oMath>
-                </a14:m>
-                <a:r>
-                  <a:rPr kumimoji="1" lang="ja-JP" altLang="en-US"/>
-                  <a:t> </a:t>
-                </a:r>
-                <a:r>
-                  <a:rPr kumimoji="1" lang="en-US" altLang="ja-JP"/>
-                  <a:t>where </a:t>
-                </a:r>
-                <a14:m>
-                  <m:oMath xmlns:m="http://schemas.openxmlformats.org/officeDocument/2006/math">
-                    <m:r>
-                      <a:rPr kumimoji="1" lang="en-US" altLang="ja-JP" b="0" i="1" smtClean="0">
-                        <a:latin typeface="Cambria Math" panose="02040503050406030204" pitchFamily="18" charset="0"/>
-                      </a:rPr>
-                      <m:t>𝑑</m:t>
-                    </m:r>
-                    <m:r>
-                      <a:rPr kumimoji="1" lang="en-US" altLang="ja-JP" b="0" i="1" smtClean="0">
-                        <a:latin typeface="Cambria Math" panose="02040503050406030204" pitchFamily="18" charset="0"/>
-                      </a:rPr>
-                      <m:t>=107</m:t>
-                    </m:r>
-                  </m:oMath>
-                </a14:m>
-                <a:endParaRPr kumimoji="1" lang="ja-JP" altLang="en-US"/>
-              </a:p>
-            </p:txBody>
-          </p:sp>
-        </mc:Choice>
-        <mc:Fallback xmlns="">
-          <p:sp>
-            <p:nvSpPr>
-              <p:cNvPr id="2" name="コンテンツ プレースホルダー 1">
-                <a:extLst>
-                  <a:ext uri="{FF2B5EF4-FFF2-40B4-BE49-F238E27FC236}">
-                    <a16:creationId xmlns:a16="http://schemas.microsoft.com/office/drawing/2014/main" id="{26A2D4CB-C655-42C3-B526-D9B27EAE6448}"/>
-                  </a:ext>
-                </a:extLst>
-              </p:cNvPr>
-              <p:cNvSpPr>
-                <a:spLocks noGrp="1" noRot="1" noChangeAspect="1" noMove="1" noResize="1" noEditPoints="1" noAdjustHandles="1" noChangeArrowheads="1" noChangeShapeType="1" noTextEdit="1"/>
-              </p:cNvSpPr>
-              <p:nvPr>
-                <p:ph idx="1"/>
-              </p:nvPr>
-            </p:nvSpPr>
-            <p:spPr>
-              <a:blipFill>
-                <a:blip r:embed="rId2"/>
-                <a:stretch>
-                  <a:fillRect l="-1200" t="-1454"/>
-                </a:stretch>
-              </a:blipFill>
-            </p:spPr>
-            <p:txBody>
-              <a:bodyPr/>
-              <a:lstStyle/>
-              <a:p>
-                <a:r>
-                  <a:rPr lang="ja-JP" altLang="en-US">
-                    <a:noFill/>
-                  </a:rPr>
-                  <a:t> </a:t>
-                </a:r>
-              </a:p>
-            </p:txBody>
-          </p:sp>
-        </mc:Fallback>
-      </mc:AlternateContent>
-      <p:sp>
-        <p:nvSpPr>
-          <p:cNvPr id="3" name="スライド番号プレースホルダー 2">
-            <a:extLst>
-              <a:ext uri="{FF2B5EF4-FFF2-40B4-BE49-F238E27FC236}">
-                <a16:creationId xmlns:a16="http://schemas.microsoft.com/office/drawing/2014/main" id="{8D526329-3EE1-485C-ABB1-A42ECF6A257B}"/>
-              </a:ext>
-            </a:extLst>
-          </p:cNvPr>
-          <p:cNvSpPr>
-            <a:spLocks noGrp="1"/>
-          </p:cNvSpPr>
-          <p:nvPr>
-            <p:ph type="sldNum" sz="quarter" idx="12"/>
-          </p:nvPr>
-        </p:nvSpPr>
-        <p:spPr/>
-        <p:txBody>
-          <a:bodyPr/>
-          <a:lstStyle/>
-          <a:p>
-            <a:pPr>
-              <a:defRPr/>
-            </a:pPr>
-            <a:r>
-              <a:rPr lang="en-US" altLang="ja-JP"/>
-              <a:t>    </a:t>
-            </a:r>
-            <a:fld id="{B2782DEB-472A-4FE5-AC34-C17109CF5A91}" type="slidenum">
-              <a:rPr lang="en-US" altLang="ja-JP" smtClean="0"/>
-              <a:pPr>
-                <a:defRPr/>
-              </a:pPr>
-              <a:t>21</a:t>
-            </a:fld>
-            <a:r>
-              <a:rPr lang="en-US" altLang="ja-JP"/>
-              <a:t> / 24</a:t>
-            </a:r>
-          </a:p>
-        </p:txBody>
-      </p:sp>
-      <p:sp>
-        <p:nvSpPr>
-          <p:cNvPr id="4" name="タイトル 3">
-            <a:extLst>
-              <a:ext uri="{FF2B5EF4-FFF2-40B4-BE49-F238E27FC236}">
-                <a16:creationId xmlns:a16="http://schemas.microsoft.com/office/drawing/2014/main" id="{875EFD97-F8C3-4C9F-980C-B776C7D4AB59}"/>
-              </a:ext>
-            </a:extLst>
-          </p:cNvPr>
-          <p:cNvSpPr>
-            <a:spLocks noGrp="1"/>
-          </p:cNvSpPr>
-          <p:nvPr>
-            <p:ph type="title"/>
-          </p:nvPr>
-        </p:nvSpPr>
-        <p:spPr/>
-        <p:txBody>
-          <a:bodyPr/>
-          <a:lstStyle/>
-          <a:p>
-            <a:r>
-              <a:rPr kumimoji="1" lang="en-US" altLang="ja-JP"/>
-              <a:t>RSA</a:t>
-            </a:r>
-            <a:r>
-              <a:rPr kumimoji="1" lang="ja-JP" altLang="en-US"/>
-              <a:t>暗号</a:t>
-            </a:r>
-          </a:p>
-        </p:txBody>
-      </p:sp>
-      <p:pic>
-        <p:nvPicPr>
-          <p:cNvPr id="9" name="図 8">
-            <a:extLst>
-              <a:ext uri="{FF2B5EF4-FFF2-40B4-BE49-F238E27FC236}">
-                <a16:creationId xmlns:a16="http://schemas.microsoft.com/office/drawing/2014/main" id="{3D584A73-DD77-4350-B1BA-14D40EC0D2BE}"/>
-              </a:ext>
-            </a:extLst>
-          </p:cNvPr>
-          <p:cNvPicPr>
-            <a:picLocks noChangeAspect="1"/>
-          </p:cNvPicPr>
-          <p:nvPr/>
-        </p:nvPicPr>
-        <p:blipFill>
-          <a:blip r:embed="rId3"/>
-          <a:stretch>
-            <a:fillRect/>
-          </a:stretch>
-        </p:blipFill>
-        <p:spPr>
-          <a:xfrm>
-            <a:off x="179512" y="2780928"/>
-            <a:ext cx="8630854" cy="1009791"/>
-          </a:xfrm>
-          <a:prstGeom prst="rect">
-            <a:avLst/>
-          </a:prstGeom>
-        </p:spPr>
-      </p:pic>
-      <p:pic>
-        <p:nvPicPr>
-          <p:cNvPr id="11" name="図 10">
-            <a:extLst>
-              <a:ext uri="{FF2B5EF4-FFF2-40B4-BE49-F238E27FC236}">
-                <a16:creationId xmlns:a16="http://schemas.microsoft.com/office/drawing/2014/main" id="{1A6CE484-9A3C-4225-9CB7-96C0836BADDB}"/>
-              </a:ext>
-            </a:extLst>
-          </p:cNvPr>
-          <p:cNvPicPr>
-            <a:picLocks noChangeAspect="1"/>
-          </p:cNvPicPr>
-          <p:nvPr/>
-        </p:nvPicPr>
-        <p:blipFill>
-          <a:blip r:embed="rId4"/>
-          <a:stretch>
-            <a:fillRect/>
-          </a:stretch>
-        </p:blipFill>
-        <p:spPr>
-          <a:xfrm>
-            <a:off x="179512" y="5301208"/>
-            <a:ext cx="8688012" cy="847843"/>
-          </a:xfrm>
-          <a:prstGeom prst="rect">
-            <a:avLst/>
-          </a:prstGeom>
-        </p:spPr>
-      </p:pic>
-    </p:spTree>
-    <p:extLst>
-      <p:ext uri="{BB962C8B-B14F-4D97-AF65-F5344CB8AC3E}">
-        <p14:creationId xmlns:p14="http://schemas.microsoft.com/office/powerpoint/2010/main" val="3246770108"/>
-      </p:ext>
-    </p:extLst>
-  </p:cSld>
-  <p:clrMapOvr>
-    <a:masterClrMapping/>
-  </p:clrMapOvr>
-</p:sld>
-</file>
-
-<file path=ppt/slides/slide22.xml><?xml version="1.0" encoding="utf-8"?>
-<p:sld xmlns:a="http://schemas.openxmlformats.org/drawingml/2006/main" xmlns:r="http://schemas.openxmlformats.org/officeDocument/2006/relationships" xmlns:p="http://schemas.openxmlformats.org/presentationml/2006/main">
-  <p:cSld>
-    <p:spTree>
-      <p:nvGrpSpPr>
-        <p:cNvPr id="1" name=""/>
-        <p:cNvGrpSpPr/>
-        <p:nvPr/>
-      </p:nvGrpSpPr>
-      <p:grpSpPr>
-        <a:xfrm>
-          <a:off x="0" y="0"/>
-          <a:ext cx="0" cy="0"/>
-          <a:chOff x="0" y="0"/>
-          <a:chExt cx="0" cy="0"/>
-        </a:xfrm>
-      </p:grpSpPr>
-      <mc:AlternateContent xmlns:mc="http://schemas.openxmlformats.org/markup-compatibility/2006" xmlns:a14="http://schemas.microsoft.com/office/drawing/2010/main">
-        <mc:Choice Requires="a14">
-          <p:sp>
-            <p:nvSpPr>
-              <p:cNvPr id="2" name="コンテンツ プレースホルダー 1">
-                <a:extLst>
-                  <a:ext uri="{FF2B5EF4-FFF2-40B4-BE49-F238E27FC236}">
-                    <a16:creationId xmlns:a16="http://schemas.microsoft.com/office/drawing/2014/main" id="{FF3CD97D-46FD-45F6-A46D-44F67556EBFB}"/>
-                  </a:ext>
-                </a:extLst>
-              </p:cNvPr>
-              <p:cNvSpPr>
-                <a:spLocks noGrp="1"/>
-              </p:cNvSpPr>
-              <p:nvPr>
-                <p:ph idx="1"/>
-              </p:nvPr>
-            </p:nvSpPr>
-            <p:spPr/>
-            <p:txBody>
-              <a:bodyPr/>
-              <a:lstStyle/>
-              <a:p>
-                <a:r>
-                  <a:rPr kumimoji="1" lang="ja-JP" altLang="en-US"/>
-                  <a:t>鍵生成</a:t>
-                </a:r>
-                <a:endParaRPr kumimoji="1" lang="en-US" altLang="ja-JP"/>
-              </a:p>
-              <a:p>
-                <a:pPr lvl="1"/>
-                <a:r>
-                  <a:rPr kumimoji="1" lang="en-US" altLang="ja-JP"/>
-                  <a:t>2</a:t>
-                </a:r>
-                <a:r>
-                  <a:rPr kumimoji="1" lang="ja-JP" altLang="en-US"/>
-                  <a:t>個の素数</a:t>
-                </a:r>
-                <a14:m>
-                  <m:oMath xmlns:m="http://schemas.openxmlformats.org/officeDocument/2006/math">
-                    <m:r>
-                      <a:rPr kumimoji="1" lang="en-US" altLang="ja-JP" b="0" i="1" smtClean="0">
-                        <a:latin typeface="Cambria Math" panose="02040503050406030204" pitchFamily="18" charset="0"/>
-                      </a:rPr>
-                      <m:t>𝑝</m:t>
-                    </m:r>
-                  </m:oMath>
-                </a14:m>
-                <a:r>
-                  <a:rPr kumimoji="1" lang="ja-JP" altLang="en-US"/>
-                  <a:t>と</a:t>
-                </a:r>
-                <a14:m>
-                  <m:oMath xmlns:m="http://schemas.openxmlformats.org/officeDocument/2006/math">
-                    <m:r>
-                      <a:rPr kumimoji="1" lang="en-US" altLang="ja-JP" b="0" i="1" smtClean="0">
-                        <a:latin typeface="Cambria Math" panose="02040503050406030204" pitchFamily="18" charset="0"/>
-                      </a:rPr>
-                      <m:t>𝑞</m:t>
-                    </m:r>
-                  </m:oMath>
-                </a14:m>
-                <a:r>
-                  <a:rPr kumimoji="1" lang="ja-JP" altLang="en-US"/>
-                  <a:t>を選び</a:t>
-                </a:r>
-                <a14:m>
-                  <m:oMath xmlns:m="http://schemas.openxmlformats.org/officeDocument/2006/math">
-                    <m:r>
-                      <a:rPr kumimoji="1" lang="en-US" altLang="ja-JP" b="0" i="1" smtClean="0">
-                        <a:latin typeface="Cambria Math" panose="02040503050406030204" pitchFamily="18" charset="0"/>
-                      </a:rPr>
-                      <m:t>𝑛</m:t>
-                    </m:r>
-                    <m:r>
-                      <a:rPr kumimoji="1" lang="en-US" altLang="ja-JP" b="0" i="1" smtClean="0">
-                        <a:latin typeface="Cambria Math" panose="02040503050406030204" pitchFamily="18" charset="0"/>
-                      </a:rPr>
-                      <m:t>=</m:t>
-                    </m:r>
-                    <m:r>
-                      <a:rPr kumimoji="1" lang="en-US" altLang="ja-JP" b="0" i="1" smtClean="0">
-                        <a:latin typeface="Cambria Math" panose="02040503050406030204" pitchFamily="18" charset="0"/>
-                      </a:rPr>
-                      <m:t>𝑝𝑞</m:t>
-                    </m:r>
-                  </m:oMath>
-                </a14:m>
-                <a:r>
-                  <a:rPr kumimoji="1" lang="ja-JP" altLang="en-US"/>
-                  <a:t>とする</a:t>
-                </a:r>
-                <a:endParaRPr kumimoji="1" lang="en-US" altLang="ja-JP"/>
-              </a:p>
-              <a:p>
-                <a:pPr lvl="1"/>
-                <a14:m>
-                  <m:oMath xmlns:m="http://schemas.openxmlformats.org/officeDocument/2006/math">
-                    <m:r>
-                      <a:rPr kumimoji="1" lang="en-US" altLang="ja-JP" b="0" i="1" smtClean="0">
-                        <a:latin typeface="Cambria Math" panose="02040503050406030204" pitchFamily="18" charset="0"/>
-                      </a:rPr>
-                      <m:t>𝑒</m:t>
-                    </m:r>
-                  </m:oMath>
-                </a14:m>
-                <a:r>
-                  <a:rPr kumimoji="1" lang="ja-JP" altLang="en-US"/>
-                  <a:t>を選ぶ</a:t>
-                </a:r>
-                <a:r>
-                  <a:rPr kumimoji="1" lang="en-US" altLang="ja-JP"/>
-                  <a:t>(e.g., </a:t>
-                </a:r>
-                <a14:m>
-                  <m:oMath xmlns:m="http://schemas.openxmlformats.org/officeDocument/2006/math">
-                    <m:r>
-                      <a:rPr kumimoji="1" lang="en-US" altLang="ja-JP" b="0" i="1" smtClean="0">
-                        <a:latin typeface="Cambria Math" panose="02040503050406030204" pitchFamily="18" charset="0"/>
-                      </a:rPr>
-                      <m:t>𝑒</m:t>
-                    </m:r>
-                    <m:r>
-                      <a:rPr kumimoji="1" lang="en-US" altLang="ja-JP" b="0" i="1" smtClean="0">
-                        <a:latin typeface="Cambria Math" panose="02040503050406030204" pitchFamily="18" charset="0"/>
-                      </a:rPr>
-                      <m:t>=65537</m:t>
-                    </m:r>
-                  </m:oMath>
-                </a14:m>
-                <a:r>
-                  <a:rPr kumimoji="1" lang="en-US" altLang="ja-JP"/>
-                  <a:t>)</a:t>
-                </a:r>
-              </a:p>
-              <a:p>
-                <a:pPr lvl="1"/>
-                <a14:m>
-                  <m:oMath xmlns:m="http://schemas.openxmlformats.org/officeDocument/2006/math">
-                    <m:r>
-                      <a:rPr kumimoji="1" lang="en-US" altLang="ja-JP" b="0" i="1" smtClean="0">
-                        <a:latin typeface="Cambria Math" panose="02040503050406030204" pitchFamily="18" charset="0"/>
-                      </a:rPr>
-                      <m:t>𝑒𝑑</m:t>
-                    </m:r>
-                  </m:oMath>
-                </a14:m>
-                <a:r>
-                  <a:rPr kumimoji="1" lang="ja-JP" altLang="en-US"/>
-                  <a:t>を</a:t>
-                </a:r>
-                <a14:m>
-                  <m:oMath xmlns:m="http://schemas.openxmlformats.org/officeDocument/2006/math">
-                    <m:r>
-                      <a:rPr kumimoji="1" lang="en-US" altLang="ja-JP" b="0" i="1" smtClean="0">
-                        <a:latin typeface="Cambria Math" panose="02040503050406030204" pitchFamily="18" charset="0"/>
-                      </a:rPr>
-                      <m:t>(</m:t>
-                    </m:r>
-                    <m:r>
-                      <a:rPr kumimoji="1" lang="en-US" altLang="ja-JP" b="0" i="1" smtClean="0">
-                        <a:latin typeface="Cambria Math" panose="02040503050406030204" pitchFamily="18" charset="0"/>
-                      </a:rPr>
-                      <m:t>𝑝</m:t>
-                    </m:r>
-                    <m:r>
-                      <a:rPr kumimoji="1" lang="en-US" altLang="ja-JP" b="0" i="1" smtClean="0">
-                        <a:latin typeface="Cambria Math" panose="02040503050406030204" pitchFamily="18" charset="0"/>
-                      </a:rPr>
-                      <m:t>−1)(</m:t>
-                    </m:r>
-                    <m:r>
-                      <a:rPr kumimoji="1" lang="en-US" altLang="ja-JP" b="0" i="1" smtClean="0">
-                        <a:latin typeface="Cambria Math" panose="02040503050406030204" pitchFamily="18" charset="0"/>
-                      </a:rPr>
-                      <m:t>𝑞</m:t>
-                    </m:r>
-                    <m:r>
-                      <a:rPr kumimoji="1" lang="en-US" altLang="ja-JP" b="0" i="1" smtClean="0">
-                        <a:latin typeface="Cambria Math" panose="02040503050406030204" pitchFamily="18" charset="0"/>
-                      </a:rPr>
-                      <m:t>−1)</m:t>
-                    </m:r>
-                  </m:oMath>
-                </a14:m>
-                <a:r>
-                  <a:rPr kumimoji="1" lang="ja-JP" altLang="en-US"/>
-                  <a:t>で割った余りが</a:t>
-                </a:r>
-                <a:r>
-                  <a:rPr kumimoji="1" lang="en-US" altLang="ja-JP"/>
-                  <a:t>1</a:t>
-                </a:r>
-                <a:r>
-                  <a:rPr kumimoji="1" lang="ja-JP" altLang="en-US"/>
-                  <a:t>となる</a:t>
-                </a:r>
-                <a14:m>
-                  <m:oMath xmlns:m="http://schemas.openxmlformats.org/officeDocument/2006/math">
-                    <m:r>
-                      <a:rPr kumimoji="1" lang="en-US" altLang="ja-JP" b="0" i="1" smtClean="0">
-                        <a:latin typeface="Cambria Math" panose="02040503050406030204" pitchFamily="18" charset="0"/>
-                      </a:rPr>
-                      <m:t>𝑑</m:t>
-                    </m:r>
-                  </m:oMath>
-                </a14:m>
-                <a:r>
-                  <a:rPr kumimoji="1" lang="ja-JP" altLang="en-US"/>
-                  <a:t>を探す</a:t>
-                </a:r>
-                <a:endParaRPr kumimoji="1" lang="en-US" altLang="ja-JP"/>
-              </a:p>
-              <a:p>
-                <a:pPr lvl="2"/>
-                <a:r>
-                  <a:rPr kumimoji="1" lang="ja-JP" altLang="en-US"/>
-                  <a:t>先程の例 </a:t>
-                </a:r>
-                <a:r>
-                  <a:rPr kumimoji="1" lang="en-US" altLang="ja-JP"/>
-                  <a:t>: </a:t>
-                </a:r>
-                <a14:m>
-                  <m:oMath xmlns:m="http://schemas.openxmlformats.org/officeDocument/2006/math">
-                    <m:r>
-                      <a:rPr kumimoji="1" lang="en-US" altLang="ja-JP" b="0" i="1" smtClean="0">
-                        <a:latin typeface="Cambria Math" panose="02040503050406030204" pitchFamily="18" charset="0"/>
-                      </a:rPr>
-                      <m:t>𝑝</m:t>
-                    </m:r>
-                    <m:r>
-                      <a:rPr kumimoji="1" lang="en-US" altLang="ja-JP" b="0" i="1" smtClean="0">
-                        <a:latin typeface="Cambria Math" panose="02040503050406030204" pitchFamily="18" charset="0"/>
-                      </a:rPr>
-                      <m:t>=11, </m:t>
-                    </m:r>
-                    <m:r>
-                      <a:rPr kumimoji="1" lang="en-US" altLang="ja-JP" b="0" i="1" smtClean="0">
-                        <a:latin typeface="Cambria Math" panose="02040503050406030204" pitchFamily="18" charset="0"/>
-                      </a:rPr>
-                      <m:t>𝑞</m:t>
-                    </m:r>
-                    <m:r>
-                      <a:rPr kumimoji="1" lang="en-US" altLang="ja-JP" b="0" i="1" smtClean="0">
-                        <a:latin typeface="Cambria Math" panose="02040503050406030204" pitchFamily="18" charset="0"/>
-                      </a:rPr>
-                      <m:t>=17, </m:t>
-                    </m:r>
-                    <m:r>
-                      <a:rPr kumimoji="1" lang="en-US" altLang="ja-JP" b="0" i="1" smtClean="0">
-                        <a:latin typeface="Cambria Math" panose="02040503050406030204" pitchFamily="18" charset="0"/>
-                      </a:rPr>
-                      <m:t>𝑛</m:t>
-                    </m:r>
-                    <m:r>
-                      <a:rPr kumimoji="1" lang="en-US" altLang="ja-JP" b="0" i="1" smtClean="0">
-                        <a:latin typeface="Cambria Math" panose="02040503050406030204" pitchFamily="18" charset="0"/>
-                      </a:rPr>
-                      <m:t>=187,</m:t>
-                    </m:r>
-                    <m:r>
-                      <a:rPr lang="en-US" altLang="ja-JP" i="1">
-                        <a:latin typeface="Cambria Math" panose="02040503050406030204" pitchFamily="18" charset="0"/>
-                      </a:rPr>
-                      <m:t>𝑒</m:t>
-                    </m:r>
-                    <m:r>
-                      <a:rPr lang="en-US" altLang="ja-JP" i="1">
-                        <a:latin typeface="Cambria Math" panose="02040503050406030204" pitchFamily="18" charset="0"/>
-                      </a:rPr>
-                      <m:t>=3, </m:t>
-                    </m:r>
-                    <m:r>
-                      <a:rPr lang="en-US" altLang="ja-JP" i="1">
-                        <a:latin typeface="Cambria Math" panose="02040503050406030204" pitchFamily="18" charset="0"/>
-                      </a:rPr>
-                      <m:t>𝑑</m:t>
-                    </m:r>
-                    <m:r>
-                      <a:rPr lang="en-US" altLang="ja-JP" i="1">
-                        <a:latin typeface="Cambria Math" panose="02040503050406030204" pitchFamily="18" charset="0"/>
-                      </a:rPr>
-                      <m:t>=107</m:t>
-                    </m:r>
-                  </m:oMath>
-                </a14:m>
-                <a:endParaRPr kumimoji="1" lang="en-US" altLang="ja-JP"/>
-              </a:p>
-              <a:p>
-                <a:pPr lvl="1"/>
-                <a:r>
-                  <a:rPr kumimoji="1" lang="ja-JP" altLang="en-US"/>
-                  <a:t>比較的容易に計算できる</a:t>
-                </a:r>
-                <a:endParaRPr kumimoji="1" lang="en-US" altLang="ja-JP"/>
-              </a:p>
-              <a:p>
-                <a:pPr lvl="1"/>
-                <a14:m>
-                  <m:oMath xmlns:m="http://schemas.openxmlformats.org/officeDocument/2006/math">
-                    <m:r>
-                      <a:rPr kumimoji="1" lang="en-US" altLang="ja-JP" b="0" i="1" smtClean="0">
-                        <a:latin typeface="Cambria Math" panose="02040503050406030204" pitchFamily="18" charset="0"/>
-                      </a:rPr>
-                      <m:t>(</m:t>
-                    </m:r>
-                    <m:r>
-                      <a:rPr kumimoji="1" lang="en-US" altLang="ja-JP" b="0" i="1" smtClean="0">
-                        <a:latin typeface="Cambria Math" panose="02040503050406030204" pitchFamily="18" charset="0"/>
-                      </a:rPr>
-                      <m:t>𝑛</m:t>
-                    </m:r>
-                    <m:r>
-                      <a:rPr kumimoji="1" lang="en-US" altLang="ja-JP" b="0" i="1" smtClean="0">
-                        <a:latin typeface="Cambria Math" panose="02040503050406030204" pitchFamily="18" charset="0"/>
-                      </a:rPr>
-                      <m:t>,</m:t>
-                    </m:r>
-                    <m:r>
-                      <a:rPr kumimoji="1" lang="en-US" altLang="ja-JP" b="0" i="1" smtClean="0">
-                        <a:latin typeface="Cambria Math" panose="02040503050406030204" pitchFamily="18" charset="0"/>
-                      </a:rPr>
-                      <m:t>𝑒</m:t>
-                    </m:r>
-                    <m:r>
-                      <a:rPr kumimoji="1" lang="en-US" altLang="ja-JP" b="0" i="1" smtClean="0">
-                        <a:latin typeface="Cambria Math" panose="02040503050406030204" pitchFamily="18" charset="0"/>
-                      </a:rPr>
-                      <m:t>)</m:t>
-                    </m:r>
-                  </m:oMath>
-                </a14:m>
-                <a:r>
-                  <a:rPr kumimoji="1" lang="ja-JP" altLang="en-US"/>
-                  <a:t>が公開鍵で</a:t>
-                </a:r>
-                <a14:m>
-                  <m:oMath xmlns:m="http://schemas.openxmlformats.org/officeDocument/2006/math">
-                    <m:r>
-                      <a:rPr kumimoji="1" lang="en-US" altLang="ja-JP" b="0" i="1" smtClean="0">
-                        <a:latin typeface="Cambria Math" panose="02040503050406030204" pitchFamily="18" charset="0"/>
-                      </a:rPr>
-                      <m:t>𝑑</m:t>
-                    </m:r>
-                  </m:oMath>
-                </a14:m>
-                <a:r>
-                  <a:rPr kumimoji="1" lang="ja-JP" altLang="en-US"/>
-                  <a:t>が秘密鍵</a:t>
-                </a:r>
-                <a:endParaRPr kumimoji="1" lang="en-US" altLang="ja-JP"/>
-              </a:p>
-              <a:p>
-                <a:r>
-                  <a:rPr kumimoji="1" lang="ja-JP" altLang="en-US"/>
-                  <a:t>平文</a:t>
-                </a:r>
-                <a14:m>
-                  <m:oMath xmlns:m="http://schemas.openxmlformats.org/officeDocument/2006/math">
-                    <m:r>
-                      <a:rPr kumimoji="1" lang="en-US" altLang="ja-JP" b="0" i="1" smtClean="0">
-                        <a:latin typeface="Cambria Math" panose="02040503050406030204" pitchFamily="18" charset="0"/>
-                      </a:rPr>
-                      <m:t>𝑚</m:t>
-                    </m:r>
-                  </m:oMath>
-                </a14:m>
-                <a:r>
-                  <a:rPr kumimoji="1" lang="ja-JP" altLang="en-US"/>
-                  <a:t>の暗号化</a:t>
-                </a:r>
-                <a:endParaRPr kumimoji="1" lang="en-US" altLang="ja-JP"/>
-              </a:p>
-              <a:p>
-                <a:pPr lvl="1"/>
-                <a14:m>
-                  <m:oMath xmlns:m="http://schemas.openxmlformats.org/officeDocument/2006/math">
-                    <m:r>
-                      <a:rPr kumimoji="1" lang="en-US" altLang="ja-JP" b="0" i="1" smtClean="0">
-                        <a:latin typeface="Cambria Math" panose="02040503050406030204" pitchFamily="18" charset="0"/>
-                      </a:rPr>
-                      <m:t>𝐸𝑛𝑐</m:t>
-                    </m:r>
-                    <m:d>
-                      <m:dPr>
-                        <m:ctrlPr>
-                          <a:rPr kumimoji="1" lang="en-US" altLang="ja-JP" b="0" i="1" smtClean="0">
-                            <a:latin typeface="Cambria Math" panose="02040503050406030204" pitchFamily="18" charset="0"/>
-                          </a:rPr>
-                        </m:ctrlPr>
-                      </m:dPr>
-                      <m:e>
-                        <m:r>
-                          <a:rPr kumimoji="1" lang="en-US" altLang="ja-JP" b="0" i="1" smtClean="0">
-                            <a:latin typeface="Cambria Math" panose="02040503050406030204" pitchFamily="18" charset="0"/>
-                          </a:rPr>
-                          <m:t>𝑚</m:t>
-                        </m:r>
-                      </m:e>
-                    </m:d>
-                    <m:r>
-                      <a:rPr kumimoji="1" lang="en-US" altLang="ja-JP" b="0" i="1" smtClean="0">
-                        <a:latin typeface="Cambria Math" panose="02040503050406030204" pitchFamily="18" charset="0"/>
-                      </a:rPr>
-                      <m:t>=</m:t>
-                    </m:r>
-                    <m:sSup>
-                      <m:sSupPr>
-                        <m:ctrlPr>
-                          <a:rPr kumimoji="1" lang="en-US" altLang="ja-JP" b="0" i="1" smtClean="0">
-                            <a:latin typeface="Cambria Math" panose="02040503050406030204" pitchFamily="18" charset="0"/>
-                          </a:rPr>
-                        </m:ctrlPr>
-                      </m:sSupPr>
-                      <m:e>
-                        <m:r>
-                          <a:rPr kumimoji="1" lang="en-US" altLang="ja-JP" b="0" i="1" smtClean="0">
-                            <a:latin typeface="Cambria Math" panose="02040503050406030204" pitchFamily="18" charset="0"/>
-                          </a:rPr>
-                          <m:t>𝑚</m:t>
-                        </m:r>
-                      </m:e>
-                      <m:sup>
-                        <m:r>
-                          <a:rPr kumimoji="1" lang="en-US" altLang="ja-JP" b="0" i="1" smtClean="0">
-                            <a:latin typeface="Cambria Math" panose="02040503050406030204" pitchFamily="18" charset="0"/>
-                          </a:rPr>
-                          <m:t>𝑒</m:t>
-                        </m:r>
-                      </m:sup>
-                    </m:sSup>
-                    <m:r>
-                      <a:rPr kumimoji="1" lang="en-US" altLang="ja-JP" b="0" i="1" smtClean="0">
-                        <a:latin typeface="Cambria Math" panose="02040503050406030204" pitchFamily="18" charset="0"/>
-                      </a:rPr>
-                      <m:t> </m:t>
-                    </m:r>
-                    <m:r>
-                      <m:rPr>
-                        <m:sty m:val="p"/>
-                      </m:rPr>
-                      <a:rPr kumimoji="1" lang="en-US" altLang="ja-JP" b="0" i="1" smtClean="0">
-                        <a:latin typeface="Cambria Math" panose="02040503050406030204" pitchFamily="18" charset="0"/>
-                      </a:rPr>
-                      <m:t>mod</m:t>
-                    </m:r>
-                    <m:r>
-                      <a:rPr kumimoji="1" lang="en-US" altLang="ja-JP" b="0" i="1" smtClean="0">
-                        <a:latin typeface="Cambria Math" panose="02040503050406030204" pitchFamily="18" charset="0"/>
-                      </a:rPr>
-                      <m:t> </m:t>
-                    </m:r>
-                    <m:r>
-                      <a:rPr kumimoji="1" lang="en-US" altLang="ja-JP" b="0" i="1" smtClean="0">
-                        <a:latin typeface="Cambria Math" panose="02040503050406030204" pitchFamily="18" charset="0"/>
-                      </a:rPr>
-                      <m:t>𝑛</m:t>
-                    </m:r>
-                  </m:oMath>
-                </a14:m>
-                <a:endParaRPr kumimoji="1" lang="en-US" altLang="ja-JP"/>
-              </a:p>
-              <a:p>
-                <a:r>
-                  <a:rPr kumimoji="1" lang="ja-JP" altLang="en-US"/>
-                  <a:t>暗号文</a:t>
-                </a:r>
-                <a14:m>
-                  <m:oMath xmlns:m="http://schemas.openxmlformats.org/officeDocument/2006/math">
-                    <m:r>
-                      <a:rPr kumimoji="1" lang="en-US" altLang="ja-JP" b="0" i="1" smtClean="0">
-                        <a:latin typeface="Cambria Math" panose="02040503050406030204" pitchFamily="18" charset="0"/>
-                      </a:rPr>
-                      <m:t>𝑐</m:t>
-                    </m:r>
-                  </m:oMath>
-                </a14:m>
-                <a:r>
-                  <a:rPr kumimoji="1" lang="ja-JP" altLang="en-US"/>
-                  <a:t>の復号</a:t>
-                </a:r>
-                <a:endParaRPr kumimoji="1" lang="en-US" altLang="ja-JP"/>
-              </a:p>
-              <a:p>
-                <a:pPr lvl="1"/>
-                <a14:m>
-                  <m:oMath xmlns:m="http://schemas.openxmlformats.org/officeDocument/2006/math">
-                    <m:r>
-                      <a:rPr kumimoji="1" lang="en-US" altLang="ja-JP" b="0" i="1" smtClean="0">
-                        <a:latin typeface="Cambria Math" panose="02040503050406030204" pitchFamily="18" charset="0"/>
-                      </a:rPr>
-                      <m:t>𝐷𝑒𝑐</m:t>
-                    </m:r>
-                    <m:d>
-                      <m:dPr>
-                        <m:ctrlPr>
-                          <a:rPr kumimoji="1" lang="en-US" altLang="ja-JP" b="0" i="1" smtClean="0">
-                            <a:latin typeface="Cambria Math" panose="02040503050406030204" pitchFamily="18" charset="0"/>
-                          </a:rPr>
-                        </m:ctrlPr>
-                      </m:dPr>
-                      <m:e>
-                        <m:r>
-                          <a:rPr kumimoji="1" lang="en-US" altLang="ja-JP" b="0" i="1" smtClean="0">
-                            <a:latin typeface="Cambria Math" panose="02040503050406030204" pitchFamily="18" charset="0"/>
-                          </a:rPr>
-                          <m:t>𝑐</m:t>
-                        </m:r>
-                      </m:e>
-                    </m:d>
-                    <m:r>
-                      <a:rPr kumimoji="1" lang="en-US" altLang="ja-JP" b="0" i="1" smtClean="0">
-                        <a:latin typeface="Cambria Math" panose="02040503050406030204" pitchFamily="18" charset="0"/>
-                      </a:rPr>
-                      <m:t>=</m:t>
-                    </m:r>
-                    <m:sSup>
-                      <m:sSupPr>
-                        <m:ctrlPr>
-                          <a:rPr kumimoji="1" lang="en-US" altLang="ja-JP" b="0" i="1" smtClean="0">
-                            <a:latin typeface="Cambria Math" panose="02040503050406030204" pitchFamily="18" charset="0"/>
-                          </a:rPr>
-                        </m:ctrlPr>
-                      </m:sSupPr>
-                      <m:e>
-                        <m:r>
-                          <a:rPr kumimoji="1" lang="en-US" altLang="ja-JP" b="0" i="1" smtClean="0">
-                            <a:latin typeface="Cambria Math" panose="02040503050406030204" pitchFamily="18" charset="0"/>
-                          </a:rPr>
-                          <m:t>𝑐</m:t>
-                        </m:r>
-                      </m:e>
-                      <m:sup>
-                        <m:r>
-                          <a:rPr kumimoji="1" lang="en-US" altLang="ja-JP" b="0" i="1" smtClean="0">
-                            <a:latin typeface="Cambria Math" panose="02040503050406030204" pitchFamily="18" charset="0"/>
-                          </a:rPr>
-                          <m:t>𝑑</m:t>
-                        </m:r>
-                      </m:sup>
-                    </m:sSup>
-                    <m:r>
-                      <a:rPr kumimoji="1" lang="en-US" altLang="ja-JP" b="0" i="1" smtClean="0">
-                        <a:latin typeface="Cambria Math" panose="02040503050406030204" pitchFamily="18" charset="0"/>
-                      </a:rPr>
-                      <m:t> </m:t>
-                    </m:r>
-                    <m:r>
-                      <m:rPr>
-                        <m:sty m:val="p"/>
-                      </m:rPr>
-                      <a:rPr kumimoji="1" lang="en-US" altLang="ja-JP" b="0" i="1" smtClean="0">
-                        <a:latin typeface="Cambria Math" panose="02040503050406030204" pitchFamily="18" charset="0"/>
-                      </a:rPr>
-                      <m:t>mod</m:t>
-                    </m:r>
-                    <m:r>
-                      <a:rPr kumimoji="1" lang="en-US" altLang="ja-JP" b="0" i="1" smtClean="0">
-                        <a:latin typeface="Cambria Math" panose="02040503050406030204" pitchFamily="18" charset="0"/>
-                      </a:rPr>
-                      <m:t> </m:t>
-                    </m:r>
-                    <m:r>
-                      <a:rPr kumimoji="1" lang="en-US" altLang="ja-JP" b="0" i="1" smtClean="0">
-                        <a:latin typeface="Cambria Math" panose="02040503050406030204" pitchFamily="18" charset="0"/>
-                      </a:rPr>
-                      <m:t>𝑛</m:t>
-                    </m:r>
-                  </m:oMath>
-                </a14:m>
-                <a:endParaRPr kumimoji="1" lang="en-US" altLang="ja-JP"/>
-              </a:p>
-              <a:p>
-                <a:pPr lvl="1"/>
-                <a:endParaRPr kumimoji="1" lang="ja-JP" altLang="en-US"/>
-              </a:p>
-            </p:txBody>
-          </p:sp>
-        </mc:Choice>
-        <mc:Fallback xmlns="">
-          <p:sp>
-            <p:nvSpPr>
-              <p:cNvPr id="2" name="コンテンツ プレースホルダー 1">
-                <a:extLst>
-                  <a:ext uri="{FF2B5EF4-FFF2-40B4-BE49-F238E27FC236}">
-                    <a16:creationId xmlns:a16="http://schemas.microsoft.com/office/drawing/2014/main" id="{FF3CD97D-46FD-45F6-A46D-44F67556EBFB}"/>
-                  </a:ext>
-                </a:extLst>
-              </p:cNvPr>
-              <p:cNvSpPr>
-                <a:spLocks noGrp="1" noRot="1" noChangeAspect="1" noMove="1" noResize="1" noEditPoints="1" noAdjustHandles="1" noChangeArrowheads="1" noChangeShapeType="1" noTextEdit="1"/>
-              </p:cNvSpPr>
-              <p:nvPr>
-                <p:ph idx="1"/>
-              </p:nvPr>
-            </p:nvSpPr>
-            <p:spPr>
-              <a:blipFill>
-                <a:blip r:embed="rId2"/>
-                <a:stretch>
-                  <a:fillRect l="-1200" t="-1038"/>
-                </a:stretch>
-              </a:blipFill>
-            </p:spPr>
-            <p:txBody>
-              <a:bodyPr/>
-              <a:lstStyle/>
-              <a:p>
-                <a:r>
-                  <a:rPr lang="ja-JP" altLang="en-US">
-                    <a:noFill/>
-                  </a:rPr>
-                  <a:t> </a:t>
-                </a:r>
-              </a:p>
-            </p:txBody>
-          </p:sp>
-        </mc:Fallback>
-      </mc:AlternateContent>
-      <p:sp>
-        <p:nvSpPr>
-          <p:cNvPr id="3" name="スライド番号プレースホルダー 2">
-            <a:extLst>
-              <a:ext uri="{FF2B5EF4-FFF2-40B4-BE49-F238E27FC236}">
-                <a16:creationId xmlns:a16="http://schemas.microsoft.com/office/drawing/2014/main" id="{827D37DF-0E2F-4FFC-BEC1-2CB5EABEFB69}"/>
-              </a:ext>
-            </a:extLst>
-          </p:cNvPr>
-          <p:cNvSpPr>
-            <a:spLocks noGrp="1"/>
-          </p:cNvSpPr>
-          <p:nvPr>
-            <p:ph type="sldNum" sz="quarter" idx="12"/>
-          </p:nvPr>
-        </p:nvSpPr>
-        <p:spPr/>
-        <p:txBody>
-          <a:bodyPr/>
-          <a:lstStyle/>
-          <a:p>
-            <a:pPr>
-              <a:defRPr/>
-            </a:pPr>
-            <a:r>
-              <a:rPr lang="en-US" altLang="ja-JP"/>
-              <a:t>    </a:t>
-            </a:r>
-            <a:fld id="{B2782DEB-472A-4FE5-AC34-C17109CF5A91}" type="slidenum">
-              <a:rPr lang="en-US" altLang="ja-JP" smtClean="0"/>
-              <a:pPr>
-                <a:defRPr/>
-              </a:pPr>
-              <a:t>22</a:t>
-            </a:fld>
-            <a:r>
-              <a:rPr lang="en-US" altLang="ja-JP"/>
-              <a:t> / 24</a:t>
-            </a:r>
-          </a:p>
-        </p:txBody>
-      </p:sp>
-      <p:sp>
-        <p:nvSpPr>
-          <p:cNvPr id="4" name="タイトル 3">
-            <a:extLst>
-              <a:ext uri="{FF2B5EF4-FFF2-40B4-BE49-F238E27FC236}">
-                <a16:creationId xmlns:a16="http://schemas.microsoft.com/office/drawing/2014/main" id="{9D565A36-B42E-4428-ADAB-9B3D33CCCE4F}"/>
-              </a:ext>
-            </a:extLst>
-          </p:cNvPr>
-          <p:cNvSpPr>
-            <a:spLocks noGrp="1"/>
-          </p:cNvSpPr>
-          <p:nvPr>
-            <p:ph type="title"/>
-          </p:nvPr>
-        </p:nvSpPr>
-        <p:spPr/>
-        <p:txBody>
-          <a:bodyPr/>
-          <a:lstStyle/>
-          <a:p>
-            <a:r>
-              <a:rPr kumimoji="1" lang="en-US" altLang="ja-JP"/>
-              <a:t>RSA</a:t>
-            </a:r>
-            <a:r>
-              <a:rPr kumimoji="1" lang="ja-JP" altLang="en-US"/>
-              <a:t>暗号の作り方</a:t>
-            </a:r>
-          </a:p>
-        </p:txBody>
-      </p:sp>
-    </p:spTree>
-    <p:extLst>
-      <p:ext uri="{BB962C8B-B14F-4D97-AF65-F5344CB8AC3E}">
-        <p14:creationId xmlns:p14="http://schemas.microsoft.com/office/powerpoint/2010/main" val="3063434139"/>
-      </p:ext>
-    </p:extLst>
-  </p:cSld>
-  <p:clrMapOvr>
-    <a:masterClrMapping/>
-  </p:clrMapOvr>
-</p:sld>
-</file>
-
-<file path=ppt/slides/slide23.xml><?xml version="1.0" encoding="utf-8"?>
-<p:sld xmlns:a="http://schemas.openxmlformats.org/drawingml/2006/main" xmlns:r="http://schemas.openxmlformats.org/officeDocument/2006/relationships" xmlns:p="http://schemas.openxmlformats.org/presentationml/2006/main">
-  <p:cSld>
-    <p:spTree>
-      <p:nvGrpSpPr>
-        <p:cNvPr id="1" name=""/>
-        <p:cNvGrpSpPr/>
-        <p:nvPr/>
-      </p:nvGrpSpPr>
-      <p:grpSpPr>
-        <a:xfrm>
-          <a:off x="0" y="0"/>
-          <a:ext cx="0" cy="0"/>
-          <a:chOff x="0" y="0"/>
-          <a:chExt cx="0" cy="0"/>
-        </a:xfrm>
-      </p:grpSpPr>
-      <mc:AlternateContent xmlns:mc="http://schemas.openxmlformats.org/markup-compatibility/2006" xmlns:a14="http://schemas.microsoft.com/office/drawing/2010/main">
-        <mc:Choice Requires="a14">
-          <p:sp>
-            <p:nvSpPr>
-              <p:cNvPr id="2" name="コンテンツ プレースホルダー 1">
-                <a:extLst>
-                  <a:ext uri="{FF2B5EF4-FFF2-40B4-BE49-F238E27FC236}">
-                    <a16:creationId xmlns:a16="http://schemas.microsoft.com/office/drawing/2014/main" id="{0F36FD6E-BD50-4126-82A6-708EA115C8D9}"/>
-                  </a:ext>
-                </a:extLst>
-              </p:cNvPr>
-              <p:cNvSpPr>
-                <a:spLocks noGrp="1"/>
-              </p:cNvSpPr>
-              <p:nvPr>
-                <p:ph idx="1"/>
-              </p:nvPr>
-            </p:nvSpPr>
-            <p:spPr/>
-            <p:txBody>
-              <a:bodyPr/>
-              <a:lstStyle/>
-              <a:p>
-                <a:r>
-                  <a:rPr kumimoji="1" lang="en-US" altLang="ja-JP"/>
-                  <a:t>RSA</a:t>
-                </a:r>
-                <a:r>
-                  <a:rPr kumimoji="1" lang="ja-JP" altLang="en-US"/>
-                  <a:t>仮定</a:t>
-                </a:r>
-                <a:endParaRPr kumimoji="1" lang="en-US" altLang="ja-JP"/>
-              </a:p>
-              <a:p>
-                <a:pPr lvl="1"/>
-                <a14:m>
-                  <m:oMath xmlns:m="http://schemas.openxmlformats.org/officeDocument/2006/math">
-                    <m:r>
-                      <a:rPr kumimoji="1" lang="en-US" altLang="ja-JP" b="0" i="1" smtClean="0">
-                        <a:latin typeface="Cambria Math" panose="02040503050406030204" pitchFamily="18" charset="0"/>
-                      </a:rPr>
-                      <m:t>(</m:t>
-                    </m:r>
-                    <m:r>
-                      <a:rPr kumimoji="1" lang="en-US" altLang="ja-JP" b="0" i="1" smtClean="0">
-                        <a:latin typeface="Cambria Math" panose="02040503050406030204" pitchFamily="18" charset="0"/>
-                      </a:rPr>
-                      <m:t>𝑛</m:t>
-                    </m:r>
-                    <m:r>
-                      <a:rPr kumimoji="1" lang="en-US" altLang="ja-JP" b="0" i="1" smtClean="0">
-                        <a:latin typeface="Cambria Math" panose="02040503050406030204" pitchFamily="18" charset="0"/>
-                      </a:rPr>
-                      <m:t>, </m:t>
-                    </m:r>
-                    <m:r>
-                      <a:rPr kumimoji="1" lang="en-US" altLang="ja-JP" b="0" i="1" smtClean="0">
-                        <a:latin typeface="Cambria Math" panose="02040503050406030204" pitchFamily="18" charset="0"/>
-                      </a:rPr>
-                      <m:t>𝑒</m:t>
-                    </m:r>
-                    <m:r>
-                      <a:rPr kumimoji="1" lang="en-US" altLang="ja-JP" b="0" i="1" smtClean="0">
-                        <a:latin typeface="Cambria Math" panose="02040503050406030204" pitchFamily="18" charset="0"/>
-                      </a:rPr>
-                      <m:t>)</m:t>
-                    </m:r>
-                  </m:oMath>
-                </a14:m>
-                <a:r>
-                  <a:rPr kumimoji="1" lang="ja-JP" altLang="en-US"/>
-                  <a:t>と暗号文</a:t>
-                </a:r>
-                <a14:m>
-                  <m:oMath xmlns:m="http://schemas.openxmlformats.org/officeDocument/2006/math">
-                    <m:r>
-                      <a:rPr kumimoji="1" lang="en-US" altLang="ja-JP" b="0" i="1" smtClean="0">
-                        <a:latin typeface="Cambria Math" panose="02040503050406030204" pitchFamily="18" charset="0"/>
-                      </a:rPr>
-                      <m:t>𝑐</m:t>
-                    </m:r>
-                  </m:oMath>
-                </a14:m>
-                <a:r>
-                  <a:rPr kumimoji="1" lang="ja-JP" altLang="en-US"/>
-                  <a:t>から元の</a:t>
-                </a:r>
-                <a14:m>
-                  <m:oMath xmlns:m="http://schemas.openxmlformats.org/officeDocument/2006/math">
-                    <m:r>
-                      <a:rPr kumimoji="1" lang="en-US" altLang="ja-JP" b="0" i="1" smtClean="0">
-                        <a:latin typeface="Cambria Math" panose="02040503050406030204" pitchFamily="18" charset="0"/>
-                      </a:rPr>
-                      <m:t>𝑚</m:t>
-                    </m:r>
-                  </m:oMath>
-                </a14:m>
-                <a:r>
-                  <a:rPr kumimoji="1" lang="ja-JP" altLang="en-US"/>
-                  <a:t>は求められない</a:t>
-                </a:r>
-                <a:endParaRPr kumimoji="1" lang="en-US" altLang="ja-JP"/>
-              </a:p>
-              <a:p>
-                <a:pPr lvl="1"/>
-                <a:r>
-                  <a:rPr kumimoji="1" lang="ja-JP" altLang="en-US"/>
-                  <a:t>十分大きな素数</a:t>
-                </a:r>
-                <a14:m>
-                  <m:oMath xmlns:m="http://schemas.openxmlformats.org/officeDocument/2006/math">
-                    <m:r>
-                      <a:rPr kumimoji="1" lang="en-US" altLang="ja-JP" b="0" i="1" smtClean="0">
-                        <a:latin typeface="Cambria Math" panose="02040503050406030204" pitchFamily="18" charset="0"/>
-                      </a:rPr>
-                      <m:t>𝑝𝑞</m:t>
-                    </m:r>
-                  </m:oMath>
-                </a14:m>
-                <a:r>
-                  <a:rPr kumimoji="1" lang="ja-JP" altLang="en-US"/>
-                  <a:t>なら</a:t>
-                </a:r>
-                <a:r>
-                  <a:rPr kumimoji="1" lang="en-US" altLang="ja-JP"/>
-                  <a:t>RSA</a:t>
-                </a:r>
-                <a:r>
-                  <a:rPr kumimoji="1" lang="ja-JP" altLang="en-US"/>
-                  <a:t>仮定は成り立つ</a:t>
-                </a:r>
-                <a:r>
-                  <a:rPr kumimoji="1" lang="en-US" altLang="ja-JP"/>
-                  <a:t>(</a:t>
-                </a:r>
-                <a:r>
-                  <a:rPr kumimoji="1" lang="ja-JP" altLang="en-US"/>
-                  <a:t>と考えられている</a:t>
-                </a:r>
-                <a:r>
-                  <a:rPr kumimoji="1" lang="en-US" altLang="ja-JP"/>
-                  <a:t>)</a:t>
-                </a:r>
-              </a:p>
-              <a:p>
-                <a:pPr lvl="1"/>
-                <a14:m>
-                  <m:oMath xmlns:m="http://schemas.openxmlformats.org/officeDocument/2006/math">
-                    <m:r>
-                      <a:rPr kumimoji="1" lang="en-US" altLang="ja-JP" b="0" i="1" smtClean="0">
-                        <a:latin typeface="Cambria Math" panose="02040503050406030204" pitchFamily="18" charset="0"/>
-                      </a:rPr>
-                      <m:t>𝑛</m:t>
-                    </m:r>
-                    <m:r>
-                      <a:rPr kumimoji="1" lang="en-US" altLang="ja-JP" b="0" i="1" smtClean="0">
-                        <a:latin typeface="Cambria Math" panose="02040503050406030204" pitchFamily="18" charset="0"/>
-                      </a:rPr>
-                      <m:t>=</m:t>
-                    </m:r>
-                    <m:r>
-                      <a:rPr kumimoji="1" lang="en-US" altLang="ja-JP" b="0" i="1" smtClean="0">
-                        <a:latin typeface="Cambria Math" panose="02040503050406030204" pitchFamily="18" charset="0"/>
-                      </a:rPr>
-                      <m:t>𝑝𝑞</m:t>
-                    </m:r>
-                  </m:oMath>
-                </a14:m>
-                <a:r>
-                  <a:rPr kumimoji="1" lang="ja-JP" altLang="en-US"/>
-                  <a:t>の素因数分解ができれば</a:t>
-                </a:r>
-                <a:r>
-                  <a:rPr kumimoji="1" lang="en-US" altLang="ja-JP"/>
-                  <a:t>RSA</a:t>
-                </a:r>
-                <a:r>
-                  <a:rPr kumimoji="1" lang="ja-JP" altLang="en-US"/>
-                  <a:t>仮定は破れる</a:t>
-                </a:r>
-                <a:endParaRPr kumimoji="1" lang="en-US" altLang="ja-JP"/>
-              </a:p>
-              <a:p>
-                <a:r>
-                  <a:rPr kumimoji="1" lang="ja-JP" altLang="en-US"/>
-                  <a:t>落とし戸付き一方向性関数</a:t>
-                </a:r>
-                <a:r>
-                  <a:rPr kumimoji="1" lang="en-US" altLang="ja-JP"/>
-                  <a:t>(trapdoor function)</a:t>
-                </a:r>
-                <a:endParaRPr kumimoji="1" lang="ja-JP" altLang="en-US"/>
-              </a:p>
-            </p:txBody>
-          </p:sp>
-        </mc:Choice>
-        <mc:Fallback xmlns="">
-          <p:sp>
-            <p:nvSpPr>
-              <p:cNvPr id="2" name="コンテンツ プレースホルダー 1">
-                <a:extLst>
-                  <a:ext uri="{FF2B5EF4-FFF2-40B4-BE49-F238E27FC236}">
-                    <a16:creationId xmlns:a16="http://schemas.microsoft.com/office/drawing/2014/main" id="{0F36FD6E-BD50-4126-82A6-708EA115C8D9}"/>
-                  </a:ext>
-                </a:extLst>
-              </p:cNvPr>
-              <p:cNvSpPr>
-                <a:spLocks noGrp="1" noRot="1" noChangeAspect="1" noMove="1" noResize="1" noEditPoints="1" noAdjustHandles="1" noChangeArrowheads="1" noChangeShapeType="1" noTextEdit="1"/>
-              </p:cNvSpPr>
-              <p:nvPr>
-                <p:ph idx="1"/>
-              </p:nvPr>
-            </p:nvSpPr>
-            <p:spPr>
-              <a:blipFill>
-                <a:blip r:embed="rId2"/>
-                <a:stretch>
-                  <a:fillRect l="-1200" t="-1454" r="-200"/>
-                </a:stretch>
-              </a:blipFill>
-            </p:spPr>
-            <p:txBody>
-              <a:bodyPr/>
-              <a:lstStyle/>
-              <a:p>
-                <a:r>
-                  <a:rPr lang="ja-JP" altLang="en-US">
-                    <a:noFill/>
-                  </a:rPr>
-                  <a:t> </a:t>
-                </a:r>
-              </a:p>
-            </p:txBody>
-          </p:sp>
-        </mc:Fallback>
-      </mc:AlternateContent>
-      <p:sp>
-        <p:nvSpPr>
-          <p:cNvPr id="3" name="スライド番号プレースホルダー 2">
-            <a:extLst>
-              <a:ext uri="{FF2B5EF4-FFF2-40B4-BE49-F238E27FC236}">
-                <a16:creationId xmlns:a16="http://schemas.microsoft.com/office/drawing/2014/main" id="{1C8205DE-1EC8-4033-817B-6BCABD4080D8}"/>
-              </a:ext>
-            </a:extLst>
-          </p:cNvPr>
-          <p:cNvSpPr>
-            <a:spLocks noGrp="1"/>
-          </p:cNvSpPr>
-          <p:nvPr>
-            <p:ph type="sldNum" sz="quarter" idx="12"/>
-          </p:nvPr>
-        </p:nvSpPr>
-        <p:spPr/>
-        <p:txBody>
-          <a:bodyPr/>
-          <a:lstStyle/>
-          <a:p>
-            <a:pPr>
-              <a:defRPr/>
-            </a:pPr>
-            <a:r>
-              <a:rPr lang="en-US" altLang="ja-JP"/>
-              <a:t>    </a:t>
-            </a:r>
-            <a:fld id="{B2782DEB-472A-4FE5-AC34-C17109CF5A91}" type="slidenum">
-              <a:rPr lang="en-US" altLang="ja-JP" smtClean="0"/>
-              <a:pPr>
-                <a:defRPr/>
-              </a:pPr>
-              <a:t>23</a:t>
-            </a:fld>
-            <a:r>
-              <a:rPr lang="en-US" altLang="ja-JP"/>
-              <a:t> / 24</a:t>
-            </a:r>
-          </a:p>
-        </p:txBody>
-      </p:sp>
-      <p:sp>
-        <p:nvSpPr>
-          <p:cNvPr id="4" name="タイトル 3">
-            <a:extLst>
-              <a:ext uri="{FF2B5EF4-FFF2-40B4-BE49-F238E27FC236}">
-                <a16:creationId xmlns:a16="http://schemas.microsoft.com/office/drawing/2014/main" id="{E0E751AE-DE15-487D-9694-990B45305B9C}"/>
-              </a:ext>
-            </a:extLst>
-          </p:cNvPr>
-          <p:cNvSpPr>
-            <a:spLocks noGrp="1"/>
-          </p:cNvSpPr>
-          <p:nvPr>
-            <p:ph type="title"/>
-          </p:nvPr>
-        </p:nvSpPr>
-        <p:spPr/>
-        <p:txBody>
-          <a:bodyPr/>
-          <a:lstStyle/>
-          <a:p>
-            <a:r>
-              <a:rPr kumimoji="1" lang="en-US" altLang="ja-JP"/>
-              <a:t>RSA</a:t>
-            </a:r>
-            <a:r>
-              <a:rPr kumimoji="1" lang="ja-JP" altLang="en-US"/>
-              <a:t>暗号の安全性</a:t>
-            </a:r>
-          </a:p>
-        </p:txBody>
-      </p:sp>
-      <p:pic>
-        <p:nvPicPr>
-          <p:cNvPr id="6" name="図 5">
-            <a:extLst>
-              <a:ext uri="{FF2B5EF4-FFF2-40B4-BE49-F238E27FC236}">
-                <a16:creationId xmlns:a16="http://schemas.microsoft.com/office/drawing/2014/main" id="{275E999B-7F98-4641-8C61-1027D75F7B04}"/>
-              </a:ext>
-            </a:extLst>
-          </p:cNvPr>
-          <p:cNvPicPr>
-            <a:picLocks noChangeAspect="1"/>
-          </p:cNvPicPr>
-          <p:nvPr/>
-        </p:nvPicPr>
-        <p:blipFill>
-          <a:blip r:embed="rId3">
-            <a:extLst>
-              <a:ext uri="{28A0092B-C50C-407E-A947-70E740481C1C}">
-                <a14:useLocalDpi xmlns:a14="http://schemas.microsoft.com/office/drawing/2010/main" val="0"/>
-              </a:ext>
-            </a:extLst>
-          </a:blip>
-          <a:stretch>
-            <a:fillRect/>
-          </a:stretch>
-        </p:blipFill>
-        <p:spPr>
-          <a:xfrm>
-            <a:off x="1691680" y="3212976"/>
-            <a:ext cx="5832648" cy="3127758"/>
-          </a:xfrm>
-          <a:prstGeom prst="rect">
-            <a:avLst/>
-          </a:prstGeom>
-        </p:spPr>
-      </p:pic>
-    </p:spTree>
-    <p:extLst>
-      <p:ext uri="{BB962C8B-B14F-4D97-AF65-F5344CB8AC3E}">
-        <p14:creationId xmlns:p14="http://schemas.microsoft.com/office/powerpoint/2010/main" val="2274810597"/>
-      </p:ext>
-    </p:extLst>
-  </p:cSld>
-  <p:clrMapOvr>
-    <a:masterClrMapping/>
-  </p:clrMapOvr>
-</p:sld>
-</file>
-
-<file path=ppt/slides/slide24.xml><?xml version="1.0" encoding="utf-8"?>
-<p:sld xmlns:a="http://schemas.openxmlformats.org/drawingml/2006/main" xmlns:r="http://schemas.openxmlformats.org/officeDocument/2006/relationships" xmlns:p="http://schemas.openxmlformats.org/presentationml/2006/main">
-  <p:cSld>
-    <p:spTree>
-      <p:nvGrpSpPr>
-        <p:cNvPr id="1" name=""/>
-        <p:cNvGrpSpPr/>
-        <p:nvPr/>
-      </p:nvGrpSpPr>
-      <p:grpSpPr>
-        <a:xfrm>
-          <a:off x="0" y="0"/>
-          <a:ext cx="0" cy="0"/>
-          <a:chOff x="0" y="0"/>
-          <a:chExt cx="0" cy="0"/>
-        </a:xfrm>
-      </p:grpSpPr>
-      <p:sp>
-        <p:nvSpPr>
-          <p:cNvPr id="2" name="コンテンツ プレースホルダー 1">
-            <a:extLst>
-              <a:ext uri="{FF2B5EF4-FFF2-40B4-BE49-F238E27FC236}">
-                <a16:creationId xmlns:a16="http://schemas.microsoft.com/office/drawing/2014/main" id="{61BFF72D-AA23-4704-A100-96E33144ED8C}"/>
-              </a:ext>
-            </a:extLst>
-          </p:cNvPr>
-          <p:cNvSpPr>
-            <a:spLocks noGrp="1"/>
-          </p:cNvSpPr>
-          <p:nvPr>
-            <p:ph idx="1"/>
-          </p:nvPr>
-        </p:nvSpPr>
-        <p:spPr/>
-        <p:txBody>
-          <a:bodyPr/>
-          <a:lstStyle/>
-          <a:p>
-            <a:r>
-              <a:rPr kumimoji="1" lang="ja-JP" altLang="en-US"/>
-              <a:t>前述の</a:t>
-            </a:r>
-            <a:r>
-              <a:rPr kumimoji="1" lang="en-US" altLang="ja-JP"/>
-              <a:t>(</a:t>
-            </a:r>
-            <a:r>
-              <a:rPr kumimoji="1" lang="ja-JP" altLang="en-US"/>
-              <a:t>大抵の暗号の本に載ってる</a:t>
-            </a:r>
-            <a:r>
-              <a:rPr kumimoji="1" lang="en-US" altLang="ja-JP"/>
-              <a:t>)RSA</a:t>
-            </a:r>
-            <a:r>
-              <a:rPr kumimoji="1" lang="ja-JP" altLang="en-US"/>
-              <a:t>暗号は</a:t>
-            </a:r>
-            <a:br>
-              <a:rPr kumimoji="1" lang="en-US" altLang="ja-JP"/>
-            </a:br>
-            <a:r>
-              <a:rPr kumimoji="1" lang="ja-JP" altLang="en-US"/>
-              <a:t>安全ではないので使ってはいけない</a:t>
-            </a:r>
-            <a:endParaRPr kumimoji="1" lang="en-US" altLang="ja-JP"/>
-          </a:p>
-          <a:p>
-            <a:pPr lvl="1"/>
-            <a:r>
-              <a:rPr kumimoji="1" lang="ja-JP" altLang="en-US"/>
-              <a:t>乱数を含まない決定的アルゴリズム</a:t>
-            </a:r>
-            <a:endParaRPr kumimoji="1" lang="en-US" altLang="ja-JP"/>
-          </a:p>
-          <a:p>
-            <a:pPr lvl="1"/>
-            <a:r>
-              <a:rPr lang="en-US" altLang="ja-JP"/>
-              <a:t>0</a:t>
-            </a:r>
-            <a:r>
-              <a:rPr lang="ja-JP" altLang="en-US"/>
-              <a:t>や</a:t>
-            </a:r>
-            <a:r>
-              <a:rPr lang="en-US" altLang="ja-JP"/>
-              <a:t>1</a:t>
-            </a:r>
-            <a:r>
-              <a:rPr lang="ja-JP" altLang="en-US"/>
-              <a:t>の暗号文はいつも</a:t>
-            </a:r>
-            <a:r>
-              <a:rPr lang="en-US" altLang="ja-JP"/>
-              <a:t>0</a:t>
-            </a:r>
-            <a:r>
-              <a:rPr lang="ja-JP" altLang="en-US"/>
-              <a:t>や</a:t>
-            </a:r>
-            <a:r>
-              <a:rPr lang="en-US" altLang="ja-JP"/>
-              <a:t>1</a:t>
-            </a:r>
-          </a:p>
-          <a:p>
-            <a:r>
-              <a:rPr lang="en-US" altLang="ja-JP"/>
-              <a:t>PKCS#1 v1.5</a:t>
-            </a:r>
-            <a:r>
-              <a:rPr lang="ja-JP" altLang="en-US"/>
-              <a:t>（</a:t>
-            </a:r>
-            <a:r>
-              <a:rPr lang="en-US" altLang="ja-JP"/>
-              <a:t>Public-Key Cryptography Standards</a:t>
-            </a:r>
-            <a:r>
-              <a:rPr lang="ja-JP" altLang="en-US"/>
-              <a:t>）</a:t>
-            </a:r>
-            <a:endParaRPr lang="en-US" altLang="ja-JP"/>
-          </a:p>
-          <a:p>
-            <a:pPr lvl="1"/>
-            <a:r>
-              <a:rPr kumimoji="1" lang="ja-JP" altLang="en-US"/>
-              <a:t>広く使われる安全な</a:t>
-            </a:r>
-            <a:r>
-              <a:rPr kumimoji="1" lang="en-US" altLang="ja-JP"/>
-              <a:t>RSA</a:t>
-            </a:r>
-            <a:r>
-              <a:rPr kumimoji="1" lang="ja-JP" altLang="en-US"/>
-              <a:t>暗号の方式</a:t>
-            </a:r>
-            <a:endParaRPr kumimoji="1" lang="en-US" altLang="ja-JP"/>
-          </a:p>
-          <a:p>
-            <a:r>
-              <a:rPr lang="en-US" altLang="ja-JP"/>
-              <a:t>RSA-OAEP</a:t>
-            </a:r>
-          </a:p>
-          <a:p>
-            <a:pPr lvl="1"/>
-            <a:r>
-              <a:rPr kumimoji="1" lang="en-US" altLang="ja-JP"/>
-              <a:t>CRYPTREC</a:t>
-            </a:r>
-            <a:r>
-              <a:rPr kumimoji="1" lang="ja-JP" altLang="en-US"/>
-              <a:t>の電子政府推奨暗号リストにある方式</a:t>
-            </a:r>
-          </a:p>
-        </p:txBody>
-      </p:sp>
-      <p:sp>
-        <p:nvSpPr>
-          <p:cNvPr id="3" name="スライド番号プレースホルダー 2">
-            <a:extLst>
-              <a:ext uri="{FF2B5EF4-FFF2-40B4-BE49-F238E27FC236}">
-                <a16:creationId xmlns:a16="http://schemas.microsoft.com/office/drawing/2014/main" id="{4CC55BEA-6757-490A-92EC-3CCEE5D57174}"/>
-              </a:ext>
-            </a:extLst>
-          </p:cNvPr>
-          <p:cNvSpPr>
-            <a:spLocks noGrp="1"/>
-          </p:cNvSpPr>
-          <p:nvPr>
-            <p:ph type="sldNum" sz="quarter" idx="12"/>
-          </p:nvPr>
-        </p:nvSpPr>
-        <p:spPr/>
-        <p:txBody>
-          <a:bodyPr/>
-          <a:lstStyle/>
-          <a:p>
-            <a:pPr>
-              <a:defRPr/>
-            </a:pPr>
-            <a:r>
-              <a:rPr lang="en-US" altLang="ja-JP"/>
-              <a:t>    </a:t>
-            </a:r>
-            <a:fld id="{B2782DEB-472A-4FE5-AC34-C17109CF5A91}" type="slidenum">
-              <a:rPr lang="en-US" altLang="ja-JP" smtClean="0"/>
-              <a:pPr>
-                <a:defRPr/>
-              </a:pPr>
-              <a:t>24</a:t>
-            </a:fld>
-            <a:r>
-              <a:rPr lang="en-US" altLang="ja-JP"/>
-              <a:t> / 24</a:t>
-            </a:r>
-          </a:p>
-        </p:txBody>
-      </p:sp>
-      <p:sp>
-        <p:nvSpPr>
-          <p:cNvPr id="4" name="タイトル 3">
-            <a:extLst>
-              <a:ext uri="{FF2B5EF4-FFF2-40B4-BE49-F238E27FC236}">
-                <a16:creationId xmlns:a16="http://schemas.microsoft.com/office/drawing/2014/main" id="{0BCFF976-C626-4CA3-B61B-EF75160D11B9}"/>
-              </a:ext>
-            </a:extLst>
-          </p:cNvPr>
-          <p:cNvSpPr>
-            <a:spLocks noGrp="1"/>
-          </p:cNvSpPr>
-          <p:nvPr>
-            <p:ph type="title"/>
-          </p:nvPr>
-        </p:nvSpPr>
-        <p:spPr/>
-        <p:txBody>
-          <a:bodyPr/>
-          <a:lstStyle/>
-          <a:p>
-            <a:r>
-              <a:rPr kumimoji="1" lang="ja-JP" altLang="en-US"/>
-              <a:t>実際に使われる</a:t>
-            </a:r>
-            <a:r>
-              <a:rPr kumimoji="1" lang="en-US" altLang="ja-JP"/>
-              <a:t>RSA</a:t>
-            </a:r>
-            <a:r>
-              <a:rPr kumimoji="1" lang="ja-JP" altLang="en-US"/>
-              <a:t>暗号</a:t>
-            </a:r>
-          </a:p>
-        </p:txBody>
-      </p:sp>
-      <p:graphicFrame>
-        <p:nvGraphicFramePr>
-          <p:cNvPr id="5" name="表 5">
-            <a:extLst>
-              <a:ext uri="{FF2B5EF4-FFF2-40B4-BE49-F238E27FC236}">
-                <a16:creationId xmlns:a16="http://schemas.microsoft.com/office/drawing/2014/main" id="{B67FFAE0-CB5B-4F29-BA1B-B7E48281AA77}"/>
-              </a:ext>
-            </a:extLst>
-          </p:cNvPr>
-          <p:cNvGraphicFramePr>
-            <a:graphicFrameLocks noGrp="1"/>
-          </p:cNvGraphicFramePr>
-          <p:nvPr>
-            <p:extLst>
-              <p:ext uri="{D42A27DB-BD31-4B8C-83A1-F6EECF244321}">
-                <p14:modId xmlns:p14="http://schemas.microsoft.com/office/powerpoint/2010/main" val="1673739861"/>
-              </p:ext>
-            </p:extLst>
-          </p:nvPr>
-        </p:nvGraphicFramePr>
-        <p:xfrm>
-          <a:off x="1077055" y="4869160"/>
-          <a:ext cx="6989890" cy="1483360"/>
-        </p:xfrm>
-        <a:graphic>
-          <a:graphicData uri="http://schemas.openxmlformats.org/drawingml/2006/table">
-            <a:tbl>
-              <a:tblPr firstRow="1" bandRow="1">
-                <a:tableStyleId>{5C22544A-7EE6-4342-B048-85BDC9FD1C3A}</a:tableStyleId>
-              </a:tblPr>
-              <a:tblGrid>
-                <a:gridCol w="3316097">
-                  <a:extLst>
-                    <a:ext uri="{9D8B030D-6E8A-4147-A177-3AD203B41FA5}">
-                      <a16:colId xmlns:a16="http://schemas.microsoft.com/office/drawing/2014/main" val="1216449925"/>
-                    </a:ext>
-                  </a:extLst>
-                </a:gridCol>
-                <a:gridCol w="3673793">
-                  <a:extLst>
-                    <a:ext uri="{9D8B030D-6E8A-4147-A177-3AD203B41FA5}">
-                      <a16:colId xmlns:a16="http://schemas.microsoft.com/office/drawing/2014/main" val="2735587953"/>
-                    </a:ext>
-                  </a:extLst>
-                </a:gridCol>
-              </a:tblGrid>
-              <a:tr h="370840">
-                <a:tc>
-                  <a:txBody>
-                    <a:bodyPr/>
-                    <a:lstStyle/>
-                    <a:p>
-                      <a:r>
-                        <a:rPr lang="en-US"/>
-                        <a:t>RSA</a:t>
-                      </a:r>
-                      <a:r>
-                        <a:rPr lang="ja-JP" altLang="en-US"/>
-                        <a:t>暗号の方式</a:t>
-                      </a:r>
-                    </a:p>
-                  </a:txBody>
-                  <a:tcPr anchor="ctr"/>
-                </a:tc>
-                <a:tc>
-                  <a:txBody>
-                    <a:bodyPr/>
-                    <a:lstStyle/>
-                    <a:p>
-                      <a:r>
-                        <a:rPr lang="ja-JP" altLang="en-US"/>
-                        <a:t>安全性</a:t>
-                      </a:r>
-                    </a:p>
-                  </a:txBody>
-                  <a:tcPr anchor="ctr"/>
-                </a:tc>
-                <a:extLst>
-                  <a:ext uri="{0D108BD9-81ED-4DB2-BD59-A6C34878D82A}">
-                    <a16:rowId xmlns:a16="http://schemas.microsoft.com/office/drawing/2014/main" val="2594480207"/>
-                  </a:ext>
-                </a:extLst>
-              </a:tr>
-              <a:tr h="370840">
-                <a:tc>
-                  <a:txBody>
-                    <a:bodyPr/>
-                    <a:lstStyle/>
-                    <a:p>
-                      <a:r>
-                        <a:rPr lang="en-US" altLang="ja-JP"/>
-                        <a:t>RSA</a:t>
-                      </a:r>
-                      <a:r>
-                        <a:rPr lang="ja-JP" altLang="en-US"/>
-                        <a:t>暗号の基本方式</a:t>
-                      </a:r>
-                    </a:p>
-                  </a:txBody>
-                  <a:tcPr anchor="ctr"/>
-                </a:tc>
-                <a:tc>
-                  <a:txBody>
-                    <a:bodyPr/>
-                    <a:lstStyle/>
-                    <a:p>
-                      <a:r>
-                        <a:rPr lang="ja-JP" altLang="en-US"/>
-                        <a:t>安全でない</a:t>
-                      </a:r>
-                    </a:p>
-                  </a:txBody>
-                  <a:tcPr anchor="ctr"/>
-                </a:tc>
-                <a:extLst>
-                  <a:ext uri="{0D108BD9-81ED-4DB2-BD59-A6C34878D82A}">
-                    <a16:rowId xmlns:a16="http://schemas.microsoft.com/office/drawing/2014/main" val="2477349119"/>
-                  </a:ext>
-                </a:extLst>
-              </a:tr>
-              <a:tr h="370840">
-                <a:tc>
-                  <a:txBody>
-                    <a:bodyPr/>
-                    <a:lstStyle/>
-                    <a:p>
-                      <a:r>
-                        <a:rPr lang="en-US" altLang="ja-JP"/>
-                        <a:t>PKCS#1 v1.5</a:t>
-                      </a:r>
-                      <a:r>
-                        <a:rPr lang="ja-JP" altLang="en-US"/>
-                        <a:t>で定義されたもの</a:t>
-                      </a:r>
-                    </a:p>
-                  </a:txBody>
-                  <a:tcPr anchor="ctr"/>
-                </a:tc>
-                <a:tc>
-                  <a:txBody>
-                    <a:bodyPr/>
-                    <a:lstStyle/>
-                    <a:p>
-                      <a:r>
-                        <a:rPr lang="ja-JP" altLang="en-US"/>
-                        <a:t>理論的に安全とは示されていない</a:t>
-                      </a:r>
-                    </a:p>
-                  </a:txBody>
-                  <a:tcPr anchor="ctr"/>
-                </a:tc>
-                <a:extLst>
-                  <a:ext uri="{0D108BD9-81ED-4DB2-BD59-A6C34878D82A}">
-                    <a16:rowId xmlns:a16="http://schemas.microsoft.com/office/drawing/2014/main" val="2136677416"/>
-                  </a:ext>
-                </a:extLst>
-              </a:tr>
-              <a:tr h="370840">
-                <a:tc>
-                  <a:txBody>
-                    <a:bodyPr/>
-                    <a:lstStyle/>
-                    <a:p>
-                      <a:r>
-                        <a:rPr lang="en-US"/>
-                        <a:t>RSA-OAEP</a:t>
-                      </a:r>
-                    </a:p>
-                  </a:txBody>
-                  <a:tcPr anchor="ctr"/>
-                </a:tc>
-                <a:tc>
-                  <a:txBody>
-                    <a:bodyPr/>
-                    <a:lstStyle/>
-                    <a:p>
-                      <a:r>
-                        <a:rPr lang="ja-JP" altLang="en-US"/>
-                        <a:t>理論的に安全と示されている</a:t>
-                      </a:r>
-                    </a:p>
-                  </a:txBody>
-                  <a:tcPr anchor="ctr"/>
-                </a:tc>
-                <a:extLst>
-                  <a:ext uri="{0D108BD9-81ED-4DB2-BD59-A6C34878D82A}">
-                    <a16:rowId xmlns:a16="http://schemas.microsoft.com/office/drawing/2014/main" val="603693760"/>
-                  </a:ext>
-                </a:extLst>
-              </a:tr>
-            </a:tbl>
-          </a:graphicData>
-        </a:graphic>
-      </p:graphicFrame>
-    </p:spTree>
-    <p:extLst>
-      <p:ext uri="{BB962C8B-B14F-4D97-AF65-F5344CB8AC3E}">
-        <p14:creationId xmlns:p14="http://schemas.microsoft.com/office/powerpoint/2010/main" val="2934881512"/>
-      </p:ext>
-    </p:extLst>
-  </p:cSld>
-  <p:clrMapOvr>
-    <a:masterClrMapping/>
-  </p:clrMapOvr>
-</p:sld>
-</file>
-
-<file path=ppt/slides/slide25.xml><?xml version="1.0" encoding="utf-8"?>
-<p:sld xmlns:a="http://schemas.openxmlformats.org/drawingml/2006/main" xmlns:r="http://schemas.openxmlformats.org/officeDocument/2006/relationships" xmlns:p="http://schemas.openxmlformats.org/presentationml/2006/main">
-  <p:cSld>
-    <p:spTree>
-      <p:nvGrpSpPr>
-        <p:cNvPr id="1" name=""/>
-        <p:cNvGrpSpPr/>
-        <p:nvPr/>
-      </p:nvGrpSpPr>
-      <p:grpSpPr>
-        <a:xfrm>
-          <a:off x="0" y="0"/>
-          <a:ext cx="0" cy="0"/>
-          <a:chOff x="0" y="0"/>
-          <a:chExt cx="0" cy="0"/>
-        </a:xfrm>
-      </p:grpSpPr>
-      <p:sp>
-        <p:nvSpPr>
-          <p:cNvPr id="2" name="コンテンツ プレースホルダー 1">
-            <a:extLst>
-              <a:ext uri="{FF2B5EF4-FFF2-40B4-BE49-F238E27FC236}">
-                <a16:creationId xmlns:a16="http://schemas.microsoft.com/office/drawing/2014/main" id="{86146898-2571-45B8-BBE9-7768511FA4DD}"/>
-              </a:ext>
-            </a:extLst>
-          </p:cNvPr>
-          <p:cNvSpPr>
-            <a:spLocks noGrp="1"/>
-          </p:cNvSpPr>
-          <p:nvPr>
-            <p:ph idx="1"/>
-          </p:nvPr>
-        </p:nvSpPr>
-        <p:spPr/>
-        <p:txBody>
-          <a:bodyPr/>
-          <a:lstStyle/>
-          <a:p>
-            <a:r>
-              <a:rPr kumimoji="1" lang="ja-JP" altLang="en-US"/>
-              <a:t>鍵生成 </a:t>
-            </a:r>
-            <a:r>
-              <a:rPr kumimoji="1" lang="en-US" altLang="ja-JP"/>
-              <a:t>; </a:t>
-            </a:r>
-            <a:r>
-              <a:rPr kumimoji="1" lang="ja-JP" altLang="en-US"/>
-              <a:t>秘密鍵ファイルを作る</a:t>
-            </a:r>
-            <a:endParaRPr kumimoji="1" lang="en-US" altLang="ja-JP"/>
-          </a:p>
-          <a:p>
-            <a:endParaRPr lang="en-US" altLang="ja-JP"/>
-          </a:p>
-          <a:p>
-            <a:r>
-              <a:rPr kumimoji="1" lang="ja-JP" altLang="en-US"/>
-              <a:t>秘密鍵ファイルから公開鍵ファイルを取り出す</a:t>
-            </a:r>
-            <a:endParaRPr kumimoji="1" lang="en-US" altLang="ja-JP"/>
-          </a:p>
-          <a:p>
-            <a:pPr lvl="1"/>
-            <a:endParaRPr kumimoji="1" lang="en-US" altLang="ja-JP"/>
-          </a:p>
-          <a:p>
-            <a:pPr lvl="1"/>
-            <a:endParaRPr lang="en-US" altLang="ja-JP"/>
-          </a:p>
-          <a:p>
-            <a:r>
-              <a:rPr kumimoji="1" lang="ja-JP" altLang="en-US"/>
-              <a:t>ファイルの中身を見る</a:t>
-            </a:r>
-            <a:endParaRPr kumimoji="1" lang="en-US" altLang="ja-JP"/>
-          </a:p>
-          <a:p>
-            <a:endParaRPr lang="en-US" altLang="ja-JP"/>
-          </a:p>
-          <a:p>
-            <a:endParaRPr kumimoji="1" lang="en-US" altLang="ja-JP"/>
-          </a:p>
-          <a:p>
-            <a:r>
-              <a:rPr lang="en-US" altLang="ja-JP"/>
-              <a:t>Python</a:t>
-            </a:r>
-            <a:r>
-              <a:rPr lang="ja-JP" altLang="en-US"/>
-              <a:t>で</a:t>
-            </a:r>
-            <a:r>
-              <a:rPr lang="en-US" altLang="ja-JP"/>
-              <a:t>16</a:t>
-            </a:r>
-            <a:r>
-              <a:rPr lang="ja-JP" altLang="en-US"/>
-              <a:t>進数を設定する</a:t>
-            </a:r>
-            <a:endParaRPr lang="en-US" altLang="ja-JP"/>
-          </a:p>
-        </p:txBody>
-      </p:sp>
-      <p:sp>
-        <p:nvSpPr>
-          <p:cNvPr id="3" name="スライド番号プレースホルダー 2">
-            <a:extLst>
-              <a:ext uri="{FF2B5EF4-FFF2-40B4-BE49-F238E27FC236}">
-                <a16:creationId xmlns:a16="http://schemas.microsoft.com/office/drawing/2014/main" id="{7408791B-AB2A-4971-B915-10D7499DEEEB}"/>
-              </a:ext>
-            </a:extLst>
-          </p:cNvPr>
-          <p:cNvSpPr>
-            <a:spLocks noGrp="1"/>
-          </p:cNvSpPr>
-          <p:nvPr>
-            <p:ph type="sldNum" sz="quarter" idx="12"/>
-          </p:nvPr>
-        </p:nvSpPr>
-        <p:spPr/>
-        <p:txBody>
-          <a:bodyPr/>
-          <a:lstStyle/>
-          <a:p>
-            <a:pPr>
-              <a:defRPr/>
-            </a:pPr>
-            <a:r>
-              <a:rPr lang="en-US" altLang="ja-JP"/>
-              <a:t>    </a:t>
-            </a:r>
-            <a:fld id="{B2782DEB-472A-4FE5-AC34-C17109CF5A91}" type="slidenum">
-              <a:rPr lang="en-US" altLang="ja-JP" smtClean="0"/>
-              <a:pPr>
-                <a:defRPr/>
-              </a:pPr>
-              <a:t>25</a:t>
-            </a:fld>
-            <a:r>
-              <a:rPr lang="en-US" altLang="ja-JP"/>
-              <a:t> / 24</a:t>
-            </a:r>
-          </a:p>
-        </p:txBody>
-      </p:sp>
-      <p:sp>
-        <p:nvSpPr>
-          <p:cNvPr id="4" name="タイトル 3">
-            <a:extLst>
-              <a:ext uri="{FF2B5EF4-FFF2-40B4-BE49-F238E27FC236}">
-                <a16:creationId xmlns:a16="http://schemas.microsoft.com/office/drawing/2014/main" id="{7D145D0B-65D8-4D71-B09E-B95A4BD377C3}"/>
-              </a:ext>
-            </a:extLst>
-          </p:cNvPr>
-          <p:cNvSpPr>
-            <a:spLocks noGrp="1"/>
-          </p:cNvSpPr>
-          <p:nvPr>
-            <p:ph type="title"/>
-          </p:nvPr>
-        </p:nvSpPr>
-        <p:spPr/>
-        <p:txBody>
-          <a:bodyPr/>
-          <a:lstStyle/>
-          <a:p>
-            <a:r>
-              <a:rPr kumimoji="1" lang="en-US" altLang="ja-JP"/>
-              <a:t>OpenSSL</a:t>
-            </a:r>
-            <a:r>
-              <a:rPr kumimoji="1" lang="ja-JP" altLang="en-US"/>
-              <a:t>による</a:t>
-            </a:r>
-            <a:r>
-              <a:rPr kumimoji="1" lang="en-US" altLang="ja-JP"/>
-              <a:t>RSA</a:t>
-            </a:r>
-            <a:r>
-              <a:rPr kumimoji="1" lang="ja-JP" altLang="en-US"/>
-              <a:t>暗号の鍵の作り方</a:t>
-            </a:r>
-          </a:p>
-        </p:txBody>
-      </p:sp>
-      <p:sp>
-        <p:nvSpPr>
-          <p:cNvPr id="5" name="テキスト ボックス 4">
-            <a:extLst>
-              <a:ext uri="{FF2B5EF4-FFF2-40B4-BE49-F238E27FC236}">
-                <a16:creationId xmlns:a16="http://schemas.microsoft.com/office/drawing/2014/main" id="{4F4FBDEA-DA11-4B79-B39E-0693546B9E9C}"/>
-              </a:ext>
-            </a:extLst>
-          </p:cNvPr>
-          <p:cNvSpPr txBox="1"/>
-          <p:nvPr/>
-        </p:nvSpPr>
-        <p:spPr>
-          <a:xfrm>
-            <a:off x="179512" y="1268760"/>
-            <a:ext cx="8784976" cy="461665"/>
-          </a:xfrm>
-          <a:prstGeom prst="rect">
-            <a:avLst/>
-          </a:prstGeom>
-          <a:solidFill>
-            <a:schemeClr val="bg1">
-              <a:lumMod val="95000"/>
-            </a:schemeClr>
-          </a:solidFill>
-          <a:ln w="19050" cap="rnd">
-            <a:noFill/>
-          </a:ln>
-        </p:spPr>
-        <p:txBody>
-          <a:bodyPr wrap="square" rtlCol="0">
-            <a:spAutoFit/>
-          </a:bodyPr>
-          <a:lstStyle/>
-          <a:p>
-            <a:r>
-              <a:rPr kumimoji="1" lang="en-US" altLang="ja-JP" sz="2400">
-                <a:latin typeface="游ゴシック" panose="020B0400000000000000" pitchFamily="50" charset="-128"/>
-                <a:ea typeface="游ゴシック" panose="020B0400000000000000" pitchFamily="50" charset="-128"/>
-                <a:cs typeface="Courier New" pitchFamily="49" charset="0"/>
-              </a:rPr>
-              <a:t>openssl genrsa 2048 &gt; sec-test-key.txt</a:t>
-            </a:r>
-            <a:endParaRPr kumimoji="1" lang="ja-JP" altLang="en-US" sz="2400">
-              <a:latin typeface="游ゴシック" panose="020B0400000000000000" pitchFamily="50" charset="-128"/>
-              <a:ea typeface="游ゴシック" panose="020B0400000000000000" pitchFamily="50" charset="-128"/>
-              <a:cs typeface="Courier New" pitchFamily="49" charset="0"/>
-            </a:endParaRPr>
-          </a:p>
-        </p:txBody>
-      </p:sp>
-      <p:sp>
-        <p:nvSpPr>
-          <p:cNvPr id="10" name="テキスト ボックス 9">
-            <a:extLst>
-              <a:ext uri="{FF2B5EF4-FFF2-40B4-BE49-F238E27FC236}">
-                <a16:creationId xmlns:a16="http://schemas.microsoft.com/office/drawing/2014/main" id="{DFB8F365-4179-49A9-8B22-EAED2F90F987}"/>
-              </a:ext>
-            </a:extLst>
-          </p:cNvPr>
-          <p:cNvSpPr txBox="1"/>
-          <p:nvPr/>
-        </p:nvSpPr>
-        <p:spPr>
-          <a:xfrm>
-            <a:off x="179512" y="2564904"/>
-            <a:ext cx="8784976" cy="461665"/>
-          </a:xfrm>
-          <a:prstGeom prst="rect">
-            <a:avLst/>
-          </a:prstGeom>
-          <a:solidFill>
-            <a:schemeClr val="bg1">
-              <a:lumMod val="95000"/>
-            </a:schemeClr>
-          </a:solidFill>
-          <a:ln w="19050" cap="rnd">
-            <a:noFill/>
-          </a:ln>
-        </p:spPr>
-        <p:txBody>
-          <a:bodyPr wrap="square" rtlCol="0">
-            <a:spAutoFit/>
-          </a:bodyPr>
-          <a:lstStyle/>
-          <a:p>
-            <a:r>
-              <a:rPr kumimoji="1" lang="en-US" altLang="ja-JP" sz="2400">
-                <a:latin typeface="游ゴシック" panose="020B0400000000000000" pitchFamily="50" charset="-128"/>
-                <a:ea typeface="游ゴシック" panose="020B0400000000000000" pitchFamily="50" charset="-128"/>
-                <a:cs typeface="Courier New" pitchFamily="49" charset="0"/>
-              </a:rPr>
-              <a:t>openssl rsa -pubout &lt; sec-test-key.txt &gt; pub-test-key.txt</a:t>
-            </a:r>
-            <a:endParaRPr kumimoji="1" lang="ja-JP" altLang="en-US" sz="2400">
-              <a:latin typeface="游ゴシック" panose="020B0400000000000000" pitchFamily="50" charset="-128"/>
-              <a:ea typeface="游ゴシック" panose="020B0400000000000000" pitchFamily="50" charset="-128"/>
-              <a:cs typeface="Courier New" pitchFamily="49" charset="0"/>
-            </a:endParaRPr>
-          </a:p>
-        </p:txBody>
-      </p:sp>
-      <p:sp>
-        <p:nvSpPr>
-          <p:cNvPr id="11" name="テキスト ボックス 10">
-            <a:extLst>
-              <a:ext uri="{FF2B5EF4-FFF2-40B4-BE49-F238E27FC236}">
-                <a16:creationId xmlns:a16="http://schemas.microsoft.com/office/drawing/2014/main" id="{3465CE71-7D3F-45B0-9328-227DE79821DD}"/>
-              </a:ext>
-            </a:extLst>
-          </p:cNvPr>
-          <p:cNvSpPr txBox="1"/>
-          <p:nvPr/>
-        </p:nvSpPr>
-        <p:spPr>
-          <a:xfrm>
-            <a:off x="179512" y="3870555"/>
-            <a:ext cx="8784976" cy="830997"/>
-          </a:xfrm>
-          <a:prstGeom prst="rect">
-            <a:avLst/>
-          </a:prstGeom>
-          <a:solidFill>
-            <a:schemeClr val="bg1">
-              <a:lumMod val="95000"/>
-            </a:schemeClr>
-          </a:solidFill>
-          <a:ln w="19050" cap="rnd">
-            <a:noFill/>
-          </a:ln>
-        </p:spPr>
-        <p:txBody>
-          <a:bodyPr wrap="square" rtlCol="0">
-            <a:spAutoFit/>
-          </a:bodyPr>
-          <a:lstStyle/>
-          <a:p>
-            <a:r>
-              <a:rPr kumimoji="1" lang="en-US" altLang="ja-JP" sz="2400">
-                <a:latin typeface="游ゴシック" panose="020B0400000000000000" pitchFamily="50" charset="-128"/>
-                <a:ea typeface="游ゴシック" panose="020B0400000000000000" pitchFamily="50" charset="-128"/>
-                <a:cs typeface="Courier New" pitchFamily="49" charset="0"/>
-              </a:rPr>
-              <a:t>openssl rsa -text -pubin -noout &lt; pub-test-key.txt</a:t>
-            </a:r>
-          </a:p>
-          <a:p>
-            <a:r>
-              <a:rPr kumimoji="1" lang="en-US" altLang="ja-JP" sz="2400">
-                <a:latin typeface="游ゴシック" panose="020B0400000000000000" pitchFamily="50" charset="-128"/>
-                <a:ea typeface="游ゴシック" panose="020B0400000000000000" pitchFamily="50" charset="-128"/>
-                <a:cs typeface="Courier New" pitchFamily="49" charset="0"/>
-              </a:rPr>
-              <a:t>openssl rsa -text -noout &lt; sec-test-key.txt</a:t>
-            </a:r>
-            <a:endParaRPr kumimoji="1" lang="ja-JP" altLang="en-US" sz="2400">
-              <a:latin typeface="游ゴシック" panose="020B0400000000000000" pitchFamily="50" charset="-128"/>
-              <a:ea typeface="游ゴシック" panose="020B0400000000000000" pitchFamily="50" charset="-128"/>
-              <a:cs typeface="Courier New" pitchFamily="49" charset="0"/>
-            </a:endParaRPr>
-          </a:p>
-        </p:txBody>
-      </p:sp>
-      <p:sp>
-        <p:nvSpPr>
-          <p:cNvPr id="13" name="テキスト ボックス 12">
-            <a:extLst>
-              <a:ext uri="{FF2B5EF4-FFF2-40B4-BE49-F238E27FC236}">
-                <a16:creationId xmlns:a16="http://schemas.microsoft.com/office/drawing/2014/main" id="{70F0AB3E-F493-4040-9056-22B7897941B4}"/>
-              </a:ext>
-            </a:extLst>
-          </p:cNvPr>
-          <p:cNvSpPr txBox="1"/>
-          <p:nvPr/>
-        </p:nvSpPr>
-        <p:spPr>
-          <a:xfrm>
-            <a:off x="190732" y="5722203"/>
-            <a:ext cx="8784976" cy="830997"/>
-          </a:xfrm>
-          <a:prstGeom prst="rect">
-            <a:avLst/>
-          </a:prstGeom>
-          <a:solidFill>
-            <a:schemeClr val="bg1">
-              <a:lumMod val="95000"/>
-            </a:schemeClr>
-          </a:solidFill>
-          <a:ln w="19050" cap="rnd">
-            <a:noFill/>
-          </a:ln>
-        </p:spPr>
-        <p:txBody>
-          <a:bodyPr wrap="square" rtlCol="0">
-            <a:spAutoFit/>
-          </a:bodyPr>
-          <a:lstStyle/>
-          <a:p>
-            <a:r>
-              <a:rPr kumimoji="1" lang="en-US" altLang="ja-JP" sz="2400">
-                <a:latin typeface="游ゴシック" panose="020B0400000000000000" pitchFamily="50" charset="-128"/>
-                <a:ea typeface="游ゴシック" panose="020B0400000000000000" pitchFamily="50" charset="-128"/>
-                <a:cs typeface="Courier New" pitchFamily="49" charset="0"/>
-              </a:rPr>
-              <a:t>def convert_to_int(s):</a:t>
-            </a:r>
-          </a:p>
-          <a:p>
-            <a:r>
-              <a:rPr lang="en-US" altLang="ja-JP" sz="2400">
-                <a:latin typeface="游ゴシック" panose="020B0400000000000000" pitchFamily="50" charset="-128"/>
-                <a:ea typeface="游ゴシック" panose="020B0400000000000000" pitchFamily="50" charset="-128"/>
-                <a:cs typeface="Courier New" pitchFamily="49" charset="0"/>
-              </a:rPr>
-              <a:t>  </a:t>
-            </a:r>
-            <a:r>
-              <a:rPr kumimoji="1" lang="en-US" altLang="ja-JP" sz="2400">
-                <a:latin typeface="游ゴシック" panose="020B0400000000000000" pitchFamily="50" charset="-128"/>
-                <a:ea typeface="游ゴシック" panose="020B0400000000000000" pitchFamily="50" charset="-128"/>
-                <a:cs typeface="Courier New" pitchFamily="49" charset="0"/>
-              </a:rPr>
-              <a:t>return int("".join(s.split()).replace(":",""),16)</a:t>
-            </a:r>
-            <a:endParaRPr kumimoji="1" lang="ja-JP" altLang="en-US" sz="2400">
-              <a:latin typeface="游ゴシック" panose="020B0400000000000000" pitchFamily="50" charset="-128"/>
-              <a:ea typeface="游ゴシック" panose="020B0400000000000000" pitchFamily="50" charset="-128"/>
-              <a:cs typeface="Courier New" pitchFamily="49" charset="0"/>
-            </a:endParaRPr>
-          </a:p>
-        </p:txBody>
-      </p:sp>
-    </p:spTree>
-    <p:extLst>
-      <p:ext uri="{BB962C8B-B14F-4D97-AF65-F5344CB8AC3E}">
-        <p14:creationId xmlns:p14="http://schemas.microsoft.com/office/powerpoint/2010/main" val="1861223827"/>
-      </p:ext>
-    </p:extLst>
-  </p:cSld>
-  <p:clrMapOvr>
-    <a:masterClrMapping/>
-  </p:clrMapOvr>
-</p:sld>
-</file>
-
 <file path=ppt/slides/slide3.xml><?xml version="1.0" encoding="utf-8"?>
 <p:sld xmlns:a="http://schemas.openxmlformats.org/drawingml/2006/main" xmlns:r="http://schemas.openxmlformats.org/officeDocument/2006/relationships" xmlns:p="http://schemas.openxmlformats.org/presentationml/2006/main">
   <p:cSld>
